--- a/extensions/icdm2016/doc-Experiments/ResidualAnalysis.pptx
+++ b/extensions/icdm2016/doc-Experiments/ResidualAnalysis.pptx
@@ -6,13 +6,16 @@
   </p:sldMasterIdLst>
   <p:sldIdLst>
     <p:sldId id="256" r:id="rId2"/>
-    <p:sldId id="257" r:id="rId3"/>
-    <p:sldId id="258" r:id="rId4"/>
-    <p:sldId id="259" r:id="rId5"/>
-    <p:sldId id="260" r:id="rId6"/>
-    <p:sldId id="261" r:id="rId7"/>
-    <p:sldId id="262" r:id="rId8"/>
-    <p:sldId id="263" r:id="rId9"/>
+    <p:sldId id="264" r:id="rId3"/>
+    <p:sldId id="265" r:id="rId4"/>
+    <p:sldId id="266" r:id="rId5"/>
+    <p:sldId id="257" r:id="rId6"/>
+    <p:sldId id="258" r:id="rId7"/>
+    <p:sldId id="259" r:id="rId8"/>
+    <p:sldId id="260" r:id="rId9"/>
+    <p:sldId id="261" r:id="rId10"/>
+    <p:sldId id="262" r:id="rId11"/>
+    <p:sldId id="263" r:id="rId12"/>
   </p:sldIdLst>
   <p:sldSz cx="9144000" cy="6858000" type="screen4x3"/>
   <p:notesSz cx="6858000" cy="9144000"/>
@@ -130,17 +133,7 @@
   <c:chart>
     <c:autoTitleDeleted val="0"/>
     <c:plotArea>
-      <c:layout>
-        <c:manualLayout>
-          <c:layoutTarget val="inner"/>
-          <c:xMode val="edge"/>
-          <c:yMode val="edge"/>
-          <c:x val="0.0405656797745805"/>
-          <c:y val="0.0415732064115971"/>
-          <c:w val="0.793534651173868"/>
-          <c:h val="0.875117256599821"/>
-        </c:manualLayout>
-      </c:layout>
+      <c:layout/>
       <c:lineChart>
         <c:grouping val="standard"/>
         <c:varyColors val="0"/>
@@ -148,403 +141,213 @@
           <c:idx val="0"/>
           <c:order val="0"/>
           <c:tx>
-            <c:v>Residuals</c:v>
+            <c:strRef>
+              <c:f>NoPeaks!$Y$1</c:f>
+              <c:strCache>
+                <c:ptCount val="1"/>
+                <c:pt idx="0">
+                  <c:v>meanH</c:v>
+                </c:pt>
+              </c:strCache>
+            </c:strRef>
           </c:tx>
           <c:marker>
             <c:symbol val="none"/>
           </c:marker>
-          <c:cat>
-            <c:numRef>
-              <c:f>'NoPeaks--Residuals'!$AB$2:$AB$64</c:f>
-              <c:numCache>
-                <c:formatCode>mmm\-yy</c:formatCode>
-                <c:ptCount val="63"/>
-                <c:pt idx="0">
-                  <c:v>39173.0</c:v>
-                </c:pt>
-                <c:pt idx="1">
-                  <c:v>39234.0</c:v>
-                </c:pt>
-                <c:pt idx="2">
-                  <c:v>39264.0</c:v>
-                </c:pt>
-                <c:pt idx="3">
-                  <c:v>39295.0</c:v>
-                </c:pt>
-                <c:pt idx="4">
-                  <c:v>39326.0</c:v>
-                </c:pt>
-                <c:pt idx="5">
-                  <c:v>39356.0</c:v>
-                </c:pt>
-                <c:pt idx="6">
-                  <c:v>39417.0</c:v>
-                </c:pt>
-                <c:pt idx="7">
-                  <c:v>39448.0</c:v>
-                </c:pt>
-                <c:pt idx="8">
-                  <c:v>39479.0</c:v>
-                </c:pt>
-                <c:pt idx="9">
-                  <c:v>39508.0</c:v>
-                </c:pt>
-                <c:pt idx="10">
-                  <c:v>39539.0</c:v>
-                </c:pt>
-                <c:pt idx="11">
-                  <c:v>39600.0</c:v>
-                </c:pt>
-                <c:pt idx="12">
-                  <c:v>39630.0</c:v>
-                </c:pt>
-                <c:pt idx="13">
-                  <c:v>39661.0</c:v>
-                </c:pt>
-                <c:pt idx="14">
-                  <c:v>39692.0</c:v>
-                </c:pt>
-                <c:pt idx="15">
-                  <c:v>39722.0</c:v>
-                </c:pt>
-                <c:pt idx="16">
-                  <c:v>39783.0</c:v>
-                </c:pt>
-                <c:pt idx="17">
-                  <c:v>39814.0</c:v>
-                </c:pt>
-                <c:pt idx="18">
-                  <c:v>39845.0</c:v>
-                </c:pt>
-                <c:pt idx="19">
-                  <c:v>39873.0</c:v>
-                </c:pt>
-                <c:pt idx="20">
-                  <c:v>39904.0</c:v>
-                </c:pt>
-                <c:pt idx="21">
-                  <c:v>39965.0</c:v>
-                </c:pt>
-                <c:pt idx="22">
-                  <c:v>39995.0</c:v>
-                </c:pt>
-                <c:pt idx="23">
-                  <c:v>40026.0</c:v>
-                </c:pt>
-                <c:pt idx="24">
-                  <c:v>40057.0</c:v>
-                </c:pt>
-                <c:pt idx="25">
-                  <c:v>40087.0</c:v>
-                </c:pt>
-                <c:pt idx="26">
-                  <c:v>40148.0</c:v>
-                </c:pt>
-                <c:pt idx="27">
-                  <c:v>40179.0</c:v>
-                </c:pt>
-                <c:pt idx="28">
-                  <c:v>40210.0</c:v>
-                </c:pt>
-                <c:pt idx="29">
-                  <c:v>40238.0</c:v>
-                </c:pt>
-                <c:pt idx="30">
-                  <c:v>40269.0</c:v>
-                </c:pt>
-                <c:pt idx="31">
-                  <c:v>40330.0</c:v>
-                </c:pt>
-                <c:pt idx="32">
-                  <c:v>40360.0</c:v>
-                </c:pt>
-                <c:pt idx="33">
-                  <c:v>40391.0</c:v>
-                </c:pt>
-                <c:pt idx="34">
-                  <c:v>40422.0</c:v>
-                </c:pt>
-                <c:pt idx="35">
-                  <c:v>40452.0</c:v>
-                </c:pt>
-                <c:pt idx="36">
-                  <c:v>40513.0</c:v>
-                </c:pt>
-                <c:pt idx="37">
-                  <c:v>40544.0</c:v>
-                </c:pt>
-                <c:pt idx="38">
-                  <c:v>40603.0</c:v>
-                </c:pt>
-                <c:pt idx="39">
-                  <c:v>40634.0</c:v>
-                </c:pt>
-                <c:pt idx="40">
-                  <c:v>40695.0</c:v>
-                </c:pt>
-                <c:pt idx="41">
-                  <c:v>40725.0</c:v>
-                </c:pt>
-                <c:pt idx="42">
-                  <c:v>40787.0</c:v>
-                </c:pt>
-                <c:pt idx="43">
-                  <c:v>40817.0</c:v>
-                </c:pt>
-                <c:pt idx="44">
-                  <c:v>40878.0</c:v>
-                </c:pt>
-                <c:pt idx="45">
-                  <c:v>40909.0</c:v>
-                </c:pt>
-                <c:pt idx="46">
-                  <c:v>40969.0</c:v>
-                </c:pt>
-                <c:pt idx="47">
-                  <c:v>41000.0</c:v>
-                </c:pt>
-                <c:pt idx="48">
-                  <c:v>41061.0</c:v>
-                </c:pt>
-                <c:pt idx="49">
-                  <c:v>41091.0</c:v>
-                </c:pt>
-                <c:pt idx="50">
-                  <c:v>41153.0</c:v>
-                </c:pt>
-                <c:pt idx="51">
-                  <c:v>41183.0</c:v>
-                </c:pt>
-                <c:pt idx="52">
-                  <c:v>41244.0</c:v>
-                </c:pt>
-                <c:pt idx="53">
-                  <c:v>41275.0</c:v>
-                </c:pt>
-                <c:pt idx="54">
-                  <c:v>41334.0</c:v>
-                </c:pt>
-                <c:pt idx="55">
-                  <c:v>41365.0</c:v>
-                </c:pt>
-                <c:pt idx="56">
-                  <c:v>41426.0</c:v>
-                </c:pt>
-                <c:pt idx="57">
-                  <c:v>41456.0</c:v>
-                </c:pt>
-                <c:pt idx="58">
-                  <c:v>41518.0</c:v>
-                </c:pt>
-                <c:pt idx="59">
-                  <c:v>41548.0</c:v>
-                </c:pt>
-                <c:pt idx="60">
-                  <c:v>41609.0</c:v>
-                </c:pt>
-                <c:pt idx="61">
-                  <c:v>41640.0</c:v>
-                </c:pt>
-                <c:pt idx="62">
-                  <c:v>41699.0</c:v>
-                </c:pt>
-              </c:numCache>
-            </c:numRef>
-          </c:cat>
           <c:val>
             <c:numRef>
-              <c:f>'NoPeaks--Residuals'!$Y$2:$Y$64</c:f>
+              <c:f>NoPeaks!$Y$2:$Y$64</c:f>
               <c:numCache>
                 <c:formatCode>General</c:formatCode>
                 <c:ptCount val="63"/>
                 <c:pt idx="0">
-                  <c:v>10.3445784863812</c:v>
+                  <c:v>10.8072435130333</c:v>
                 </c:pt>
                 <c:pt idx="1">
-                  <c:v>9.49673901698079</c:v>
+                  <c:v>10.0648305383034</c:v>
                 </c:pt>
                 <c:pt idx="2">
-                  <c:v>8.97668006663262</c:v>
+                  <c:v>9.71988904822459</c:v>
                 </c:pt>
                 <c:pt idx="3">
-                  <c:v>9.044798569786121</c:v>
+                  <c:v>10.1813306138574</c:v>
                 </c:pt>
                 <c:pt idx="4">
-                  <c:v>9.236529911830489</c:v>
+                  <c:v>11.8825396253933</c:v>
                 </c:pt>
                 <c:pt idx="5">
-                  <c:v>8.84904880905487</c:v>
+                  <c:v>12.5086720371748</c:v>
                 </c:pt>
                 <c:pt idx="6">
-                  <c:v>8.69808150632024</c:v>
+                  <c:v>13.3995662129006</c:v>
                 </c:pt>
                 <c:pt idx="7">
-                  <c:v>8.41209312850717</c:v>
+                  <c:v>13.538490842902</c:v>
                 </c:pt>
                 <c:pt idx="8">
-                  <c:v>8.20269887089015</c:v>
+                  <c:v>13.7851514670233</c:v>
                 </c:pt>
                 <c:pt idx="9">
-                  <c:v>8.03203621409346</c:v>
+                  <c:v>13.8414410000992</c:v>
                 </c:pt>
                 <c:pt idx="10">
-                  <c:v>8.047587983939421</c:v>
+                  <c:v>14.3239885692746</c:v>
                 </c:pt>
                 <c:pt idx="11">
-                  <c:v>8.02393870851861</c:v>
+                  <c:v>14.8998477112621</c:v>
                 </c:pt>
                 <c:pt idx="12">
-                  <c:v>8.3492202968397</c:v>
+                  <c:v>15.5464940866679</c:v>
                 </c:pt>
                 <c:pt idx="13">
-                  <c:v>8.38984621031526</c:v>
+                  <c:v>16.8425100084196</c:v>
                 </c:pt>
                 <c:pt idx="14">
-                  <c:v>8.81735937645646</c:v>
+                  <c:v>18.8112332380767</c:v>
                 </c:pt>
                 <c:pt idx="15">
-                  <c:v>8.93055688659138</c:v>
+                  <c:v>20.415325846466</c:v>
                 </c:pt>
                 <c:pt idx="16">
-                  <c:v>9.59299388463246</c:v>
+                  <c:v>22.7502123271542</c:v>
                 </c:pt>
                 <c:pt idx="17">
-                  <c:v>9.71622989879557</c:v>
+                  <c:v>23.5969505198896</c:v>
                 </c:pt>
                 <c:pt idx="18">
-                  <c:v>9.62391993917603</c:v>
+                  <c:v>23.938405153761</c:v>
                 </c:pt>
                 <c:pt idx="19">
-                  <c:v>9.0638484729924</c:v>
+                  <c:v>23.4533557438646</c:v>
                 </c:pt>
                 <c:pt idx="20">
-                  <c:v>8.433824249673179</c:v>
+                  <c:v>22.4317542714871</c:v>
                 </c:pt>
                 <c:pt idx="21">
-                  <c:v>8.47630911020811</c:v>
+                  <c:v>21.6199421147928</c:v>
                 </c:pt>
                 <c:pt idx="22">
-                  <c:v>8.67844434948953</c:v>
+                  <c:v>20.4606706077493</c:v>
                 </c:pt>
                 <c:pt idx="23">
-                  <c:v>9.647402294375521</c:v>
+                  <c:v>20.7001562067842</c:v>
                 </c:pt>
                 <c:pt idx="24">
-                  <c:v>10.575582767537</c:v>
+                  <c:v>21.8770009350111</c:v>
                 </c:pt>
                 <c:pt idx="25">
-                  <c:v>11.2232778881396</c:v>
+                  <c:v>23.4061551525846</c:v>
                 </c:pt>
                 <c:pt idx="26">
-                  <c:v>12.1315101970072</c:v>
+                  <c:v>25.0926738248192</c:v>
                 </c:pt>
                 <c:pt idx="27">
-                  <c:v>13.2455279815095</c:v>
+                  <c:v>26.2892232753235</c:v>
                 </c:pt>
                 <c:pt idx="28">
-                  <c:v>13.5699553937133</c:v>
+                  <c:v>26.7134766823723</c:v>
                 </c:pt>
                 <c:pt idx="29">
-                  <c:v>13.7936612335624</c:v>
+                  <c:v>26.2091560965992</c:v>
                 </c:pt>
                 <c:pt idx="30">
-                  <c:v>14.730759131952</c:v>
+                  <c:v>25.2363785630722</c:v>
                 </c:pt>
                 <c:pt idx="31">
-                  <c:v>15.8327091963131</c:v>
+                  <c:v>24.4479027111999</c:v>
                 </c:pt>
                 <c:pt idx="32">
-                  <c:v>16.9852049491734</c:v>
+                  <c:v>23.4327580591262</c:v>
                 </c:pt>
                 <c:pt idx="33">
-                  <c:v>17.8847204087899</c:v>
+                  <c:v>24.1168503120999</c:v>
                 </c:pt>
                 <c:pt idx="34">
-                  <c:v>17.9152451139236</c:v>
+                  <c:v>25.6656436367341</c:v>
                 </c:pt>
                 <c:pt idx="35">
-                  <c:v>17.5690432362657</c:v>
+                  <c:v>27.0602331054226</c:v>
                 </c:pt>
                 <c:pt idx="36">
-                  <c:v>16.9787283199422</c:v>
+                  <c:v>28.5784982958522</c:v>
                 </c:pt>
                 <c:pt idx="37">
-                  <c:v>16.0463886558041</c:v>
+                  <c:v>28.42921900054</c:v>
                 </c:pt>
                 <c:pt idx="38">
-                  <c:v>15.9163069088959</c:v>
+                  <c:v>28.7633907262551</c:v>
                 </c:pt>
                 <c:pt idx="39">
-                  <c:v>15.8436503898057</c:v>
+                  <c:v>27.970224189714</c:v>
                 </c:pt>
                 <c:pt idx="40">
-                  <c:v>16.2313427149607</c:v>
+                  <c:v>27.5021581334971</c:v>
                 </c:pt>
                 <c:pt idx="41">
-                  <c:v>16.3858690126143</c:v>
+                  <c:v>26.6003996586492</c:v>
                 </c:pt>
                 <c:pt idx="42">
-                  <c:v>16.5538392057555</c:v>
+                  <c:v>26.6593353741743</c:v>
                 </c:pt>
                 <c:pt idx="43">
-                  <c:v>15.9573424121871</c:v>
+                  <c:v>27.9990192789303</c:v>
                 </c:pt>
                 <c:pt idx="44">
-                  <c:v>15.7099576582385</c:v>
+                  <c:v>29.6835209653212</c:v>
                 </c:pt>
                 <c:pt idx="45">
-                  <c:v>15.5334982291618</c:v>
+                  <c:v>30.485317618033</c:v>
                 </c:pt>
                 <c:pt idx="46">
-                  <c:v>15.9895719340835</c:v>
+                  <c:v>31.5017036388935</c:v>
                 </c:pt>
                 <c:pt idx="47">
-                  <c:v>16.9106735849617</c:v>
+                  <c:v>31.284121881674</c:v>
                 </c:pt>
                 <c:pt idx="48">
-                  <c:v>17.6222413344299</c:v>
+                  <c:v>30.4413204017466</c:v>
                 </c:pt>
                 <c:pt idx="49">
-                  <c:v>18.1739675558588</c:v>
+                  <c:v>29.7931126510296</c:v>
                 </c:pt>
                 <c:pt idx="50">
-                  <c:v>18.9343109995181</c:v>
+                  <c:v>29.9163601054611</c:v>
                 </c:pt>
                 <c:pt idx="51">
-                  <c:v>18.2867192331627</c:v>
+                  <c:v>30.9414965631263</c:v>
                 </c:pt>
                 <c:pt idx="52">
-                  <c:v>17.6109808355895</c:v>
+                  <c:v>31.8289972461111</c:v>
                 </c:pt>
                 <c:pt idx="53">
-                  <c:v>17.249238632352</c:v>
+                  <c:v>31.6292750973672</c:v>
                 </c:pt>
                 <c:pt idx="54">
-                  <c:v>17.7937395818145</c:v>
+                  <c:v>31.6773385323485</c:v>
                 </c:pt>
                 <c:pt idx="55">
-                  <c:v>19.0036097245179</c:v>
+                  <c:v>30.497350675282</c:v>
                 </c:pt>
                 <c:pt idx="56">
-                  <c:v>21.1186114401618</c:v>
+                  <c:v>29.732193995007</c:v>
                 </c:pt>
                 <c:pt idx="57">
-                  <c:v>23.4210415548929</c:v>
+                  <c:v>28.6976343865524</c:v>
                 </c:pt>
                 <c:pt idx="58">
-                  <c:v>24.987918602161</c:v>
+                  <c:v>29.3839872804105</c:v>
                 </c:pt>
                 <c:pt idx="59">
-                  <c:v>24.7276370229027</c:v>
+                  <c:v>29.4864399672066</c:v>
                 </c:pt>
                 <c:pt idx="60">
-                  <c:v>24.4059062861854</c:v>
+                  <c:v>30.2086487229794</c:v>
                 </c:pt>
                 <c:pt idx="61">
-                  <c:v>24.7231941296728</c:v>
+                  <c:v>30.2991190346925</c:v>
                 </c:pt>
                 <c:pt idx="62">
-                  <c:v>25.8651498026024</c:v>
+                  <c:v>30.2237079922468</c:v>
                 </c:pt>
               </c:numCache>
             </c:numRef>
@@ -556,7 +359,7 @@
           <c:order val="1"/>
           <c:tx>
             <c:strRef>
-              <c:f>'NoPeaks--Residuals'!$AA$1</c:f>
+              <c:f>NoPeaks!$AA$1</c:f>
               <c:strCache>
                 <c:ptCount val="1"/>
                 <c:pt idx="0">
@@ -568,207 +371,9 @@
           <c:marker>
             <c:symbol val="none"/>
           </c:marker>
-          <c:cat>
-            <c:numRef>
-              <c:f>'NoPeaks--Residuals'!$AB$2:$AB$64</c:f>
-              <c:numCache>
-                <c:formatCode>mmm\-yy</c:formatCode>
-                <c:ptCount val="63"/>
-                <c:pt idx="0">
-                  <c:v>39173.0</c:v>
-                </c:pt>
-                <c:pt idx="1">
-                  <c:v>39234.0</c:v>
-                </c:pt>
-                <c:pt idx="2">
-                  <c:v>39264.0</c:v>
-                </c:pt>
-                <c:pt idx="3">
-                  <c:v>39295.0</c:v>
-                </c:pt>
-                <c:pt idx="4">
-                  <c:v>39326.0</c:v>
-                </c:pt>
-                <c:pt idx="5">
-                  <c:v>39356.0</c:v>
-                </c:pt>
-                <c:pt idx="6">
-                  <c:v>39417.0</c:v>
-                </c:pt>
-                <c:pt idx="7">
-                  <c:v>39448.0</c:v>
-                </c:pt>
-                <c:pt idx="8">
-                  <c:v>39479.0</c:v>
-                </c:pt>
-                <c:pt idx="9">
-                  <c:v>39508.0</c:v>
-                </c:pt>
-                <c:pt idx="10">
-                  <c:v>39539.0</c:v>
-                </c:pt>
-                <c:pt idx="11">
-                  <c:v>39600.0</c:v>
-                </c:pt>
-                <c:pt idx="12">
-                  <c:v>39630.0</c:v>
-                </c:pt>
-                <c:pt idx="13">
-                  <c:v>39661.0</c:v>
-                </c:pt>
-                <c:pt idx="14">
-                  <c:v>39692.0</c:v>
-                </c:pt>
-                <c:pt idx="15">
-                  <c:v>39722.0</c:v>
-                </c:pt>
-                <c:pt idx="16">
-                  <c:v>39783.0</c:v>
-                </c:pt>
-                <c:pt idx="17">
-                  <c:v>39814.0</c:v>
-                </c:pt>
-                <c:pt idx="18">
-                  <c:v>39845.0</c:v>
-                </c:pt>
-                <c:pt idx="19">
-                  <c:v>39873.0</c:v>
-                </c:pt>
-                <c:pt idx="20">
-                  <c:v>39904.0</c:v>
-                </c:pt>
-                <c:pt idx="21">
-                  <c:v>39965.0</c:v>
-                </c:pt>
-                <c:pt idx="22">
-                  <c:v>39995.0</c:v>
-                </c:pt>
-                <c:pt idx="23">
-                  <c:v>40026.0</c:v>
-                </c:pt>
-                <c:pt idx="24">
-                  <c:v>40057.0</c:v>
-                </c:pt>
-                <c:pt idx="25">
-                  <c:v>40087.0</c:v>
-                </c:pt>
-                <c:pt idx="26">
-                  <c:v>40148.0</c:v>
-                </c:pt>
-                <c:pt idx="27">
-                  <c:v>40179.0</c:v>
-                </c:pt>
-                <c:pt idx="28">
-                  <c:v>40210.0</c:v>
-                </c:pt>
-                <c:pt idx="29">
-                  <c:v>40238.0</c:v>
-                </c:pt>
-                <c:pt idx="30">
-                  <c:v>40269.0</c:v>
-                </c:pt>
-                <c:pt idx="31">
-                  <c:v>40330.0</c:v>
-                </c:pt>
-                <c:pt idx="32">
-                  <c:v>40360.0</c:v>
-                </c:pt>
-                <c:pt idx="33">
-                  <c:v>40391.0</c:v>
-                </c:pt>
-                <c:pt idx="34">
-                  <c:v>40422.0</c:v>
-                </c:pt>
-                <c:pt idx="35">
-                  <c:v>40452.0</c:v>
-                </c:pt>
-                <c:pt idx="36">
-                  <c:v>40513.0</c:v>
-                </c:pt>
-                <c:pt idx="37">
-                  <c:v>40544.0</c:v>
-                </c:pt>
-                <c:pt idx="38">
-                  <c:v>40603.0</c:v>
-                </c:pt>
-                <c:pt idx="39">
-                  <c:v>40634.0</c:v>
-                </c:pt>
-                <c:pt idx="40">
-                  <c:v>40695.0</c:v>
-                </c:pt>
-                <c:pt idx="41">
-                  <c:v>40725.0</c:v>
-                </c:pt>
-                <c:pt idx="42">
-                  <c:v>40787.0</c:v>
-                </c:pt>
-                <c:pt idx="43">
-                  <c:v>40817.0</c:v>
-                </c:pt>
-                <c:pt idx="44">
-                  <c:v>40878.0</c:v>
-                </c:pt>
-                <c:pt idx="45">
-                  <c:v>40909.0</c:v>
-                </c:pt>
-                <c:pt idx="46">
-                  <c:v>40969.0</c:v>
-                </c:pt>
-                <c:pt idx="47">
-                  <c:v>41000.0</c:v>
-                </c:pt>
-                <c:pt idx="48">
-                  <c:v>41061.0</c:v>
-                </c:pt>
-                <c:pt idx="49">
-                  <c:v>41091.0</c:v>
-                </c:pt>
-                <c:pt idx="50">
-                  <c:v>41153.0</c:v>
-                </c:pt>
-                <c:pt idx="51">
-                  <c:v>41183.0</c:v>
-                </c:pt>
-                <c:pt idx="52">
-                  <c:v>41244.0</c:v>
-                </c:pt>
-                <c:pt idx="53">
-                  <c:v>41275.0</c:v>
-                </c:pt>
-                <c:pt idx="54">
-                  <c:v>41334.0</c:v>
-                </c:pt>
-                <c:pt idx="55">
-                  <c:v>41365.0</c:v>
-                </c:pt>
-                <c:pt idx="56">
-                  <c:v>41426.0</c:v>
-                </c:pt>
-                <c:pt idx="57">
-                  <c:v>41456.0</c:v>
-                </c:pt>
-                <c:pt idx="58">
-                  <c:v>41518.0</c:v>
-                </c:pt>
-                <c:pt idx="59">
-                  <c:v>41548.0</c:v>
-                </c:pt>
-                <c:pt idx="60">
-                  <c:v>41609.0</c:v>
-                </c:pt>
-                <c:pt idx="61">
-                  <c:v>41640.0</c:v>
-                </c:pt>
-                <c:pt idx="62">
-                  <c:v>41699.0</c:v>
-                </c:pt>
-              </c:numCache>
-            </c:numRef>
-          </c:cat>
           <c:val>
             <c:numRef>
-              <c:f>'NoPeaks--Residuals'!$AA$5:$AA$64</c:f>
+              <c:f>NoPeaks!$AA$5:$AA$64</c:f>
               <c:numCache>
                 <c:formatCode>General</c:formatCode>
                 <c:ptCount val="60"/>
@@ -951,1029 +556,6 @@
                 </c:pt>
                 <c:pt idx="59">
                   <c:v>33.35</c:v>
-                </c:pt>
-              </c:numCache>
-            </c:numRef>
-          </c:val>
-          <c:smooth val="0"/>
-        </c:ser>
-        <c:ser>
-          <c:idx val="2"/>
-          <c:order val="2"/>
-          <c:tx>
-            <c:v>Original</c:v>
-          </c:tx>
-          <c:marker>
-            <c:symbol val="none"/>
-          </c:marker>
-          <c:cat>
-            <c:numRef>
-              <c:f>'NoPeaks--Residuals'!$AB$2:$AB$64</c:f>
-              <c:numCache>
-                <c:formatCode>mmm\-yy</c:formatCode>
-                <c:ptCount val="63"/>
-                <c:pt idx="0">
-                  <c:v>39173.0</c:v>
-                </c:pt>
-                <c:pt idx="1">
-                  <c:v>39234.0</c:v>
-                </c:pt>
-                <c:pt idx="2">
-                  <c:v>39264.0</c:v>
-                </c:pt>
-                <c:pt idx="3">
-                  <c:v>39295.0</c:v>
-                </c:pt>
-                <c:pt idx="4">
-                  <c:v>39326.0</c:v>
-                </c:pt>
-                <c:pt idx="5">
-                  <c:v>39356.0</c:v>
-                </c:pt>
-                <c:pt idx="6">
-                  <c:v>39417.0</c:v>
-                </c:pt>
-                <c:pt idx="7">
-                  <c:v>39448.0</c:v>
-                </c:pt>
-                <c:pt idx="8">
-                  <c:v>39479.0</c:v>
-                </c:pt>
-                <c:pt idx="9">
-                  <c:v>39508.0</c:v>
-                </c:pt>
-                <c:pt idx="10">
-                  <c:v>39539.0</c:v>
-                </c:pt>
-                <c:pt idx="11">
-                  <c:v>39600.0</c:v>
-                </c:pt>
-                <c:pt idx="12">
-                  <c:v>39630.0</c:v>
-                </c:pt>
-                <c:pt idx="13">
-                  <c:v>39661.0</c:v>
-                </c:pt>
-                <c:pt idx="14">
-                  <c:v>39692.0</c:v>
-                </c:pt>
-                <c:pt idx="15">
-                  <c:v>39722.0</c:v>
-                </c:pt>
-                <c:pt idx="16">
-                  <c:v>39783.0</c:v>
-                </c:pt>
-                <c:pt idx="17">
-                  <c:v>39814.0</c:v>
-                </c:pt>
-                <c:pt idx="18">
-                  <c:v>39845.0</c:v>
-                </c:pt>
-                <c:pt idx="19">
-                  <c:v>39873.0</c:v>
-                </c:pt>
-                <c:pt idx="20">
-                  <c:v>39904.0</c:v>
-                </c:pt>
-                <c:pt idx="21">
-                  <c:v>39965.0</c:v>
-                </c:pt>
-                <c:pt idx="22">
-                  <c:v>39995.0</c:v>
-                </c:pt>
-                <c:pt idx="23">
-                  <c:v>40026.0</c:v>
-                </c:pt>
-                <c:pt idx="24">
-                  <c:v>40057.0</c:v>
-                </c:pt>
-                <c:pt idx="25">
-                  <c:v>40087.0</c:v>
-                </c:pt>
-                <c:pt idx="26">
-                  <c:v>40148.0</c:v>
-                </c:pt>
-                <c:pt idx="27">
-                  <c:v>40179.0</c:v>
-                </c:pt>
-                <c:pt idx="28">
-                  <c:v>40210.0</c:v>
-                </c:pt>
-                <c:pt idx="29">
-                  <c:v>40238.0</c:v>
-                </c:pt>
-                <c:pt idx="30">
-                  <c:v>40269.0</c:v>
-                </c:pt>
-                <c:pt idx="31">
-                  <c:v>40330.0</c:v>
-                </c:pt>
-                <c:pt idx="32">
-                  <c:v>40360.0</c:v>
-                </c:pt>
-                <c:pt idx="33">
-                  <c:v>40391.0</c:v>
-                </c:pt>
-                <c:pt idx="34">
-                  <c:v>40422.0</c:v>
-                </c:pt>
-                <c:pt idx="35">
-                  <c:v>40452.0</c:v>
-                </c:pt>
-                <c:pt idx="36">
-                  <c:v>40513.0</c:v>
-                </c:pt>
-                <c:pt idx="37">
-                  <c:v>40544.0</c:v>
-                </c:pt>
-                <c:pt idx="38">
-                  <c:v>40603.0</c:v>
-                </c:pt>
-                <c:pt idx="39">
-                  <c:v>40634.0</c:v>
-                </c:pt>
-                <c:pt idx="40">
-                  <c:v>40695.0</c:v>
-                </c:pt>
-                <c:pt idx="41">
-                  <c:v>40725.0</c:v>
-                </c:pt>
-                <c:pt idx="42">
-                  <c:v>40787.0</c:v>
-                </c:pt>
-                <c:pt idx="43">
-                  <c:v>40817.0</c:v>
-                </c:pt>
-                <c:pt idx="44">
-                  <c:v>40878.0</c:v>
-                </c:pt>
-                <c:pt idx="45">
-                  <c:v>40909.0</c:v>
-                </c:pt>
-                <c:pt idx="46">
-                  <c:v>40969.0</c:v>
-                </c:pt>
-                <c:pt idx="47">
-                  <c:v>41000.0</c:v>
-                </c:pt>
-                <c:pt idx="48">
-                  <c:v>41061.0</c:v>
-                </c:pt>
-                <c:pt idx="49">
-                  <c:v>41091.0</c:v>
-                </c:pt>
-                <c:pt idx="50">
-                  <c:v>41153.0</c:v>
-                </c:pt>
-                <c:pt idx="51">
-                  <c:v>41183.0</c:v>
-                </c:pt>
-                <c:pt idx="52">
-                  <c:v>41244.0</c:v>
-                </c:pt>
-                <c:pt idx="53">
-                  <c:v>41275.0</c:v>
-                </c:pt>
-                <c:pt idx="54">
-                  <c:v>41334.0</c:v>
-                </c:pt>
-                <c:pt idx="55">
-                  <c:v>41365.0</c:v>
-                </c:pt>
-                <c:pt idx="56">
-                  <c:v>41426.0</c:v>
-                </c:pt>
-                <c:pt idx="57">
-                  <c:v>41456.0</c:v>
-                </c:pt>
-                <c:pt idx="58">
-                  <c:v>41518.0</c:v>
-                </c:pt>
-                <c:pt idx="59">
-                  <c:v>41548.0</c:v>
-                </c:pt>
-                <c:pt idx="60">
-                  <c:v>41609.0</c:v>
-                </c:pt>
-                <c:pt idx="61">
-                  <c:v>41640.0</c:v>
-                </c:pt>
-                <c:pt idx="62">
-                  <c:v>41699.0</c:v>
-                </c:pt>
-              </c:numCache>
-            </c:numRef>
-          </c:cat>
-          <c:val>
-            <c:numRef>
-              <c:f>NoPeaks!$Y$2:$Y$64</c:f>
-              <c:numCache>
-                <c:formatCode>General</c:formatCode>
-                <c:ptCount val="63"/>
-                <c:pt idx="0">
-                  <c:v>10.8072435130333</c:v>
-                </c:pt>
-                <c:pt idx="1">
-                  <c:v>10.0648305383034</c:v>
-                </c:pt>
-                <c:pt idx="2">
-                  <c:v>9.71988904822459</c:v>
-                </c:pt>
-                <c:pt idx="3">
-                  <c:v>10.1813306138574</c:v>
-                </c:pt>
-                <c:pt idx="4">
-                  <c:v>11.8825396253933</c:v>
-                </c:pt>
-                <c:pt idx="5">
-                  <c:v>12.5086720371748</c:v>
-                </c:pt>
-                <c:pt idx="6">
-                  <c:v>13.3995662129006</c:v>
-                </c:pt>
-                <c:pt idx="7">
-                  <c:v>13.538490842902</c:v>
-                </c:pt>
-                <c:pt idx="8">
-                  <c:v>13.7851514670233</c:v>
-                </c:pt>
-                <c:pt idx="9">
-                  <c:v>13.8414410000992</c:v>
-                </c:pt>
-                <c:pt idx="10">
-                  <c:v>14.3239885692746</c:v>
-                </c:pt>
-                <c:pt idx="11">
-                  <c:v>14.8998477112621</c:v>
-                </c:pt>
-                <c:pt idx="12">
-                  <c:v>15.5464940866679</c:v>
-                </c:pt>
-                <c:pt idx="13">
-                  <c:v>16.8425100084196</c:v>
-                </c:pt>
-                <c:pt idx="14">
-                  <c:v>18.8112332380767</c:v>
-                </c:pt>
-                <c:pt idx="15">
-                  <c:v>20.415325846466</c:v>
-                </c:pt>
-                <c:pt idx="16">
-                  <c:v>22.7502123271542</c:v>
-                </c:pt>
-                <c:pt idx="17">
-                  <c:v>23.5969505198896</c:v>
-                </c:pt>
-                <c:pt idx="18">
-                  <c:v>23.938405153761</c:v>
-                </c:pt>
-                <c:pt idx="19">
-                  <c:v>23.4533557438646</c:v>
-                </c:pt>
-                <c:pt idx="20">
-                  <c:v>22.4317542714871</c:v>
-                </c:pt>
-                <c:pt idx="21">
-                  <c:v>21.6199421147928</c:v>
-                </c:pt>
-                <c:pt idx="22">
-                  <c:v>20.4606706077493</c:v>
-                </c:pt>
-                <c:pt idx="23">
-                  <c:v>20.7001562067842</c:v>
-                </c:pt>
-                <c:pt idx="24">
-                  <c:v>21.8770009350111</c:v>
-                </c:pt>
-                <c:pt idx="25">
-                  <c:v>23.4061551525846</c:v>
-                </c:pt>
-                <c:pt idx="26">
-                  <c:v>25.0926738248192</c:v>
-                </c:pt>
-                <c:pt idx="27">
-                  <c:v>26.2892232753235</c:v>
-                </c:pt>
-                <c:pt idx="28">
-                  <c:v>26.7134766823723</c:v>
-                </c:pt>
-                <c:pt idx="29">
-                  <c:v>26.2091560965992</c:v>
-                </c:pt>
-                <c:pt idx="30">
-                  <c:v>25.2363785630722</c:v>
-                </c:pt>
-                <c:pt idx="31">
-                  <c:v>24.4479027111999</c:v>
-                </c:pt>
-                <c:pt idx="32">
-                  <c:v>23.4327580591262</c:v>
-                </c:pt>
-                <c:pt idx="33">
-                  <c:v>24.1168503120999</c:v>
-                </c:pt>
-                <c:pt idx="34">
-                  <c:v>25.6656436367341</c:v>
-                </c:pt>
-                <c:pt idx="35">
-                  <c:v>27.0602331054226</c:v>
-                </c:pt>
-                <c:pt idx="36">
-                  <c:v>28.5784982958522</c:v>
-                </c:pt>
-                <c:pt idx="37">
-                  <c:v>28.42921900054</c:v>
-                </c:pt>
-                <c:pt idx="38">
-                  <c:v>28.7633907262551</c:v>
-                </c:pt>
-                <c:pt idx="39">
-                  <c:v>27.970224189714</c:v>
-                </c:pt>
-                <c:pt idx="40">
-                  <c:v>27.5021581334971</c:v>
-                </c:pt>
-                <c:pt idx="41">
-                  <c:v>26.6003996586492</c:v>
-                </c:pt>
-                <c:pt idx="42">
-                  <c:v>26.6593353741743</c:v>
-                </c:pt>
-                <c:pt idx="43">
-                  <c:v>27.9990192789303</c:v>
-                </c:pt>
-                <c:pt idx="44">
-                  <c:v>29.6835209653212</c:v>
-                </c:pt>
-                <c:pt idx="45">
-                  <c:v>30.485317618033</c:v>
-                </c:pt>
-                <c:pt idx="46">
-                  <c:v>31.5017036388935</c:v>
-                </c:pt>
-                <c:pt idx="47">
-                  <c:v>31.284121881674</c:v>
-                </c:pt>
-                <c:pt idx="48">
-                  <c:v>30.4413204017466</c:v>
-                </c:pt>
-                <c:pt idx="49">
-                  <c:v>29.7931126510296</c:v>
-                </c:pt>
-                <c:pt idx="50">
-                  <c:v>29.9163601054611</c:v>
-                </c:pt>
-                <c:pt idx="51">
-                  <c:v>30.9414965631263</c:v>
-                </c:pt>
-                <c:pt idx="52">
-                  <c:v>31.8289972461111</c:v>
-                </c:pt>
-                <c:pt idx="53">
-                  <c:v>31.6292750973672</c:v>
-                </c:pt>
-                <c:pt idx="54">
-                  <c:v>31.6773385323485</c:v>
-                </c:pt>
-                <c:pt idx="55">
-                  <c:v>30.497350675282</c:v>
-                </c:pt>
-                <c:pt idx="56">
-                  <c:v>29.732193995007</c:v>
-                </c:pt>
-                <c:pt idx="57">
-                  <c:v>28.6976343865524</c:v>
-                </c:pt>
-                <c:pt idx="58">
-                  <c:v>29.3839872804105</c:v>
-                </c:pt>
-                <c:pt idx="59">
-                  <c:v>29.4864399672066</c:v>
-                </c:pt>
-                <c:pt idx="60">
-                  <c:v>30.2086487229794</c:v>
-                </c:pt>
-                <c:pt idx="61">
-                  <c:v>30.2991190346925</c:v>
-                </c:pt>
-                <c:pt idx="62">
-                  <c:v>30.2237079922468</c:v>
-                </c:pt>
-              </c:numCache>
-            </c:numRef>
-          </c:val>
-          <c:smooth val="0"/>
-        </c:ser>
-        <c:ser>
-          <c:idx val="3"/>
-          <c:order val="3"/>
-          <c:tx>
-            <c:v>Residuals2</c:v>
-          </c:tx>
-          <c:marker>
-            <c:symbol val="none"/>
-          </c:marker>
-          <c:cat>
-            <c:numRef>
-              <c:f>'NoPeaks--Residuals'!$AB$2:$AB$64</c:f>
-              <c:numCache>
-                <c:formatCode>mmm\-yy</c:formatCode>
-                <c:ptCount val="63"/>
-                <c:pt idx="0">
-                  <c:v>39173.0</c:v>
-                </c:pt>
-                <c:pt idx="1">
-                  <c:v>39234.0</c:v>
-                </c:pt>
-                <c:pt idx="2">
-                  <c:v>39264.0</c:v>
-                </c:pt>
-                <c:pt idx="3">
-                  <c:v>39295.0</c:v>
-                </c:pt>
-                <c:pt idx="4">
-                  <c:v>39326.0</c:v>
-                </c:pt>
-                <c:pt idx="5">
-                  <c:v>39356.0</c:v>
-                </c:pt>
-                <c:pt idx="6">
-                  <c:v>39417.0</c:v>
-                </c:pt>
-                <c:pt idx="7">
-                  <c:v>39448.0</c:v>
-                </c:pt>
-                <c:pt idx="8">
-                  <c:v>39479.0</c:v>
-                </c:pt>
-                <c:pt idx="9">
-                  <c:v>39508.0</c:v>
-                </c:pt>
-                <c:pt idx="10">
-                  <c:v>39539.0</c:v>
-                </c:pt>
-                <c:pt idx="11">
-                  <c:v>39600.0</c:v>
-                </c:pt>
-                <c:pt idx="12">
-                  <c:v>39630.0</c:v>
-                </c:pt>
-                <c:pt idx="13">
-                  <c:v>39661.0</c:v>
-                </c:pt>
-                <c:pt idx="14">
-                  <c:v>39692.0</c:v>
-                </c:pt>
-                <c:pt idx="15">
-                  <c:v>39722.0</c:v>
-                </c:pt>
-                <c:pt idx="16">
-                  <c:v>39783.0</c:v>
-                </c:pt>
-                <c:pt idx="17">
-                  <c:v>39814.0</c:v>
-                </c:pt>
-                <c:pt idx="18">
-                  <c:v>39845.0</c:v>
-                </c:pt>
-                <c:pt idx="19">
-                  <c:v>39873.0</c:v>
-                </c:pt>
-                <c:pt idx="20">
-                  <c:v>39904.0</c:v>
-                </c:pt>
-                <c:pt idx="21">
-                  <c:v>39965.0</c:v>
-                </c:pt>
-                <c:pt idx="22">
-                  <c:v>39995.0</c:v>
-                </c:pt>
-                <c:pt idx="23">
-                  <c:v>40026.0</c:v>
-                </c:pt>
-                <c:pt idx="24">
-                  <c:v>40057.0</c:v>
-                </c:pt>
-                <c:pt idx="25">
-                  <c:v>40087.0</c:v>
-                </c:pt>
-                <c:pt idx="26">
-                  <c:v>40148.0</c:v>
-                </c:pt>
-                <c:pt idx="27">
-                  <c:v>40179.0</c:v>
-                </c:pt>
-                <c:pt idx="28">
-                  <c:v>40210.0</c:v>
-                </c:pt>
-                <c:pt idx="29">
-                  <c:v>40238.0</c:v>
-                </c:pt>
-                <c:pt idx="30">
-                  <c:v>40269.0</c:v>
-                </c:pt>
-                <c:pt idx="31">
-                  <c:v>40330.0</c:v>
-                </c:pt>
-                <c:pt idx="32">
-                  <c:v>40360.0</c:v>
-                </c:pt>
-                <c:pt idx="33">
-                  <c:v>40391.0</c:v>
-                </c:pt>
-                <c:pt idx="34">
-                  <c:v>40422.0</c:v>
-                </c:pt>
-                <c:pt idx="35">
-                  <c:v>40452.0</c:v>
-                </c:pt>
-                <c:pt idx="36">
-                  <c:v>40513.0</c:v>
-                </c:pt>
-                <c:pt idx="37">
-                  <c:v>40544.0</c:v>
-                </c:pt>
-                <c:pt idx="38">
-                  <c:v>40603.0</c:v>
-                </c:pt>
-                <c:pt idx="39">
-                  <c:v>40634.0</c:v>
-                </c:pt>
-                <c:pt idx="40">
-                  <c:v>40695.0</c:v>
-                </c:pt>
-                <c:pt idx="41">
-                  <c:v>40725.0</c:v>
-                </c:pt>
-                <c:pt idx="42">
-                  <c:v>40787.0</c:v>
-                </c:pt>
-                <c:pt idx="43">
-                  <c:v>40817.0</c:v>
-                </c:pt>
-                <c:pt idx="44">
-                  <c:v>40878.0</c:v>
-                </c:pt>
-                <c:pt idx="45">
-                  <c:v>40909.0</c:v>
-                </c:pt>
-                <c:pt idx="46">
-                  <c:v>40969.0</c:v>
-                </c:pt>
-                <c:pt idx="47">
-                  <c:v>41000.0</c:v>
-                </c:pt>
-                <c:pt idx="48">
-                  <c:v>41061.0</c:v>
-                </c:pt>
-                <c:pt idx="49">
-                  <c:v>41091.0</c:v>
-                </c:pt>
-                <c:pt idx="50">
-                  <c:v>41153.0</c:v>
-                </c:pt>
-                <c:pt idx="51">
-                  <c:v>41183.0</c:v>
-                </c:pt>
-                <c:pt idx="52">
-                  <c:v>41244.0</c:v>
-                </c:pt>
-                <c:pt idx="53">
-                  <c:v>41275.0</c:v>
-                </c:pt>
-                <c:pt idx="54">
-                  <c:v>41334.0</c:v>
-                </c:pt>
-                <c:pt idx="55">
-                  <c:v>41365.0</c:v>
-                </c:pt>
-                <c:pt idx="56">
-                  <c:v>41426.0</c:v>
-                </c:pt>
-                <c:pt idx="57">
-                  <c:v>41456.0</c:v>
-                </c:pt>
-                <c:pt idx="58">
-                  <c:v>41518.0</c:v>
-                </c:pt>
-                <c:pt idx="59">
-                  <c:v>41548.0</c:v>
-                </c:pt>
-                <c:pt idx="60">
-                  <c:v>41609.0</c:v>
-                </c:pt>
-                <c:pt idx="61">
-                  <c:v>41640.0</c:v>
-                </c:pt>
-                <c:pt idx="62">
-                  <c:v>41699.0</c:v>
-                </c:pt>
-              </c:numCache>
-            </c:numRef>
-          </c:cat>
-          <c:val>
-            <c:numRef>
-              <c:f>'NoPeaks-Residuals-2'!$Y$2:$Y$64</c:f>
-              <c:numCache>
-                <c:formatCode>General</c:formatCode>
-                <c:ptCount val="63"/>
-                <c:pt idx="0">
-                  <c:v>10.3445785503004</c:v>
-                </c:pt>
-                <c:pt idx="1">
-                  <c:v>9.49575273260372</c:v>
-                </c:pt>
-                <c:pt idx="2">
-                  <c:v>8.95424082182315</c:v>
-                </c:pt>
-                <c:pt idx="3">
-                  <c:v>8.8120022546416</c:v>
-                </c:pt>
-                <c:pt idx="4">
-                  <c:v>8.59007589148006</c:v>
-                </c:pt>
-                <c:pt idx="5">
-                  <c:v>8.2006871164201</c:v>
-                </c:pt>
-                <c:pt idx="6">
-                  <c:v>8.027302285475781</c:v>
-                </c:pt>
-                <c:pt idx="7">
-                  <c:v>7.96347483642845</c:v>
-                </c:pt>
-                <c:pt idx="8">
-                  <c:v>7.8779232459998</c:v>
-                </c:pt>
-                <c:pt idx="9">
-                  <c:v>7.87424407512095</c:v>
-                </c:pt>
-                <c:pt idx="10">
-                  <c:v>7.77419529530493</c:v>
-                </c:pt>
-                <c:pt idx="11">
-                  <c:v>7.70239391485165</c:v>
-                </c:pt>
-                <c:pt idx="12">
-                  <c:v>7.71523564454543</c:v>
-                </c:pt>
-                <c:pt idx="13">
-                  <c:v>7.7466575202355</c:v>
-                </c:pt>
-                <c:pt idx="14">
-                  <c:v>7.91893917729829</c:v>
-                </c:pt>
-                <c:pt idx="15">
-                  <c:v>7.5367532615145</c:v>
-                </c:pt>
-                <c:pt idx="16">
-                  <c:v>7.86488799190778</c:v>
-                </c:pt>
-                <c:pt idx="17">
-                  <c:v>8.13458459491365</c:v>
-                </c:pt>
-                <c:pt idx="18">
-                  <c:v>8.331221164814719</c:v>
-                </c:pt>
-                <c:pt idx="19">
-                  <c:v>8.2341751896187</c:v>
-                </c:pt>
-                <c:pt idx="20">
-                  <c:v>8.39807090822956</c:v>
-                </c:pt>
-                <c:pt idx="21">
-                  <c:v>9.01914657077011</c:v>
-                </c:pt>
-                <c:pt idx="22">
-                  <c:v>9.736248937508559</c:v>
-                </c:pt>
-                <c:pt idx="23">
-                  <c:v>10.3341285546796</c:v>
-                </c:pt>
-                <c:pt idx="24">
-                  <c:v>10.3652491849497</c:v>
-                </c:pt>
-                <c:pt idx="25">
-                  <c:v>10.0434769894244</c:v>
-                </c:pt>
-                <c:pt idx="26">
-                  <c:v>10.0276173195167</c:v>
-                </c:pt>
-                <c:pt idx="27">
-                  <c:v>10.3973273135298</c:v>
-                </c:pt>
-                <c:pt idx="28">
-                  <c:v>10.3319231480435</c:v>
-                </c:pt>
-                <c:pt idx="29">
-                  <c:v>10.4668746019527</c:v>
-                </c:pt>
-                <c:pt idx="30">
-                  <c:v>11.2242219037479</c:v>
-                </c:pt>
-                <c:pt idx="31">
-                  <c:v>11.8786278403791</c:v>
-                </c:pt>
-                <c:pt idx="32">
-                  <c:v>12.4359628249301</c:v>
-                </c:pt>
-                <c:pt idx="33">
-                  <c:v>12.272503713216</c:v>
-                </c:pt>
-                <c:pt idx="34">
-                  <c:v>11.4481930090026</c:v>
-                </c:pt>
-                <c:pt idx="35">
-                  <c:v>10.5990542783762</c:v>
-                </c:pt>
-                <c:pt idx="36">
-                  <c:v>9.71759486932944</c:v>
-                </c:pt>
-                <c:pt idx="37">
-                  <c:v>8.91512618041734</c:v>
-                </c:pt>
-                <c:pt idx="38">
-                  <c:v>8.71568959472469</c:v>
-                </c:pt>
-                <c:pt idx="39">
-                  <c:v>8.73559966611175</c:v>
-                </c:pt>
-                <c:pt idx="40">
-                  <c:v>9.04187797402378</c:v>
-                </c:pt>
-                <c:pt idx="41">
-                  <c:v>9.31845556424112</c:v>
-                </c:pt>
-                <c:pt idx="42">
-                  <c:v>9.31850500486506</c:v>
-                </c:pt>
-                <c:pt idx="43">
-                  <c:v>8.45148769554329</c:v>
-                </c:pt>
-                <c:pt idx="44">
-                  <c:v>7.96398176697343</c:v>
-                </c:pt>
-                <c:pt idx="45">
-                  <c:v>7.79109651014477</c:v>
-                </c:pt>
-                <c:pt idx="46">
-                  <c:v>8.05583995237418</c:v>
-                </c:pt>
-                <c:pt idx="47">
-                  <c:v>8.87547352186656</c:v>
-                </c:pt>
-                <c:pt idx="48">
-                  <c:v>9.65741979997134</c:v>
-                </c:pt>
-                <c:pt idx="49">
-                  <c:v>10.2530852790773</c:v>
-                </c:pt>
-                <c:pt idx="50">
-                  <c:v>10.6242999364938</c:v>
-                </c:pt>
-                <c:pt idx="51">
-                  <c:v>9.70947215281832</c:v>
-                </c:pt>
-                <c:pt idx="52">
-                  <c:v>8.99688174678681</c:v>
-                </c:pt>
-                <c:pt idx="53">
-                  <c:v>8.85908591109153</c:v>
-                </c:pt>
-                <c:pt idx="54">
-                  <c:v>9.30021615054653</c:v>
-                </c:pt>
-                <c:pt idx="55">
-                  <c:v>10.6353491355687</c:v>
-                </c:pt>
-                <c:pt idx="56">
-                  <c:v>12.5225414334445</c:v>
-                </c:pt>
-                <c:pt idx="57">
-                  <c:v>14.7173433967276</c:v>
-                </c:pt>
-                <c:pt idx="58">
-                  <c:v>15.0528188600127</c:v>
-                </c:pt>
-                <c:pt idx="59">
-                  <c:v>14.2672720284744</c:v>
-                </c:pt>
-                <c:pt idx="60">
-                  <c:v>13.4819385504342</c:v>
-                </c:pt>
-                <c:pt idx="61">
-                  <c:v>13.482598188804</c:v>
-                </c:pt>
-                <c:pt idx="62">
-                  <c:v>14.1860096104671</c:v>
-                </c:pt>
-              </c:numCache>
-            </c:numRef>
-          </c:val>
-          <c:smooth val="0"/>
-        </c:ser>
-        <c:ser>
-          <c:idx val="4"/>
-          <c:order val="4"/>
-          <c:tx>
-            <c:v>Residuals3</c:v>
-          </c:tx>
-          <c:marker>
-            <c:symbol val="none"/>
-          </c:marker>
-          <c:val>
-            <c:numRef>
-              <c:f>'NoPeaks-Residuals-3'!$Y$2:$Y$64</c:f>
-              <c:numCache>
-                <c:formatCode>General</c:formatCode>
-                <c:ptCount val="63"/>
-                <c:pt idx="0">
-                  <c:v>10.3445785503004</c:v>
-                </c:pt>
-                <c:pt idx="1">
-                  <c:v>9.4964327535468</c:v>
-                </c:pt>
-                <c:pt idx="2">
-                  <c:v>8.95809740760199</c:v>
-                </c:pt>
-                <c:pt idx="3">
-                  <c:v>8.70495349643098</c:v>
-                </c:pt>
-                <c:pt idx="4">
-                  <c:v>8.38103123674283</c:v>
-                </c:pt>
-                <c:pt idx="5">
-                  <c:v>8.07834869369543</c:v>
-                </c:pt>
-                <c:pt idx="6">
-                  <c:v>7.93610636275675</c:v>
-                </c:pt>
-                <c:pt idx="7">
-                  <c:v>7.90065662283473</c:v>
-                </c:pt>
-                <c:pt idx="8">
-                  <c:v>7.80057277099061</c:v>
-                </c:pt>
-                <c:pt idx="9">
-                  <c:v>7.7685853063536</c:v>
-                </c:pt>
-                <c:pt idx="10">
-                  <c:v>7.52792462913887</c:v>
-                </c:pt>
-                <c:pt idx="11">
-                  <c:v>7.47090118966461</c:v>
-                </c:pt>
-                <c:pt idx="12">
-                  <c:v>7.23567828557208</c:v>
-                </c:pt>
-                <c:pt idx="13">
-                  <c:v>7.57240984721343</c:v>
-                </c:pt>
-                <c:pt idx="14">
-                  <c:v>7.83965083974338</c:v>
-                </c:pt>
-                <c:pt idx="15">
-                  <c:v>7.30412860366774</c:v>
-                </c:pt>
-                <c:pt idx="16">
-                  <c:v>7.66122020714291</c:v>
-                </c:pt>
-                <c:pt idx="17">
-                  <c:v>7.82615692160826</c:v>
-                </c:pt>
-                <c:pt idx="18">
-                  <c:v>7.91168564103728</c:v>
-                </c:pt>
-                <c:pt idx="19">
-                  <c:v>7.70638737421872</c:v>
-                </c:pt>
-                <c:pt idx="20">
-                  <c:v>7.79504261300976</c:v>
-                </c:pt>
-                <c:pt idx="21">
-                  <c:v>8.13322217699969</c:v>
-                </c:pt>
-                <c:pt idx="22">
-                  <c:v>8.35242562857946</c:v>
-                </c:pt>
-                <c:pt idx="23">
-                  <c:v>8.55531973963787</c:v>
-                </c:pt>
-                <c:pt idx="24">
-                  <c:v>8.36613856538413</c:v>
-                </c:pt>
-                <c:pt idx="25">
-                  <c:v>7.95828883217264</c:v>
-                </c:pt>
-                <c:pt idx="26">
-                  <c:v>7.88822784435687</c:v>
-                </c:pt>
-                <c:pt idx="27">
-                  <c:v>8.07408792348949</c:v>
-                </c:pt>
-                <c:pt idx="28">
-                  <c:v>7.86147331838751</c:v>
-                </c:pt>
-                <c:pt idx="29">
-                  <c:v>7.80110044373166</c:v>
-                </c:pt>
-                <c:pt idx="30">
-                  <c:v>8.13111833457446</c:v>
-                </c:pt>
-                <c:pt idx="31">
-                  <c:v>8.381773798951681</c:v>
-                </c:pt>
-                <c:pt idx="32">
-                  <c:v>8.48987220688597</c:v>
-                </c:pt>
-                <c:pt idx="33">
-                  <c:v>8.23957060211907</c:v>
-                </c:pt>
-                <c:pt idx="34">
-                  <c:v>7.70627099801757</c:v>
-                </c:pt>
-                <c:pt idx="35">
-                  <c:v>7.26680826985569</c:v>
-                </c:pt>
-                <c:pt idx="36">
-                  <c:v>6.94146742532255</c:v>
-                </c:pt>
-                <c:pt idx="37">
-                  <c:v>6.40429972368917</c:v>
-                </c:pt>
-                <c:pt idx="38">
-                  <c:v>6.36816610122489</c:v>
-                </c:pt>
-                <c:pt idx="39">
-                  <c:v>6.28559557829991</c:v>
-                </c:pt>
-                <c:pt idx="40">
-                  <c:v>6.4206721946564</c:v>
-                </c:pt>
-                <c:pt idx="41">
-                  <c:v>6.57936080330914</c:v>
-                </c:pt>
-                <c:pt idx="42">
-                  <c:v>6.50226983044214</c:v>
-                </c:pt>
-                <c:pt idx="43">
-                  <c:v>6.14581464099052</c:v>
-                </c:pt>
-                <c:pt idx="44">
-                  <c:v>6.19394422543569</c:v>
-                </c:pt>
-                <c:pt idx="45">
-                  <c:v>6.36965170412678</c:v>
-                </c:pt>
-                <c:pt idx="46">
-                  <c:v>6.81336452543562</c:v>
-                </c:pt>
-                <c:pt idx="47">
-                  <c:v>7.2568417142016</c:v>
-                </c:pt>
-                <c:pt idx="48">
-                  <c:v>7.59465679311927</c:v>
-                </c:pt>
-                <c:pt idx="49">
-                  <c:v>7.90328279700734</c:v>
-                </c:pt>
-                <c:pt idx="50">
-                  <c:v>7.93810487200718</c:v>
-                </c:pt>
-                <c:pt idx="51">
-                  <c:v>7.46752976616683</c:v>
-                </c:pt>
-                <c:pt idx="52">
-                  <c:v>7.32039749869558</c:v>
-                </c:pt>
-                <c:pt idx="53">
-                  <c:v>7.32325514362993</c:v>
-                </c:pt>
-                <c:pt idx="54">
-                  <c:v>7.62610713551169</c:v>
-                </c:pt>
-                <c:pt idx="55">
-                  <c:v>8.11442618946058</c:v>
-                </c:pt>
-                <c:pt idx="56">
-                  <c:v>9.17773937887401</c:v>
-                </c:pt>
-                <c:pt idx="57">
-                  <c:v>10.3253313011582</c:v>
-                </c:pt>
-                <c:pt idx="58">
-                  <c:v>10.0840062415568</c:v>
-                </c:pt>
-                <c:pt idx="59">
-                  <c:v>9.3154576073911</c:v>
-                </c:pt>
-                <c:pt idx="60">
-                  <c:v>8.97588076302519</c:v>
-                </c:pt>
-                <c:pt idx="61">
-                  <c:v>9.06075416235041</c:v>
-                </c:pt>
-                <c:pt idx="62">
-                  <c:v>9.631998271730859</c:v>
                 </c:pt>
               </c:numCache>
             </c:numRef>
@@ -1990,28 +572,28 @@
         </c:dLbls>
         <c:marker val="1"/>
         <c:smooth val="0"/>
-        <c:axId val="-2147119848"/>
-        <c:axId val="-2147139304"/>
+        <c:axId val="-2146035480"/>
+        <c:axId val="-2146092648"/>
       </c:lineChart>
-      <c:dateAx>
-        <c:axId val="-2147119848"/>
+      <c:catAx>
+        <c:axId val="-2146035480"/>
         <c:scaling>
           <c:orientation val="minMax"/>
         </c:scaling>
         <c:delete val="0"/>
         <c:axPos val="b"/>
-        <c:numFmt formatCode="mmm\-yy" sourceLinked="1"/>
         <c:majorTickMark val="out"/>
         <c:minorTickMark val="none"/>
         <c:tickLblPos val="nextTo"/>
-        <c:crossAx val="-2147139304"/>
+        <c:crossAx val="-2146092648"/>
         <c:crosses val="autoZero"/>
         <c:auto val="1"/>
+        <c:lblAlgn val="ctr"/>
         <c:lblOffset val="100"/>
-        <c:baseTimeUnit val="months"/>
-      </c:dateAx>
+        <c:noMultiLvlLbl val="0"/>
+      </c:catAx>
       <c:valAx>
-        <c:axId val="-2147139304"/>
+        <c:axId val="-2146092648"/>
         <c:scaling>
           <c:orientation val="minMax"/>
         </c:scaling>
@@ -2022,7 +604,7 @@
         <c:majorTickMark val="out"/>
         <c:minorTickMark val="none"/>
         <c:tickLblPos val="nextTo"/>
-        <c:crossAx val="-2147119848"/>
+        <c:crossAx val="-2146035480"/>
         <c:crosses val="autoZero"/>
         <c:crossBetween val="between"/>
       </c:valAx>
@@ -2043,6 +625,1554 @@
 </file>
 
 <file path=ppt/charts/chart10.xml><?xml version="1.0" encoding="utf-8"?>
+<c:chartSpace xmlns:c="http://schemas.openxmlformats.org/drawingml/2006/chart" xmlns:a="http://schemas.openxmlformats.org/drawingml/2006/main" xmlns:r="http://schemas.openxmlformats.org/officeDocument/2006/relationships">
+  <c:date1904 val="0"/>
+  <c:lang val="en-US"/>
+  <c:roundedCorners val="0"/>
+  <mc:AlternateContent xmlns:mc="http://schemas.openxmlformats.org/markup-compatibility/2006">
+    <mc:Choice xmlns:c14="http://schemas.microsoft.com/office/drawing/2007/8/2/chart" Requires="c14">
+      <c14:style val="118"/>
+    </mc:Choice>
+    <mc:Fallback>
+      <c:style val="18"/>
+    </mc:Fallback>
+  </mc:AlternateContent>
+  <c:chart>
+    <c:autoTitleDeleted val="0"/>
+    <c:plotArea>
+      <c:layout/>
+      <c:lineChart>
+        <c:grouping val="standard"/>
+        <c:varyColors val="0"/>
+        <c:ser>
+          <c:idx val="0"/>
+          <c:order val="0"/>
+          <c:tx>
+            <c:strRef>
+              <c:f>NoPeaks!$K$1</c:f>
+              <c:strCache>
+                <c:ptCount val="1"/>
+                <c:pt idx="0">
+                  <c:v>VAR03realMean_c1</c:v>
+                </c:pt>
+              </c:strCache>
+            </c:strRef>
+          </c:tx>
+          <c:marker>
+            <c:symbol val="none"/>
+          </c:marker>
+          <c:val>
+            <c:numRef>
+              <c:f>NoPeaks!$K$2:$K$64</c:f>
+              <c:numCache>
+                <c:formatCode>General</c:formatCode>
+                <c:ptCount val="63"/>
+                <c:pt idx="0">
+                  <c:v>2687.33116360454</c:v>
+                </c:pt>
+                <c:pt idx="1">
+                  <c:v>2785.78357990867</c:v>
+                </c:pt>
+                <c:pt idx="2">
+                  <c:v>3206.56366925064</c:v>
+                </c:pt>
+                <c:pt idx="3">
+                  <c:v>2586.27983317886</c:v>
+                </c:pt>
+                <c:pt idx="4">
+                  <c:v>3227.90061240934</c:v>
+                </c:pt>
+                <c:pt idx="5">
+                  <c:v>2566.61122194513</c:v>
+                </c:pt>
+                <c:pt idx="6">
+                  <c:v>2284.38045801526</c:v>
+                </c:pt>
+                <c:pt idx="7">
+                  <c:v>3453.16484574868</c:v>
+                </c:pt>
+                <c:pt idx="8">
+                  <c:v>2872.85757289204</c:v>
+                </c:pt>
+                <c:pt idx="9">
+                  <c:v>2840.57854181558</c:v>
+                </c:pt>
+                <c:pt idx="10">
+                  <c:v>2925.74314522197</c:v>
+                </c:pt>
+                <c:pt idx="11">
+                  <c:v>2765.19934868943</c:v>
+                </c:pt>
+                <c:pt idx="12">
+                  <c:v>2667.70926482213</c:v>
+                </c:pt>
+                <c:pt idx="13">
+                  <c:v>1787.88682011935</c:v>
+                </c:pt>
+                <c:pt idx="14">
+                  <c:v>1727.23059778597</c:v>
+                </c:pt>
+                <c:pt idx="15">
+                  <c:v>1897.19126593033</c:v>
+                </c:pt>
+                <c:pt idx="16">
+                  <c:v>2478.52806361085</c:v>
+                </c:pt>
+                <c:pt idx="17">
+                  <c:v>1541.51084808946</c:v>
+                </c:pt>
+                <c:pt idx="18">
+                  <c:v>1853.34745694022</c:v>
+                </c:pt>
+                <c:pt idx="19">
+                  <c:v>1501.12431957857</c:v>
+                </c:pt>
+                <c:pt idx="20">
+                  <c:v>2774.84859357696</c:v>
+                </c:pt>
+                <c:pt idx="21">
+                  <c:v>2562.09928825622</c:v>
+                </c:pt>
+                <c:pt idx="22">
+                  <c:v>1620.27636363636</c:v>
+                </c:pt>
+                <c:pt idx="23">
+                  <c:v>1209.19585845347</c:v>
+                </c:pt>
+                <c:pt idx="24">
+                  <c:v>1389.60142142142</c:v>
+                </c:pt>
+                <c:pt idx="25">
+                  <c:v>1936.91390013495</c:v>
+                </c:pt>
+                <c:pt idx="26">
+                  <c:v>1737.89475035663</c:v>
+                </c:pt>
+                <c:pt idx="27">
+                  <c:v>1900.89849006622</c:v>
+                </c:pt>
+                <c:pt idx="28">
+                  <c:v>2249.72990126939</c:v>
+                </c:pt>
+                <c:pt idx="29">
+                  <c:v>1341.24210945273</c:v>
+                </c:pt>
+                <c:pt idx="30">
+                  <c:v>1855.79208976157</c:v>
+                </c:pt>
+                <c:pt idx="31">
+                  <c:v>1760.40691588785</c:v>
+                </c:pt>
+                <c:pt idx="32">
+                  <c:v>2325.34123039807</c:v>
+                </c:pt>
+                <c:pt idx="33">
+                  <c:v>987.42784473953</c:v>
+                </c:pt>
+                <c:pt idx="34">
+                  <c:v>1277.52688097306</c:v>
+                </c:pt>
+                <c:pt idx="35">
+                  <c:v>1885.22298932384</c:v>
+                </c:pt>
+                <c:pt idx="36">
+                  <c:v>1903.98988929889</c:v>
+                </c:pt>
+                <c:pt idx="37">
+                  <c:v>1265.33484390735</c:v>
+                </c:pt>
+                <c:pt idx="38">
+                  <c:v>1900.52136698212</c:v>
+                </c:pt>
+                <c:pt idx="39">
+                  <c:v>1486.03903536977</c:v>
+                </c:pt>
+                <c:pt idx="40">
+                  <c:v>1654.92246424642</c:v>
+                </c:pt>
+                <c:pt idx="41">
+                  <c:v>1482.26511263467</c:v>
+                </c:pt>
+                <c:pt idx="42">
+                  <c:v>3748.01374625374</c:v>
+                </c:pt>
+                <c:pt idx="43">
+                  <c:v>1735.06969014084</c:v>
+                </c:pt>
+                <c:pt idx="44">
+                  <c:v>1877.6536189608</c:v>
+                </c:pt>
+                <c:pt idx="45">
+                  <c:v>1877.22022988505</c:v>
+                </c:pt>
+                <c:pt idx="46">
+                  <c:v>1605.07801220575</c:v>
+                </c:pt>
+                <c:pt idx="47">
+                  <c:v>1750.06628262826</c:v>
+                </c:pt>
+                <c:pt idx="48">
+                  <c:v>2026.56896675651</c:v>
+                </c:pt>
+                <c:pt idx="49">
+                  <c:v>1336.44062792251</c:v>
+                </c:pt>
+                <c:pt idx="50">
+                  <c:v>1913.31436909871</c:v>
+                </c:pt>
+                <c:pt idx="51">
+                  <c:v>1500.47972003499</c:v>
+                </c:pt>
+                <c:pt idx="52">
+                  <c:v>1331.30127067014</c:v>
+                </c:pt>
+                <c:pt idx="53">
+                  <c:v>1834.46733386709</c:v>
+                </c:pt>
+                <c:pt idx="54">
+                  <c:v>1945.89302642796</c:v>
+                </c:pt>
+                <c:pt idx="55">
+                  <c:v>3820.98679900744</c:v>
+                </c:pt>
+                <c:pt idx="56">
+                  <c:v>1832.5182328654</c:v>
+                </c:pt>
+                <c:pt idx="57">
+                  <c:v>1610.12348576358</c:v>
+                </c:pt>
+                <c:pt idx="58">
+                  <c:v>3357.90997140133</c:v>
+                </c:pt>
+                <c:pt idx="59">
+                  <c:v>2274.66252054794</c:v>
+                </c:pt>
+                <c:pt idx="60">
+                  <c:v>1780.83446932813</c:v>
+                </c:pt>
+                <c:pt idx="61">
+                  <c:v>1362.19191416309</c:v>
+                </c:pt>
+                <c:pt idx="62">
+                  <c:v>1754.29804238143</c:v>
+                </c:pt>
+              </c:numCache>
+            </c:numRef>
+          </c:val>
+          <c:smooth val="0"/>
+        </c:ser>
+        <c:ser>
+          <c:idx val="1"/>
+          <c:order val="1"/>
+          <c:tx>
+            <c:strRef>
+              <c:f>NoPeaks!$L$1</c:f>
+              <c:strCache>
+                <c:ptCount val="1"/>
+                <c:pt idx="0">
+                  <c:v>VAR03learntMean_c1</c:v>
+                </c:pt>
+              </c:strCache>
+            </c:strRef>
+          </c:tx>
+          <c:marker>
+            <c:symbol val="none"/>
+          </c:marker>
+          <c:val>
+            <c:numRef>
+              <c:f>NoPeaks!$L$2:$L$64</c:f>
+              <c:numCache>
+                <c:formatCode>General</c:formatCode>
+                <c:ptCount val="63"/>
+                <c:pt idx="0">
+                  <c:v>2686.08543360186</c:v>
+                </c:pt>
+                <c:pt idx="1">
+                  <c:v>2758.01608197932</c:v>
+                </c:pt>
+                <c:pt idx="2">
+                  <c:v>2964.86514354453</c:v>
+                </c:pt>
+                <c:pt idx="3">
+                  <c:v>2818.70904011745</c:v>
+                </c:pt>
+                <c:pt idx="4">
+                  <c:v>2913.14841571319</c:v>
+                </c:pt>
+                <c:pt idx="5">
+                  <c:v>2827.67852585052</c:v>
+                </c:pt>
+                <c:pt idx="6">
+                  <c:v>2687.12772700384</c:v>
+                </c:pt>
+                <c:pt idx="7">
+                  <c:v>2875.0265563501</c:v>
+                </c:pt>
+                <c:pt idx="8">
+                  <c:v>2874.71434722437</c:v>
+                </c:pt>
+                <c:pt idx="9">
+                  <c:v>2867.68977489151</c:v>
+                </c:pt>
+                <c:pt idx="10">
+                  <c:v>2878.3945130718</c:v>
+                </c:pt>
+                <c:pt idx="11">
+                  <c:v>2857.55489530428</c:v>
+                </c:pt>
+                <c:pt idx="12">
+                  <c:v>2822.45322753508</c:v>
+                </c:pt>
+                <c:pt idx="13">
+                  <c:v>2636.32151798036</c:v>
+                </c:pt>
+                <c:pt idx="14">
+                  <c:v>2425.31143714572</c:v>
+                </c:pt>
+                <c:pt idx="15">
+                  <c:v>2300.73749181126</c:v>
+                </c:pt>
+                <c:pt idx="16">
+                  <c:v>2294.74958665812</c:v>
+                </c:pt>
+                <c:pt idx="17">
+                  <c:v>2145.26346660657</c:v>
+                </c:pt>
+                <c:pt idx="18">
+                  <c:v>2092.51940268003</c:v>
+                </c:pt>
+                <c:pt idx="19">
+                  <c:v>2004.86551980971</c:v>
+                </c:pt>
+                <c:pt idx="20">
+                  <c:v>2119.52006367361</c:v>
+                </c:pt>
+                <c:pt idx="21">
+                  <c:v>2182.07515165618</c:v>
+                </c:pt>
+                <c:pt idx="22">
+                  <c:v>2157.64132175661</c:v>
+                </c:pt>
+                <c:pt idx="23">
+                  <c:v>2074.5548122749</c:v>
+                </c:pt>
+                <c:pt idx="24">
+                  <c:v>1971.43575816965</c:v>
+                </c:pt>
+                <c:pt idx="25">
+                  <c:v>1927.32738707907</c:v>
+                </c:pt>
+                <c:pt idx="26">
+                  <c:v>1865.72849665317</c:v>
+                </c:pt>
+                <c:pt idx="27">
+                  <c:v>1836.86120968341</c:v>
+                </c:pt>
+                <c:pt idx="28">
+                  <c:v>1860.80085650586</c:v>
+                </c:pt>
+                <c:pt idx="29">
+                  <c:v>1816.05974073987</c:v>
+                </c:pt>
+                <c:pt idx="30">
+                  <c:v>1846.53780494998</c:v>
+                </c:pt>
+                <c:pt idx="31">
+                  <c:v>1862.59992539733</c:v>
+                </c:pt>
+                <c:pt idx="32">
+                  <c:v>1925.73259713456</c:v>
+                </c:pt>
+                <c:pt idx="33">
+                  <c:v>1824.98938698778</c:v>
+                </c:pt>
+                <c:pt idx="34">
+                  <c:v>1723.34272264096</c:v>
+                </c:pt>
+                <c:pt idx="35">
+                  <c:v>1694.40783183557</c:v>
+                </c:pt>
+                <c:pt idx="36">
+                  <c:v>1666.1524097326</c:v>
+                </c:pt>
+                <c:pt idx="37">
+                  <c:v>1632.8706546276</c:v>
+                </c:pt>
+                <c:pt idx="38">
+                  <c:v>1646.3516826089</c:v>
+                </c:pt>
+                <c:pt idx="39">
+                  <c:v>1657.22273231753</c:v>
+                </c:pt>
+                <c:pt idx="40">
+                  <c:v>1671.37820814684</c:v>
+                </c:pt>
+                <c:pt idx="41">
+                  <c:v>1683.79753747155</c:v>
+                </c:pt>
+                <c:pt idx="42">
+                  <c:v>1808.59370231085</c:v>
+                </c:pt>
+                <c:pt idx="43">
+                  <c:v>1765.94846266312</c:v>
+                </c:pt>
+                <c:pt idx="44">
+                  <c:v>1726.86067896316</c:v>
+                </c:pt>
+                <c:pt idx="45">
+                  <c:v>1716.01308487604</c:v>
+                </c:pt>
+                <c:pt idx="46">
+                  <c:v>1679.63937936973</c:v>
+                </c:pt>
+                <c:pt idx="47">
+                  <c:v>1690.90258905564</c:v>
+                </c:pt>
+                <c:pt idx="48">
+                  <c:v>1737.32154902447</c:v>
+                </c:pt>
+                <c:pt idx="49">
+                  <c:v>1720.41280192885</c:v>
+                </c:pt>
+                <c:pt idx="50">
+                  <c:v>1729.69343469993</c:v>
+                </c:pt>
+                <c:pt idx="51">
+                  <c:v>1686.17894579155</c:v>
+                </c:pt>
+                <c:pt idx="52">
+                  <c:v>1637.57962923254</c:v>
+                </c:pt>
+                <c:pt idx="53">
+                  <c:v>1657.05323906955</c:v>
+                </c:pt>
+                <c:pt idx="54">
+                  <c:v>1674.25555850936</c:v>
+                </c:pt>
+                <c:pt idx="55">
+                  <c:v>1827.87059783915</c:v>
+                </c:pt>
+                <c:pt idx="56">
+                  <c:v>1848.18137294915</c:v>
+                </c:pt>
+                <c:pt idx="57">
+                  <c:v>1863.86971828687</c:v>
+                </c:pt>
+                <c:pt idx="58">
+                  <c:v>1909.54726840047</c:v>
+                </c:pt>
+                <c:pt idx="59">
+                  <c:v>1922.9569237901</c:v>
+                </c:pt>
+                <c:pt idx="60">
+                  <c:v>1898.96483357835</c:v>
+                </c:pt>
+                <c:pt idx="61">
+                  <c:v>1871.71093555438</c:v>
+                </c:pt>
+                <c:pt idx="62">
+                  <c:v>1869.13481456998</c:v>
+                </c:pt>
+              </c:numCache>
+            </c:numRef>
+          </c:val>
+          <c:smooth val="0"/>
+        </c:ser>
+        <c:dLbls>
+          <c:showLegendKey val="0"/>
+          <c:showVal val="0"/>
+          <c:showCatName val="0"/>
+          <c:showSerName val="0"/>
+          <c:showPercent val="0"/>
+          <c:showBubbleSize val="0"/>
+        </c:dLbls>
+        <c:marker val="1"/>
+        <c:smooth val="0"/>
+        <c:axId val="-2142984232"/>
+        <c:axId val="-2143004584"/>
+      </c:lineChart>
+      <c:catAx>
+        <c:axId val="-2142984232"/>
+        <c:scaling>
+          <c:orientation val="minMax"/>
+        </c:scaling>
+        <c:delete val="0"/>
+        <c:axPos val="b"/>
+        <c:majorTickMark val="out"/>
+        <c:minorTickMark val="none"/>
+        <c:tickLblPos val="nextTo"/>
+        <c:crossAx val="-2143004584"/>
+        <c:crosses val="autoZero"/>
+        <c:auto val="1"/>
+        <c:lblAlgn val="ctr"/>
+        <c:lblOffset val="100"/>
+        <c:noMultiLvlLbl val="0"/>
+      </c:catAx>
+      <c:valAx>
+        <c:axId val="-2143004584"/>
+        <c:scaling>
+          <c:orientation val="minMax"/>
+        </c:scaling>
+        <c:delete val="0"/>
+        <c:axPos val="l"/>
+        <c:majorGridlines/>
+        <c:numFmt formatCode="General" sourceLinked="1"/>
+        <c:majorTickMark val="out"/>
+        <c:minorTickMark val="none"/>
+        <c:tickLblPos val="nextTo"/>
+        <c:crossAx val="-2142984232"/>
+        <c:crosses val="autoZero"/>
+        <c:crossBetween val="between"/>
+      </c:valAx>
+    </c:plotArea>
+    <c:legend>
+      <c:legendPos val="r"/>
+      <c:layout/>
+      <c:overlay val="0"/>
+    </c:legend>
+    <c:plotVisOnly val="1"/>
+    <c:dispBlanksAs val="gap"/>
+    <c:showDLblsOverMax val="0"/>
+  </c:chart>
+  <c:externalData r:id="rId1">
+    <c:autoUpdate val="0"/>
+  </c:externalData>
+</c:chartSpace>
+</file>
+
+<file path=ppt/charts/chart11.xml><?xml version="1.0" encoding="utf-8"?>
+<c:chartSpace xmlns:c="http://schemas.openxmlformats.org/drawingml/2006/chart" xmlns:a="http://schemas.openxmlformats.org/drawingml/2006/main" xmlns:r="http://schemas.openxmlformats.org/officeDocument/2006/relationships">
+  <c:date1904 val="0"/>
+  <c:lang val="en-US"/>
+  <c:roundedCorners val="0"/>
+  <mc:AlternateContent xmlns:mc="http://schemas.openxmlformats.org/markup-compatibility/2006">
+    <mc:Choice xmlns:c14="http://schemas.microsoft.com/office/drawing/2007/8/2/chart" Requires="c14">
+      <c14:style val="118"/>
+    </mc:Choice>
+    <mc:Fallback>
+      <c:style val="18"/>
+    </mc:Fallback>
+  </mc:AlternateContent>
+  <c:chart>
+    <c:autoTitleDeleted val="0"/>
+    <c:plotArea>
+      <c:layout/>
+      <c:lineChart>
+        <c:grouping val="standard"/>
+        <c:varyColors val="0"/>
+        <c:ser>
+          <c:idx val="0"/>
+          <c:order val="0"/>
+          <c:tx>
+            <c:strRef>
+              <c:f>NoPeaks!$M$1</c:f>
+              <c:strCache>
+                <c:ptCount val="1"/>
+                <c:pt idx="0">
+                  <c:v>VAR04realMean_c0</c:v>
+                </c:pt>
+              </c:strCache>
+            </c:strRef>
+          </c:tx>
+          <c:marker>
+            <c:symbol val="none"/>
+          </c:marker>
+          <c:val>
+            <c:numRef>
+              <c:f>NoPeaks!$M$2:$M$64</c:f>
+              <c:numCache>
+                <c:formatCode>General</c:formatCode>
+                <c:ptCount val="63"/>
+                <c:pt idx="0">
+                  <c:v>7694.21171272814</c:v>
+                </c:pt>
+                <c:pt idx="1">
+                  <c:v>7828.55519804247</c:v>
+                </c:pt>
+                <c:pt idx="2">
+                  <c:v>7733.67179326886</c:v>
+                </c:pt>
+                <c:pt idx="3">
+                  <c:v>7446.26437989178</c:v>
+                </c:pt>
+                <c:pt idx="4">
+                  <c:v>7098.48968022133</c:v>
+                </c:pt>
+                <c:pt idx="5">
+                  <c:v>6749.95521058557</c:v>
+                </c:pt>
+                <c:pt idx="6">
+                  <c:v>6577.40987760912</c:v>
+                </c:pt>
+                <c:pt idx="7">
+                  <c:v>6808.08823173773</c:v>
+                </c:pt>
+                <c:pt idx="8">
+                  <c:v>6857.93660953426</c:v>
+                </c:pt>
+                <c:pt idx="9">
+                  <c:v>7002.7463913285</c:v>
+                </c:pt>
+                <c:pt idx="10">
+                  <c:v>6839.51986471658</c:v>
+                </c:pt>
+                <c:pt idx="11">
+                  <c:v>6892.05427954521</c:v>
+                </c:pt>
+                <c:pt idx="12">
+                  <c:v>6738.11065461615</c:v>
+                </c:pt>
+                <c:pt idx="13">
+                  <c:v>6527.95270386916</c:v>
+                </c:pt>
+                <c:pt idx="14">
+                  <c:v>6078.32396467676</c:v>
+                </c:pt>
+                <c:pt idx="15">
+                  <c:v>5824.8384385476</c:v>
+                </c:pt>
+                <c:pt idx="16">
+                  <c:v>5560.37533513424</c:v>
+                </c:pt>
+                <c:pt idx="17">
+                  <c:v>5903.9899468281</c:v>
+                </c:pt>
+                <c:pt idx="18">
+                  <c:v>6058.25454505332</c:v>
+                </c:pt>
+                <c:pt idx="19">
+                  <c:v>6261.28805328017</c:v>
+                </c:pt>
+                <c:pt idx="20">
+                  <c:v>6594.86620421412</c:v>
+                </c:pt>
+                <c:pt idx="21">
+                  <c:v>6768.60457411448</c:v>
+                </c:pt>
+                <c:pt idx="22">
+                  <c:v>6954.24134154924</c:v>
+                </c:pt>
+                <c:pt idx="23">
+                  <c:v>6833.91825740203</c:v>
+                </c:pt>
+                <c:pt idx="24">
+                  <c:v>6498.03653842321</c:v>
+                </c:pt>
+                <c:pt idx="25">
+                  <c:v>6225.57711357396</c:v>
+                </c:pt>
+                <c:pt idx="26">
+                  <c:v>6093.47841071248</c:v>
+                </c:pt>
+                <c:pt idx="27">
+                  <c:v>6270.54961710211</c:v>
+                </c:pt>
+                <c:pt idx="28">
+                  <c:v>6423.52863394221</c:v>
+                </c:pt>
+                <c:pt idx="29">
+                  <c:v>6787.17335275431</c:v>
+                </c:pt>
+                <c:pt idx="30">
+                  <c:v>7210.88754596436</c:v>
+                </c:pt>
+                <c:pt idx="31">
+                  <c:v>7312.91385547112</c:v>
+                </c:pt>
+                <c:pt idx="32">
+                  <c:v>7513.98561803452</c:v>
+                </c:pt>
+                <c:pt idx="33">
+                  <c:v>7132.91941213626</c:v>
+                </c:pt>
+                <c:pt idx="34">
+                  <c:v>6663.56093104635</c:v>
+                </c:pt>
+                <c:pt idx="35">
+                  <c:v>6475.39851390315</c:v>
+                </c:pt>
+                <c:pt idx="36">
+                  <c:v>6236.59385651162</c:v>
+                </c:pt>
+                <c:pt idx="37">
+                  <c:v>6694.36739455941</c:v>
+                </c:pt>
+                <c:pt idx="38">
+                  <c:v>6740.92039735835</c:v>
+                </c:pt>
+                <c:pt idx="39">
+                  <c:v>7196.10663719397</c:v>
+                </c:pt>
+                <c:pt idx="40">
+                  <c:v>7301.6630473385</c:v>
+                </c:pt>
+                <c:pt idx="41">
+                  <c:v>7405.44074767126</c:v>
+                </c:pt>
+                <c:pt idx="42">
+                  <c:v>7162.11024270825</c:v>
+                </c:pt>
+                <c:pt idx="43">
+                  <c:v>6464.89779929553</c:v>
+                </c:pt>
+                <c:pt idx="44">
+                  <c:v>6351.9861344894</c:v>
+                </c:pt>
+                <c:pt idx="45">
+                  <c:v>6585.46084308944</c:v>
+                </c:pt>
+                <c:pt idx="46">
+                  <c:v>6706.87790375759</c:v>
+                </c:pt>
+                <c:pt idx="47">
+                  <c:v>7334.54933734216</c:v>
+                </c:pt>
+                <c:pt idx="48">
+                  <c:v>7531.8943808341</c:v>
+                </c:pt>
+                <c:pt idx="49">
+                  <c:v>7476.59209485852</c:v>
+                </c:pt>
+                <c:pt idx="50">
+                  <c:v>7462.57739260835</c:v>
+                </c:pt>
+                <c:pt idx="51">
+                  <c:v>6661.53681191694</c:v>
+                </c:pt>
+                <c:pt idx="52">
+                  <c:v>6586.99486057685</c:v>
+                </c:pt>
+                <c:pt idx="53">
+                  <c:v>6945.7789788785</c:v>
+                </c:pt>
+                <c:pt idx="54">
+                  <c:v>7273.13163668445</c:v>
+                </c:pt>
+                <c:pt idx="55">
+                  <c:v>7881.22797444528</c:v>
+                </c:pt>
+                <c:pt idx="56">
+                  <c:v>8266.1906118676</c:v>
+                </c:pt>
+                <c:pt idx="57">
+                  <c:v>8457.401774609431</c:v>
+                </c:pt>
+                <c:pt idx="58">
+                  <c:v>8181.63592319347</c:v>
+                </c:pt>
+                <c:pt idx="59">
+                  <c:v>7607.60597662911</c:v>
+                </c:pt>
+                <c:pt idx="60">
+                  <c:v>7540.37932172583</c:v>
+                </c:pt>
+                <c:pt idx="61">
+                  <c:v>7843.41774695486</c:v>
+                </c:pt>
+                <c:pt idx="62">
+                  <c:v>8402.556977908251</c:v>
+                </c:pt>
+              </c:numCache>
+            </c:numRef>
+          </c:val>
+          <c:smooth val="0"/>
+        </c:ser>
+        <c:ser>
+          <c:idx val="1"/>
+          <c:order val="1"/>
+          <c:tx>
+            <c:strRef>
+              <c:f>NoPeaks!$N$1</c:f>
+              <c:strCache>
+                <c:ptCount val="1"/>
+                <c:pt idx="0">
+                  <c:v>VAR04learntMean_c0</c:v>
+                </c:pt>
+              </c:strCache>
+            </c:strRef>
+          </c:tx>
+          <c:marker>
+            <c:symbol val="none"/>
+          </c:marker>
+          <c:val>
+            <c:numRef>
+              <c:f>NoPeaks!$N$2:$N$64</c:f>
+              <c:numCache>
+                <c:formatCode>General</c:formatCode>
+                <c:ptCount val="63"/>
+                <c:pt idx="0">
+                  <c:v>7695.7140322161</c:v>
+                </c:pt>
+                <c:pt idx="1">
+                  <c:v>7784.89185575571</c:v>
+                </c:pt>
+                <c:pt idx="2">
+                  <c:v>7757.77546354365</c:v>
+                </c:pt>
+                <c:pt idx="3">
+                  <c:v>7629.62949795957</c:v>
+                </c:pt>
+                <c:pt idx="4">
+                  <c:v>7420.66072940442</c:v>
+                </c:pt>
+                <c:pt idx="5">
+                  <c:v>7182.90685226266</c:v>
+                </c:pt>
+                <c:pt idx="6">
+                  <c:v>6978.38267408951</c:v>
+                </c:pt>
+                <c:pt idx="7">
+                  <c:v>6927.97464193859</c:v>
+                </c:pt>
+                <c:pt idx="8">
+                  <c:v>6905.09635931539</c:v>
+                </c:pt>
+                <c:pt idx="9">
+                  <c:v>6925.88516054591</c:v>
+                </c:pt>
+                <c:pt idx="10">
+                  <c:v>6896.55743327611</c:v>
+                </c:pt>
+                <c:pt idx="11">
+                  <c:v>6881.65138135161</c:v>
+                </c:pt>
+                <c:pt idx="12">
+                  <c:v>6838.48259176657</c:v>
+                </c:pt>
+                <c:pt idx="13">
+                  <c:v>6747.54507959365</c:v>
+                </c:pt>
+                <c:pt idx="14">
+                  <c:v>6564.03197563376</c:v>
+                </c:pt>
+                <c:pt idx="15">
+                  <c:v>6372.53512955731</c:v>
+                </c:pt>
+                <c:pt idx="16">
+                  <c:v>6132.61290144952</c:v>
+                </c:pt>
+                <c:pt idx="17">
+                  <c:v>6057.50110290833</c:v>
+                </c:pt>
+                <c:pt idx="18">
+                  <c:v>6044.36074755168</c:v>
+                </c:pt>
+                <c:pt idx="19">
+                  <c:v>6098.24555447676</c:v>
+                </c:pt>
+                <c:pt idx="20">
+                  <c:v>6207.45709776357</c:v>
+                </c:pt>
+                <c:pt idx="21">
+                  <c:v>6307.91812402144</c:v>
+                </c:pt>
+                <c:pt idx="22">
+                  <c:v>6422.86296896232</c:v>
+                </c:pt>
+                <c:pt idx="23">
+                  <c:v>6456.09222505439</c:v>
+                </c:pt>
+                <c:pt idx="24">
+                  <c:v>6418.44893345237</c:v>
+                </c:pt>
+                <c:pt idx="25">
+                  <c:v>6343.75820186404</c:v>
+                </c:pt>
+                <c:pt idx="26">
+                  <c:v>6256.43491792965</c:v>
+                </c:pt>
+                <c:pt idx="27">
+                  <c:v>6214.7339164793</c:v>
+                </c:pt>
+                <c:pt idx="28">
+                  <c:v>6221.09375842845</c:v>
+                </c:pt>
+                <c:pt idx="29">
+                  <c:v>6294.62758263153</c:v>
+                </c:pt>
+                <c:pt idx="30">
+                  <c:v>6407.56481532786</c:v>
+                </c:pt>
+                <c:pt idx="31">
+                  <c:v>6505.23746120889</c:v>
+                </c:pt>
+                <c:pt idx="32">
+                  <c:v>6610.0862929725</c:v>
+                </c:pt>
+                <c:pt idx="33">
+                  <c:v>6625.81893303793</c:v>
+                </c:pt>
+                <c:pt idx="34">
+                  <c:v>6582.27126503221</c:v>
+                </c:pt>
+                <c:pt idx="35">
+                  <c:v>6532.89869785697</c:v>
+                </c:pt>
+                <c:pt idx="36">
+                  <c:v>6465.21812523554</c:v>
+                </c:pt>
+                <c:pt idx="37">
+                  <c:v>6486.32237710227</c:v>
+                </c:pt>
+                <c:pt idx="38">
+                  <c:v>6493.9481966545</c:v>
+                </c:pt>
+                <c:pt idx="39">
+                  <c:v>6562.54238166842</c:v>
+                </c:pt>
+                <c:pt idx="40">
+                  <c:v>6620.42152799693</c:v>
+                </c:pt>
+                <c:pt idx="41">
+                  <c:v>6689.7024238391</c:v>
+                </c:pt>
+                <c:pt idx="42">
+                  <c:v>6713.10036352216</c:v>
+                </c:pt>
+                <c:pt idx="43">
+                  <c:v>6663.14925503929</c:v>
+                </c:pt>
+                <c:pt idx="44">
+                  <c:v>6599.53061306916</c:v>
+                </c:pt>
+                <c:pt idx="45">
+                  <c:v>6576.82503965075</c:v>
+                </c:pt>
+                <c:pt idx="46">
+                  <c:v>6557.12119457358</c:v>
+                </c:pt>
+                <c:pt idx="47">
+                  <c:v>6608.85355620803</c:v>
+                </c:pt>
+                <c:pt idx="48">
+                  <c:v>6682.21214543166</c:v>
+                </c:pt>
+                <c:pt idx="49">
+                  <c:v>6740.85381081911</c:v>
+                </c:pt>
+                <c:pt idx="50">
+                  <c:v>6774.38889701493</c:v>
+                </c:pt>
+                <c:pt idx="51">
+                  <c:v>6744.07264269675</c:v>
+                </c:pt>
+                <c:pt idx="52">
+                  <c:v>6714.62474864722</c:v>
+                </c:pt>
+                <c:pt idx="53">
+                  <c:v>6731.2591870353</c:v>
+                </c:pt>
+                <c:pt idx="54">
+                  <c:v>6756.87427636299</c:v>
+                </c:pt>
+                <c:pt idx="55">
+                  <c:v>6836.5009746102</c:v>
+                </c:pt>
+                <c:pt idx="56">
+                  <c:v>6916.0093408313</c:v>
+                </c:pt>
+                <c:pt idx="57">
+                  <c:v>7000.34588145554</c:v>
+                </c:pt>
+                <c:pt idx="58">
+                  <c:v>7033.09942929489</c:v>
+                </c:pt>
+                <c:pt idx="59">
+                  <c:v>7053.59496704628</c:v>
+                </c:pt>
+                <c:pt idx="60">
+                  <c:v>7058.71853244927</c:v>
+                </c:pt>
+                <c:pt idx="61">
+                  <c:v>7087.60934231537</c:v>
+                </c:pt>
+                <c:pt idx="62">
+                  <c:v>7137.04907257257</c:v>
+                </c:pt>
+              </c:numCache>
+            </c:numRef>
+          </c:val>
+          <c:smooth val="0"/>
+        </c:ser>
+        <c:dLbls>
+          <c:showLegendKey val="0"/>
+          <c:showVal val="0"/>
+          <c:showCatName val="0"/>
+          <c:showSerName val="0"/>
+          <c:showPercent val="0"/>
+          <c:showBubbleSize val="0"/>
+        </c:dLbls>
+        <c:marker val="1"/>
+        <c:smooth val="0"/>
+        <c:axId val="-2142909608"/>
+        <c:axId val="-2142906632"/>
+      </c:lineChart>
+      <c:catAx>
+        <c:axId val="-2142909608"/>
+        <c:scaling>
+          <c:orientation val="minMax"/>
+        </c:scaling>
+        <c:delete val="0"/>
+        <c:axPos val="b"/>
+        <c:majorTickMark val="out"/>
+        <c:minorTickMark val="none"/>
+        <c:tickLblPos val="nextTo"/>
+        <c:crossAx val="-2142906632"/>
+        <c:crosses val="autoZero"/>
+        <c:auto val="1"/>
+        <c:lblAlgn val="ctr"/>
+        <c:lblOffset val="100"/>
+        <c:noMultiLvlLbl val="0"/>
+      </c:catAx>
+      <c:valAx>
+        <c:axId val="-2142906632"/>
+        <c:scaling>
+          <c:orientation val="minMax"/>
+        </c:scaling>
+        <c:delete val="0"/>
+        <c:axPos val="l"/>
+        <c:majorGridlines/>
+        <c:numFmt formatCode="General" sourceLinked="1"/>
+        <c:majorTickMark val="out"/>
+        <c:minorTickMark val="none"/>
+        <c:tickLblPos val="nextTo"/>
+        <c:crossAx val="-2142909608"/>
+        <c:crosses val="autoZero"/>
+        <c:crossBetween val="between"/>
+      </c:valAx>
+    </c:plotArea>
+    <c:legend>
+      <c:legendPos val="r"/>
+      <c:layout/>
+      <c:overlay val="0"/>
+    </c:legend>
+    <c:plotVisOnly val="1"/>
+    <c:dispBlanksAs val="gap"/>
+    <c:showDLblsOverMax val="0"/>
+  </c:chart>
+  <c:externalData r:id="rId1">
+    <c:autoUpdate val="0"/>
+  </c:externalData>
+</c:chartSpace>
+</file>
+
+<file path=ppt/charts/chart12.xml><?xml version="1.0" encoding="utf-8"?>
+<c:chartSpace xmlns:c="http://schemas.openxmlformats.org/drawingml/2006/chart" xmlns:a="http://schemas.openxmlformats.org/drawingml/2006/main" xmlns:r="http://schemas.openxmlformats.org/officeDocument/2006/relationships">
+  <c:date1904 val="0"/>
+  <c:lang val="en-US"/>
+  <c:roundedCorners val="0"/>
+  <mc:AlternateContent xmlns:mc="http://schemas.openxmlformats.org/markup-compatibility/2006">
+    <mc:Choice xmlns:c14="http://schemas.microsoft.com/office/drawing/2007/8/2/chart" Requires="c14">
+      <c14:style val="118"/>
+    </mc:Choice>
+    <mc:Fallback>
+      <c:style val="18"/>
+    </mc:Fallback>
+  </mc:AlternateContent>
+  <c:chart>
+    <c:autoTitleDeleted val="0"/>
+    <c:plotArea>
+      <c:layout/>
+      <c:lineChart>
+        <c:grouping val="standard"/>
+        <c:varyColors val="0"/>
+        <c:ser>
+          <c:idx val="0"/>
+          <c:order val="0"/>
+          <c:tx>
+            <c:strRef>
+              <c:f>NoPeaks!$O$1</c:f>
+              <c:strCache>
+                <c:ptCount val="1"/>
+                <c:pt idx="0">
+                  <c:v>VAR04realMean_c1</c:v>
+                </c:pt>
+              </c:strCache>
+            </c:strRef>
+          </c:tx>
+          <c:marker>
+            <c:symbol val="none"/>
+          </c:marker>
+          <c:val>
+            <c:numRef>
+              <c:f>NoPeaks!$O$2:$O$64</c:f>
+              <c:numCache>
+                <c:formatCode>General</c:formatCode>
+                <c:ptCount val="63"/>
+                <c:pt idx="0">
+                  <c:v>1353.72213473315</c:v>
+                </c:pt>
+                <c:pt idx="1">
+                  <c:v>1354.60584474885</c:v>
+                </c:pt>
+                <c:pt idx="2">
+                  <c:v>1323.33831180017</c:v>
+                </c:pt>
+                <c:pt idx="3">
+                  <c:v>1228.0978313253</c:v>
+                </c:pt>
+                <c:pt idx="4">
+                  <c:v>1631.71771152296</c:v>
+                </c:pt>
+                <c:pt idx="5">
+                  <c:v>782.937855361595</c:v>
+                </c:pt>
+                <c:pt idx="6">
+                  <c:v>506.002120441051</c:v>
+                </c:pt>
+                <c:pt idx="7">
+                  <c:v>615.524153498871</c:v>
+                </c:pt>
+                <c:pt idx="8">
+                  <c:v>995.817998423954</c:v>
+                </c:pt>
+                <c:pt idx="9">
+                  <c:v>691.1967691208</c:v>
+                </c:pt>
+                <c:pt idx="10">
+                  <c:v>618.622829194883</c:v>
+                </c:pt>
+                <c:pt idx="11">
+                  <c:v>696.548212867354</c:v>
+                </c:pt>
+                <c:pt idx="12">
+                  <c:v>494.211636363636</c:v>
+                </c:pt>
+                <c:pt idx="13">
+                  <c:v>448.412924126172</c:v>
+                </c:pt>
+                <c:pt idx="14">
+                  <c:v>363.648738007379</c:v>
+                </c:pt>
+                <c:pt idx="15">
+                  <c:v>421.723466440102</c:v>
+                </c:pt>
+                <c:pt idx="16">
+                  <c:v>385.747689429373</c:v>
+                </c:pt>
+                <c:pt idx="17">
+                  <c:v>475.87962721342</c:v>
+                </c:pt>
+                <c:pt idx="18">
+                  <c:v>491.143627152988</c:v>
+                </c:pt>
+                <c:pt idx="19">
+                  <c:v>593.270377524144</c:v>
+                </c:pt>
+                <c:pt idx="20">
+                  <c:v>697.577497231451</c:v>
+                </c:pt>
+                <c:pt idx="21">
+                  <c:v>910.727449584816</c:v>
+                </c:pt>
+                <c:pt idx="22">
+                  <c:v>661.0428848484841</c:v>
+                </c:pt>
+                <c:pt idx="23">
+                  <c:v>600.499030144167</c:v>
+                </c:pt>
+                <c:pt idx="24">
+                  <c:v>468.742802802803</c:v>
+                </c:pt>
+                <c:pt idx="25">
+                  <c:v>731.795600539811</c:v>
+                </c:pt>
+                <c:pt idx="26">
+                  <c:v>755.577717546362</c:v>
+                </c:pt>
+                <c:pt idx="27">
+                  <c:v>546.554066225165</c:v>
+                </c:pt>
+                <c:pt idx="28">
+                  <c:v>595.863328631875</c:v>
+                </c:pt>
+                <c:pt idx="29">
+                  <c:v>288.463004975124</c:v>
+                </c:pt>
+                <c:pt idx="30">
+                  <c:v>696.364572230013</c:v>
+                </c:pt>
+                <c:pt idx="31">
+                  <c:v>485.278344459278</c:v>
+                </c:pt>
+                <c:pt idx="32">
+                  <c:v>505.261182147164</c:v>
+                </c:pt>
+                <c:pt idx="33">
+                  <c:v>188.061082737487</c:v>
+                </c:pt>
+                <c:pt idx="34">
+                  <c:v>144.712145960034</c:v>
+                </c:pt>
+                <c:pt idx="35">
+                  <c:v>258.067354685646</c:v>
+                </c:pt>
+                <c:pt idx="36">
+                  <c:v>381.160369003689</c:v>
+                </c:pt>
+                <c:pt idx="37">
+                  <c:v>307.86279959718</c:v>
+                </c:pt>
+                <c:pt idx="38">
+                  <c:v>270.802439537329</c:v>
+                </c:pt>
+                <c:pt idx="39">
+                  <c:v>474.702508038585</c:v>
+                </c:pt>
+                <c:pt idx="40">
+                  <c:v>427.212123212321</c:v>
+                </c:pt>
+                <c:pt idx="41">
+                  <c:v>344.956689520078</c:v>
+                </c:pt>
+                <c:pt idx="42">
+                  <c:v>528.452587412587</c:v>
+                </c:pt>
+                <c:pt idx="43">
+                  <c:v>347.836450704225</c:v>
+                </c:pt>
+                <c:pt idx="44">
+                  <c:v>250.205870556061</c:v>
+                </c:pt>
+                <c:pt idx="45">
+                  <c:v>169.968541114058</c:v>
+                </c:pt>
+                <c:pt idx="46">
+                  <c:v>163.825562336529</c:v>
+                </c:pt>
+                <c:pt idx="47">
+                  <c:v>246.751971197119</c:v>
+                </c:pt>
+                <c:pt idx="48">
+                  <c:v>279.472345013477</c:v>
+                </c:pt>
+                <c:pt idx="49">
+                  <c:v>292.875350701402</c:v>
+                </c:pt>
+                <c:pt idx="50">
+                  <c:v>352.193922746781</c:v>
+                </c:pt>
+                <c:pt idx="51">
+                  <c:v>281.519317585301</c:v>
+                </c:pt>
+                <c:pt idx="52">
+                  <c:v>300.988563968668</c:v>
+                </c:pt>
+                <c:pt idx="53">
+                  <c:v>285.51876701361</c:v>
+                </c:pt>
+                <c:pt idx="54">
+                  <c:v>295.960954816709</c:v>
+                </c:pt>
+                <c:pt idx="55">
+                  <c:v>156.872109181141</c:v>
+                </c:pt>
+                <c:pt idx="56">
+                  <c:v>178.525648224607</c:v>
+                </c:pt>
+                <c:pt idx="57">
+                  <c:v>143.143641069887</c:v>
+                </c:pt>
+                <c:pt idx="58">
+                  <c:v>323.652774070543</c:v>
+                </c:pt>
+                <c:pt idx="59">
+                  <c:v>229.572511415525</c:v>
+                </c:pt>
+                <c:pt idx="60">
+                  <c:v>170.147030185004</c:v>
+                </c:pt>
+                <c:pt idx="61">
+                  <c:v>118.410300429184</c:v>
+                </c:pt>
+                <c:pt idx="62">
+                  <c:v>213.457013118062</c:v>
+                </c:pt>
+              </c:numCache>
+            </c:numRef>
+          </c:val>
+          <c:smooth val="0"/>
+        </c:ser>
+        <c:ser>
+          <c:idx val="1"/>
+          <c:order val="1"/>
+          <c:tx>
+            <c:strRef>
+              <c:f>NoPeaks!$P$1</c:f>
+              <c:strCache>
+                <c:ptCount val="1"/>
+                <c:pt idx="0">
+                  <c:v>VAR04learntMean_c1</c:v>
+                </c:pt>
+              </c:strCache>
+            </c:strRef>
+          </c:tx>
+          <c:marker>
+            <c:symbol val="none"/>
+          </c:marker>
+          <c:val>
+            <c:numRef>
+              <c:f>NoPeaks!$P$2:$P$64</c:f>
+              <c:numCache>
+                <c:formatCode>General</c:formatCode>
+                <c:ptCount val="63"/>
+                <c:pt idx="0">
+                  <c:v>1350.27543507112</c:v>
+                </c:pt>
+                <c:pt idx="1">
+                  <c:v>1357.61259586368</c:v>
+                </c:pt>
+                <c:pt idx="2">
+                  <c:v>1344.95339425187</c:v>
+                </c:pt>
+                <c:pt idx="3">
+                  <c:v>1297.89890117304</c:v>
+                </c:pt>
+                <c:pt idx="4">
+                  <c:v>1331.75048519133</c:v>
+                </c:pt>
+                <c:pt idx="5">
+                  <c:v>1226.57888435382</c:v>
+                </c:pt>
+                <c:pt idx="6">
+                  <c:v>1073.32272625499</c:v>
+                </c:pt>
+                <c:pt idx="7">
+                  <c:v>971.353060251351</c:v>
+                </c:pt>
+                <c:pt idx="8">
+                  <c:v>971.115668473919</c:v>
+                </c:pt>
+                <c:pt idx="9">
+                  <c:v>909.9557928898409</c:v>
+                </c:pt>
+                <c:pt idx="10">
+                  <c:v>839.138911314178</c:v>
+                </c:pt>
+                <c:pt idx="11">
+                  <c:v>796.3974544487251</c:v>
+                </c:pt>
+                <c:pt idx="12">
+                  <c:v>719.498924086673</c:v>
+                </c:pt>
+                <c:pt idx="13">
+                  <c:v>629.705203633052</c:v>
+                </c:pt>
+                <c:pt idx="14">
+                  <c:v>511.146254960111</c:v>
+                </c:pt>
+                <c:pt idx="15">
+                  <c:v>442.608277699001</c:v>
+                </c:pt>
+                <c:pt idx="16">
+                  <c:v>357.358026434921</c:v>
+                </c:pt>
+                <c:pt idx="17">
+                  <c:v>353.796906251068</c:v>
+                </c:pt>
+                <c:pt idx="18">
+                  <c:v>366.592932447638</c:v>
+                </c:pt>
+                <c:pt idx="19">
+                  <c:v>421.986795367975</c:v>
+                </c:pt>
+                <c:pt idx="20">
+                  <c:v>490.343029728625</c:v>
+                </c:pt>
+                <c:pt idx="21">
+                  <c:v>562.905072241312</c:v>
+                </c:pt>
+                <c:pt idx="22">
+                  <c:v>608.996513811808</c:v>
+                </c:pt>
+                <c:pt idx="23">
+                  <c:v>600.831560240614</c:v>
+                </c:pt>
+                <c:pt idx="24">
+                  <c:v>549.485394203211</c:v>
+                </c:pt>
+                <c:pt idx="25">
+                  <c:v>518.469796541377</c:v>
+                </c:pt>
+                <c:pt idx="26">
+                  <c:v>488.394795968004</c:v>
+                </c:pt>
+                <c:pt idx="27">
+                  <c:v>458.436758186739</c:v>
+                </c:pt>
+                <c:pt idx="28">
+                  <c:v>458.693207593212</c:v>
+                </c:pt>
+                <c:pt idx="29">
+                  <c:v>452.604788068663</c:v>
+                </c:pt>
+                <c:pt idx="30">
+                  <c:v>502.40688283595</c:v>
+                </c:pt>
+                <c:pt idx="31">
+                  <c:v>525.090888698014</c:v>
+                </c:pt>
+                <c:pt idx="32">
+                  <c:v>554.418989025842</c:v>
+                </c:pt>
+                <c:pt idx="33">
+                  <c:v>498.676418846399</c:v>
+                </c:pt>
+                <c:pt idx="34">
+                  <c:v>410.992225862873</c:v>
+                </c:pt>
+                <c:pt idx="35">
+                  <c:v>353.113783593753</c:v>
+                </c:pt>
+                <c:pt idx="36">
+                  <c:v>307.262017228034</c:v>
+                </c:pt>
+                <c:pt idx="37">
+                  <c:v>312.065936706254</c:v>
+                </c:pt>
+                <c:pt idx="38">
+                  <c:v>297.573383306397</c:v>
+                </c:pt>
+                <c:pt idx="39">
+                  <c:v>338.845387882565</c:v>
+                </c:pt>
+                <c:pt idx="40">
+                  <c:v>361.186255739267</c:v>
+                </c:pt>
+                <c:pt idx="41">
+                  <c:v>388.233109597647</c:v>
+                </c:pt>
+                <c:pt idx="42">
+                  <c:v>398.20214621986</c:v>
+                </c:pt>
+                <c:pt idx="43">
+                  <c:v>351.873402384697</c:v>
+                </c:pt>
+                <c:pt idx="44">
+                  <c:v>289.824611854772</c:v>
+                </c:pt>
+                <c:pt idx="45">
+                  <c:v>253.032271768915</c:v>
+                </c:pt>
+                <c:pt idx="46">
+                  <c:v>212.382879980326</c:v>
+                </c:pt>
+                <c:pt idx="47">
+                  <c:v>222.540758510248</c:v>
+                </c:pt>
+                <c:pt idx="48">
+                  <c:v>254.309791468044</c:v>
+                </c:pt>
+                <c:pt idx="49">
+                  <c:v>278.599889155699</c:v>
+                </c:pt>
+                <c:pt idx="50">
+                  <c:v>281.01838799492</c:v>
+                </c:pt>
+                <c:pt idx="51">
+                  <c:v>248.755648991407</c:v>
+                </c:pt>
+                <c:pt idx="52">
+                  <c:v>225.295553709321</c:v>
+                </c:pt>
+                <c:pt idx="53">
+                  <c:v>236.904881680077</c:v>
+                </c:pt>
+                <c:pt idx="54">
+                  <c:v>240.224122703459</c:v>
+                </c:pt>
+                <c:pt idx="55">
+                  <c:v>270.857102941968</c:v>
+                </c:pt>
+                <c:pt idx="56">
+                  <c:v>288.311487839949</c:v>
+                </c:pt>
+                <c:pt idx="57">
+                  <c:v>311.818220329388</c:v>
+                </c:pt>
+                <c:pt idx="58">
+                  <c:v>290.242106388088</c:v>
+                </c:pt>
+                <c:pt idx="59">
+                  <c:v>283.140471049724</c:v>
+                </c:pt>
+                <c:pt idx="60">
+                  <c:v>252.871503393379</c:v>
+                </c:pt>
+                <c:pt idx="61">
+                  <c:v>241.049250138874</c:v>
+                </c:pt>
+                <c:pt idx="62">
+                  <c:v>242.036526571058</c:v>
+                </c:pt>
+              </c:numCache>
+            </c:numRef>
+          </c:val>
+          <c:smooth val="0"/>
+        </c:ser>
+        <c:dLbls>
+          <c:showLegendKey val="0"/>
+          <c:showVal val="0"/>
+          <c:showCatName val="0"/>
+          <c:showSerName val="0"/>
+          <c:showPercent val="0"/>
+          <c:showBubbleSize val="0"/>
+        </c:dLbls>
+        <c:marker val="1"/>
+        <c:smooth val="0"/>
+        <c:axId val="2053565080"/>
+        <c:axId val="-2145173704"/>
+      </c:lineChart>
+      <c:catAx>
+        <c:axId val="2053565080"/>
+        <c:scaling>
+          <c:orientation val="minMax"/>
+        </c:scaling>
+        <c:delete val="0"/>
+        <c:axPos val="b"/>
+        <c:majorTickMark val="out"/>
+        <c:minorTickMark val="none"/>
+        <c:tickLblPos val="nextTo"/>
+        <c:crossAx val="-2145173704"/>
+        <c:crosses val="autoZero"/>
+        <c:auto val="1"/>
+        <c:lblAlgn val="ctr"/>
+        <c:lblOffset val="100"/>
+        <c:noMultiLvlLbl val="0"/>
+      </c:catAx>
+      <c:valAx>
+        <c:axId val="-2145173704"/>
+        <c:scaling>
+          <c:orientation val="minMax"/>
+        </c:scaling>
+        <c:delete val="0"/>
+        <c:axPos val="l"/>
+        <c:majorGridlines/>
+        <c:numFmt formatCode="General" sourceLinked="1"/>
+        <c:majorTickMark val="out"/>
+        <c:minorTickMark val="none"/>
+        <c:tickLblPos val="nextTo"/>
+        <c:crossAx val="2053565080"/>
+        <c:crosses val="autoZero"/>
+        <c:crossBetween val="between"/>
+      </c:valAx>
+    </c:plotArea>
+    <c:legend>
+      <c:legendPos val="r"/>
+      <c:layout/>
+      <c:overlay val="0"/>
+    </c:legend>
+    <c:plotVisOnly val="1"/>
+    <c:dispBlanksAs val="gap"/>
+    <c:showDLblsOverMax val="0"/>
+  </c:chart>
+  <c:externalData r:id="rId1">
+    <c:autoUpdate val="0"/>
+  </c:externalData>
+</c:chartSpace>
+</file>
+
+<file path=ppt/charts/chart13.xml><?xml version="1.0" encoding="utf-8"?>
 <c:chartSpace xmlns:c="http://schemas.openxmlformats.org/drawingml/2006/chart" xmlns:a="http://schemas.openxmlformats.org/drawingml/2006/main" xmlns:r="http://schemas.openxmlformats.org/officeDocument/2006/relationships">
   <c:date1904 val="0"/>
   <c:lang val="en-US"/>
@@ -2558,7 +2688,7 @@
 </c:chartSpace>
 </file>
 
-<file path=ppt/charts/chart11.xml><?xml version="1.0" encoding="utf-8"?>
+<file path=ppt/charts/chart14.xml><?xml version="1.0" encoding="utf-8"?>
 <c:chartSpace xmlns:c="http://schemas.openxmlformats.org/drawingml/2006/chart" xmlns:a="http://schemas.openxmlformats.org/drawingml/2006/main" xmlns:r="http://schemas.openxmlformats.org/officeDocument/2006/relationships">
   <c:date1904 val="0"/>
   <c:lang val="en-US"/>
@@ -3074,7 +3204,7 @@
 </c:chartSpace>
 </file>
 
-<file path=ppt/charts/chart12.xml><?xml version="1.0" encoding="utf-8"?>
+<file path=ppt/charts/chart15.xml><?xml version="1.0" encoding="utf-8"?>
 <c:chartSpace xmlns:c="http://schemas.openxmlformats.org/drawingml/2006/chart" xmlns:a="http://schemas.openxmlformats.org/drawingml/2006/main" xmlns:r="http://schemas.openxmlformats.org/officeDocument/2006/relationships">
   <c:date1904 val="0"/>
   <c:lang val="en-US"/>
@@ -3590,7 +3720,7 @@
 </c:chartSpace>
 </file>
 
-<file path=ppt/charts/chart13.xml><?xml version="1.0" encoding="utf-8"?>
+<file path=ppt/charts/chart16.xml><?xml version="1.0" encoding="utf-8"?>
 <c:chartSpace xmlns:c="http://schemas.openxmlformats.org/drawingml/2006/chart" xmlns:a="http://schemas.openxmlformats.org/drawingml/2006/main" xmlns:r="http://schemas.openxmlformats.org/officeDocument/2006/relationships">
   <c:date1904 val="0"/>
   <c:lang val="en-US"/>
@@ -4131,6 +4261,3828 @@
           <c:order val="0"/>
           <c:tx>
             <c:strRef>
+              <c:f>'2globalHidden'!$B$1</c:f>
+              <c:strCache>
+                <c:ptCount val="1"/>
+                <c:pt idx="0">
+                  <c:v>GlobalHidden_0</c:v>
+                </c:pt>
+              </c:strCache>
+            </c:strRef>
+          </c:tx>
+          <c:marker>
+            <c:symbol val="none"/>
+          </c:marker>
+          <c:val>
+            <c:numRef>
+              <c:f>'2globalHidden'!$B$2:$B$64</c:f>
+              <c:numCache>
+                <c:formatCode>General</c:formatCode>
+                <c:ptCount val="63"/>
+                <c:pt idx="0">
+                  <c:v>10.9833039204363</c:v>
+                </c:pt>
+                <c:pt idx="1">
+                  <c:v>10.2914718543862</c:v>
+                </c:pt>
+                <c:pt idx="2">
+                  <c:v>10.0217029961581</c:v>
+                </c:pt>
+                <c:pt idx="3">
+                  <c:v>10.4390210765662</c:v>
+                </c:pt>
+                <c:pt idx="4">
+                  <c:v>11.4482927954785</c:v>
+                </c:pt>
+                <c:pt idx="5">
+                  <c:v>11.451621863204</c:v>
+                </c:pt>
+                <c:pt idx="6">
+                  <c:v>11.6064835080714</c:v>
+                </c:pt>
+                <c:pt idx="7">
+                  <c:v>11.3950239401099</c:v>
+                </c:pt>
+                <c:pt idx="8">
+                  <c:v>11.3452813414668</c:v>
+                </c:pt>
+                <c:pt idx="9">
+                  <c:v>11.2423863856397</c:v>
+                </c:pt>
+                <c:pt idx="10">
+                  <c:v>11.4698246203775</c:v>
+                </c:pt>
+                <c:pt idx="11">
+                  <c:v>11.896690351831</c:v>
+                </c:pt>
+                <c:pt idx="12">
+                  <c:v>12.1409952518563</c:v>
+                </c:pt>
+                <c:pt idx="13">
+                  <c:v>13.3071012290626</c:v>
+                </c:pt>
+                <c:pt idx="14">
+                  <c:v>14.8007539659597</c:v>
+                </c:pt>
+                <c:pt idx="15">
+                  <c:v>15.6277937385899</c:v>
+                </c:pt>
+                <c:pt idx="16">
+                  <c:v>17.4062692263432</c:v>
+                </c:pt>
+                <c:pt idx="17">
+                  <c:v>17.6524567914943</c:v>
+                </c:pt>
+                <c:pt idx="18">
+                  <c:v>17.6258507795313</c:v>
+                </c:pt>
+                <c:pt idx="19">
+                  <c:v>16.8159092637673</c:v>
+                </c:pt>
+                <c:pt idx="20">
+                  <c:v>15.9156823544898</c:v>
+                </c:pt>
+                <c:pt idx="21">
+                  <c:v>15.4009473289958</c:v>
+                </c:pt>
+                <c:pt idx="22">
+                  <c:v>14.4667152616467</c:v>
+                </c:pt>
+                <c:pt idx="23">
+                  <c:v>15.1744258418374</c:v>
+                </c:pt>
+                <c:pt idx="24">
+                  <c:v>16.5638349930014</c:v>
+                </c:pt>
+                <c:pt idx="25">
+                  <c:v>18.1091419046388</c:v>
+                </c:pt>
+                <c:pt idx="26">
+                  <c:v>19.663978476192</c:v>
+                </c:pt>
+                <c:pt idx="27">
+                  <c:v>20.702358733927</c:v>
+                </c:pt>
+                <c:pt idx="28">
+                  <c:v>20.9289535714526</c:v>
+                </c:pt>
+                <c:pt idx="29">
+                  <c:v>20.2083656970536</c:v>
+                </c:pt>
+                <c:pt idx="30">
+                  <c:v>19.5045584685567</c:v>
+                </c:pt>
+                <c:pt idx="31">
+                  <c:v>19.1278771742657</c:v>
+                </c:pt>
+                <c:pt idx="32">
+                  <c:v>18.6869153546622</c:v>
+                </c:pt>
+                <c:pt idx="33">
+                  <c:v>19.7536910541892</c:v>
+                </c:pt>
+                <c:pt idx="34">
+                  <c:v>21.2873579435282</c:v>
+                </c:pt>
+                <c:pt idx="35">
+                  <c:v>22.5128115729437</c:v>
+                </c:pt>
+                <c:pt idx="36">
+                  <c:v>23.6245094290672</c:v>
+                </c:pt>
+                <c:pt idx="37">
+                  <c:v>22.9976526877968</c:v>
+                </c:pt>
+                <c:pt idx="38">
+                  <c:v>23.2115428187698</c:v>
+                </c:pt>
+                <c:pt idx="39">
+                  <c:v>22.3841822201975</c:v>
+                </c:pt>
+                <c:pt idx="40">
+                  <c:v>22.1048020677875</c:v>
+                </c:pt>
+                <c:pt idx="41">
+                  <c:v>21.4130509573974</c:v>
+                </c:pt>
+                <c:pt idx="42">
+                  <c:v>21.9678348977455</c:v>
+                </c:pt>
+                <c:pt idx="43">
+                  <c:v>23.0565991412072</c:v>
+                </c:pt>
+                <c:pt idx="44">
+                  <c:v>24.4176436154887</c:v>
+                </c:pt>
+                <c:pt idx="45">
+                  <c:v>24.8421257131914</c:v>
+                </c:pt>
+                <c:pt idx="46">
+                  <c:v>25.5233441454624</c:v>
+                </c:pt>
+                <c:pt idx="47">
+                  <c:v>25.340170843976</c:v>
+                </c:pt>
+                <c:pt idx="48">
+                  <c:v>24.7140051295814</c:v>
+                </c:pt>
+                <c:pt idx="49">
+                  <c:v>24.2817970609261</c:v>
+                </c:pt>
+                <c:pt idx="50">
+                  <c:v>24.7945721779066</c:v>
+                </c:pt>
+                <c:pt idx="51">
+                  <c:v>25.6492320083067</c:v>
+                </c:pt>
+                <c:pt idx="52">
+                  <c:v>26.1971454505679</c:v>
+                </c:pt>
+                <c:pt idx="53">
+                  <c:v>25.8295115810204</c:v>
+                </c:pt>
+                <c:pt idx="54">
+                  <c:v>25.9400277507862</c:v>
+                </c:pt>
+                <c:pt idx="55">
+                  <c:v>25.3868791443247</c:v>
+                </c:pt>
+                <c:pt idx="56">
+                  <c:v>25.189496867101</c:v>
+                </c:pt>
+                <c:pt idx="57">
+                  <c:v>24.9603521425735</c:v>
+                </c:pt>
+                <c:pt idx="58">
+                  <c:v>26.4776221260229</c:v>
+                </c:pt>
+                <c:pt idx="59">
+                  <c:v>26.7513826871848</c:v>
+                </c:pt>
+                <c:pt idx="60">
+                  <c:v>27.5282731642041</c:v>
+                </c:pt>
+                <c:pt idx="61">
+                  <c:v>27.6400869590695</c:v>
+                </c:pt>
+                <c:pt idx="62">
+                  <c:v>27.9372966787946</c:v>
+                </c:pt>
+              </c:numCache>
+            </c:numRef>
+          </c:val>
+          <c:smooth val="0"/>
+        </c:ser>
+        <c:ser>
+          <c:idx val="1"/>
+          <c:order val="1"/>
+          <c:tx>
+            <c:strRef>
+              <c:f>'2globalHidden'!$C$1</c:f>
+              <c:strCache>
+                <c:ptCount val="1"/>
+                <c:pt idx="0">
+                  <c:v>GlobalHidden_1</c:v>
+                </c:pt>
+              </c:strCache>
+            </c:strRef>
+          </c:tx>
+          <c:marker>
+            <c:symbol val="none"/>
+          </c:marker>
+          <c:val>
+            <c:numRef>
+              <c:f>'2globalHidden'!$C$2:$C$64</c:f>
+              <c:numCache>
+                <c:formatCode>General</c:formatCode>
+                <c:ptCount val="63"/>
+                <c:pt idx="0">
+                  <c:v>10.5213798262218</c:v>
+                </c:pt>
+                <c:pt idx="1">
+                  <c:v>9.74720906644893</c:v>
+                </c:pt>
+                <c:pt idx="2">
+                  <c:v>9.21149530934176</c:v>
+                </c:pt>
+                <c:pt idx="3">
+                  <c:v>9.56900434555456</c:v>
+                </c:pt>
+                <c:pt idx="4">
+                  <c:v>10.6129511356601</c:v>
+                </c:pt>
+                <c:pt idx="5">
+                  <c:v>10.6863781806086</c:v>
+                </c:pt>
+                <c:pt idx="6">
+                  <c:v>11.0059652366514</c:v>
+                </c:pt>
+                <c:pt idx="7">
+                  <c:v>10.7096471648172</c:v>
+                </c:pt>
+                <c:pt idx="8">
+                  <c:v>10.7072867810388</c:v>
+                </c:pt>
+                <c:pt idx="9">
+                  <c:v>10.6243764878882</c:v>
+                </c:pt>
+                <c:pt idx="10">
+                  <c:v>10.63904522014</c:v>
+                </c:pt>
+                <c:pt idx="11">
+                  <c:v>11.0399825155427</c:v>
+                </c:pt>
+                <c:pt idx="12">
+                  <c:v>11.1316531205</c:v>
+                </c:pt>
+                <c:pt idx="13">
+                  <c:v>12.3953078156902</c:v>
+                </c:pt>
+                <c:pt idx="14">
+                  <c:v>14.124883779073</c:v>
+                </c:pt>
+                <c:pt idx="15">
+                  <c:v>15.0631526039854</c:v>
+                </c:pt>
+                <c:pt idx="16">
+                  <c:v>17.0167583842281</c:v>
+                </c:pt>
+                <c:pt idx="17">
+                  <c:v>17.4894943428638</c:v>
+                </c:pt>
+                <c:pt idx="18">
+                  <c:v>17.5962192620348</c:v>
+                </c:pt>
+                <c:pt idx="19">
+                  <c:v>16.8947321959773</c:v>
+                </c:pt>
+                <c:pt idx="20">
+                  <c:v>15.8276413281251</c:v>
+                </c:pt>
+                <c:pt idx="21">
+                  <c:v>15.0994426112927</c:v>
+                </c:pt>
+                <c:pt idx="22">
+                  <c:v>13.7566871011873</c:v>
+                </c:pt>
+                <c:pt idx="23">
+                  <c:v>14.1125889724755</c:v>
+                </c:pt>
+                <c:pt idx="24">
+                  <c:v>15.2655425617671</c:v>
+                </c:pt>
+                <c:pt idx="25">
+                  <c:v>16.5935739340269</c:v>
+                </c:pt>
+                <c:pt idx="26">
+                  <c:v>18.0684884799964</c:v>
+                </c:pt>
+                <c:pt idx="27">
+                  <c:v>19.0067313793814</c:v>
+                </c:pt>
+                <c:pt idx="28">
+                  <c:v>19.094470737735</c:v>
+                </c:pt>
+                <c:pt idx="29">
+                  <c:v>18.3132960249747</c:v>
+                </c:pt>
+                <c:pt idx="30">
+                  <c:v>17.2185371223867</c:v>
+                </c:pt>
+                <c:pt idx="31">
+                  <c:v>16.367908257974</c:v>
+                </c:pt>
+                <c:pt idx="32">
+                  <c:v>15.1941613295109</c:v>
+                </c:pt>
+                <c:pt idx="33">
+                  <c:v>15.8404422606082</c:v>
+                </c:pt>
+                <c:pt idx="34">
+                  <c:v>17.1770264532446</c:v>
+                </c:pt>
+                <c:pt idx="35">
+                  <c:v>18.3230527144819</c:v>
+                </c:pt>
+                <c:pt idx="36">
+                  <c:v>19.545725154716</c:v>
+                </c:pt>
+                <c:pt idx="37">
+                  <c:v>18.9902824322861</c:v>
+                </c:pt>
+                <c:pt idx="38">
+                  <c:v>19.1250077309567</c:v>
+                </c:pt>
+                <c:pt idx="39">
+                  <c:v>18.084955383414</c:v>
+                </c:pt>
+                <c:pt idx="40">
+                  <c:v>17.4619714523536</c:v>
+                </c:pt>
+                <c:pt idx="41">
+                  <c:v>16.2922345147769</c:v>
+                </c:pt>
+                <c:pt idx="42">
+                  <c:v>16.2603762456286</c:v>
+                </c:pt>
+                <c:pt idx="43">
+                  <c:v>17.4333386817557</c:v>
+                </c:pt>
+                <c:pt idx="44">
+                  <c:v>18.9318974050979</c:v>
+                </c:pt>
+                <c:pt idx="45">
+                  <c:v>19.4605818545689</c:v>
+                </c:pt>
+                <c:pt idx="46">
+                  <c:v>20.3163134855794</c:v>
+                </c:pt>
+                <c:pt idx="47">
+                  <c:v>19.8923232124084</c:v>
+                </c:pt>
+                <c:pt idx="48">
+                  <c:v>18.7900400899814</c:v>
+                </c:pt>
+                <c:pt idx="49">
+                  <c:v>17.8591112887456</c:v>
+                </c:pt>
+                <c:pt idx="50">
+                  <c:v>17.9304068139087</c:v>
+                </c:pt>
+                <c:pt idx="51">
+                  <c:v>18.8137690911142</c:v>
+                </c:pt>
+                <c:pt idx="52">
+                  <c:v>19.5879310143835</c:v>
+                </c:pt>
+                <c:pt idx="53">
+                  <c:v>19.2148892404509</c:v>
+                </c:pt>
+                <c:pt idx="54">
+                  <c:v>19.2654571990399</c:v>
+                </c:pt>
+                <c:pt idx="55">
+                  <c:v>17.8208107494325</c:v>
+                </c:pt>
+                <c:pt idx="56">
+                  <c:v>16.9847592113503</c:v>
+                </c:pt>
+                <c:pt idx="57">
+                  <c:v>15.6471248389746</c:v>
+                </c:pt>
+                <c:pt idx="58">
+                  <c:v>16.3344853444272</c:v>
+                </c:pt>
+                <c:pt idx="59">
+                  <c:v>16.2101603703643</c:v>
+                </c:pt>
+                <c:pt idx="60">
+                  <c:v>16.9090555685111</c:v>
+                </c:pt>
+                <c:pt idx="61">
+                  <c:v>16.8612862897058</c:v>
+                </c:pt>
+                <c:pt idx="62">
+                  <c:v>16.8247988429187</c:v>
+                </c:pt>
+              </c:numCache>
+            </c:numRef>
+          </c:val>
+          <c:smooth val="0"/>
+        </c:ser>
+        <c:ser>
+          <c:idx val="2"/>
+          <c:order val="2"/>
+          <c:tx>
+            <c:strRef>
+              <c:f>'2globalHidden'!$D$1</c:f>
+              <c:strCache>
+                <c:ptCount val="1"/>
+                <c:pt idx="0">
+                  <c:v>sum</c:v>
+                </c:pt>
+              </c:strCache>
+            </c:strRef>
+          </c:tx>
+          <c:marker>
+            <c:symbol val="none"/>
+          </c:marker>
+          <c:val>
+            <c:numRef>
+              <c:f>'2globalHidden'!$D$2:$D$64</c:f>
+              <c:numCache>
+                <c:formatCode>General</c:formatCode>
+                <c:ptCount val="63"/>
+                <c:pt idx="0">
+                  <c:v>21.5046837466581</c:v>
+                </c:pt>
+                <c:pt idx="1">
+                  <c:v>20.03868092083513</c:v>
+                </c:pt>
+                <c:pt idx="2">
+                  <c:v>19.23319830549986</c:v>
+                </c:pt>
+                <c:pt idx="3">
+                  <c:v>20.00802542212076</c:v>
+                </c:pt>
+                <c:pt idx="4">
+                  <c:v>22.0612439311386</c:v>
+                </c:pt>
+                <c:pt idx="5">
+                  <c:v>22.1380000438126</c:v>
+                </c:pt>
+                <c:pt idx="6">
+                  <c:v>22.6124487447228</c:v>
+                </c:pt>
+                <c:pt idx="7">
+                  <c:v>22.1046711049271</c:v>
+                </c:pt>
+                <c:pt idx="8">
+                  <c:v>22.0525681225056</c:v>
+                </c:pt>
+                <c:pt idx="9">
+                  <c:v>21.8667628735279</c:v>
+                </c:pt>
+                <c:pt idx="10">
+                  <c:v>22.1088698405175</c:v>
+                </c:pt>
+                <c:pt idx="11">
+                  <c:v>22.9366728673737</c:v>
+                </c:pt>
+                <c:pt idx="12">
+                  <c:v>23.2726483723563</c:v>
+                </c:pt>
+                <c:pt idx="13">
+                  <c:v>25.7024090447528</c:v>
+                </c:pt>
+                <c:pt idx="14">
+                  <c:v>28.9256377450327</c:v>
+                </c:pt>
+                <c:pt idx="15">
+                  <c:v>30.6909463425753</c:v>
+                </c:pt>
+                <c:pt idx="16">
+                  <c:v>34.4230276105713</c:v>
+                </c:pt>
+                <c:pt idx="17">
+                  <c:v>35.1419511343581</c:v>
+                </c:pt>
+                <c:pt idx="18">
+                  <c:v>35.2220700415661</c:v>
+                </c:pt>
+                <c:pt idx="19">
+                  <c:v>33.7106414597446</c:v>
+                </c:pt>
+                <c:pt idx="20">
+                  <c:v>31.7433236826149</c:v>
+                </c:pt>
+                <c:pt idx="21">
+                  <c:v>30.5003899402885</c:v>
+                </c:pt>
+                <c:pt idx="22">
+                  <c:v>28.223402362834</c:v>
+                </c:pt>
+                <c:pt idx="23">
+                  <c:v>29.2870148143129</c:v>
+                </c:pt>
+                <c:pt idx="24">
+                  <c:v>31.8293775547685</c:v>
+                </c:pt>
+                <c:pt idx="25">
+                  <c:v>34.7027158386657</c:v>
+                </c:pt>
+                <c:pt idx="26">
+                  <c:v>37.7324669561884</c:v>
+                </c:pt>
+                <c:pt idx="27">
+                  <c:v>39.7090901133084</c:v>
+                </c:pt>
+                <c:pt idx="28">
+                  <c:v>40.0234243091876</c:v>
+                </c:pt>
+                <c:pt idx="29">
+                  <c:v>38.5216617220283</c:v>
+                </c:pt>
+                <c:pt idx="30">
+                  <c:v>36.7230955909434</c:v>
+                </c:pt>
+                <c:pt idx="31">
+                  <c:v>35.4957854322397</c:v>
+                </c:pt>
+                <c:pt idx="32">
+                  <c:v>33.8810766841731</c:v>
+                </c:pt>
+                <c:pt idx="33">
+                  <c:v>35.5941333147974</c:v>
+                </c:pt>
+                <c:pt idx="34">
+                  <c:v>38.4643843967728</c:v>
+                </c:pt>
+                <c:pt idx="35">
+                  <c:v>40.8358642874256</c:v>
+                </c:pt>
+                <c:pt idx="36">
+                  <c:v>43.1702345837832</c:v>
+                </c:pt>
+                <c:pt idx="37">
+                  <c:v>41.9879351200829</c:v>
+                </c:pt>
+                <c:pt idx="38">
+                  <c:v>42.3365505497265</c:v>
+                </c:pt>
+                <c:pt idx="39">
+                  <c:v>40.4691376036115</c:v>
+                </c:pt>
+                <c:pt idx="40">
+                  <c:v>39.5667735201411</c:v>
+                </c:pt>
+                <c:pt idx="41">
+                  <c:v>37.7052854721743</c:v>
+                </c:pt>
+                <c:pt idx="42">
+                  <c:v>38.2282111433741</c:v>
+                </c:pt>
+                <c:pt idx="43">
+                  <c:v>40.4899378229629</c:v>
+                </c:pt>
+                <c:pt idx="44">
+                  <c:v>43.3495410205866</c:v>
+                </c:pt>
+                <c:pt idx="45">
+                  <c:v>44.3027075677603</c:v>
+                </c:pt>
+                <c:pt idx="46">
+                  <c:v>45.8396576310418</c:v>
+                </c:pt>
+                <c:pt idx="47">
+                  <c:v>45.2324940563844</c:v>
+                </c:pt>
+                <c:pt idx="48">
+                  <c:v>43.5040452195628</c:v>
+                </c:pt>
+                <c:pt idx="49">
+                  <c:v>42.1409083496717</c:v>
+                </c:pt>
+                <c:pt idx="50">
+                  <c:v>42.7249789918153</c:v>
+                </c:pt>
+                <c:pt idx="51">
+                  <c:v>44.4630010994209</c:v>
+                </c:pt>
+                <c:pt idx="52">
+                  <c:v>45.7850764649514</c:v>
+                </c:pt>
+                <c:pt idx="53">
+                  <c:v>45.0444008214713</c:v>
+                </c:pt>
+                <c:pt idx="54">
+                  <c:v>45.2054849498261</c:v>
+                </c:pt>
+                <c:pt idx="55">
+                  <c:v>43.2076898937572</c:v>
+                </c:pt>
+                <c:pt idx="56">
+                  <c:v>42.1742560784513</c:v>
+                </c:pt>
+                <c:pt idx="57">
+                  <c:v>40.6074769815481</c:v>
+                </c:pt>
+                <c:pt idx="58">
+                  <c:v>42.8121074704501</c:v>
+                </c:pt>
+                <c:pt idx="59">
+                  <c:v>42.9615430575491</c:v>
+                </c:pt>
+                <c:pt idx="60">
+                  <c:v>44.4373287327152</c:v>
+                </c:pt>
+                <c:pt idx="61">
+                  <c:v>44.5013732487753</c:v>
+                </c:pt>
+                <c:pt idx="62">
+                  <c:v>44.7620955217133</c:v>
+                </c:pt>
+              </c:numCache>
+            </c:numRef>
+          </c:val>
+          <c:smooth val="0"/>
+        </c:ser>
+        <c:dLbls>
+          <c:showLegendKey val="0"/>
+          <c:showVal val="0"/>
+          <c:showCatName val="0"/>
+          <c:showSerName val="0"/>
+          <c:showPercent val="0"/>
+          <c:showBubbleSize val="0"/>
+        </c:dLbls>
+        <c:marker val="1"/>
+        <c:smooth val="0"/>
+        <c:axId val="-2146559864"/>
+        <c:axId val="-2130963880"/>
+      </c:lineChart>
+      <c:catAx>
+        <c:axId val="-2146559864"/>
+        <c:scaling>
+          <c:orientation val="minMax"/>
+        </c:scaling>
+        <c:delete val="0"/>
+        <c:axPos val="b"/>
+        <c:majorTickMark val="out"/>
+        <c:minorTickMark val="none"/>
+        <c:tickLblPos val="nextTo"/>
+        <c:crossAx val="-2130963880"/>
+        <c:crosses val="autoZero"/>
+        <c:auto val="1"/>
+        <c:lblAlgn val="ctr"/>
+        <c:lblOffset val="100"/>
+        <c:noMultiLvlLbl val="0"/>
+      </c:catAx>
+      <c:valAx>
+        <c:axId val="-2130963880"/>
+        <c:scaling>
+          <c:orientation val="minMax"/>
+        </c:scaling>
+        <c:delete val="0"/>
+        <c:axPos val="l"/>
+        <c:majorGridlines/>
+        <c:numFmt formatCode="General" sourceLinked="1"/>
+        <c:majorTickMark val="out"/>
+        <c:minorTickMark val="none"/>
+        <c:tickLblPos val="nextTo"/>
+        <c:crossAx val="-2146559864"/>
+        <c:crosses val="autoZero"/>
+        <c:crossBetween val="between"/>
+      </c:valAx>
+    </c:plotArea>
+    <c:legend>
+      <c:legendPos val="r"/>
+      <c:layout/>
+      <c:overlay val="0"/>
+    </c:legend>
+    <c:plotVisOnly val="1"/>
+    <c:dispBlanksAs val="gap"/>
+    <c:showDLblsOverMax val="0"/>
+  </c:chart>
+  <c:externalData r:id="rId1">
+    <c:autoUpdate val="0"/>
+  </c:externalData>
+</c:chartSpace>
+</file>
+
+<file path=ppt/charts/chart3.xml><?xml version="1.0" encoding="utf-8"?>
+<c:chartSpace xmlns:c="http://schemas.openxmlformats.org/drawingml/2006/chart" xmlns:a="http://schemas.openxmlformats.org/drawingml/2006/main" xmlns:r="http://schemas.openxmlformats.org/officeDocument/2006/relationships">
+  <c:date1904 val="0"/>
+  <c:lang val="en-US"/>
+  <c:roundedCorners val="0"/>
+  <mc:AlternateContent xmlns:mc="http://schemas.openxmlformats.org/markup-compatibility/2006">
+    <mc:Choice xmlns:c14="http://schemas.microsoft.com/office/drawing/2007/8/2/chart" Requires="c14">
+      <c14:style val="118"/>
+    </mc:Choice>
+    <mc:Fallback>
+      <c:style val="18"/>
+    </mc:Fallback>
+  </mc:AlternateContent>
+  <c:chart>
+    <c:autoTitleDeleted val="0"/>
+    <c:plotArea>
+      <c:layout/>
+      <c:lineChart>
+        <c:grouping val="standard"/>
+        <c:varyColors val="0"/>
+        <c:ser>
+          <c:idx val="0"/>
+          <c:order val="0"/>
+          <c:tx>
+            <c:strRef>
+              <c:f>'3globalHidden'!$B$1</c:f>
+              <c:strCache>
+                <c:ptCount val="1"/>
+                <c:pt idx="0">
+                  <c:v>GlobalHidden_0</c:v>
+                </c:pt>
+              </c:strCache>
+            </c:strRef>
+          </c:tx>
+          <c:marker>
+            <c:symbol val="none"/>
+          </c:marker>
+          <c:val>
+            <c:numRef>
+              <c:f>'3globalHidden'!$B$2:$B$71</c:f>
+              <c:numCache>
+                <c:formatCode>General</c:formatCode>
+                <c:ptCount val="70"/>
+                <c:pt idx="0">
+                  <c:v>10.9318607096728</c:v>
+                </c:pt>
+                <c:pt idx="1">
+                  <c:v>10.2407101179145</c:v>
+                </c:pt>
+                <c:pt idx="2">
+                  <c:v>9.76972530544343</c:v>
+                </c:pt>
+                <c:pt idx="3">
+                  <c:v>10.2376950719907</c:v>
+                </c:pt>
+                <c:pt idx="4">
+                  <c:v>11.0015149111802</c:v>
+                </c:pt>
+                <c:pt idx="5">
+                  <c:v>10.7786080969036</c:v>
+                </c:pt>
+                <c:pt idx="6">
+                  <c:v>10.7771347367524</c:v>
+                </c:pt>
+                <c:pt idx="7">
+                  <c:v>10.4585899709506</c:v>
+                </c:pt>
+                <c:pt idx="8">
+                  <c:v>10.5125417157341</c:v>
+                </c:pt>
+                <c:pt idx="9">
+                  <c:v>10.6079168304866</c:v>
+                </c:pt>
+                <c:pt idx="10">
+                  <c:v>10.6543726561842</c:v>
+                </c:pt>
+                <c:pt idx="11">
+                  <c:v>11.2266664430999</c:v>
+                </c:pt>
+                <c:pt idx="12">
+                  <c:v>11.0757372037491</c:v>
+                </c:pt>
+                <c:pt idx="13">
+                  <c:v>12.267323908116</c:v>
+                </c:pt>
+                <c:pt idx="14">
+                  <c:v>13.4368620496974</c:v>
+                </c:pt>
+                <c:pt idx="15">
+                  <c:v>13.6504064978218</c:v>
+                </c:pt>
+                <c:pt idx="16">
+                  <c:v>15.0996244672197</c:v>
+                </c:pt>
+                <c:pt idx="17">
+                  <c:v>15.5417178741973</c:v>
+                </c:pt>
+                <c:pt idx="18">
+                  <c:v>15.8045188224037</c:v>
+                </c:pt>
+                <c:pt idx="19">
+                  <c:v>15.3060941053277</c:v>
+                </c:pt>
+                <c:pt idx="20">
+                  <c:v>14.8378366487585</c:v>
+                </c:pt>
+                <c:pt idx="21">
+                  <c:v>14.775405249546</c:v>
+                </c:pt>
+                <c:pt idx="22">
+                  <c:v>14.1693804229154</c:v>
+                </c:pt>
+                <c:pt idx="23">
+                  <c:v>15.1872675226094</c:v>
+                </c:pt>
+                <c:pt idx="24">
+                  <c:v>16.4542628277254</c:v>
+                </c:pt>
+                <c:pt idx="25">
+                  <c:v>17.6315675057995</c:v>
+                </c:pt>
+                <c:pt idx="26">
+                  <c:v>18.7890006639609</c:v>
+                </c:pt>
+                <c:pt idx="27">
+                  <c:v>19.6829145575156</c:v>
+                </c:pt>
+                <c:pt idx="28">
+                  <c:v>19.8825672471866</c:v>
+                </c:pt>
+                <c:pt idx="29">
+                  <c:v>19.5583767244774</c:v>
+                </c:pt>
+                <c:pt idx="30">
+                  <c:v>19.312806577569</c:v>
+                </c:pt>
+                <c:pt idx="31">
+                  <c:v>19.2902708728025</c:v>
+                </c:pt>
+                <c:pt idx="32">
+                  <c:v>19.1636425879302</c:v>
+                </c:pt>
+                <c:pt idx="33">
+                  <c:v>20.171553463477</c:v>
+                </c:pt>
+                <c:pt idx="34">
+                  <c:v>21.2253949724659</c:v>
+                </c:pt>
+                <c:pt idx="35">
+                  <c:v>21.9490178357663</c:v>
+                </c:pt>
+                <c:pt idx="36">
+                  <c:v>22.5560939926712</c:v>
+                </c:pt>
+                <c:pt idx="37">
+                  <c:v>22.0867032892987</c:v>
+                </c:pt>
+                <c:pt idx="38">
+                  <c:v>22.3317137347982</c:v>
+                </c:pt>
+                <c:pt idx="39">
+                  <c:v>21.9275282775993</c:v>
+                </c:pt>
+                <c:pt idx="40">
+                  <c:v>21.9496059712822</c:v>
+                </c:pt>
+                <c:pt idx="41">
+                  <c:v>21.5459078776176</c:v>
+                </c:pt>
+                <c:pt idx="42">
+                  <c:v>21.8854478234693</c:v>
+                </c:pt>
+                <c:pt idx="43">
+                  <c:v>22.6854575534672</c:v>
+                </c:pt>
+                <c:pt idx="44">
+                  <c:v>23.6132596469282</c:v>
+                </c:pt>
+                <c:pt idx="45">
+                  <c:v>23.9769015394675</c:v>
+                </c:pt>
+                <c:pt idx="46">
+                  <c:v>24.667117984494</c:v>
+                </c:pt>
+                <c:pt idx="47">
+                  <c:v>24.7535269443329</c:v>
+                </c:pt>
+                <c:pt idx="48">
+                  <c:v>24.430637308612</c:v>
+                </c:pt>
+                <c:pt idx="49">
+                  <c:v>24.1693326151735</c:v>
+                </c:pt>
+                <c:pt idx="50">
+                  <c:v>24.6006095111279</c:v>
+                </c:pt>
+                <c:pt idx="51">
+                  <c:v>25.1262686796556</c:v>
+                </c:pt>
+                <c:pt idx="52">
+                  <c:v>25.4869074525655</c:v>
+                </c:pt>
+                <c:pt idx="53">
+                  <c:v>25.2401745267881</c:v>
+                </c:pt>
+                <c:pt idx="54">
+                  <c:v>25.5537641678691</c:v>
+                </c:pt>
+                <c:pt idx="55">
+                  <c:v>25.2238424571815</c:v>
+                </c:pt>
+                <c:pt idx="56">
+                  <c:v>25.4853974511256</c:v>
+                </c:pt>
+                <c:pt idx="57">
+                  <c:v>25.3644124078882</c:v>
+                </c:pt>
+                <c:pt idx="58">
+                  <c:v>26.4753615051221</c:v>
+                </c:pt>
+                <c:pt idx="59">
+                  <c:v>26.421405094844</c:v>
+                </c:pt>
+                <c:pt idx="60">
+                  <c:v>26.8894392768084</c:v>
+                </c:pt>
+                <c:pt idx="61">
+                  <c:v>27.0275880269744</c:v>
+                </c:pt>
+                <c:pt idx="62">
+                  <c:v>27.4130287818517</c:v>
+                </c:pt>
+              </c:numCache>
+            </c:numRef>
+          </c:val>
+          <c:smooth val="0"/>
+        </c:ser>
+        <c:ser>
+          <c:idx val="1"/>
+          <c:order val="1"/>
+          <c:tx>
+            <c:strRef>
+              <c:f>'3globalHidden'!$C$1</c:f>
+              <c:strCache>
+                <c:ptCount val="1"/>
+                <c:pt idx="0">
+                  <c:v>GlobalHidden_1</c:v>
+                </c:pt>
+              </c:strCache>
+            </c:strRef>
+          </c:tx>
+          <c:marker>
+            <c:symbol val="none"/>
+          </c:marker>
+          <c:val>
+            <c:numRef>
+              <c:f>'3globalHidden'!$C$2:$C$71</c:f>
+              <c:numCache>
+                <c:formatCode>General</c:formatCode>
+                <c:ptCount val="70"/>
+                <c:pt idx="0">
+                  <c:v>10.6825365415408</c:v>
+                </c:pt>
+                <c:pt idx="1">
+                  <c:v>9.90784466386169</c:v>
+                </c:pt>
+                <c:pt idx="2">
+                  <c:v>9.53241751113503</c:v>
+                </c:pt>
+                <c:pt idx="3">
+                  <c:v>9.87221371599761</c:v>
+                </c:pt>
+                <c:pt idx="4">
+                  <c:v>10.4976440994599</c:v>
+                </c:pt>
+                <c:pt idx="5">
+                  <c:v>10.2189910850914</c:v>
+                </c:pt>
+                <c:pt idx="6">
+                  <c:v>10.1083626724607</c:v>
+                </c:pt>
+                <c:pt idx="7">
+                  <c:v>9.545850007371589</c:v>
+                </c:pt>
+                <c:pt idx="8">
+                  <c:v>9.348391756826381</c:v>
+                </c:pt>
+                <c:pt idx="9">
+                  <c:v>9.15438029113475</c:v>
+                </c:pt>
+                <c:pt idx="10">
+                  <c:v>9.17637006893224</c:v>
+                </c:pt>
+                <c:pt idx="11">
+                  <c:v>9.544120548090561</c:v>
+                </c:pt>
+                <c:pt idx="12">
+                  <c:v>9.32264031156384</c:v>
+                </c:pt>
+                <c:pt idx="13">
+                  <c:v>10.7274331116371</c:v>
+                </c:pt>
+                <c:pt idx="14">
+                  <c:v>12.1494511866047</c:v>
+                </c:pt>
+                <c:pt idx="15">
+                  <c:v>12.3779151361011</c:v>
+                </c:pt>
+                <c:pt idx="16">
+                  <c:v>13.8066340916621</c:v>
+                </c:pt>
+                <c:pt idx="17">
+                  <c:v>13.9495402205102</c:v>
+                </c:pt>
+                <c:pt idx="18">
+                  <c:v>13.8653288210528</c:v>
+                </c:pt>
+                <c:pt idx="19">
+                  <c:v>12.9998844456382</c:v>
+                </c:pt>
+                <c:pt idx="20">
+                  <c:v>12.1011825490275</c:v>
+                </c:pt>
+                <c:pt idx="21">
+                  <c:v>11.7565317717725</c:v>
+                </c:pt>
+                <c:pt idx="22">
+                  <c:v>10.7436135347408</c:v>
+                </c:pt>
+                <c:pt idx="23">
+                  <c:v>11.7932279328618</c:v>
+                </c:pt>
+                <c:pt idx="24">
+                  <c:v>13.2463720323277</c:v>
+                </c:pt>
+                <c:pt idx="25">
+                  <c:v>14.5660230689191</c:v>
+                </c:pt>
+                <c:pt idx="26">
+                  <c:v>15.8678157516253</c:v>
+                </c:pt>
+                <c:pt idx="27">
+                  <c:v>16.7101730571818</c:v>
+                </c:pt>
+                <c:pt idx="28">
+                  <c:v>16.6563818651644</c:v>
+                </c:pt>
+                <c:pt idx="29">
+                  <c:v>15.7382515216606</c:v>
+                </c:pt>
+                <c:pt idx="30">
+                  <c:v>14.9643626221756</c:v>
+                </c:pt>
+                <c:pt idx="31">
+                  <c:v>14.5952186416564</c:v>
+                </c:pt>
+                <c:pt idx="32">
+                  <c:v>14.1585831020145</c:v>
+                </c:pt>
+                <c:pt idx="33">
+                  <c:v>15.4597036009905</c:v>
+                </c:pt>
+                <c:pt idx="34">
+                  <c:v>16.9840880014259</c:v>
+                </c:pt>
+                <c:pt idx="35">
+                  <c:v>18.0416010150304</c:v>
+                </c:pt>
+                <c:pt idx="36">
+                  <c:v>18.9437621416945</c:v>
+                </c:pt>
+                <c:pt idx="37">
+                  <c:v>18.0822767585203</c:v>
+                </c:pt>
+                <c:pt idx="38">
+                  <c:v>18.2035307581138</c:v>
+                </c:pt>
+                <c:pt idx="39">
+                  <c:v>17.2737916890879</c:v>
+                </c:pt>
+                <c:pt idx="40">
+                  <c:v>16.9194344692004</c:v>
+                </c:pt>
+                <c:pt idx="41">
+                  <c:v>16.1516408257372</c:v>
+                </c:pt>
+                <c:pt idx="42">
+                  <c:v>16.6220968529727</c:v>
+                </c:pt>
+                <c:pt idx="43">
+                  <c:v>17.6249616363504</c:v>
+                </c:pt>
+                <c:pt idx="44">
+                  <c:v>18.8244870353189</c:v>
+                </c:pt>
+                <c:pt idx="45">
+                  <c:v>19.0028056777846</c:v>
+                </c:pt>
+                <c:pt idx="46">
+                  <c:v>19.4332386073141</c:v>
+                </c:pt>
+                <c:pt idx="47">
+                  <c:v>19.0748682426934</c:v>
+                </c:pt>
+                <c:pt idx="48">
+                  <c:v>18.2574493238751</c:v>
+                </c:pt>
+                <c:pt idx="49">
+                  <c:v>17.8104637434109</c:v>
+                </c:pt>
+                <c:pt idx="50">
+                  <c:v>18.3161904309458</c:v>
+                </c:pt>
+                <c:pt idx="51">
+                  <c:v>19.223952633998</c:v>
+                </c:pt>
+                <c:pt idx="52">
+                  <c:v>19.7347942618833</c:v>
+                </c:pt>
+                <c:pt idx="53">
+                  <c:v>19.1621451886384</c:v>
+                </c:pt>
+                <c:pt idx="54">
+                  <c:v>19.1127541676835</c:v>
+                </c:pt>
+                <c:pt idx="55">
+                  <c:v>18.2084848587438</c:v>
+                </c:pt>
+                <c:pt idx="56">
+                  <c:v>17.7944877637889</c:v>
+                </c:pt>
+                <c:pt idx="57">
+                  <c:v>17.4535868679752</c:v>
+                </c:pt>
+                <c:pt idx="58">
+                  <c:v>18.9871310423916</c:v>
+                </c:pt>
+                <c:pt idx="59">
+                  <c:v>19.2406702613465</c:v>
+                </c:pt>
+                <c:pt idx="60">
+                  <c:v>20.0946459254819</c:v>
+                </c:pt>
+                <c:pt idx="61">
+                  <c:v>20.1030927087846</c:v>
+                </c:pt>
+                <c:pt idx="62">
+                  <c:v>20.2845890553716</c:v>
+                </c:pt>
+              </c:numCache>
+            </c:numRef>
+          </c:val>
+          <c:smooth val="0"/>
+        </c:ser>
+        <c:ser>
+          <c:idx val="2"/>
+          <c:order val="2"/>
+          <c:tx>
+            <c:strRef>
+              <c:f>'3globalHidden'!$D$1</c:f>
+              <c:strCache>
+                <c:ptCount val="1"/>
+                <c:pt idx="0">
+                  <c:v>GlobalHidden_2</c:v>
+                </c:pt>
+              </c:strCache>
+            </c:strRef>
+          </c:tx>
+          <c:marker>
+            <c:symbol val="none"/>
+          </c:marker>
+          <c:val>
+            <c:numRef>
+              <c:f>'3globalHidden'!$D$2:$D$71</c:f>
+              <c:numCache>
+                <c:formatCode>General</c:formatCode>
+                <c:ptCount val="70"/>
+                <c:pt idx="0">
+                  <c:v>10.0496524171021</c:v>
+                </c:pt>
+                <c:pt idx="1">
+                  <c:v>9.23530557424703</c:v>
+                </c:pt>
+                <c:pt idx="2">
+                  <c:v>8.78868983389473</c:v>
+                </c:pt>
+                <c:pt idx="3">
+                  <c:v>8.628375525967289</c:v>
+                </c:pt>
+                <c:pt idx="4">
+                  <c:v>9.0259956490046</c:v>
+                </c:pt>
+                <c:pt idx="5">
+                  <c:v>9.24608959309655</c:v>
+                </c:pt>
+                <c:pt idx="6">
+                  <c:v>9.7135722906784</c:v>
+                </c:pt>
+                <c:pt idx="7">
+                  <c:v>9.70793411978215</c:v>
+                </c:pt>
+                <c:pt idx="8">
+                  <c:v>9.694231797222169</c:v>
+                </c:pt>
+                <c:pt idx="9">
+                  <c:v>9.448605684345461</c:v>
+                </c:pt>
+                <c:pt idx="10">
+                  <c:v>9.8087326797918</c:v>
+                </c:pt>
+                <c:pt idx="11">
+                  <c:v>9.89527216615999</c:v>
+                </c:pt>
+                <c:pt idx="12">
+                  <c:v>10.6719365514036</c:v>
+                </c:pt>
+                <c:pt idx="13">
+                  <c:v>11.1676288763413</c:v>
+                </c:pt>
+                <c:pt idx="14">
+                  <c:v>12.3369964577175</c:v>
+                </c:pt>
+                <c:pt idx="15">
+                  <c:v>13.6418538241635</c:v>
+                </c:pt>
+                <c:pt idx="16">
+                  <c:v>14.858366709065</c:v>
+                </c:pt>
+                <c:pt idx="17">
+                  <c:v>14.8892287871445</c:v>
+                </c:pt>
+                <c:pt idx="18">
+                  <c:v>14.59122355742</c:v>
+                </c:pt>
+                <c:pt idx="19">
+                  <c:v>14.031771458838</c:v>
+                </c:pt>
+                <c:pt idx="20">
+                  <c:v>12.9590837576346</c:v>
+                </c:pt>
+                <c:pt idx="21">
+                  <c:v>12.0520677549521</c:v>
+                </c:pt>
+                <c:pt idx="22">
+                  <c:v>11.2798491812135</c:v>
+                </c:pt>
+                <c:pt idx="23">
+                  <c:v>11.066286945289</c:v>
+                </c:pt>
+                <c:pt idx="24">
+                  <c:v>11.6857854165426</c:v>
+                </c:pt>
+                <c:pt idx="25">
+                  <c:v>12.6087663111015</c:v>
+                </c:pt>
+                <c:pt idx="26">
+                  <c:v>13.5527312562574</c:v>
+                </c:pt>
+                <c:pt idx="27">
+                  <c:v>13.8408006106441</c:v>
+                </c:pt>
+                <c:pt idx="28">
+                  <c:v>13.6717426814562</c:v>
+                </c:pt>
+                <c:pt idx="29">
+                  <c:v>12.8878331308488</c:v>
+                </c:pt>
+                <c:pt idx="30">
+                  <c:v>11.7084660898548</c:v>
+                </c:pt>
+                <c:pt idx="31">
+                  <c:v>10.6934812105485</c:v>
+                </c:pt>
+                <c:pt idx="32">
+                  <c:v>9.47835961951303</c:v>
+                </c:pt>
+                <c:pt idx="33">
+                  <c:v>9.37269617293311</c:v>
+                </c:pt>
+                <c:pt idx="34">
+                  <c:v>10.1325471944746</c:v>
+                </c:pt>
+                <c:pt idx="35">
+                  <c:v>10.8331628735535</c:v>
+                </c:pt>
+                <c:pt idx="36">
+                  <c:v>11.7583142410962</c:v>
+                </c:pt>
+                <c:pt idx="37">
+                  <c:v>11.387982432886</c:v>
+                </c:pt>
+                <c:pt idx="38">
+                  <c:v>11.1190324813096</c:v>
+                </c:pt>
+                <c:pt idx="39">
+                  <c:v>10.0473130677616</c:v>
+                </c:pt>
+                <c:pt idx="40">
+                  <c:v>9.1710156233113</c:v>
+                </c:pt>
+                <c:pt idx="41">
+                  <c:v>8.25118923017189</c:v>
+                </c:pt>
+                <c:pt idx="42">
+                  <c:v>7.82376794355491</c:v>
+                </c:pt>
+                <c:pt idx="43">
+                  <c:v>8.99021581490624</c:v>
+                </c:pt>
+                <c:pt idx="44">
+                  <c:v>10.3328998320963</c:v>
+                </c:pt>
+                <c:pt idx="45">
+                  <c:v>10.7972762471194</c:v>
+                </c:pt>
+                <c:pt idx="46">
+                  <c:v>11.297491236707</c:v>
+                </c:pt>
+                <c:pt idx="47">
+                  <c:v>10.386449280109</c:v>
+                </c:pt>
+                <c:pt idx="48">
+                  <c:v>9.19108925846044</c:v>
+                </c:pt>
+                <c:pt idx="49">
+                  <c:v>8.46558145825156</c:v>
+                </c:pt>
+                <c:pt idx="50">
+                  <c:v>7.96938231565586</c:v>
+                </c:pt>
+                <c:pt idx="51">
+                  <c:v>8.82843813792929</c:v>
+                </c:pt>
+                <c:pt idx="52">
+                  <c:v>9.63567417550641</c:v>
+                </c:pt>
+                <c:pt idx="53">
+                  <c:v>9.45348202789482</c:v>
+                </c:pt>
+                <c:pt idx="54">
+                  <c:v>8.95370163096519</c:v>
+                </c:pt>
+                <c:pt idx="55">
+                  <c:v>7.19396719678115</c:v>
+                </c:pt>
+                <c:pt idx="56">
+                  <c:v>5.67945086795239</c:v>
+                </c:pt>
+                <c:pt idx="57">
+                  <c:v>4.24193348945026</c:v>
+                </c:pt>
+                <c:pt idx="58">
+                  <c:v>3.42473910638889</c:v>
+                </c:pt>
+                <c:pt idx="59">
+                  <c:v>3.3304692647872</c:v>
+                </c:pt>
+                <c:pt idx="60">
+                  <c:v>3.39736929174096</c:v>
+                </c:pt>
+                <c:pt idx="61">
+                  <c:v>3.04072445096641</c:v>
+                </c:pt>
+                <c:pt idx="62">
+                  <c:v>1.79573009611633</c:v>
+                </c:pt>
+              </c:numCache>
+            </c:numRef>
+          </c:val>
+          <c:smooth val="0"/>
+        </c:ser>
+        <c:ser>
+          <c:idx val="3"/>
+          <c:order val="3"/>
+          <c:tx>
+            <c:strRef>
+              <c:f>'3globalHidden'!$F$1</c:f>
+              <c:strCache>
+                <c:ptCount val="1"/>
+                <c:pt idx="0">
+                  <c:v> UnempRate</c:v>
+                </c:pt>
+              </c:strCache>
+            </c:strRef>
+          </c:tx>
+          <c:marker>
+            <c:symbol val="none"/>
+          </c:marker>
+          <c:val>
+            <c:numRef>
+              <c:f>'3globalHidden'!$F$2:$F$64</c:f>
+              <c:numCache>
+                <c:formatCode>General</c:formatCode>
+                <c:ptCount val="63"/>
+                <c:pt idx="0">
+                  <c:v>12.18</c:v>
+                </c:pt>
+                <c:pt idx="1">
+                  <c:v>12.18</c:v>
+                </c:pt>
+                <c:pt idx="2">
+                  <c:v>10.45</c:v>
+                </c:pt>
+                <c:pt idx="3">
+                  <c:v>10.45</c:v>
+                </c:pt>
+                <c:pt idx="4">
+                  <c:v>10.45</c:v>
+                </c:pt>
+                <c:pt idx="5">
+                  <c:v>13.62</c:v>
+                </c:pt>
+                <c:pt idx="6">
+                  <c:v>13.62</c:v>
+                </c:pt>
+                <c:pt idx="7">
+                  <c:v>17.57</c:v>
+                </c:pt>
+                <c:pt idx="8">
+                  <c:v>17.57</c:v>
+                </c:pt>
+                <c:pt idx="9">
+                  <c:v>17.57</c:v>
+                </c:pt>
+                <c:pt idx="10">
+                  <c:v>21.74</c:v>
+                </c:pt>
+                <c:pt idx="11">
+                  <c:v>21.74</c:v>
+                </c:pt>
+                <c:pt idx="12">
+                  <c:v>24.98</c:v>
+                </c:pt>
+                <c:pt idx="13">
+                  <c:v>24.98</c:v>
+                </c:pt>
+                <c:pt idx="14">
+                  <c:v>24.98</c:v>
+                </c:pt>
+                <c:pt idx="15">
+                  <c:v>24.72</c:v>
+                </c:pt>
+                <c:pt idx="16">
+                  <c:v>24.72</c:v>
+                </c:pt>
+                <c:pt idx="17">
+                  <c:v>27.47</c:v>
+                </c:pt>
+                <c:pt idx="18">
+                  <c:v>27.47</c:v>
+                </c:pt>
+                <c:pt idx="19">
+                  <c:v>27.47</c:v>
+                </c:pt>
+                <c:pt idx="20">
+                  <c:v>30.64</c:v>
+                </c:pt>
+                <c:pt idx="21">
+                  <c:v>30.64</c:v>
+                </c:pt>
+                <c:pt idx="22">
+                  <c:v>24.46</c:v>
+                </c:pt>
+                <c:pt idx="23">
+                  <c:v>24.46</c:v>
+                </c:pt>
+                <c:pt idx="24">
+                  <c:v>24.46</c:v>
+                </c:pt>
+                <c:pt idx="25">
+                  <c:v>27.79</c:v>
+                </c:pt>
+                <c:pt idx="26">
+                  <c:v>27.79</c:v>
+                </c:pt>
+                <c:pt idx="27">
+                  <c:v>29.43</c:v>
+                </c:pt>
+                <c:pt idx="28">
+                  <c:v>29.43</c:v>
+                </c:pt>
+                <c:pt idx="29">
+                  <c:v>29.43</c:v>
+                </c:pt>
+                <c:pt idx="30">
+                  <c:v>27.49</c:v>
+                </c:pt>
+                <c:pt idx="31">
+                  <c:v>27.49</c:v>
+                </c:pt>
+                <c:pt idx="32">
+                  <c:v>27.09</c:v>
+                </c:pt>
+                <c:pt idx="33">
+                  <c:v>27.09</c:v>
+                </c:pt>
+                <c:pt idx="34">
+                  <c:v>27.09</c:v>
+                </c:pt>
+                <c:pt idx="35">
+                  <c:v>32.04</c:v>
+                </c:pt>
+                <c:pt idx="36">
+                  <c:v>32.04</c:v>
+                </c:pt>
+                <c:pt idx="37">
+                  <c:v>35.29</c:v>
+                </c:pt>
+                <c:pt idx="38">
+                  <c:v>35.29</c:v>
+                </c:pt>
+                <c:pt idx="39">
+                  <c:v>35.57</c:v>
+                </c:pt>
+                <c:pt idx="40">
+                  <c:v>35.57</c:v>
+                </c:pt>
+                <c:pt idx="41">
+                  <c:v>33.21</c:v>
+                </c:pt>
+                <c:pt idx="42">
+                  <c:v>33.21</c:v>
+                </c:pt>
+                <c:pt idx="43">
+                  <c:v>35.28</c:v>
+                </c:pt>
+                <c:pt idx="44">
+                  <c:v>35.28</c:v>
+                </c:pt>
+                <c:pt idx="45">
+                  <c:v>35.32</c:v>
+                </c:pt>
+                <c:pt idx="46">
+                  <c:v>35.32</c:v>
+                </c:pt>
+                <c:pt idx="47">
+                  <c:v>38.44</c:v>
+                </c:pt>
+                <c:pt idx="48">
+                  <c:v>38.44</c:v>
+                </c:pt>
+                <c:pt idx="49">
+                  <c:v>36.6</c:v>
+                </c:pt>
+                <c:pt idx="50">
+                  <c:v>36.6</c:v>
+                </c:pt>
+                <c:pt idx="51">
+                  <c:v>37.11</c:v>
+                </c:pt>
+                <c:pt idx="52">
+                  <c:v>37.11</c:v>
+                </c:pt>
+                <c:pt idx="53">
+                  <c:v>35.74</c:v>
+                </c:pt>
+                <c:pt idx="54">
+                  <c:v>35.74</c:v>
+                </c:pt>
+                <c:pt idx="55">
+                  <c:v>38.77</c:v>
+                </c:pt>
+                <c:pt idx="56">
+                  <c:v>38.77</c:v>
+                </c:pt>
+                <c:pt idx="57">
+                  <c:v>36.25</c:v>
+                </c:pt>
+                <c:pt idx="58">
+                  <c:v>36.25</c:v>
+                </c:pt>
+                <c:pt idx="59">
+                  <c:v>33.35</c:v>
+                </c:pt>
+                <c:pt idx="60">
+                  <c:v>33.35</c:v>
+                </c:pt>
+              </c:numCache>
+            </c:numRef>
+          </c:val>
+          <c:smooth val="0"/>
+        </c:ser>
+        <c:ser>
+          <c:idx val="4"/>
+          <c:order val="4"/>
+          <c:tx>
+            <c:strRef>
+              <c:f>'3globalHidden'!$E$1</c:f>
+              <c:strCache>
+                <c:ptCount val="1"/>
+                <c:pt idx="0">
+                  <c:v>sum</c:v>
+                </c:pt>
+              </c:strCache>
+            </c:strRef>
+          </c:tx>
+          <c:marker>
+            <c:symbol val="none"/>
+          </c:marker>
+          <c:val>
+            <c:numRef>
+              <c:f>'3globalHidden'!$E$2:$E$71</c:f>
+              <c:numCache>
+                <c:formatCode>General</c:formatCode>
+                <c:ptCount val="70"/>
+                <c:pt idx="0">
+                  <c:v>31.66404966831571</c:v>
+                </c:pt>
+                <c:pt idx="1">
+                  <c:v>29.38386035602322</c:v>
+                </c:pt>
+                <c:pt idx="2">
+                  <c:v>28.09083265047319</c:v>
+                </c:pt>
+                <c:pt idx="3">
+                  <c:v>28.7382843139556</c:v>
+                </c:pt>
+                <c:pt idx="4">
+                  <c:v>30.5251546596447</c:v>
+                </c:pt>
+                <c:pt idx="5">
+                  <c:v>30.24368877509155</c:v>
+                </c:pt>
+                <c:pt idx="6">
+                  <c:v>30.5990696998915</c:v>
+                </c:pt>
+                <c:pt idx="7">
+                  <c:v>29.71237409810434</c:v>
+                </c:pt>
+                <c:pt idx="8">
+                  <c:v>29.55516526978265</c:v>
+                </c:pt>
+                <c:pt idx="9">
+                  <c:v>29.21090280596681</c:v>
+                </c:pt>
+                <c:pt idx="10">
+                  <c:v>29.63947540490824</c:v>
+                </c:pt>
+                <c:pt idx="11">
+                  <c:v>30.66605915735045</c:v>
+                </c:pt>
+                <c:pt idx="12">
+                  <c:v>31.07031406671654</c:v>
+                </c:pt>
+                <c:pt idx="13">
+                  <c:v>34.1623858960944</c:v>
+                </c:pt>
+                <c:pt idx="14">
+                  <c:v>37.9233096940196</c:v>
+                </c:pt>
+                <c:pt idx="15">
+                  <c:v>39.6701754580864</c:v>
+                </c:pt>
+                <c:pt idx="16">
+                  <c:v>43.7646252679468</c:v>
+                </c:pt>
+                <c:pt idx="17">
+                  <c:v>44.38048688185199</c:v>
+                </c:pt>
+                <c:pt idx="18">
+                  <c:v>44.2610712008765</c:v>
+                </c:pt>
+                <c:pt idx="19">
+                  <c:v>42.3377500098039</c:v>
+                </c:pt>
+                <c:pt idx="20">
+                  <c:v>39.8981029554206</c:v>
+                </c:pt>
+                <c:pt idx="21">
+                  <c:v>38.5840047762706</c:v>
+                </c:pt>
+                <c:pt idx="22">
+                  <c:v>36.1928431388697</c:v>
+                </c:pt>
+                <c:pt idx="23">
+                  <c:v>38.0467824007602</c:v>
+                </c:pt>
+                <c:pt idx="24">
+                  <c:v>41.3864202765957</c:v>
+                </c:pt>
+                <c:pt idx="25">
+                  <c:v>44.8063568858201</c:v>
+                </c:pt>
+                <c:pt idx="26">
+                  <c:v>48.2095476718436</c:v>
+                </c:pt>
+                <c:pt idx="27">
+                  <c:v>50.2338882253415</c:v>
+                </c:pt>
+                <c:pt idx="28">
+                  <c:v>50.2106917938072</c:v>
+                </c:pt>
+                <c:pt idx="29">
+                  <c:v>48.1844613769868</c:v>
+                </c:pt>
+                <c:pt idx="30">
+                  <c:v>45.9856352895994</c:v>
+                </c:pt>
+                <c:pt idx="31">
+                  <c:v>44.5789707250074</c:v>
+                </c:pt>
+                <c:pt idx="32">
+                  <c:v>42.80058530945773</c:v>
+                </c:pt>
+                <c:pt idx="33">
+                  <c:v>45.00395323740061</c:v>
+                </c:pt>
+                <c:pt idx="34">
+                  <c:v>48.34203016836639</c:v>
+                </c:pt>
+                <c:pt idx="35">
+                  <c:v>50.8237817243502</c:v>
+                </c:pt>
+                <c:pt idx="36">
+                  <c:v>53.2581703754619</c:v>
+                </c:pt>
+                <c:pt idx="37">
+                  <c:v>51.556962480705</c:v>
+                </c:pt>
+                <c:pt idx="38">
+                  <c:v>51.6542769742216</c:v>
+                </c:pt>
+                <c:pt idx="39">
+                  <c:v>49.2486330344488</c:v>
+                </c:pt>
+                <c:pt idx="40">
+                  <c:v>48.0400560637939</c:v>
+                </c:pt>
+                <c:pt idx="41">
+                  <c:v>45.94873793352669</c:v>
+                </c:pt>
+                <c:pt idx="42">
+                  <c:v>46.33131261999691</c:v>
+                </c:pt>
+                <c:pt idx="43">
+                  <c:v>49.30063500472383</c:v>
+                </c:pt>
+                <c:pt idx="44">
+                  <c:v>52.7706465143434</c:v>
+                </c:pt>
+                <c:pt idx="45">
+                  <c:v>53.7769834643715</c:v>
+                </c:pt>
+                <c:pt idx="46">
+                  <c:v>55.3978478285151</c:v>
+                </c:pt>
+                <c:pt idx="47">
+                  <c:v>54.2148444671353</c:v>
+                </c:pt>
+                <c:pt idx="48">
+                  <c:v>51.87917589094754</c:v>
+                </c:pt>
+                <c:pt idx="49">
+                  <c:v>50.44537781683595</c:v>
+                </c:pt>
+                <c:pt idx="50">
+                  <c:v>50.88618225772956</c:v>
+                </c:pt>
+                <c:pt idx="51">
+                  <c:v>53.17865945158289</c:v>
+                </c:pt>
+                <c:pt idx="52">
+                  <c:v>54.85737588995521</c:v>
+                </c:pt>
+                <c:pt idx="53">
+                  <c:v>53.85580174332132</c:v>
+                </c:pt>
+                <c:pt idx="54">
+                  <c:v>53.6202199665178</c:v>
+                </c:pt>
+                <c:pt idx="55">
+                  <c:v>50.62629451270646</c:v>
+                </c:pt>
+                <c:pt idx="56">
+                  <c:v>48.9593360828669</c:v>
+                </c:pt>
+                <c:pt idx="57">
+                  <c:v>47.05993276531366</c:v>
+                </c:pt>
+                <c:pt idx="58">
+                  <c:v>48.88723165390259</c:v>
+                </c:pt>
+                <c:pt idx="59">
+                  <c:v>48.9925446209777</c:v>
+                </c:pt>
+                <c:pt idx="60">
+                  <c:v>50.38145449403126</c:v>
+                </c:pt>
+                <c:pt idx="61">
+                  <c:v>50.17140518672541</c:v>
+                </c:pt>
+                <c:pt idx="62">
+                  <c:v>49.49334793333963</c:v>
+                </c:pt>
+              </c:numCache>
+            </c:numRef>
+          </c:val>
+          <c:smooth val="0"/>
+        </c:ser>
+        <c:dLbls>
+          <c:showLegendKey val="0"/>
+          <c:showVal val="0"/>
+          <c:showCatName val="0"/>
+          <c:showSerName val="0"/>
+          <c:showPercent val="0"/>
+          <c:showBubbleSize val="0"/>
+        </c:dLbls>
+        <c:marker val="1"/>
+        <c:smooth val="0"/>
+        <c:axId val="-2141888008"/>
+        <c:axId val="-2141315240"/>
+      </c:lineChart>
+      <c:catAx>
+        <c:axId val="-2141888008"/>
+        <c:scaling>
+          <c:orientation val="minMax"/>
+        </c:scaling>
+        <c:delete val="0"/>
+        <c:axPos val="b"/>
+        <c:majorTickMark val="out"/>
+        <c:minorTickMark val="none"/>
+        <c:tickLblPos val="nextTo"/>
+        <c:crossAx val="-2141315240"/>
+        <c:crosses val="autoZero"/>
+        <c:auto val="1"/>
+        <c:lblAlgn val="ctr"/>
+        <c:lblOffset val="100"/>
+        <c:noMultiLvlLbl val="0"/>
+      </c:catAx>
+      <c:valAx>
+        <c:axId val="-2141315240"/>
+        <c:scaling>
+          <c:orientation val="minMax"/>
+        </c:scaling>
+        <c:delete val="0"/>
+        <c:axPos val="l"/>
+        <c:majorGridlines/>
+        <c:numFmt formatCode="General" sourceLinked="1"/>
+        <c:majorTickMark val="out"/>
+        <c:minorTickMark val="none"/>
+        <c:tickLblPos val="nextTo"/>
+        <c:crossAx val="-2141888008"/>
+        <c:crosses val="autoZero"/>
+        <c:crossBetween val="between"/>
+      </c:valAx>
+    </c:plotArea>
+    <c:legend>
+      <c:legendPos val="r"/>
+      <c:layout/>
+      <c:overlay val="0"/>
+    </c:legend>
+    <c:plotVisOnly val="1"/>
+    <c:dispBlanksAs val="gap"/>
+    <c:showDLblsOverMax val="0"/>
+  </c:chart>
+  <c:externalData r:id="rId1">
+    <c:autoUpdate val="0"/>
+  </c:externalData>
+</c:chartSpace>
+</file>
+
+<file path=ppt/charts/chart4.xml><?xml version="1.0" encoding="utf-8"?>
+<c:chartSpace xmlns:c="http://schemas.openxmlformats.org/drawingml/2006/chart" xmlns:a="http://schemas.openxmlformats.org/drawingml/2006/main" xmlns:r="http://schemas.openxmlformats.org/officeDocument/2006/relationships">
+  <c:date1904 val="0"/>
+  <c:lang val="en-US"/>
+  <c:roundedCorners val="0"/>
+  <mc:AlternateContent xmlns:mc="http://schemas.openxmlformats.org/markup-compatibility/2006">
+    <mc:Choice xmlns:c14="http://schemas.microsoft.com/office/drawing/2007/8/2/chart" Requires="c14">
+      <c14:style val="118"/>
+    </mc:Choice>
+    <mc:Fallback>
+      <c:style val="18"/>
+    </mc:Fallback>
+  </mc:AlternateContent>
+  <c:chart>
+    <c:autoTitleDeleted val="0"/>
+    <c:plotArea>
+      <c:layout>
+        <c:manualLayout>
+          <c:layoutTarget val="inner"/>
+          <c:xMode val="edge"/>
+          <c:yMode val="edge"/>
+          <c:x val="0.0405656797745805"/>
+          <c:y val="0.0415732064115971"/>
+          <c:w val="0.793534651173868"/>
+          <c:h val="0.875117256599821"/>
+        </c:manualLayout>
+      </c:layout>
+      <c:lineChart>
+        <c:grouping val="standard"/>
+        <c:varyColors val="0"/>
+        <c:ser>
+          <c:idx val="0"/>
+          <c:order val="0"/>
+          <c:tx>
+            <c:v>Residuals</c:v>
+          </c:tx>
+          <c:marker>
+            <c:symbol val="none"/>
+          </c:marker>
+          <c:cat>
+            <c:numRef>
+              <c:f>'NoPeaks--Residuals'!$AB$2:$AB$64</c:f>
+              <c:numCache>
+                <c:formatCode>mmm\-yy</c:formatCode>
+                <c:ptCount val="63"/>
+                <c:pt idx="0">
+                  <c:v>39173.0</c:v>
+                </c:pt>
+                <c:pt idx="1">
+                  <c:v>39234.0</c:v>
+                </c:pt>
+                <c:pt idx="2">
+                  <c:v>39264.0</c:v>
+                </c:pt>
+                <c:pt idx="3">
+                  <c:v>39295.0</c:v>
+                </c:pt>
+                <c:pt idx="4">
+                  <c:v>39326.0</c:v>
+                </c:pt>
+                <c:pt idx="5">
+                  <c:v>39356.0</c:v>
+                </c:pt>
+                <c:pt idx="6">
+                  <c:v>39417.0</c:v>
+                </c:pt>
+                <c:pt idx="7">
+                  <c:v>39448.0</c:v>
+                </c:pt>
+                <c:pt idx="8">
+                  <c:v>39479.0</c:v>
+                </c:pt>
+                <c:pt idx="9">
+                  <c:v>39508.0</c:v>
+                </c:pt>
+                <c:pt idx="10">
+                  <c:v>39539.0</c:v>
+                </c:pt>
+                <c:pt idx="11">
+                  <c:v>39600.0</c:v>
+                </c:pt>
+                <c:pt idx="12">
+                  <c:v>39630.0</c:v>
+                </c:pt>
+                <c:pt idx="13">
+                  <c:v>39661.0</c:v>
+                </c:pt>
+                <c:pt idx="14">
+                  <c:v>39692.0</c:v>
+                </c:pt>
+                <c:pt idx="15">
+                  <c:v>39722.0</c:v>
+                </c:pt>
+                <c:pt idx="16">
+                  <c:v>39783.0</c:v>
+                </c:pt>
+                <c:pt idx="17">
+                  <c:v>39814.0</c:v>
+                </c:pt>
+                <c:pt idx="18">
+                  <c:v>39845.0</c:v>
+                </c:pt>
+                <c:pt idx="19">
+                  <c:v>39873.0</c:v>
+                </c:pt>
+                <c:pt idx="20">
+                  <c:v>39904.0</c:v>
+                </c:pt>
+                <c:pt idx="21">
+                  <c:v>39965.0</c:v>
+                </c:pt>
+                <c:pt idx="22">
+                  <c:v>39995.0</c:v>
+                </c:pt>
+                <c:pt idx="23">
+                  <c:v>40026.0</c:v>
+                </c:pt>
+                <c:pt idx="24">
+                  <c:v>40057.0</c:v>
+                </c:pt>
+                <c:pt idx="25">
+                  <c:v>40087.0</c:v>
+                </c:pt>
+                <c:pt idx="26">
+                  <c:v>40148.0</c:v>
+                </c:pt>
+                <c:pt idx="27">
+                  <c:v>40179.0</c:v>
+                </c:pt>
+                <c:pt idx="28">
+                  <c:v>40210.0</c:v>
+                </c:pt>
+                <c:pt idx="29">
+                  <c:v>40238.0</c:v>
+                </c:pt>
+                <c:pt idx="30">
+                  <c:v>40269.0</c:v>
+                </c:pt>
+                <c:pt idx="31">
+                  <c:v>40330.0</c:v>
+                </c:pt>
+                <c:pt idx="32">
+                  <c:v>40360.0</c:v>
+                </c:pt>
+                <c:pt idx="33">
+                  <c:v>40391.0</c:v>
+                </c:pt>
+                <c:pt idx="34">
+                  <c:v>40422.0</c:v>
+                </c:pt>
+                <c:pt idx="35">
+                  <c:v>40452.0</c:v>
+                </c:pt>
+                <c:pt idx="36">
+                  <c:v>40513.0</c:v>
+                </c:pt>
+                <c:pt idx="37">
+                  <c:v>40544.0</c:v>
+                </c:pt>
+                <c:pt idx="38">
+                  <c:v>40603.0</c:v>
+                </c:pt>
+                <c:pt idx="39">
+                  <c:v>40634.0</c:v>
+                </c:pt>
+                <c:pt idx="40">
+                  <c:v>40695.0</c:v>
+                </c:pt>
+                <c:pt idx="41">
+                  <c:v>40725.0</c:v>
+                </c:pt>
+                <c:pt idx="42">
+                  <c:v>40787.0</c:v>
+                </c:pt>
+                <c:pt idx="43">
+                  <c:v>40817.0</c:v>
+                </c:pt>
+                <c:pt idx="44">
+                  <c:v>40878.0</c:v>
+                </c:pt>
+                <c:pt idx="45">
+                  <c:v>40909.0</c:v>
+                </c:pt>
+                <c:pt idx="46">
+                  <c:v>40969.0</c:v>
+                </c:pt>
+                <c:pt idx="47">
+                  <c:v>41000.0</c:v>
+                </c:pt>
+                <c:pt idx="48">
+                  <c:v>41061.0</c:v>
+                </c:pt>
+                <c:pt idx="49">
+                  <c:v>41091.0</c:v>
+                </c:pt>
+                <c:pt idx="50">
+                  <c:v>41153.0</c:v>
+                </c:pt>
+                <c:pt idx="51">
+                  <c:v>41183.0</c:v>
+                </c:pt>
+                <c:pt idx="52">
+                  <c:v>41244.0</c:v>
+                </c:pt>
+                <c:pt idx="53">
+                  <c:v>41275.0</c:v>
+                </c:pt>
+                <c:pt idx="54">
+                  <c:v>41334.0</c:v>
+                </c:pt>
+                <c:pt idx="55">
+                  <c:v>41365.0</c:v>
+                </c:pt>
+                <c:pt idx="56">
+                  <c:v>41426.0</c:v>
+                </c:pt>
+                <c:pt idx="57">
+                  <c:v>41456.0</c:v>
+                </c:pt>
+                <c:pt idx="58">
+                  <c:v>41518.0</c:v>
+                </c:pt>
+                <c:pt idx="59">
+                  <c:v>41548.0</c:v>
+                </c:pt>
+                <c:pt idx="60">
+                  <c:v>41609.0</c:v>
+                </c:pt>
+                <c:pt idx="61">
+                  <c:v>41640.0</c:v>
+                </c:pt>
+                <c:pt idx="62">
+                  <c:v>41699.0</c:v>
+                </c:pt>
+              </c:numCache>
+            </c:numRef>
+          </c:cat>
+          <c:val>
+            <c:numRef>
+              <c:f>'NoPeaks--Residuals'!$Y$2:$Y$64</c:f>
+              <c:numCache>
+                <c:formatCode>General</c:formatCode>
+                <c:ptCount val="63"/>
+                <c:pt idx="0">
+                  <c:v>10.3445784863812</c:v>
+                </c:pt>
+                <c:pt idx="1">
+                  <c:v>9.49673901698079</c:v>
+                </c:pt>
+                <c:pt idx="2">
+                  <c:v>8.97668006663262</c:v>
+                </c:pt>
+                <c:pt idx="3">
+                  <c:v>9.044798569786121</c:v>
+                </c:pt>
+                <c:pt idx="4">
+                  <c:v>9.236529911830489</c:v>
+                </c:pt>
+                <c:pt idx="5">
+                  <c:v>8.84904880905487</c:v>
+                </c:pt>
+                <c:pt idx="6">
+                  <c:v>8.69808150632024</c:v>
+                </c:pt>
+                <c:pt idx="7">
+                  <c:v>8.41209312850717</c:v>
+                </c:pt>
+                <c:pt idx="8">
+                  <c:v>8.20269887089015</c:v>
+                </c:pt>
+                <c:pt idx="9">
+                  <c:v>8.03203621409346</c:v>
+                </c:pt>
+                <c:pt idx="10">
+                  <c:v>8.047587983939421</c:v>
+                </c:pt>
+                <c:pt idx="11">
+                  <c:v>8.02393870851861</c:v>
+                </c:pt>
+                <c:pt idx="12">
+                  <c:v>8.3492202968397</c:v>
+                </c:pt>
+                <c:pt idx="13">
+                  <c:v>8.38984621031526</c:v>
+                </c:pt>
+                <c:pt idx="14">
+                  <c:v>8.81735937645646</c:v>
+                </c:pt>
+                <c:pt idx="15">
+                  <c:v>8.93055688659138</c:v>
+                </c:pt>
+                <c:pt idx="16">
+                  <c:v>9.59299388463246</c:v>
+                </c:pt>
+                <c:pt idx="17">
+                  <c:v>9.71622989879557</c:v>
+                </c:pt>
+                <c:pt idx="18">
+                  <c:v>9.62391993917603</c:v>
+                </c:pt>
+                <c:pt idx="19">
+                  <c:v>9.0638484729924</c:v>
+                </c:pt>
+                <c:pt idx="20">
+                  <c:v>8.433824249673179</c:v>
+                </c:pt>
+                <c:pt idx="21">
+                  <c:v>8.47630911020811</c:v>
+                </c:pt>
+                <c:pt idx="22">
+                  <c:v>8.67844434948953</c:v>
+                </c:pt>
+                <c:pt idx="23">
+                  <c:v>9.647402294375521</c:v>
+                </c:pt>
+                <c:pt idx="24">
+                  <c:v>10.575582767537</c:v>
+                </c:pt>
+                <c:pt idx="25">
+                  <c:v>11.2232778881396</c:v>
+                </c:pt>
+                <c:pt idx="26">
+                  <c:v>12.1315101970072</c:v>
+                </c:pt>
+                <c:pt idx="27">
+                  <c:v>13.2455279815095</c:v>
+                </c:pt>
+                <c:pt idx="28">
+                  <c:v>13.5699553937133</c:v>
+                </c:pt>
+                <c:pt idx="29">
+                  <c:v>13.7936612335624</c:v>
+                </c:pt>
+                <c:pt idx="30">
+                  <c:v>14.730759131952</c:v>
+                </c:pt>
+                <c:pt idx="31">
+                  <c:v>15.8327091963131</c:v>
+                </c:pt>
+                <c:pt idx="32">
+                  <c:v>16.9852049491734</c:v>
+                </c:pt>
+                <c:pt idx="33">
+                  <c:v>17.8847204087899</c:v>
+                </c:pt>
+                <c:pt idx="34">
+                  <c:v>17.9152451139236</c:v>
+                </c:pt>
+                <c:pt idx="35">
+                  <c:v>17.5690432362657</c:v>
+                </c:pt>
+                <c:pt idx="36">
+                  <c:v>16.9787283199422</c:v>
+                </c:pt>
+                <c:pt idx="37">
+                  <c:v>16.0463886558041</c:v>
+                </c:pt>
+                <c:pt idx="38">
+                  <c:v>15.9163069088959</c:v>
+                </c:pt>
+                <c:pt idx="39">
+                  <c:v>15.8436503898057</c:v>
+                </c:pt>
+                <c:pt idx="40">
+                  <c:v>16.2313427149607</c:v>
+                </c:pt>
+                <c:pt idx="41">
+                  <c:v>16.3858690126143</c:v>
+                </c:pt>
+                <c:pt idx="42">
+                  <c:v>16.5538392057555</c:v>
+                </c:pt>
+                <c:pt idx="43">
+                  <c:v>15.9573424121871</c:v>
+                </c:pt>
+                <c:pt idx="44">
+                  <c:v>15.7099576582385</c:v>
+                </c:pt>
+                <c:pt idx="45">
+                  <c:v>15.5334982291618</c:v>
+                </c:pt>
+                <c:pt idx="46">
+                  <c:v>15.9895719340835</c:v>
+                </c:pt>
+                <c:pt idx="47">
+                  <c:v>16.9106735849617</c:v>
+                </c:pt>
+                <c:pt idx="48">
+                  <c:v>17.6222413344299</c:v>
+                </c:pt>
+                <c:pt idx="49">
+                  <c:v>18.1739675558588</c:v>
+                </c:pt>
+                <c:pt idx="50">
+                  <c:v>18.9343109995181</c:v>
+                </c:pt>
+                <c:pt idx="51">
+                  <c:v>18.2867192331627</c:v>
+                </c:pt>
+                <c:pt idx="52">
+                  <c:v>17.6109808355895</c:v>
+                </c:pt>
+                <c:pt idx="53">
+                  <c:v>17.249238632352</c:v>
+                </c:pt>
+                <c:pt idx="54">
+                  <c:v>17.7937395818145</c:v>
+                </c:pt>
+                <c:pt idx="55">
+                  <c:v>19.0036097245179</c:v>
+                </c:pt>
+                <c:pt idx="56">
+                  <c:v>21.1186114401618</c:v>
+                </c:pt>
+                <c:pt idx="57">
+                  <c:v>23.4210415548929</c:v>
+                </c:pt>
+                <c:pt idx="58">
+                  <c:v>24.987918602161</c:v>
+                </c:pt>
+                <c:pt idx="59">
+                  <c:v>24.7276370229027</c:v>
+                </c:pt>
+                <c:pt idx="60">
+                  <c:v>24.4059062861854</c:v>
+                </c:pt>
+                <c:pt idx="61">
+                  <c:v>24.7231941296728</c:v>
+                </c:pt>
+                <c:pt idx="62">
+                  <c:v>25.8651498026024</c:v>
+                </c:pt>
+              </c:numCache>
+            </c:numRef>
+          </c:val>
+          <c:smooth val="0"/>
+        </c:ser>
+        <c:ser>
+          <c:idx val="1"/>
+          <c:order val="1"/>
+          <c:tx>
+            <c:strRef>
+              <c:f>'NoPeaks--Residuals'!$AA$1</c:f>
+              <c:strCache>
+                <c:ptCount val="1"/>
+                <c:pt idx="0">
+                  <c:v>Unemployment</c:v>
+                </c:pt>
+              </c:strCache>
+            </c:strRef>
+          </c:tx>
+          <c:marker>
+            <c:symbol val="none"/>
+          </c:marker>
+          <c:cat>
+            <c:numRef>
+              <c:f>'NoPeaks--Residuals'!$AB$2:$AB$64</c:f>
+              <c:numCache>
+                <c:formatCode>mmm\-yy</c:formatCode>
+                <c:ptCount val="63"/>
+                <c:pt idx="0">
+                  <c:v>39173.0</c:v>
+                </c:pt>
+                <c:pt idx="1">
+                  <c:v>39234.0</c:v>
+                </c:pt>
+                <c:pt idx="2">
+                  <c:v>39264.0</c:v>
+                </c:pt>
+                <c:pt idx="3">
+                  <c:v>39295.0</c:v>
+                </c:pt>
+                <c:pt idx="4">
+                  <c:v>39326.0</c:v>
+                </c:pt>
+                <c:pt idx="5">
+                  <c:v>39356.0</c:v>
+                </c:pt>
+                <c:pt idx="6">
+                  <c:v>39417.0</c:v>
+                </c:pt>
+                <c:pt idx="7">
+                  <c:v>39448.0</c:v>
+                </c:pt>
+                <c:pt idx="8">
+                  <c:v>39479.0</c:v>
+                </c:pt>
+                <c:pt idx="9">
+                  <c:v>39508.0</c:v>
+                </c:pt>
+                <c:pt idx="10">
+                  <c:v>39539.0</c:v>
+                </c:pt>
+                <c:pt idx="11">
+                  <c:v>39600.0</c:v>
+                </c:pt>
+                <c:pt idx="12">
+                  <c:v>39630.0</c:v>
+                </c:pt>
+                <c:pt idx="13">
+                  <c:v>39661.0</c:v>
+                </c:pt>
+                <c:pt idx="14">
+                  <c:v>39692.0</c:v>
+                </c:pt>
+                <c:pt idx="15">
+                  <c:v>39722.0</c:v>
+                </c:pt>
+                <c:pt idx="16">
+                  <c:v>39783.0</c:v>
+                </c:pt>
+                <c:pt idx="17">
+                  <c:v>39814.0</c:v>
+                </c:pt>
+                <c:pt idx="18">
+                  <c:v>39845.0</c:v>
+                </c:pt>
+                <c:pt idx="19">
+                  <c:v>39873.0</c:v>
+                </c:pt>
+                <c:pt idx="20">
+                  <c:v>39904.0</c:v>
+                </c:pt>
+                <c:pt idx="21">
+                  <c:v>39965.0</c:v>
+                </c:pt>
+                <c:pt idx="22">
+                  <c:v>39995.0</c:v>
+                </c:pt>
+                <c:pt idx="23">
+                  <c:v>40026.0</c:v>
+                </c:pt>
+                <c:pt idx="24">
+                  <c:v>40057.0</c:v>
+                </c:pt>
+                <c:pt idx="25">
+                  <c:v>40087.0</c:v>
+                </c:pt>
+                <c:pt idx="26">
+                  <c:v>40148.0</c:v>
+                </c:pt>
+                <c:pt idx="27">
+                  <c:v>40179.0</c:v>
+                </c:pt>
+                <c:pt idx="28">
+                  <c:v>40210.0</c:v>
+                </c:pt>
+                <c:pt idx="29">
+                  <c:v>40238.0</c:v>
+                </c:pt>
+                <c:pt idx="30">
+                  <c:v>40269.0</c:v>
+                </c:pt>
+                <c:pt idx="31">
+                  <c:v>40330.0</c:v>
+                </c:pt>
+                <c:pt idx="32">
+                  <c:v>40360.0</c:v>
+                </c:pt>
+                <c:pt idx="33">
+                  <c:v>40391.0</c:v>
+                </c:pt>
+                <c:pt idx="34">
+                  <c:v>40422.0</c:v>
+                </c:pt>
+                <c:pt idx="35">
+                  <c:v>40452.0</c:v>
+                </c:pt>
+                <c:pt idx="36">
+                  <c:v>40513.0</c:v>
+                </c:pt>
+                <c:pt idx="37">
+                  <c:v>40544.0</c:v>
+                </c:pt>
+                <c:pt idx="38">
+                  <c:v>40603.0</c:v>
+                </c:pt>
+                <c:pt idx="39">
+                  <c:v>40634.0</c:v>
+                </c:pt>
+                <c:pt idx="40">
+                  <c:v>40695.0</c:v>
+                </c:pt>
+                <c:pt idx="41">
+                  <c:v>40725.0</c:v>
+                </c:pt>
+                <c:pt idx="42">
+                  <c:v>40787.0</c:v>
+                </c:pt>
+                <c:pt idx="43">
+                  <c:v>40817.0</c:v>
+                </c:pt>
+                <c:pt idx="44">
+                  <c:v>40878.0</c:v>
+                </c:pt>
+                <c:pt idx="45">
+                  <c:v>40909.0</c:v>
+                </c:pt>
+                <c:pt idx="46">
+                  <c:v>40969.0</c:v>
+                </c:pt>
+                <c:pt idx="47">
+                  <c:v>41000.0</c:v>
+                </c:pt>
+                <c:pt idx="48">
+                  <c:v>41061.0</c:v>
+                </c:pt>
+                <c:pt idx="49">
+                  <c:v>41091.0</c:v>
+                </c:pt>
+                <c:pt idx="50">
+                  <c:v>41153.0</c:v>
+                </c:pt>
+                <c:pt idx="51">
+                  <c:v>41183.0</c:v>
+                </c:pt>
+                <c:pt idx="52">
+                  <c:v>41244.0</c:v>
+                </c:pt>
+                <c:pt idx="53">
+                  <c:v>41275.0</c:v>
+                </c:pt>
+                <c:pt idx="54">
+                  <c:v>41334.0</c:v>
+                </c:pt>
+                <c:pt idx="55">
+                  <c:v>41365.0</c:v>
+                </c:pt>
+                <c:pt idx="56">
+                  <c:v>41426.0</c:v>
+                </c:pt>
+                <c:pt idx="57">
+                  <c:v>41456.0</c:v>
+                </c:pt>
+                <c:pt idx="58">
+                  <c:v>41518.0</c:v>
+                </c:pt>
+                <c:pt idx="59">
+                  <c:v>41548.0</c:v>
+                </c:pt>
+                <c:pt idx="60">
+                  <c:v>41609.0</c:v>
+                </c:pt>
+                <c:pt idx="61">
+                  <c:v>41640.0</c:v>
+                </c:pt>
+                <c:pt idx="62">
+                  <c:v>41699.0</c:v>
+                </c:pt>
+              </c:numCache>
+            </c:numRef>
+          </c:cat>
+          <c:val>
+            <c:numRef>
+              <c:f>'NoPeaks--Residuals'!$AA$5:$AA$64</c:f>
+              <c:numCache>
+                <c:formatCode>General</c:formatCode>
+                <c:ptCount val="60"/>
+                <c:pt idx="0">
+                  <c:v>12.18</c:v>
+                </c:pt>
+                <c:pt idx="1">
+                  <c:v>12.18</c:v>
+                </c:pt>
+                <c:pt idx="2">
+                  <c:v>10.45</c:v>
+                </c:pt>
+                <c:pt idx="3">
+                  <c:v>10.45</c:v>
+                </c:pt>
+                <c:pt idx="4">
+                  <c:v>13.62</c:v>
+                </c:pt>
+                <c:pt idx="5">
+                  <c:v>13.62</c:v>
+                </c:pt>
+                <c:pt idx="6">
+                  <c:v>13.62</c:v>
+                </c:pt>
+                <c:pt idx="7">
+                  <c:v>17.57</c:v>
+                </c:pt>
+                <c:pt idx="8">
+                  <c:v>17.57</c:v>
+                </c:pt>
+                <c:pt idx="9">
+                  <c:v>21.74</c:v>
+                </c:pt>
+                <c:pt idx="10">
+                  <c:v>21.74</c:v>
+                </c:pt>
+                <c:pt idx="11">
+                  <c:v>21.74</c:v>
+                </c:pt>
+                <c:pt idx="12">
+                  <c:v>24.98</c:v>
+                </c:pt>
+                <c:pt idx="13">
+                  <c:v>24.98</c:v>
+                </c:pt>
+                <c:pt idx="14">
+                  <c:v>24.72</c:v>
+                </c:pt>
+                <c:pt idx="15">
+                  <c:v>24.72</c:v>
+                </c:pt>
+                <c:pt idx="16">
+                  <c:v>24.72</c:v>
+                </c:pt>
+                <c:pt idx="17">
+                  <c:v>27.47</c:v>
+                </c:pt>
+                <c:pt idx="18">
+                  <c:v>27.47</c:v>
+                </c:pt>
+                <c:pt idx="19">
+                  <c:v>30.64</c:v>
+                </c:pt>
+                <c:pt idx="20">
+                  <c:v>30.64</c:v>
+                </c:pt>
+                <c:pt idx="21">
+                  <c:v>30.64</c:v>
+                </c:pt>
+                <c:pt idx="22">
+                  <c:v>24.46</c:v>
+                </c:pt>
+                <c:pt idx="23">
+                  <c:v>24.46</c:v>
+                </c:pt>
+                <c:pt idx="24">
+                  <c:v>27.79</c:v>
+                </c:pt>
+                <c:pt idx="25">
+                  <c:v>27.79</c:v>
+                </c:pt>
+                <c:pt idx="26">
+                  <c:v>27.79</c:v>
+                </c:pt>
+                <c:pt idx="27">
+                  <c:v>29.43</c:v>
+                </c:pt>
+                <c:pt idx="28">
+                  <c:v>29.43</c:v>
+                </c:pt>
+                <c:pt idx="29">
+                  <c:v>27.49</c:v>
+                </c:pt>
+                <c:pt idx="30">
+                  <c:v>27.49</c:v>
+                </c:pt>
+                <c:pt idx="31">
+                  <c:v>27.49</c:v>
+                </c:pt>
+                <c:pt idx="32">
+                  <c:v>27.09</c:v>
+                </c:pt>
+                <c:pt idx="33">
+                  <c:v>27.09</c:v>
+                </c:pt>
+                <c:pt idx="34">
+                  <c:v>32.04</c:v>
+                </c:pt>
+                <c:pt idx="35">
+                  <c:v>32.04</c:v>
+                </c:pt>
+                <c:pt idx="36">
+                  <c:v>35.29</c:v>
+                </c:pt>
+                <c:pt idx="37">
+                  <c:v>35.29</c:v>
+                </c:pt>
+                <c:pt idx="38">
+                  <c:v>35.57</c:v>
+                </c:pt>
+                <c:pt idx="39">
+                  <c:v>35.57</c:v>
+                </c:pt>
+                <c:pt idx="40">
+                  <c:v>33.21</c:v>
+                </c:pt>
+                <c:pt idx="41">
+                  <c:v>33.21</c:v>
+                </c:pt>
+                <c:pt idx="42">
+                  <c:v>35.28</c:v>
+                </c:pt>
+                <c:pt idx="43">
+                  <c:v>35.28</c:v>
+                </c:pt>
+                <c:pt idx="44">
+                  <c:v>35.32</c:v>
+                </c:pt>
+                <c:pt idx="45">
+                  <c:v>35.32</c:v>
+                </c:pt>
+                <c:pt idx="46">
+                  <c:v>38.44</c:v>
+                </c:pt>
+                <c:pt idx="47">
+                  <c:v>38.44</c:v>
+                </c:pt>
+                <c:pt idx="48">
+                  <c:v>36.6</c:v>
+                </c:pt>
+                <c:pt idx="49">
+                  <c:v>36.6</c:v>
+                </c:pt>
+                <c:pt idx="50">
+                  <c:v>37.11</c:v>
+                </c:pt>
+                <c:pt idx="51">
+                  <c:v>37.11</c:v>
+                </c:pt>
+                <c:pt idx="52">
+                  <c:v>35.74</c:v>
+                </c:pt>
+                <c:pt idx="53">
+                  <c:v>35.74</c:v>
+                </c:pt>
+                <c:pt idx="54">
+                  <c:v>38.77</c:v>
+                </c:pt>
+                <c:pt idx="55">
+                  <c:v>38.77</c:v>
+                </c:pt>
+                <c:pt idx="56">
+                  <c:v>36.25</c:v>
+                </c:pt>
+                <c:pt idx="57">
+                  <c:v>36.25</c:v>
+                </c:pt>
+                <c:pt idx="58">
+                  <c:v>33.35</c:v>
+                </c:pt>
+                <c:pt idx="59">
+                  <c:v>33.35</c:v>
+                </c:pt>
+              </c:numCache>
+            </c:numRef>
+          </c:val>
+          <c:smooth val="0"/>
+        </c:ser>
+        <c:ser>
+          <c:idx val="2"/>
+          <c:order val="2"/>
+          <c:tx>
+            <c:v>Original</c:v>
+          </c:tx>
+          <c:marker>
+            <c:symbol val="none"/>
+          </c:marker>
+          <c:cat>
+            <c:numRef>
+              <c:f>'NoPeaks--Residuals'!$AB$2:$AB$64</c:f>
+              <c:numCache>
+                <c:formatCode>mmm\-yy</c:formatCode>
+                <c:ptCount val="63"/>
+                <c:pt idx="0">
+                  <c:v>39173.0</c:v>
+                </c:pt>
+                <c:pt idx="1">
+                  <c:v>39234.0</c:v>
+                </c:pt>
+                <c:pt idx="2">
+                  <c:v>39264.0</c:v>
+                </c:pt>
+                <c:pt idx="3">
+                  <c:v>39295.0</c:v>
+                </c:pt>
+                <c:pt idx="4">
+                  <c:v>39326.0</c:v>
+                </c:pt>
+                <c:pt idx="5">
+                  <c:v>39356.0</c:v>
+                </c:pt>
+                <c:pt idx="6">
+                  <c:v>39417.0</c:v>
+                </c:pt>
+                <c:pt idx="7">
+                  <c:v>39448.0</c:v>
+                </c:pt>
+                <c:pt idx="8">
+                  <c:v>39479.0</c:v>
+                </c:pt>
+                <c:pt idx="9">
+                  <c:v>39508.0</c:v>
+                </c:pt>
+                <c:pt idx="10">
+                  <c:v>39539.0</c:v>
+                </c:pt>
+                <c:pt idx="11">
+                  <c:v>39600.0</c:v>
+                </c:pt>
+                <c:pt idx="12">
+                  <c:v>39630.0</c:v>
+                </c:pt>
+                <c:pt idx="13">
+                  <c:v>39661.0</c:v>
+                </c:pt>
+                <c:pt idx="14">
+                  <c:v>39692.0</c:v>
+                </c:pt>
+                <c:pt idx="15">
+                  <c:v>39722.0</c:v>
+                </c:pt>
+                <c:pt idx="16">
+                  <c:v>39783.0</c:v>
+                </c:pt>
+                <c:pt idx="17">
+                  <c:v>39814.0</c:v>
+                </c:pt>
+                <c:pt idx="18">
+                  <c:v>39845.0</c:v>
+                </c:pt>
+                <c:pt idx="19">
+                  <c:v>39873.0</c:v>
+                </c:pt>
+                <c:pt idx="20">
+                  <c:v>39904.0</c:v>
+                </c:pt>
+                <c:pt idx="21">
+                  <c:v>39965.0</c:v>
+                </c:pt>
+                <c:pt idx="22">
+                  <c:v>39995.0</c:v>
+                </c:pt>
+                <c:pt idx="23">
+                  <c:v>40026.0</c:v>
+                </c:pt>
+                <c:pt idx="24">
+                  <c:v>40057.0</c:v>
+                </c:pt>
+                <c:pt idx="25">
+                  <c:v>40087.0</c:v>
+                </c:pt>
+                <c:pt idx="26">
+                  <c:v>40148.0</c:v>
+                </c:pt>
+                <c:pt idx="27">
+                  <c:v>40179.0</c:v>
+                </c:pt>
+                <c:pt idx="28">
+                  <c:v>40210.0</c:v>
+                </c:pt>
+                <c:pt idx="29">
+                  <c:v>40238.0</c:v>
+                </c:pt>
+                <c:pt idx="30">
+                  <c:v>40269.0</c:v>
+                </c:pt>
+                <c:pt idx="31">
+                  <c:v>40330.0</c:v>
+                </c:pt>
+                <c:pt idx="32">
+                  <c:v>40360.0</c:v>
+                </c:pt>
+                <c:pt idx="33">
+                  <c:v>40391.0</c:v>
+                </c:pt>
+                <c:pt idx="34">
+                  <c:v>40422.0</c:v>
+                </c:pt>
+                <c:pt idx="35">
+                  <c:v>40452.0</c:v>
+                </c:pt>
+                <c:pt idx="36">
+                  <c:v>40513.0</c:v>
+                </c:pt>
+                <c:pt idx="37">
+                  <c:v>40544.0</c:v>
+                </c:pt>
+                <c:pt idx="38">
+                  <c:v>40603.0</c:v>
+                </c:pt>
+                <c:pt idx="39">
+                  <c:v>40634.0</c:v>
+                </c:pt>
+                <c:pt idx="40">
+                  <c:v>40695.0</c:v>
+                </c:pt>
+                <c:pt idx="41">
+                  <c:v>40725.0</c:v>
+                </c:pt>
+                <c:pt idx="42">
+                  <c:v>40787.0</c:v>
+                </c:pt>
+                <c:pt idx="43">
+                  <c:v>40817.0</c:v>
+                </c:pt>
+                <c:pt idx="44">
+                  <c:v>40878.0</c:v>
+                </c:pt>
+                <c:pt idx="45">
+                  <c:v>40909.0</c:v>
+                </c:pt>
+                <c:pt idx="46">
+                  <c:v>40969.0</c:v>
+                </c:pt>
+                <c:pt idx="47">
+                  <c:v>41000.0</c:v>
+                </c:pt>
+                <c:pt idx="48">
+                  <c:v>41061.0</c:v>
+                </c:pt>
+                <c:pt idx="49">
+                  <c:v>41091.0</c:v>
+                </c:pt>
+                <c:pt idx="50">
+                  <c:v>41153.0</c:v>
+                </c:pt>
+                <c:pt idx="51">
+                  <c:v>41183.0</c:v>
+                </c:pt>
+                <c:pt idx="52">
+                  <c:v>41244.0</c:v>
+                </c:pt>
+                <c:pt idx="53">
+                  <c:v>41275.0</c:v>
+                </c:pt>
+                <c:pt idx="54">
+                  <c:v>41334.0</c:v>
+                </c:pt>
+                <c:pt idx="55">
+                  <c:v>41365.0</c:v>
+                </c:pt>
+                <c:pt idx="56">
+                  <c:v>41426.0</c:v>
+                </c:pt>
+                <c:pt idx="57">
+                  <c:v>41456.0</c:v>
+                </c:pt>
+                <c:pt idx="58">
+                  <c:v>41518.0</c:v>
+                </c:pt>
+                <c:pt idx="59">
+                  <c:v>41548.0</c:v>
+                </c:pt>
+                <c:pt idx="60">
+                  <c:v>41609.0</c:v>
+                </c:pt>
+                <c:pt idx="61">
+                  <c:v>41640.0</c:v>
+                </c:pt>
+                <c:pt idx="62">
+                  <c:v>41699.0</c:v>
+                </c:pt>
+              </c:numCache>
+            </c:numRef>
+          </c:cat>
+          <c:val>
+            <c:numRef>
+              <c:f>NoPeaks!$Y$2:$Y$64</c:f>
+              <c:numCache>
+                <c:formatCode>General</c:formatCode>
+                <c:ptCount val="63"/>
+                <c:pt idx="0">
+                  <c:v>10.8072435130333</c:v>
+                </c:pt>
+                <c:pt idx="1">
+                  <c:v>10.0648305383034</c:v>
+                </c:pt>
+                <c:pt idx="2">
+                  <c:v>9.71988904822459</c:v>
+                </c:pt>
+                <c:pt idx="3">
+                  <c:v>10.1813306138574</c:v>
+                </c:pt>
+                <c:pt idx="4">
+                  <c:v>11.8825396253933</c:v>
+                </c:pt>
+                <c:pt idx="5">
+                  <c:v>12.5086720371748</c:v>
+                </c:pt>
+                <c:pt idx="6">
+                  <c:v>13.3995662129006</c:v>
+                </c:pt>
+                <c:pt idx="7">
+                  <c:v>13.538490842902</c:v>
+                </c:pt>
+                <c:pt idx="8">
+                  <c:v>13.7851514670233</c:v>
+                </c:pt>
+                <c:pt idx="9">
+                  <c:v>13.8414410000992</c:v>
+                </c:pt>
+                <c:pt idx="10">
+                  <c:v>14.3239885692746</c:v>
+                </c:pt>
+                <c:pt idx="11">
+                  <c:v>14.8998477112621</c:v>
+                </c:pt>
+                <c:pt idx="12">
+                  <c:v>15.5464940866679</c:v>
+                </c:pt>
+                <c:pt idx="13">
+                  <c:v>16.8425100084196</c:v>
+                </c:pt>
+                <c:pt idx="14">
+                  <c:v>18.8112332380767</c:v>
+                </c:pt>
+                <c:pt idx="15">
+                  <c:v>20.415325846466</c:v>
+                </c:pt>
+                <c:pt idx="16">
+                  <c:v>22.7502123271542</c:v>
+                </c:pt>
+                <c:pt idx="17">
+                  <c:v>23.5969505198896</c:v>
+                </c:pt>
+                <c:pt idx="18">
+                  <c:v>23.938405153761</c:v>
+                </c:pt>
+                <c:pt idx="19">
+                  <c:v>23.4533557438646</c:v>
+                </c:pt>
+                <c:pt idx="20">
+                  <c:v>22.4317542714871</c:v>
+                </c:pt>
+                <c:pt idx="21">
+                  <c:v>21.6199421147928</c:v>
+                </c:pt>
+                <c:pt idx="22">
+                  <c:v>20.4606706077493</c:v>
+                </c:pt>
+                <c:pt idx="23">
+                  <c:v>20.7001562067842</c:v>
+                </c:pt>
+                <c:pt idx="24">
+                  <c:v>21.8770009350111</c:v>
+                </c:pt>
+                <c:pt idx="25">
+                  <c:v>23.4061551525846</c:v>
+                </c:pt>
+                <c:pt idx="26">
+                  <c:v>25.0926738248192</c:v>
+                </c:pt>
+                <c:pt idx="27">
+                  <c:v>26.2892232753235</c:v>
+                </c:pt>
+                <c:pt idx="28">
+                  <c:v>26.7134766823723</c:v>
+                </c:pt>
+                <c:pt idx="29">
+                  <c:v>26.2091560965992</c:v>
+                </c:pt>
+                <c:pt idx="30">
+                  <c:v>25.2363785630722</c:v>
+                </c:pt>
+                <c:pt idx="31">
+                  <c:v>24.4479027111999</c:v>
+                </c:pt>
+                <c:pt idx="32">
+                  <c:v>23.4327580591262</c:v>
+                </c:pt>
+                <c:pt idx="33">
+                  <c:v>24.1168503120999</c:v>
+                </c:pt>
+                <c:pt idx="34">
+                  <c:v>25.6656436367341</c:v>
+                </c:pt>
+                <c:pt idx="35">
+                  <c:v>27.0602331054226</c:v>
+                </c:pt>
+                <c:pt idx="36">
+                  <c:v>28.5784982958522</c:v>
+                </c:pt>
+                <c:pt idx="37">
+                  <c:v>28.42921900054</c:v>
+                </c:pt>
+                <c:pt idx="38">
+                  <c:v>28.7633907262551</c:v>
+                </c:pt>
+                <c:pt idx="39">
+                  <c:v>27.970224189714</c:v>
+                </c:pt>
+                <c:pt idx="40">
+                  <c:v>27.5021581334971</c:v>
+                </c:pt>
+                <c:pt idx="41">
+                  <c:v>26.6003996586492</c:v>
+                </c:pt>
+                <c:pt idx="42">
+                  <c:v>26.6593353741743</c:v>
+                </c:pt>
+                <c:pt idx="43">
+                  <c:v>27.9990192789303</c:v>
+                </c:pt>
+                <c:pt idx="44">
+                  <c:v>29.6835209653212</c:v>
+                </c:pt>
+                <c:pt idx="45">
+                  <c:v>30.485317618033</c:v>
+                </c:pt>
+                <c:pt idx="46">
+                  <c:v>31.5017036388935</c:v>
+                </c:pt>
+                <c:pt idx="47">
+                  <c:v>31.284121881674</c:v>
+                </c:pt>
+                <c:pt idx="48">
+                  <c:v>30.4413204017466</c:v>
+                </c:pt>
+                <c:pt idx="49">
+                  <c:v>29.7931126510296</c:v>
+                </c:pt>
+                <c:pt idx="50">
+                  <c:v>29.9163601054611</c:v>
+                </c:pt>
+                <c:pt idx="51">
+                  <c:v>30.9414965631263</c:v>
+                </c:pt>
+                <c:pt idx="52">
+                  <c:v>31.8289972461111</c:v>
+                </c:pt>
+                <c:pt idx="53">
+                  <c:v>31.6292750973672</c:v>
+                </c:pt>
+                <c:pt idx="54">
+                  <c:v>31.6773385323485</c:v>
+                </c:pt>
+                <c:pt idx="55">
+                  <c:v>30.497350675282</c:v>
+                </c:pt>
+                <c:pt idx="56">
+                  <c:v>29.732193995007</c:v>
+                </c:pt>
+                <c:pt idx="57">
+                  <c:v>28.6976343865524</c:v>
+                </c:pt>
+                <c:pt idx="58">
+                  <c:v>29.3839872804105</c:v>
+                </c:pt>
+                <c:pt idx="59">
+                  <c:v>29.4864399672066</c:v>
+                </c:pt>
+                <c:pt idx="60">
+                  <c:v>30.2086487229794</c:v>
+                </c:pt>
+                <c:pt idx="61">
+                  <c:v>30.2991190346925</c:v>
+                </c:pt>
+                <c:pt idx="62">
+                  <c:v>30.2237079922468</c:v>
+                </c:pt>
+              </c:numCache>
+            </c:numRef>
+          </c:val>
+          <c:smooth val="0"/>
+        </c:ser>
+        <c:ser>
+          <c:idx val="3"/>
+          <c:order val="3"/>
+          <c:tx>
+            <c:v>Residuals2</c:v>
+          </c:tx>
+          <c:marker>
+            <c:symbol val="none"/>
+          </c:marker>
+          <c:cat>
+            <c:numRef>
+              <c:f>'NoPeaks--Residuals'!$AB$2:$AB$64</c:f>
+              <c:numCache>
+                <c:formatCode>mmm\-yy</c:formatCode>
+                <c:ptCount val="63"/>
+                <c:pt idx="0">
+                  <c:v>39173.0</c:v>
+                </c:pt>
+                <c:pt idx="1">
+                  <c:v>39234.0</c:v>
+                </c:pt>
+                <c:pt idx="2">
+                  <c:v>39264.0</c:v>
+                </c:pt>
+                <c:pt idx="3">
+                  <c:v>39295.0</c:v>
+                </c:pt>
+                <c:pt idx="4">
+                  <c:v>39326.0</c:v>
+                </c:pt>
+                <c:pt idx="5">
+                  <c:v>39356.0</c:v>
+                </c:pt>
+                <c:pt idx="6">
+                  <c:v>39417.0</c:v>
+                </c:pt>
+                <c:pt idx="7">
+                  <c:v>39448.0</c:v>
+                </c:pt>
+                <c:pt idx="8">
+                  <c:v>39479.0</c:v>
+                </c:pt>
+                <c:pt idx="9">
+                  <c:v>39508.0</c:v>
+                </c:pt>
+                <c:pt idx="10">
+                  <c:v>39539.0</c:v>
+                </c:pt>
+                <c:pt idx="11">
+                  <c:v>39600.0</c:v>
+                </c:pt>
+                <c:pt idx="12">
+                  <c:v>39630.0</c:v>
+                </c:pt>
+                <c:pt idx="13">
+                  <c:v>39661.0</c:v>
+                </c:pt>
+                <c:pt idx="14">
+                  <c:v>39692.0</c:v>
+                </c:pt>
+                <c:pt idx="15">
+                  <c:v>39722.0</c:v>
+                </c:pt>
+                <c:pt idx="16">
+                  <c:v>39783.0</c:v>
+                </c:pt>
+                <c:pt idx="17">
+                  <c:v>39814.0</c:v>
+                </c:pt>
+                <c:pt idx="18">
+                  <c:v>39845.0</c:v>
+                </c:pt>
+                <c:pt idx="19">
+                  <c:v>39873.0</c:v>
+                </c:pt>
+                <c:pt idx="20">
+                  <c:v>39904.0</c:v>
+                </c:pt>
+                <c:pt idx="21">
+                  <c:v>39965.0</c:v>
+                </c:pt>
+                <c:pt idx="22">
+                  <c:v>39995.0</c:v>
+                </c:pt>
+                <c:pt idx="23">
+                  <c:v>40026.0</c:v>
+                </c:pt>
+                <c:pt idx="24">
+                  <c:v>40057.0</c:v>
+                </c:pt>
+                <c:pt idx="25">
+                  <c:v>40087.0</c:v>
+                </c:pt>
+                <c:pt idx="26">
+                  <c:v>40148.0</c:v>
+                </c:pt>
+                <c:pt idx="27">
+                  <c:v>40179.0</c:v>
+                </c:pt>
+                <c:pt idx="28">
+                  <c:v>40210.0</c:v>
+                </c:pt>
+                <c:pt idx="29">
+                  <c:v>40238.0</c:v>
+                </c:pt>
+                <c:pt idx="30">
+                  <c:v>40269.0</c:v>
+                </c:pt>
+                <c:pt idx="31">
+                  <c:v>40330.0</c:v>
+                </c:pt>
+                <c:pt idx="32">
+                  <c:v>40360.0</c:v>
+                </c:pt>
+                <c:pt idx="33">
+                  <c:v>40391.0</c:v>
+                </c:pt>
+                <c:pt idx="34">
+                  <c:v>40422.0</c:v>
+                </c:pt>
+                <c:pt idx="35">
+                  <c:v>40452.0</c:v>
+                </c:pt>
+                <c:pt idx="36">
+                  <c:v>40513.0</c:v>
+                </c:pt>
+                <c:pt idx="37">
+                  <c:v>40544.0</c:v>
+                </c:pt>
+                <c:pt idx="38">
+                  <c:v>40603.0</c:v>
+                </c:pt>
+                <c:pt idx="39">
+                  <c:v>40634.0</c:v>
+                </c:pt>
+                <c:pt idx="40">
+                  <c:v>40695.0</c:v>
+                </c:pt>
+                <c:pt idx="41">
+                  <c:v>40725.0</c:v>
+                </c:pt>
+                <c:pt idx="42">
+                  <c:v>40787.0</c:v>
+                </c:pt>
+                <c:pt idx="43">
+                  <c:v>40817.0</c:v>
+                </c:pt>
+                <c:pt idx="44">
+                  <c:v>40878.0</c:v>
+                </c:pt>
+                <c:pt idx="45">
+                  <c:v>40909.0</c:v>
+                </c:pt>
+                <c:pt idx="46">
+                  <c:v>40969.0</c:v>
+                </c:pt>
+                <c:pt idx="47">
+                  <c:v>41000.0</c:v>
+                </c:pt>
+                <c:pt idx="48">
+                  <c:v>41061.0</c:v>
+                </c:pt>
+                <c:pt idx="49">
+                  <c:v>41091.0</c:v>
+                </c:pt>
+                <c:pt idx="50">
+                  <c:v>41153.0</c:v>
+                </c:pt>
+                <c:pt idx="51">
+                  <c:v>41183.0</c:v>
+                </c:pt>
+                <c:pt idx="52">
+                  <c:v>41244.0</c:v>
+                </c:pt>
+                <c:pt idx="53">
+                  <c:v>41275.0</c:v>
+                </c:pt>
+                <c:pt idx="54">
+                  <c:v>41334.0</c:v>
+                </c:pt>
+                <c:pt idx="55">
+                  <c:v>41365.0</c:v>
+                </c:pt>
+                <c:pt idx="56">
+                  <c:v>41426.0</c:v>
+                </c:pt>
+                <c:pt idx="57">
+                  <c:v>41456.0</c:v>
+                </c:pt>
+                <c:pt idx="58">
+                  <c:v>41518.0</c:v>
+                </c:pt>
+                <c:pt idx="59">
+                  <c:v>41548.0</c:v>
+                </c:pt>
+                <c:pt idx="60">
+                  <c:v>41609.0</c:v>
+                </c:pt>
+                <c:pt idx="61">
+                  <c:v>41640.0</c:v>
+                </c:pt>
+                <c:pt idx="62">
+                  <c:v>41699.0</c:v>
+                </c:pt>
+              </c:numCache>
+            </c:numRef>
+          </c:cat>
+          <c:val>
+            <c:numRef>
+              <c:f>'NoPeaks-Residuals-2'!$Y$2:$Y$64</c:f>
+              <c:numCache>
+                <c:formatCode>General</c:formatCode>
+                <c:ptCount val="63"/>
+                <c:pt idx="0">
+                  <c:v>10.3445785503004</c:v>
+                </c:pt>
+                <c:pt idx="1">
+                  <c:v>9.49575273260372</c:v>
+                </c:pt>
+                <c:pt idx="2">
+                  <c:v>8.95424082182315</c:v>
+                </c:pt>
+                <c:pt idx="3">
+                  <c:v>8.8120022546416</c:v>
+                </c:pt>
+                <c:pt idx="4">
+                  <c:v>8.59007589148006</c:v>
+                </c:pt>
+                <c:pt idx="5">
+                  <c:v>8.2006871164201</c:v>
+                </c:pt>
+                <c:pt idx="6">
+                  <c:v>8.027302285475781</c:v>
+                </c:pt>
+                <c:pt idx="7">
+                  <c:v>7.96347483642845</c:v>
+                </c:pt>
+                <c:pt idx="8">
+                  <c:v>7.8779232459998</c:v>
+                </c:pt>
+                <c:pt idx="9">
+                  <c:v>7.87424407512095</c:v>
+                </c:pt>
+                <c:pt idx="10">
+                  <c:v>7.77419529530493</c:v>
+                </c:pt>
+                <c:pt idx="11">
+                  <c:v>7.70239391485165</c:v>
+                </c:pt>
+                <c:pt idx="12">
+                  <c:v>7.71523564454543</c:v>
+                </c:pt>
+                <c:pt idx="13">
+                  <c:v>7.7466575202355</c:v>
+                </c:pt>
+                <c:pt idx="14">
+                  <c:v>7.91893917729829</c:v>
+                </c:pt>
+                <c:pt idx="15">
+                  <c:v>7.5367532615145</c:v>
+                </c:pt>
+                <c:pt idx="16">
+                  <c:v>7.86488799190778</c:v>
+                </c:pt>
+                <c:pt idx="17">
+                  <c:v>8.13458459491365</c:v>
+                </c:pt>
+                <c:pt idx="18">
+                  <c:v>8.331221164814719</c:v>
+                </c:pt>
+                <c:pt idx="19">
+                  <c:v>8.2341751896187</c:v>
+                </c:pt>
+                <c:pt idx="20">
+                  <c:v>8.39807090822956</c:v>
+                </c:pt>
+                <c:pt idx="21">
+                  <c:v>9.01914657077011</c:v>
+                </c:pt>
+                <c:pt idx="22">
+                  <c:v>9.736248937508559</c:v>
+                </c:pt>
+                <c:pt idx="23">
+                  <c:v>10.3341285546796</c:v>
+                </c:pt>
+                <c:pt idx="24">
+                  <c:v>10.3652491849497</c:v>
+                </c:pt>
+                <c:pt idx="25">
+                  <c:v>10.0434769894244</c:v>
+                </c:pt>
+                <c:pt idx="26">
+                  <c:v>10.0276173195167</c:v>
+                </c:pt>
+                <c:pt idx="27">
+                  <c:v>10.3973273135298</c:v>
+                </c:pt>
+                <c:pt idx="28">
+                  <c:v>10.3319231480435</c:v>
+                </c:pt>
+                <c:pt idx="29">
+                  <c:v>10.4668746019527</c:v>
+                </c:pt>
+                <c:pt idx="30">
+                  <c:v>11.2242219037479</c:v>
+                </c:pt>
+                <c:pt idx="31">
+                  <c:v>11.8786278403791</c:v>
+                </c:pt>
+                <c:pt idx="32">
+                  <c:v>12.4359628249301</c:v>
+                </c:pt>
+                <c:pt idx="33">
+                  <c:v>12.272503713216</c:v>
+                </c:pt>
+                <c:pt idx="34">
+                  <c:v>11.4481930090026</c:v>
+                </c:pt>
+                <c:pt idx="35">
+                  <c:v>10.5990542783762</c:v>
+                </c:pt>
+                <c:pt idx="36">
+                  <c:v>9.71759486932944</c:v>
+                </c:pt>
+                <c:pt idx="37">
+                  <c:v>8.91512618041734</c:v>
+                </c:pt>
+                <c:pt idx="38">
+                  <c:v>8.71568959472469</c:v>
+                </c:pt>
+                <c:pt idx="39">
+                  <c:v>8.73559966611175</c:v>
+                </c:pt>
+                <c:pt idx="40">
+                  <c:v>9.04187797402378</c:v>
+                </c:pt>
+                <c:pt idx="41">
+                  <c:v>9.31845556424112</c:v>
+                </c:pt>
+                <c:pt idx="42">
+                  <c:v>9.31850500486506</c:v>
+                </c:pt>
+                <c:pt idx="43">
+                  <c:v>8.45148769554329</c:v>
+                </c:pt>
+                <c:pt idx="44">
+                  <c:v>7.96398176697343</c:v>
+                </c:pt>
+                <c:pt idx="45">
+                  <c:v>7.79109651014477</c:v>
+                </c:pt>
+                <c:pt idx="46">
+                  <c:v>8.05583995237418</c:v>
+                </c:pt>
+                <c:pt idx="47">
+                  <c:v>8.87547352186656</c:v>
+                </c:pt>
+                <c:pt idx="48">
+                  <c:v>9.65741979997134</c:v>
+                </c:pt>
+                <c:pt idx="49">
+                  <c:v>10.2530852790773</c:v>
+                </c:pt>
+                <c:pt idx="50">
+                  <c:v>10.6242999364938</c:v>
+                </c:pt>
+                <c:pt idx="51">
+                  <c:v>9.70947215281832</c:v>
+                </c:pt>
+                <c:pt idx="52">
+                  <c:v>8.99688174678681</c:v>
+                </c:pt>
+                <c:pt idx="53">
+                  <c:v>8.85908591109153</c:v>
+                </c:pt>
+                <c:pt idx="54">
+                  <c:v>9.30021615054653</c:v>
+                </c:pt>
+                <c:pt idx="55">
+                  <c:v>10.6353491355687</c:v>
+                </c:pt>
+                <c:pt idx="56">
+                  <c:v>12.5225414334445</c:v>
+                </c:pt>
+                <c:pt idx="57">
+                  <c:v>14.7173433967276</c:v>
+                </c:pt>
+                <c:pt idx="58">
+                  <c:v>15.0528188600127</c:v>
+                </c:pt>
+                <c:pt idx="59">
+                  <c:v>14.2672720284744</c:v>
+                </c:pt>
+                <c:pt idx="60">
+                  <c:v>13.4819385504342</c:v>
+                </c:pt>
+                <c:pt idx="61">
+                  <c:v>13.482598188804</c:v>
+                </c:pt>
+                <c:pt idx="62">
+                  <c:v>14.1860096104671</c:v>
+                </c:pt>
+              </c:numCache>
+            </c:numRef>
+          </c:val>
+          <c:smooth val="0"/>
+        </c:ser>
+        <c:ser>
+          <c:idx val="4"/>
+          <c:order val="4"/>
+          <c:tx>
+            <c:v>Residuals3</c:v>
+          </c:tx>
+          <c:marker>
+            <c:symbol val="none"/>
+          </c:marker>
+          <c:val>
+            <c:numRef>
+              <c:f>'NoPeaks-Residuals-3'!$Y$2:$Y$64</c:f>
+              <c:numCache>
+                <c:formatCode>General</c:formatCode>
+                <c:ptCount val="63"/>
+                <c:pt idx="0">
+                  <c:v>10.3445785503004</c:v>
+                </c:pt>
+                <c:pt idx="1">
+                  <c:v>9.4964327535468</c:v>
+                </c:pt>
+                <c:pt idx="2">
+                  <c:v>8.95809740760199</c:v>
+                </c:pt>
+                <c:pt idx="3">
+                  <c:v>8.70495349643098</c:v>
+                </c:pt>
+                <c:pt idx="4">
+                  <c:v>8.38103123674283</c:v>
+                </c:pt>
+                <c:pt idx="5">
+                  <c:v>8.07834869369543</c:v>
+                </c:pt>
+                <c:pt idx="6">
+                  <c:v>7.93610636275675</c:v>
+                </c:pt>
+                <c:pt idx="7">
+                  <c:v>7.90065662283473</c:v>
+                </c:pt>
+                <c:pt idx="8">
+                  <c:v>7.80057277099061</c:v>
+                </c:pt>
+                <c:pt idx="9">
+                  <c:v>7.7685853063536</c:v>
+                </c:pt>
+                <c:pt idx="10">
+                  <c:v>7.52792462913887</c:v>
+                </c:pt>
+                <c:pt idx="11">
+                  <c:v>7.47090118966461</c:v>
+                </c:pt>
+                <c:pt idx="12">
+                  <c:v>7.23567828557208</c:v>
+                </c:pt>
+                <c:pt idx="13">
+                  <c:v>7.57240984721343</c:v>
+                </c:pt>
+                <c:pt idx="14">
+                  <c:v>7.83965083974338</c:v>
+                </c:pt>
+                <c:pt idx="15">
+                  <c:v>7.30412860366774</c:v>
+                </c:pt>
+                <c:pt idx="16">
+                  <c:v>7.66122020714291</c:v>
+                </c:pt>
+                <c:pt idx="17">
+                  <c:v>7.82615692160826</c:v>
+                </c:pt>
+                <c:pt idx="18">
+                  <c:v>7.91168564103728</c:v>
+                </c:pt>
+                <c:pt idx="19">
+                  <c:v>7.70638737421872</c:v>
+                </c:pt>
+                <c:pt idx="20">
+                  <c:v>7.79504261300976</c:v>
+                </c:pt>
+                <c:pt idx="21">
+                  <c:v>8.13322217699969</c:v>
+                </c:pt>
+                <c:pt idx="22">
+                  <c:v>8.35242562857946</c:v>
+                </c:pt>
+                <c:pt idx="23">
+                  <c:v>8.55531973963787</c:v>
+                </c:pt>
+                <c:pt idx="24">
+                  <c:v>8.36613856538413</c:v>
+                </c:pt>
+                <c:pt idx="25">
+                  <c:v>7.95828883217264</c:v>
+                </c:pt>
+                <c:pt idx="26">
+                  <c:v>7.88822784435687</c:v>
+                </c:pt>
+                <c:pt idx="27">
+                  <c:v>8.07408792348949</c:v>
+                </c:pt>
+                <c:pt idx="28">
+                  <c:v>7.86147331838751</c:v>
+                </c:pt>
+                <c:pt idx="29">
+                  <c:v>7.80110044373166</c:v>
+                </c:pt>
+                <c:pt idx="30">
+                  <c:v>8.13111833457446</c:v>
+                </c:pt>
+                <c:pt idx="31">
+                  <c:v>8.381773798951681</c:v>
+                </c:pt>
+                <c:pt idx="32">
+                  <c:v>8.48987220688597</c:v>
+                </c:pt>
+                <c:pt idx="33">
+                  <c:v>8.23957060211907</c:v>
+                </c:pt>
+                <c:pt idx="34">
+                  <c:v>7.70627099801757</c:v>
+                </c:pt>
+                <c:pt idx="35">
+                  <c:v>7.26680826985569</c:v>
+                </c:pt>
+                <c:pt idx="36">
+                  <c:v>6.94146742532255</c:v>
+                </c:pt>
+                <c:pt idx="37">
+                  <c:v>6.40429972368917</c:v>
+                </c:pt>
+                <c:pt idx="38">
+                  <c:v>6.36816610122489</c:v>
+                </c:pt>
+                <c:pt idx="39">
+                  <c:v>6.28559557829991</c:v>
+                </c:pt>
+                <c:pt idx="40">
+                  <c:v>6.4206721946564</c:v>
+                </c:pt>
+                <c:pt idx="41">
+                  <c:v>6.57936080330914</c:v>
+                </c:pt>
+                <c:pt idx="42">
+                  <c:v>6.50226983044214</c:v>
+                </c:pt>
+                <c:pt idx="43">
+                  <c:v>6.14581464099052</c:v>
+                </c:pt>
+                <c:pt idx="44">
+                  <c:v>6.19394422543569</c:v>
+                </c:pt>
+                <c:pt idx="45">
+                  <c:v>6.36965170412678</c:v>
+                </c:pt>
+                <c:pt idx="46">
+                  <c:v>6.81336452543562</c:v>
+                </c:pt>
+                <c:pt idx="47">
+                  <c:v>7.2568417142016</c:v>
+                </c:pt>
+                <c:pt idx="48">
+                  <c:v>7.59465679311927</c:v>
+                </c:pt>
+                <c:pt idx="49">
+                  <c:v>7.90328279700734</c:v>
+                </c:pt>
+                <c:pt idx="50">
+                  <c:v>7.93810487200718</c:v>
+                </c:pt>
+                <c:pt idx="51">
+                  <c:v>7.46752976616683</c:v>
+                </c:pt>
+                <c:pt idx="52">
+                  <c:v>7.32039749869558</c:v>
+                </c:pt>
+                <c:pt idx="53">
+                  <c:v>7.32325514362993</c:v>
+                </c:pt>
+                <c:pt idx="54">
+                  <c:v>7.62610713551169</c:v>
+                </c:pt>
+                <c:pt idx="55">
+                  <c:v>8.11442618946058</c:v>
+                </c:pt>
+                <c:pt idx="56">
+                  <c:v>9.17773937887401</c:v>
+                </c:pt>
+                <c:pt idx="57">
+                  <c:v>10.3253313011582</c:v>
+                </c:pt>
+                <c:pt idx="58">
+                  <c:v>10.0840062415568</c:v>
+                </c:pt>
+                <c:pt idx="59">
+                  <c:v>9.3154576073911</c:v>
+                </c:pt>
+                <c:pt idx="60">
+                  <c:v>8.97588076302519</c:v>
+                </c:pt>
+                <c:pt idx="61">
+                  <c:v>9.06075416235041</c:v>
+                </c:pt>
+                <c:pt idx="62">
+                  <c:v>9.631998271730859</c:v>
+                </c:pt>
+              </c:numCache>
+            </c:numRef>
+          </c:val>
+          <c:smooth val="0"/>
+        </c:ser>
+        <c:dLbls>
+          <c:showLegendKey val="0"/>
+          <c:showVal val="0"/>
+          <c:showCatName val="0"/>
+          <c:showSerName val="0"/>
+          <c:showPercent val="0"/>
+          <c:showBubbleSize val="0"/>
+        </c:dLbls>
+        <c:marker val="1"/>
+        <c:smooth val="0"/>
+        <c:axId val="-2147119848"/>
+        <c:axId val="-2147139304"/>
+      </c:lineChart>
+      <c:dateAx>
+        <c:axId val="-2147119848"/>
+        <c:scaling>
+          <c:orientation val="minMax"/>
+        </c:scaling>
+        <c:delete val="0"/>
+        <c:axPos val="b"/>
+        <c:numFmt formatCode="mmm\-yy" sourceLinked="1"/>
+        <c:majorTickMark val="out"/>
+        <c:minorTickMark val="none"/>
+        <c:tickLblPos val="nextTo"/>
+        <c:crossAx val="-2147139304"/>
+        <c:crosses val="autoZero"/>
+        <c:auto val="1"/>
+        <c:lblOffset val="100"/>
+        <c:baseTimeUnit val="months"/>
+      </c:dateAx>
+      <c:valAx>
+        <c:axId val="-2147139304"/>
+        <c:scaling>
+          <c:orientation val="minMax"/>
+        </c:scaling>
+        <c:delete val="0"/>
+        <c:axPos val="l"/>
+        <c:majorGridlines/>
+        <c:numFmt formatCode="General" sourceLinked="1"/>
+        <c:majorTickMark val="out"/>
+        <c:minorTickMark val="none"/>
+        <c:tickLblPos val="nextTo"/>
+        <c:crossAx val="-2147119848"/>
+        <c:crosses val="autoZero"/>
+        <c:crossBetween val="between"/>
+      </c:valAx>
+    </c:plotArea>
+    <c:legend>
+      <c:legendPos val="r"/>
+      <c:layout/>
+      <c:overlay val="0"/>
+    </c:legend>
+    <c:plotVisOnly val="1"/>
+    <c:dispBlanksAs val="gap"/>
+    <c:showDLblsOverMax val="0"/>
+  </c:chart>
+  <c:externalData r:id="rId1">
+    <c:autoUpdate val="0"/>
+  </c:externalData>
+</c:chartSpace>
+</file>
+
+<file path=ppt/charts/chart5.xml><?xml version="1.0" encoding="utf-8"?>
+<c:chartSpace xmlns:c="http://schemas.openxmlformats.org/drawingml/2006/chart" xmlns:a="http://schemas.openxmlformats.org/drawingml/2006/main" xmlns:r="http://schemas.openxmlformats.org/officeDocument/2006/relationships">
+  <c:date1904 val="0"/>
+  <c:lang val="en-US"/>
+  <c:roundedCorners val="0"/>
+  <mc:AlternateContent xmlns:mc="http://schemas.openxmlformats.org/markup-compatibility/2006">
+    <mc:Choice xmlns:c14="http://schemas.microsoft.com/office/drawing/2007/8/2/chart" Requires="c14">
+      <c14:style val="118"/>
+    </mc:Choice>
+    <mc:Fallback>
+      <c:style val="18"/>
+    </mc:Fallback>
+  </mc:AlternateContent>
+  <c:chart>
+    <c:autoTitleDeleted val="0"/>
+    <c:plotArea>
+      <c:layout/>
+      <c:lineChart>
+        <c:grouping val="standard"/>
+        <c:varyColors val="0"/>
+        <c:ser>
+          <c:idx val="0"/>
+          <c:order val="0"/>
+          <c:tx>
+            <c:strRef>
               <c:f>NoPeaks!$A$1</c:f>
               <c:strCache>
                 <c:ptCount val="1"/>
@@ -4622,7 +8574,7 @@
 </c:chartSpace>
 </file>
 
-<file path=ppt/charts/chart3.xml><?xml version="1.0" encoding="utf-8"?>
+<file path=ppt/charts/chart6.xml><?xml version="1.0" encoding="utf-8"?>
 <c:chartSpace xmlns:c="http://schemas.openxmlformats.org/drawingml/2006/chart" xmlns:a="http://schemas.openxmlformats.org/drawingml/2006/main" xmlns:r="http://schemas.openxmlformats.org/officeDocument/2006/relationships">
   <c:date1904 val="0"/>
   <c:lang val="en-US"/>
@@ -5138,7 +9090,7 @@
 </c:chartSpace>
 </file>
 
-<file path=ppt/charts/chart4.xml><?xml version="1.0" encoding="utf-8"?>
+<file path=ppt/charts/chart7.xml><?xml version="1.0" encoding="utf-8"?>
 <c:chartSpace xmlns:c="http://schemas.openxmlformats.org/drawingml/2006/chart" xmlns:a="http://schemas.openxmlformats.org/drawingml/2006/main" xmlns:r="http://schemas.openxmlformats.org/officeDocument/2006/relationships">
   <c:date1904 val="0"/>
   <c:lang val="en-US"/>
@@ -5654,7 +9606,7 @@
 </c:chartSpace>
 </file>
 
-<file path=ppt/charts/chart5.xml><?xml version="1.0" encoding="utf-8"?>
+<file path=ppt/charts/chart8.xml><?xml version="1.0" encoding="utf-8"?>
 <c:chartSpace xmlns:c="http://schemas.openxmlformats.org/drawingml/2006/chart" xmlns:a="http://schemas.openxmlformats.org/drawingml/2006/main" xmlns:r="http://schemas.openxmlformats.org/officeDocument/2006/relationships">
   <c:date1904 val="0"/>
   <c:lang val="en-US"/>
@@ -6170,7 +10122,7 @@
 </c:chartSpace>
 </file>
 
-<file path=ppt/charts/chart6.xml><?xml version="1.0" encoding="utf-8"?>
+<file path=ppt/charts/chart9.xml><?xml version="1.0" encoding="utf-8"?>
 <c:chartSpace xmlns:c="http://schemas.openxmlformats.org/drawingml/2006/chart" xmlns:a="http://schemas.openxmlformats.org/drawingml/2006/main" xmlns:r="http://schemas.openxmlformats.org/officeDocument/2006/relationships">
   <c:date1904 val="0"/>
   <c:lang val="en-US"/>
@@ -6667,1554 +10619,6 @@
         <c:minorTickMark val="none"/>
         <c:tickLblPos val="nextTo"/>
         <c:crossAx val="-2144633352"/>
-        <c:crosses val="autoZero"/>
-        <c:crossBetween val="between"/>
-      </c:valAx>
-    </c:plotArea>
-    <c:legend>
-      <c:legendPos val="r"/>
-      <c:layout/>
-      <c:overlay val="0"/>
-    </c:legend>
-    <c:plotVisOnly val="1"/>
-    <c:dispBlanksAs val="gap"/>
-    <c:showDLblsOverMax val="0"/>
-  </c:chart>
-  <c:externalData r:id="rId1">
-    <c:autoUpdate val="0"/>
-  </c:externalData>
-</c:chartSpace>
-</file>
-
-<file path=ppt/charts/chart7.xml><?xml version="1.0" encoding="utf-8"?>
-<c:chartSpace xmlns:c="http://schemas.openxmlformats.org/drawingml/2006/chart" xmlns:a="http://schemas.openxmlformats.org/drawingml/2006/main" xmlns:r="http://schemas.openxmlformats.org/officeDocument/2006/relationships">
-  <c:date1904 val="0"/>
-  <c:lang val="en-US"/>
-  <c:roundedCorners val="0"/>
-  <mc:AlternateContent xmlns:mc="http://schemas.openxmlformats.org/markup-compatibility/2006">
-    <mc:Choice xmlns:c14="http://schemas.microsoft.com/office/drawing/2007/8/2/chart" Requires="c14">
-      <c14:style val="118"/>
-    </mc:Choice>
-    <mc:Fallback>
-      <c:style val="18"/>
-    </mc:Fallback>
-  </mc:AlternateContent>
-  <c:chart>
-    <c:autoTitleDeleted val="0"/>
-    <c:plotArea>
-      <c:layout/>
-      <c:lineChart>
-        <c:grouping val="standard"/>
-        <c:varyColors val="0"/>
-        <c:ser>
-          <c:idx val="0"/>
-          <c:order val="0"/>
-          <c:tx>
-            <c:strRef>
-              <c:f>NoPeaks!$K$1</c:f>
-              <c:strCache>
-                <c:ptCount val="1"/>
-                <c:pt idx="0">
-                  <c:v>VAR03realMean_c1</c:v>
-                </c:pt>
-              </c:strCache>
-            </c:strRef>
-          </c:tx>
-          <c:marker>
-            <c:symbol val="none"/>
-          </c:marker>
-          <c:val>
-            <c:numRef>
-              <c:f>NoPeaks!$K$2:$K$64</c:f>
-              <c:numCache>
-                <c:formatCode>General</c:formatCode>
-                <c:ptCount val="63"/>
-                <c:pt idx="0">
-                  <c:v>2687.33116360454</c:v>
-                </c:pt>
-                <c:pt idx="1">
-                  <c:v>2785.78357990867</c:v>
-                </c:pt>
-                <c:pt idx="2">
-                  <c:v>3206.56366925064</c:v>
-                </c:pt>
-                <c:pt idx="3">
-                  <c:v>2586.27983317886</c:v>
-                </c:pt>
-                <c:pt idx="4">
-                  <c:v>3227.90061240934</c:v>
-                </c:pt>
-                <c:pt idx="5">
-                  <c:v>2566.61122194513</c:v>
-                </c:pt>
-                <c:pt idx="6">
-                  <c:v>2284.38045801526</c:v>
-                </c:pt>
-                <c:pt idx="7">
-                  <c:v>3453.16484574868</c:v>
-                </c:pt>
-                <c:pt idx="8">
-                  <c:v>2872.85757289204</c:v>
-                </c:pt>
-                <c:pt idx="9">
-                  <c:v>2840.57854181558</c:v>
-                </c:pt>
-                <c:pt idx="10">
-                  <c:v>2925.74314522197</c:v>
-                </c:pt>
-                <c:pt idx="11">
-                  <c:v>2765.19934868943</c:v>
-                </c:pt>
-                <c:pt idx="12">
-                  <c:v>2667.70926482213</c:v>
-                </c:pt>
-                <c:pt idx="13">
-                  <c:v>1787.88682011935</c:v>
-                </c:pt>
-                <c:pt idx="14">
-                  <c:v>1727.23059778597</c:v>
-                </c:pt>
-                <c:pt idx="15">
-                  <c:v>1897.19126593033</c:v>
-                </c:pt>
-                <c:pt idx="16">
-                  <c:v>2478.52806361085</c:v>
-                </c:pt>
-                <c:pt idx="17">
-                  <c:v>1541.51084808946</c:v>
-                </c:pt>
-                <c:pt idx="18">
-                  <c:v>1853.34745694022</c:v>
-                </c:pt>
-                <c:pt idx="19">
-                  <c:v>1501.12431957857</c:v>
-                </c:pt>
-                <c:pt idx="20">
-                  <c:v>2774.84859357696</c:v>
-                </c:pt>
-                <c:pt idx="21">
-                  <c:v>2562.09928825622</c:v>
-                </c:pt>
-                <c:pt idx="22">
-                  <c:v>1620.27636363636</c:v>
-                </c:pt>
-                <c:pt idx="23">
-                  <c:v>1209.19585845347</c:v>
-                </c:pt>
-                <c:pt idx="24">
-                  <c:v>1389.60142142142</c:v>
-                </c:pt>
-                <c:pt idx="25">
-                  <c:v>1936.91390013495</c:v>
-                </c:pt>
-                <c:pt idx="26">
-                  <c:v>1737.89475035663</c:v>
-                </c:pt>
-                <c:pt idx="27">
-                  <c:v>1900.89849006622</c:v>
-                </c:pt>
-                <c:pt idx="28">
-                  <c:v>2249.72990126939</c:v>
-                </c:pt>
-                <c:pt idx="29">
-                  <c:v>1341.24210945273</c:v>
-                </c:pt>
-                <c:pt idx="30">
-                  <c:v>1855.79208976157</c:v>
-                </c:pt>
-                <c:pt idx="31">
-                  <c:v>1760.40691588785</c:v>
-                </c:pt>
-                <c:pt idx="32">
-                  <c:v>2325.34123039807</c:v>
-                </c:pt>
-                <c:pt idx="33">
-                  <c:v>987.42784473953</c:v>
-                </c:pt>
-                <c:pt idx="34">
-                  <c:v>1277.52688097306</c:v>
-                </c:pt>
-                <c:pt idx="35">
-                  <c:v>1885.22298932384</c:v>
-                </c:pt>
-                <c:pt idx="36">
-                  <c:v>1903.98988929889</c:v>
-                </c:pt>
-                <c:pt idx="37">
-                  <c:v>1265.33484390735</c:v>
-                </c:pt>
-                <c:pt idx="38">
-                  <c:v>1900.52136698212</c:v>
-                </c:pt>
-                <c:pt idx="39">
-                  <c:v>1486.03903536977</c:v>
-                </c:pt>
-                <c:pt idx="40">
-                  <c:v>1654.92246424642</c:v>
-                </c:pt>
-                <c:pt idx="41">
-                  <c:v>1482.26511263467</c:v>
-                </c:pt>
-                <c:pt idx="42">
-                  <c:v>3748.01374625374</c:v>
-                </c:pt>
-                <c:pt idx="43">
-                  <c:v>1735.06969014084</c:v>
-                </c:pt>
-                <c:pt idx="44">
-                  <c:v>1877.6536189608</c:v>
-                </c:pt>
-                <c:pt idx="45">
-                  <c:v>1877.22022988505</c:v>
-                </c:pt>
-                <c:pt idx="46">
-                  <c:v>1605.07801220575</c:v>
-                </c:pt>
-                <c:pt idx="47">
-                  <c:v>1750.06628262826</c:v>
-                </c:pt>
-                <c:pt idx="48">
-                  <c:v>2026.56896675651</c:v>
-                </c:pt>
-                <c:pt idx="49">
-                  <c:v>1336.44062792251</c:v>
-                </c:pt>
-                <c:pt idx="50">
-                  <c:v>1913.31436909871</c:v>
-                </c:pt>
-                <c:pt idx="51">
-                  <c:v>1500.47972003499</c:v>
-                </c:pt>
-                <c:pt idx="52">
-                  <c:v>1331.30127067014</c:v>
-                </c:pt>
-                <c:pt idx="53">
-                  <c:v>1834.46733386709</c:v>
-                </c:pt>
-                <c:pt idx="54">
-                  <c:v>1945.89302642796</c:v>
-                </c:pt>
-                <c:pt idx="55">
-                  <c:v>3820.98679900744</c:v>
-                </c:pt>
-                <c:pt idx="56">
-                  <c:v>1832.5182328654</c:v>
-                </c:pt>
-                <c:pt idx="57">
-                  <c:v>1610.12348576358</c:v>
-                </c:pt>
-                <c:pt idx="58">
-                  <c:v>3357.90997140133</c:v>
-                </c:pt>
-                <c:pt idx="59">
-                  <c:v>2274.66252054794</c:v>
-                </c:pt>
-                <c:pt idx="60">
-                  <c:v>1780.83446932813</c:v>
-                </c:pt>
-                <c:pt idx="61">
-                  <c:v>1362.19191416309</c:v>
-                </c:pt>
-                <c:pt idx="62">
-                  <c:v>1754.29804238143</c:v>
-                </c:pt>
-              </c:numCache>
-            </c:numRef>
-          </c:val>
-          <c:smooth val="0"/>
-        </c:ser>
-        <c:ser>
-          <c:idx val="1"/>
-          <c:order val="1"/>
-          <c:tx>
-            <c:strRef>
-              <c:f>NoPeaks!$L$1</c:f>
-              <c:strCache>
-                <c:ptCount val="1"/>
-                <c:pt idx="0">
-                  <c:v>VAR03learntMean_c1</c:v>
-                </c:pt>
-              </c:strCache>
-            </c:strRef>
-          </c:tx>
-          <c:marker>
-            <c:symbol val="none"/>
-          </c:marker>
-          <c:val>
-            <c:numRef>
-              <c:f>NoPeaks!$L$2:$L$64</c:f>
-              <c:numCache>
-                <c:formatCode>General</c:formatCode>
-                <c:ptCount val="63"/>
-                <c:pt idx="0">
-                  <c:v>2686.08543360186</c:v>
-                </c:pt>
-                <c:pt idx="1">
-                  <c:v>2758.01608197932</c:v>
-                </c:pt>
-                <c:pt idx="2">
-                  <c:v>2964.86514354453</c:v>
-                </c:pt>
-                <c:pt idx="3">
-                  <c:v>2818.70904011745</c:v>
-                </c:pt>
-                <c:pt idx="4">
-                  <c:v>2913.14841571319</c:v>
-                </c:pt>
-                <c:pt idx="5">
-                  <c:v>2827.67852585052</c:v>
-                </c:pt>
-                <c:pt idx="6">
-                  <c:v>2687.12772700384</c:v>
-                </c:pt>
-                <c:pt idx="7">
-                  <c:v>2875.0265563501</c:v>
-                </c:pt>
-                <c:pt idx="8">
-                  <c:v>2874.71434722437</c:v>
-                </c:pt>
-                <c:pt idx="9">
-                  <c:v>2867.68977489151</c:v>
-                </c:pt>
-                <c:pt idx="10">
-                  <c:v>2878.3945130718</c:v>
-                </c:pt>
-                <c:pt idx="11">
-                  <c:v>2857.55489530428</c:v>
-                </c:pt>
-                <c:pt idx="12">
-                  <c:v>2822.45322753508</c:v>
-                </c:pt>
-                <c:pt idx="13">
-                  <c:v>2636.32151798036</c:v>
-                </c:pt>
-                <c:pt idx="14">
-                  <c:v>2425.31143714572</c:v>
-                </c:pt>
-                <c:pt idx="15">
-                  <c:v>2300.73749181126</c:v>
-                </c:pt>
-                <c:pt idx="16">
-                  <c:v>2294.74958665812</c:v>
-                </c:pt>
-                <c:pt idx="17">
-                  <c:v>2145.26346660657</c:v>
-                </c:pt>
-                <c:pt idx="18">
-                  <c:v>2092.51940268003</c:v>
-                </c:pt>
-                <c:pt idx="19">
-                  <c:v>2004.86551980971</c:v>
-                </c:pt>
-                <c:pt idx="20">
-                  <c:v>2119.52006367361</c:v>
-                </c:pt>
-                <c:pt idx="21">
-                  <c:v>2182.07515165618</c:v>
-                </c:pt>
-                <c:pt idx="22">
-                  <c:v>2157.64132175661</c:v>
-                </c:pt>
-                <c:pt idx="23">
-                  <c:v>2074.5548122749</c:v>
-                </c:pt>
-                <c:pt idx="24">
-                  <c:v>1971.43575816965</c:v>
-                </c:pt>
-                <c:pt idx="25">
-                  <c:v>1927.32738707907</c:v>
-                </c:pt>
-                <c:pt idx="26">
-                  <c:v>1865.72849665317</c:v>
-                </c:pt>
-                <c:pt idx="27">
-                  <c:v>1836.86120968341</c:v>
-                </c:pt>
-                <c:pt idx="28">
-                  <c:v>1860.80085650586</c:v>
-                </c:pt>
-                <c:pt idx="29">
-                  <c:v>1816.05974073987</c:v>
-                </c:pt>
-                <c:pt idx="30">
-                  <c:v>1846.53780494998</c:v>
-                </c:pt>
-                <c:pt idx="31">
-                  <c:v>1862.59992539733</c:v>
-                </c:pt>
-                <c:pt idx="32">
-                  <c:v>1925.73259713456</c:v>
-                </c:pt>
-                <c:pt idx="33">
-                  <c:v>1824.98938698778</c:v>
-                </c:pt>
-                <c:pt idx="34">
-                  <c:v>1723.34272264096</c:v>
-                </c:pt>
-                <c:pt idx="35">
-                  <c:v>1694.40783183557</c:v>
-                </c:pt>
-                <c:pt idx="36">
-                  <c:v>1666.1524097326</c:v>
-                </c:pt>
-                <c:pt idx="37">
-                  <c:v>1632.8706546276</c:v>
-                </c:pt>
-                <c:pt idx="38">
-                  <c:v>1646.3516826089</c:v>
-                </c:pt>
-                <c:pt idx="39">
-                  <c:v>1657.22273231753</c:v>
-                </c:pt>
-                <c:pt idx="40">
-                  <c:v>1671.37820814684</c:v>
-                </c:pt>
-                <c:pt idx="41">
-                  <c:v>1683.79753747155</c:v>
-                </c:pt>
-                <c:pt idx="42">
-                  <c:v>1808.59370231085</c:v>
-                </c:pt>
-                <c:pt idx="43">
-                  <c:v>1765.94846266312</c:v>
-                </c:pt>
-                <c:pt idx="44">
-                  <c:v>1726.86067896316</c:v>
-                </c:pt>
-                <c:pt idx="45">
-                  <c:v>1716.01308487604</c:v>
-                </c:pt>
-                <c:pt idx="46">
-                  <c:v>1679.63937936973</c:v>
-                </c:pt>
-                <c:pt idx="47">
-                  <c:v>1690.90258905564</c:v>
-                </c:pt>
-                <c:pt idx="48">
-                  <c:v>1737.32154902447</c:v>
-                </c:pt>
-                <c:pt idx="49">
-                  <c:v>1720.41280192885</c:v>
-                </c:pt>
-                <c:pt idx="50">
-                  <c:v>1729.69343469993</c:v>
-                </c:pt>
-                <c:pt idx="51">
-                  <c:v>1686.17894579155</c:v>
-                </c:pt>
-                <c:pt idx="52">
-                  <c:v>1637.57962923254</c:v>
-                </c:pt>
-                <c:pt idx="53">
-                  <c:v>1657.05323906955</c:v>
-                </c:pt>
-                <c:pt idx="54">
-                  <c:v>1674.25555850936</c:v>
-                </c:pt>
-                <c:pt idx="55">
-                  <c:v>1827.87059783915</c:v>
-                </c:pt>
-                <c:pt idx="56">
-                  <c:v>1848.18137294915</c:v>
-                </c:pt>
-                <c:pt idx="57">
-                  <c:v>1863.86971828687</c:v>
-                </c:pt>
-                <c:pt idx="58">
-                  <c:v>1909.54726840047</c:v>
-                </c:pt>
-                <c:pt idx="59">
-                  <c:v>1922.9569237901</c:v>
-                </c:pt>
-                <c:pt idx="60">
-                  <c:v>1898.96483357835</c:v>
-                </c:pt>
-                <c:pt idx="61">
-                  <c:v>1871.71093555438</c:v>
-                </c:pt>
-                <c:pt idx="62">
-                  <c:v>1869.13481456998</c:v>
-                </c:pt>
-              </c:numCache>
-            </c:numRef>
-          </c:val>
-          <c:smooth val="0"/>
-        </c:ser>
-        <c:dLbls>
-          <c:showLegendKey val="0"/>
-          <c:showVal val="0"/>
-          <c:showCatName val="0"/>
-          <c:showSerName val="0"/>
-          <c:showPercent val="0"/>
-          <c:showBubbleSize val="0"/>
-        </c:dLbls>
-        <c:marker val="1"/>
-        <c:smooth val="0"/>
-        <c:axId val="-2142984232"/>
-        <c:axId val="-2143004584"/>
-      </c:lineChart>
-      <c:catAx>
-        <c:axId val="-2142984232"/>
-        <c:scaling>
-          <c:orientation val="minMax"/>
-        </c:scaling>
-        <c:delete val="0"/>
-        <c:axPos val="b"/>
-        <c:majorTickMark val="out"/>
-        <c:minorTickMark val="none"/>
-        <c:tickLblPos val="nextTo"/>
-        <c:crossAx val="-2143004584"/>
-        <c:crosses val="autoZero"/>
-        <c:auto val="1"/>
-        <c:lblAlgn val="ctr"/>
-        <c:lblOffset val="100"/>
-        <c:noMultiLvlLbl val="0"/>
-      </c:catAx>
-      <c:valAx>
-        <c:axId val="-2143004584"/>
-        <c:scaling>
-          <c:orientation val="minMax"/>
-        </c:scaling>
-        <c:delete val="0"/>
-        <c:axPos val="l"/>
-        <c:majorGridlines/>
-        <c:numFmt formatCode="General" sourceLinked="1"/>
-        <c:majorTickMark val="out"/>
-        <c:minorTickMark val="none"/>
-        <c:tickLblPos val="nextTo"/>
-        <c:crossAx val="-2142984232"/>
-        <c:crosses val="autoZero"/>
-        <c:crossBetween val="between"/>
-      </c:valAx>
-    </c:plotArea>
-    <c:legend>
-      <c:legendPos val="r"/>
-      <c:layout/>
-      <c:overlay val="0"/>
-    </c:legend>
-    <c:plotVisOnly val="1"/>
-    <c:dispBlanksAs val="gap"/>
-    <c:showDLblsOverMax val="0"/>
-  </c:chart>
-  <c:externalData r:id="rId1">
-    <c:autoUpdate val="0"/>
-  </c:externalData>
-</c:chartSpace>
-</file>
-
-<file path=ppt/charts/chart8.xml><?xml version="1.0" encoding="utf-8"?>
-<c:chartSpace xmlns:c="http://schemas.openxmlformats.org/drawingml/2006/chart" xmlns:a="http://schemas.openxmlformats.org/drawingml/2006/main" xmlns:r="http://schemas.openxmlformats.org/officeDocument/2006/relationships">
-  <c:date1904 val="0"/>
-  <c:lang val="en-US"/>
-  <c:roundedCorners val="0"/>
-  <mc:AlternateContent xmlns:mc="http://schemas.openxmlformats.org/markup-compatibility/2006">
-    <mc:Choice xmlns:c14="http://schemas.microsoft.com/office/drawing/2007/8/2/chart" Requires="c14">
-      <c14:style val="118"/>
-    </mc:Choice>
-    <mc:Fallback>
-      <c:style val="18"/>
-    </mc:Fallback>
-  </mc:AlternateContent>
-  <c:chart>
-    <c:autoTitleDeleted val="0"/>
-    <c:plotArea>
-      <c:layout/>
-      <c:lineChart>
-        <c:grouping val="standard"/>
-        <c:varyColors val="0"/>
-        <c:ser>
-          <c:idx val="0"/>
-          <c:order val="0"/>
-          <c:tx>
-            <c:strRef>
-              <c:f>NoPeaks!$M$1</c:f>
-              <c:strCache>
-                <c:ptCount val="1"/>
-                <c:pt idx="0">
-                  <c:v>VAR04realMean_c0</c:v>
-                </c:pt>
-              </c:strCache>
-            </c:strRef>
-          </c:tx>
-          <c:marker>
-            <c:symbol val="none"/>
-          </c:marker>
-          <c:val>
-            <c:numRef>
-              <c:f>NoPeaks!$M$2:$M$64</c:f>
-              <c:numCache>
-                <c:formatCode>General</c:formatCode>
-                <c:ptCount val="63"/>
-                <c:pt idx="0">
-                  <c:v>7694.21171272814</c:v>
-                </c:pt>
-                <c:pt idx="1">
-                  <c:v>7828.55519804247</c:v>
-                </c:pt>
-                <c:pt idx="2">
-                  <c:v>7733.67179326886</c:v>
-                </c:pt>
-                <c:pt idx="3">
-                  <c:v>7446.26437989178</c:v>
-                </c:pt>
-                <c:pt idx="4">
-                  <c:v>7098.48968022133</c:v>
-                </c:pt>
-                <c:pt idx="5">
-                  <c:v>6749.95521058557</c:v>
-                </c:pt>
-                <c:pt idx="6">
-                  <c:v>6577.40987760912</c:v>
-                </c:pt>
-                <c:pt idx="7">
-                  <c:v>6808.08823173773</c:v>
-                </c:pt>
-                <c:pt idx="8">
-                  <c:v>6857.93660953426</c:v>
-                </c:pt>
-                <c:pt idx="9">
-                  <c:v>7002.7463913285</c:v>
-                </c:pt>
-                <c:pt idx="10">
-                  <c:v>6839.51986471658</c:v>
-                </c:pt>
-                <c:pt idx="11">
-                  <c:v>6892.05427954521</c:v>
-                </c:pt>
-                <c:pt idx="12">
-                  <c:v>6738.11065461615</c:v>
-                </c:pt>
-                <c:pt idx="13">
-                  <c:v>6527.95270386916</c:v>
-                </c:pt>
-                <c:pt idx="14">
-                  <c:v>6078.32396467676</c:v>
-                </c:pt>
-                <c:pt idx="15">
-                  <c:v>5824.8384385476</c:v>
-                </c:pt>
-                <c:pt idx="16">
-                  <c:v>5560.37533513424</c:v>
-                </c:pt>
-                <c:pt idx="17">
-                  <c:v>5903.9899468281</c:v>
-                </c:pt>
-                <c:pt idx="18">
-                  <c:v>6058.25454505332</c:v>
-                </c:pt>
-                <c:pt idx="19">
-                  <c:v>6261.28805328017</c:v>
-                </c:pt>
-                <c:pt idx="20">
-                  <c:v>6594.86620421412</c:v>
-                </c:pt>
-                <c:pt idx="21">
-                  <c:v>6768.60457411448</c:v>
-                </c:pt>
-                <c:pt idx="22">
-                  <c:v>6954.24134154924</c:v>
-                </c:pt>
-                <c:pt idx="23">
-                  <c:v>6833.91825740203</c:v>
-                </c:pt>
-                <c:pt idx="24">
-                  <c:v>6498.03653842321</c:v>
-                </c:pt>
-                <c:pt idx="25">
-                  <c:v>6225.57711357396</c:v>
-                </c:pt>
-                <c:pt idx="26">
-                  <c:v>6093.47841071248</c:v>
-                </c:pt>
-                <c:pt idx="27">
-                  <c:v>6270.54961710211</c:v>
-                </c:pt>
-                <c:pt idx="28">
-                  <c:v>6423.52863394221</c:v>
-                </c:pt>
-                <c:pt idx="29">
-                  <c:v>6787.17335275431</c:v>
-                </c:pt>
-                <c:pt idx="30">
-                  <c:v>7210.88754596436</c:v>
-                </c:pt>
-                <c:pt idx="31">
-                  <c:v>7312.91385547112</c:v>
-                </c:pt>
-                <c:pt idx="32">
-                  <c:v>7513.98561803452</c:v>
-                </c:pt>
-                <c:pt idx="33">
-                  <c:v>7132.91941213626</c:v>
-                </c:pt>
-                <c:pt idx="34">
-                  <c:v>6663.56093104635</c:v>
-                </c:pt>
-                <c:pt idx="35">
-                  <c:v>6475.39851390315</c:v>
-                </c:pt>
-                <c:pt idx="36">
-                  <c:v>6236.59385651162</c:v>
-                </c:pt>
-                <c:pt idx="37">
-                  <c:v>6694.36739455941</c:v>
-                </c:pt>
-                <c:pt idx="38">
-                  <c:v>6740.92039735835</c:v>
-                </c:pt>
-                <c:pt idx="39">
-                  <c:v>7196.10663719397</c:v>
-                </c:pt>
-                <c:pt idx="40">
-                  <c:v>7301.6630473385</c:v>
-                </c:pt>
-                <c:pt idx="41">
-                  <c:v>7405.44074767126</c:v>
-                </c:pt>
-                <c:pt idx="42">
-                  <c:v>7162.11024270825</c:v>
-                </c:pt>
-                <c:pt idx="43">
-                  <c:v>6464.89779929553</c:v>
-                </c:pt>
-                <c:pt idx="44">
-                  <c:v>6351.9861344894</c:v>
-                </c:pt>
-                <c:pt idx="45">
-                  <c:v>6585.46084308944</c:v>
-                </c:pt>
-                <c:pt idx="46">
-                  <c:v>6706.87790375759</c:v>
-                </c:pt>
-                <c:pt idx="47">
-                  <c:v>7334.54933734216</c:v>
-                </c:pt>
-                <c:pt idx="48">
-                  <c:v>7531.8943808341</c:v>
-                </c:pt>
-                <c:pt idx="49">
-                  <c:v>7476.59209485852</c:v>
-                </c:pt>
-                <c:pt idx="50">
-                  <c:v>7462.57739260835</c:v>
-                </c:pt>
-                <c:pt idx="51">
-                  <c:v>6661.53681191694</c:v>
-                </c:pt>
-                <c:pt idx="52">
-                  <c:v>6586.99486057685</c:v>
-                </c:pt>
-                <c:pt idx="53">
-                  <c:v>6945.7789788785</c:v>
-                </c:pt>
-                <c:pt idx="54">
-                  <c:v>7273.13163668445</c:v>
-                </c:pt>
-                <c:pt idx="55">
-                  <c:v>7881.22797444528</c:v>
-                </c:pt>
-                <c:pt idx="56">
-                  <c:v>8266.1906118676</c:v>
-                </c:pt>
-                <c:pt idx="57">
-                  <c:v>8457.401774609431</c:v>
-                </c:pt>
-                <c:pt idx="58">
-                  <c:v>8181.63592319347</c:v>
-                </c:pt>
-                <c:pt idx="59">
-                  <c:v>7607.60597662911</c:v>
-                </c:pt>
-                <c:pt idx="60">
-                  <c:v>7540.37932172583</c:v>
-                </c:pt>
-                <c:pt idx="61">
-                  <c:v>7843.41774695486</c:v>
-                </c:pt>
-                <c:pt idx="62">
-                  <c:v>8402.556977908251</c:v>
-                </c:pt>
-              </c:numCache>
-            </c:numRef>
-          </c:val>
-          <c:smooth val="0"/>
-        </c:ser>
-        <c:ser>
-          <c:idx val="1"/>
-          <c:order val="1"/>
-          <c:tx>
-            <c:strRef>
-              <c:f>NoPeaks!$N$1</c:f>
-              <c:strCache>
-                <c:ptCount val="1"/>
-                <c:pt idx="0">
-                  <c:v>VAR04learntMean_c0</c:v>
-                </c:pt>
-              </c:strCache>
-            </c:strRef>
-          </c:tx>
-          <c:marker>
-            <c:symbol val="none"/>
-          </c:marker>
-          <c:val>
-            <c:numRef>
-              <c:f>NoPeaks!$N$2:$N$64</c:f>
-              <c:numCache>
-                <c:formatCode>General</c:formatCode>
-                <c:ptCount val="63"/>
-                <c:pt idx="0">
-                  <c:v>7695.7140322161</c:v>
-                </c:pt>
-                <c:pt idx="1">
-                  <c:v>7784.89185575571</c:v>
-                </c:pt>
-                <c:pt idx="2">
-                  <c:v>7757.77546354365</c:v>
-                </c:pt>
-                <c:pt idx="3">
-                  <c:v>7629.62949795957</c:v>
-                </c:pt>
-                <c:pt idx="4">
-                  <c:v>7420.66072940442</c:v>
-                </c:pt>
-                <c:pt idx="5">
-                  <c:v>7182.90685226266</c:v>
-                </c:pt>
-                <c:pt idx="6">
-                  <c:v>6978.38267408951</c:v>
-                </c:pt>
-                <c:pt idx="7">
-                  <c:v>6927.97464193859</c:v>
-                </c:pt>
-                <c:pt idx="8">
-                  <c:v>6905.09635931539</c:v>
-                </c:pt>
-                <c:pt idx="9">
-                  <c:v>6925.88516054591</c:v>
-                </c:pt>
-                <c:pt idx="10">
-                  <c:v>6896.55743327611</c:v>
-                </c:pt>
-                <c:pt idx="11">
-                  <c:v>6881.65138135161</c:v>
-                </c:pt>
-                <c:pt idx="12">
-                  <c:v>6838.48259176657</c:v>
-                </c:pt>
-                <c:pt idx="13">
-                  <c:v>6747.54507959365</c:v>
-                </c:pt>
-                <c:pt idx="14">
-                  <c:v>6564.03197563376</c:v>
-                </c:pt>
-                <c:pt idx="15">
-                  <c:v>6372.53512955731</c:v>
-                </c:pt>
-                <c:pt idx="16">
-                  <c:v>6132.61290144952</c:v>
-                </c:pt>
-                <c:pt idx="17">
-                  <c:v>6057.50110290833</c:v>
-                </c:pt>
-                <c:pt idx="18">
-                  <c:v>6044.36074755168</c:v>
-                </c:pt>
-                <c:pt idx="19">
-                  <c:v>6098.24555447676</c:v>
-                </c:pt>
-                <c:pt idx="20">
-                  <c:v>6207.45709776357</c:v>
-                </c:pt>
-                <c:pt idx="21">
-                  <c:v>6307.91812402144</c:v>
-                </c:pt>
-                <c:pt idx="22">
-                  <c:v>6422.86296896232</c:v>
-                </c:pt>
-                <c:pt idx="23">
-                  <c:v>6456.09222505439</c:v>
-                </c:pt>
-                <c:pt idx="24">
-                  <c:v>6418.44893345237</c:v>
-                </c:pt>
-                <c:pt idx="25">
-                  <c:v>6343.75820186404</c:v>
-                </c:pt>
-                <c:pt idx="26">
-                  <c:v>6256.43491792965</c:v>
-                </c:pt>
-                <c:pt idx="27">
-                  <c:v>6214.7339164793</c:v>
-                </c:pt>
-                <c:pt idx="28">
-                  <c:v>6221.09375842845</c:v>
-                </c:pt>
-                <c:pt idx="29">
-                  <c:v>6294.62758263153</c:v>
-                </c:pt>
-                <c:pt idx="30">
-                  <c:v>6407.56481532786</c:v>
-                </c:pt>
-                <c:pt idx="31">
-                  <c:v>6505.23746120889</c:v>
-                </c:pt>
-                <c:pt idx="32">
-                  <c:v>6610.0862929725</c:v>
-                </c:pt>
-                <c:pt idx="33">
-                  <c:v>6625.81893303793</c:v>
-                </c:pt>
-                <c:pt idx="34">
-                  <c:v>6582.27126503221</c:v>
-                </c:pt>
-                <c:pt idx="35">
-                  <c:v>6532.89869785697</c:v>
-                </c:pt>
-                <c:pt idx="36">
-                  <c:v>6465.21812523554</c:v>
-                </c:pt>
-                <c:pt idx="37">
-                  <c:v>6486.32237710227</c:v>
-                </c:pt>
-                <c:pt idx="38">
-                  <c:v>6493.9481966545</c:v>
-                </c:pt>
-                <c:pt idx="39">
-                  <c:v>6562.54238166842</c:v>
-                </c:pt>
-                <c:pt idx="40">
-                  <c:v>6620.42152799693</c:v>
-                </c:pt>
-                <c:pt idx="41">
-                  <c:v>6689.7024238391</c:v>
-                </c:pt>
-                <c:pt idx="42">
-                  <c:v>6713.10036352216</c:v>
-                </c:pt>
-                <c:pt idx="43">
-                  <c:v>6663.14925503929</c:v>
-                </c:pt>
-                <c:pt idx="44">
-                  <c:v>6599.53061306916</c:v>
-                </c:pt>
-                <c:pt idx="45">
-                  <c:v>6576.82503965075</c:v>
-                </c:pt>
-                <c:pt idx="46">
-                  <c:v>6557.12119457358</c:v>
-                </c:pt>
-                <c:pt idx="47">
-                  <c:v>6608.85355620803</c:v>
-                </c:pt>
-                <c:pt idx="48">
-                  <c:v>6682.21214543166</c:v>
-                </c:pt>
-                <c:pt idx="49">
-                  <c:v>6740.85381081911</c:v>
-                </c:pt>
-                <c:pt idx="50">
-                  <c:v>6774.38889701493</c:v>
-                </c:pt>
-                <c:pt idx="51">
-                  <c:v>6744.07264269675</c:v>
-                </c:pt>
-                <c:pt idx="52">
-                  <c:v>6714.62474864722</c:v>
-                </c:pt>
-                <c:pt idx="53">
-                  <c:v>6731.2591870353</c:v>
-                </c:pt>
-                <c:pt idx="54">
-                  <c:v>6756.87427636299</c:v>
-                </c:pt>
-                <c:pt idx="55">
-                  <c:v>6836.5009746102</c:v>
-                </c:pt>
-                <c:pt idx="56">
-                  <c:v>6916.0093408313</c:v>
-                </c:pt>
-                <c:pt idx="57">
-                  <c:v>7000.34588145554</c:v>
-                </c:pt>
-                <c:pt idx="58">
-                  <c:v>7033.09942929489</c:v>
-                </c:pt>
-                <c:pt idx="59">
-                  <c:v>7053.59496704628</c:v>
-                </c:pt>
-                <c:pt idx="60">
-                  <c:v>7058.71853244927</c:v>
-                </c:pt>
-                <c:pt idx="61">
-                  <c:v>7087.60934231537</c:v>
-                </c:pt>
-                <c:pt idx="62">
-                  <c:v>7137.04907257257</c:v>
-                </c:pt>
-              </c:numCache>
-            </c:numRef>
-          </c:val>
-          <c:smooth val="0"/>
-        </c:ser>
-        <c:dLbls>
-          <c:showLegendKey val="0"/>
-          <c:showVal val="0"/>
-          <c:showCatName val="0"/>
-          <c:showSerName val="0"/>
-          <c:showPercent val="0"/>
-          <c:showBubbleSize val="0"/>
-        </c:dLbls>
-        <c:marker val="1"/>
-        <c:smooth val="0"/>
-        <c:axId val="-2142909608"/>
-        <c:axId val="-2142906632"/>
-      </c:lineChart>
-      <c:catAx>
-        <c:axId val="-2142909608"/>
-        <c:scaling>
-          <c:orientation val="minMax"/>
-        </c:scaling>
-        <c:delete val="0"/>
-        <c:axPos val="b"/>
-        <c:majorTickMark val="out"/>
-        <c:minorTickMark val="none"/>
-        <c:tickLblPos val="nextTo"/>
-        <c:crossAx val="-2142906632"/>
-        <c:crosses val="autoZero"/>
-        <c:auto val="1"/>
-        <c:lblAlgn val="ctr"/>
-        <c:lblOffset val="100"/>
-        <c:noMultiLvlLbl val="0"/>
-      </c:catAx>
-      <c:valAx>
-        <c:axId val="-2142906632"/>
-        <c:scaling>
-          <c:orientation val="minMax"/>
-        </c:scaling>
-        <c:delete val="0"/>
-        <c:axPos val="l"/>
-        <c:majorGridlines/>
-        <c:numFmt formatCode="General" sourceLinked="1"/>
-        <c:majorTickMark val="out"/>
-        <c:minorTickMark val="none"/>
-        <c:tickLblPos val="nextTo"/>
-        <c:crossAx val="-2142909608"/>
-        <c:crosses val="autoZero"/>
-        <c:crossBetween val="between"/>
-      </c:valAx>
-    </c:plotArea>
-    <c:legend>
-      <c:legendPos val="r"/>
-      <c:layout/>
-      <c:overlay val="0"/>
-    </c:legend>
-    <c:plotVisOnly val="1"/>
-    <c:dispBlanksAs val="gap"/>
-    <c:showDLblsOverMax val="0"/>
-  </c:chart>
-  <c:externalData r:id="rId1">
-    <c:autoUpdate val="0"/>
-  </c:externalData>
-</c:chartSpace>
-</file>
-
-<file path=ppt/charts/chart9.xml><?xml version="1.0" encoding="utf-8"?>
-<c:chartSpace xmlns:c="http://schemas.openxmlformats.org/drawingml/2006/chart" xmlns:a="http://schemas.openxmlformats.org/drawingml/2006/main" xmlns:r="http://schemas.openxmlformats.org/officeDocument/2006/relationships">
-  <c:date1904 val="0"/>
-  <c:lang val="en-US"/>
-  <c:roundedCorners val="0"/>
-  <mc:AlternateContent xmlns:mc="http://schemas.openxmlformats.org/markup-compatibility/2006">
-    <mc:Choice xmlns:c14="http://schemas.microsoft.com/office/drawing/2007/8/2/chart" Requires="c14">
-      <c14:style val="118"/>
-    </mc:Choice>
-    <mc:Fallback>
-      <c:style val="18"/>
-    </mc:Fallback>
-  </mc:AlternateContent>
-  <c:chart>
-    <c:autoTitleDeleted val="0"/>
-    <c:plotArea>
-      <c:layout/>
-      <c:lineChart>
-        <c:grouping val="standard"/>
-        <c:varyColors val="0"/>
-        <c:ser>
-          <c:idx val="0"/>
-          <c:order val="0"/>
-          <c:tx>
-            <c:strRef>
-              <c:f>NoPeaks!$O$1</c:f>
-              <c:strCache>
-                <c:ptCount val="1"/>
-                <c:pt idx="0">
-                  <c:v>VAR04realMean_c1</c:v>
-                </c:pt>
-              </c:strCache>
-            </c:strRef>
-          </c:tx>
-          <c:marker>
-            <c:symbol val="none"/>
-          </c:marker>
-          <c:val>
-            <c:numRef>
-              <c:f>NoPeaks!$O$2:$O$64</c:f>
-              <c:numCache>
-                <c:formatCode>General</c:formatCode>
-                <c:ptCount val="63"/>
-                <c:pt idx="0">
-                  <c:v>1353.72213473315</c:v>
-                </c:pt>
-                <c:pt idx="1">
-                  <c:v>1354.60584474885</c:v>
-                </c:pt>
-                <c:pt idx="2">
-                  <c:v>1323.33831180017</c:v>
-                </c:pt>
-                <c:pt idx="3">
-                  <c:v>1228.0978313253</c:v>
-                </c:pt>
-                <c:pt idx="4">
-                  <c:v>1631.71771152296</c:v>
-                </c:pt>
-                <c:pt idx="5">
-                  <c:v>782.937855361595</c:v>
-                </c:pt>
-                <c:pt idx="6">
-                  <c:v>506.002120441051</c:v>
-                </c:pt>
-                <c:pt idx="7">
-                  <c:v>615.524153498871</c:v>
-                </c:pt>
-                <c:pt idx="8">
-                  <c:v>995.817998423954</c:v>
-                </c:pt>
-                <c:pt idx="9">
-                  <c:v>691.1967691208</c:v>
-                </c:pt>
-                <c:pt idx="10">
-                  <c:v>618.622829194883</c:v>
-                </c:pt>
-                <c:pt idx="11">
-                  <c:v>696.548212867354</c:v>
-                </c:pt>
-                <c:pt idx="12">
-                  <c:v>494.211636363636</c:v>
-                </c:pt>
-                <c:pt idx="13">
-                  <c:v>448.412924126172</c:v>
-                </c:pt>
-                <c:pt idx="14">
-                  <c:v>363.648738007379</c:v>
-                </c:pt>
-                <c:pt idx="15">
-                  <c:v>421.723466440102</c:v>
-                </c:pt>
-                <c:pt idx="16">
-                  <c:v>385.747689429373</c:v>
-                </c:pt>
-                <c:pt idx="17">
-                  <c:v>475.87962721342</c:v>
-                </c:pt>
-                <c:pt idx="18">
-                  <c:v>491.143627152988</c:v>
-                </c:pt>
-                <c:pt idx="19">
-                  <c:v>593.270377524144</c:v>
-                </c:pt>
-                <c:pt idx="20">
-                  <c:v>697.577497231451</c:v>
-                </c:pt>
-                <c:pt idx="21">
-                  <c:v>910.727449584816</c:v>
-                </c:pt>
-                <c:pt idx="22">
-                  <c:v>661.0428848484841</c:v>
-                </c:pt>
-                <c:pt idx="23">
-                  <c:v>600.499030144167</c:v>
-                </c:pt>
-                <c:pt idx="24">
-                  <c:v>468.742802802803</c:v>
-                </c:pt>
-                <c:pt idx="25">
-                  <c:v>731.795600539811</c:v>
-                </c:pt>
-                <c:pt idx="26">
-                  <c:v>755.577717546362</c:v>
-                </c:pt>
-                <c:pt idx="27">
-                  <c:v>546.554066225165</c:v>
-                </c:pt>
-                <c:pt idx="28">
-                  <c:v>595.863328631875</c:v>
-                </c:pt>
-                <c:pt idx="29">
-                  <c:v>288.463004975124</c:v>
-                </c:pt>
-                <c:pt idx="30">
-                  <c:v>696.364572230013</c:v>
-                </c:pt>
-                <c:pt idx="31">
-                  <c:v>485.278344459278</c:v>
-                </c:pt>
-                <c:pt idx="32">
-                  <c:v>505.261182147164</c:v>
-                </c:pt>
-                <c:pt idx="33">
-                  <c:v>188.061082737487</c:v>
-                </c:pt>
-                <c:pt idx="34">
-                  <c:v>144.712145960034</c:v>
-                </c:pt>
-                <c:pt idx="35">
-                  <c:v>258.067354685646</c:v>
-                </c:pt>
-                <c:pt idx="36">
-                  <c:v>381.160369003689</c:v>
-                </c:pt>
-                <c:pt idx="37">
-                  <c:v>307.86279959718</c:v>
-                </c:pt>
-                <c:pt idx="38">
-                  <c:v>270.802439537329</c:v>
-                </c:pt>
-                <c:pt idx="39">
-                  <c:v>474.702508038585</c:v>
-                </c:pt>
-                <c:pt idx="40">
-                  <c:v>427.212123212321</c:v>
-                </c:pt>
-                <c:pt idx="41">
-                  <c:v>344.956689520078</c:v>
-                </c:pt>
-                <c:pt idx="42">
-                  <c:v>528.452587412587</c:v>
-                </c:pt>
-                <c:pt idx="43">
-                  <c:v>347.836450704225</c:v>
-                </c:pt>
-                <c:pt idx="44">
-                  <c:v>250.205870556061</c:v>
-                </c:pt>
-                <c:pt idx="45">
-                  <c:v>169.968541114058</c:v>
-                </c:pt>
-                <c:pt idx="46">
-                  <c:v>163.825562336529</c:v>
-                </c:pt>
-                <c:pt idx="47">
-                  <c:v>246.751971197119</c:v>
-                </c:pt>
-                <c:pt idx="48">
-                  <c:v>279.472345013477</c:v>
-                </c:pt>
-                <c:pt idx="49">
-                  <c:v>292.875350701402</c:v>
-                </c:pt>
-                <c:pt idx="50">
-                  <c:v>352.193922746781</c:v>
-                </c:pt>
-                <c:pt idx="51">
-                  <c:v>281.519317585301</c:v>
-                </c:pt>
-                <c:pt idx="52">
-                  <c:v>300.988563968668</c:v>
-                </c:pt>
-                <c:pt idx="53">
-                  <c:v>285.51876701361</c:v>
-                </c:pt>
-                <c:pt idx="54">
-                  <c:v>295.960954816709</c:v>
-                </c:pt>
-                <c:pt idx="55">
-                  <c:v>156.872109181141</c:v>
-                </c:pt>
-                <c:pt idx="56">
-                  <c:v>178.525648224607</c:v>
-                </c:pt>
-                <c:pt idx="57">
-                  <c:v>143.143641069887</c:v>
-                </c:pt>
-                <c:pt idx="58">
-                  <c:v>323.652774070543</c:v>
-                </c:pt>
-                <c:pt idx="59">
-                  <c:v>229.572511415525</c:v>
-                </c:pt>
-                <c:pt idx="60">
-                  <c:v>170.147030185004</c:v>
-                </c:pt>
-                <c:pt idx="61">
-                  <c:v>118.410300429184</c:v>
-                </c:pt>
-                <c:pt idx="62">
-                  <c:v>213.457013118062</c:v>
-                </c:pt>
-              </c:numCache>
-            </c:numRef>
-          </c:val>
-          <c:smooth val="0"/>
-        </c:ser>
-        <c:ser>
-          <c:idx val="1"/>
-          <c:order val="1"/>
-          <c:tx>
-            <c:strRef>
-              <c:f>NoPeaks!$P$1</c:f>
-              <c:strCache>
-                <c:ptCount val="1"/>
-                <c:pt idx="0">
-                  <c:v>VAR04learntMean_c1</c:v>
-                </c:pt>
-              </c:strCache>
-            </c:strRef>
-          </c:tx>
-          <c:marker>
-            <c:symbol val="none"/>
-          </c:marker>
-          <c:val>
-            <c:numRef>
-              <c:f>NoPeaks!$P$2:$P$64</c:f>
-              <c:numCache>
-                <c:formatCode>General</c:formatCode>
-                <c:ptCount val="63"/>
-                <c:pt idx="0">
-                  <c:v>1350.27543507112</c:v>
-                </c:pt>
-                <c:pt idx="1">
-                  <c:v>1357.61259586368</c:v>
-                </c:pt>
-                <c:pt idx="2">
-                  <c:v>1344.95339425187</c:v>
-                </c:pt>
-                <c:pt idx="3">
-                  <c:v>1297.89890117304</c:v>
-                </c:pt>
-                <c:pt idx="4">
-                  <c:v>1331.75048519133</c:v>
-                </c:pt>
-                <c:pt idx="5">
-                  <c:v>1226.57888435382</c:v>
-                </c:pt>
-                <c:pt idx="6">
-                  <c:v>1073.32272625499</c:v>
-                </c:pt>
-                <c:pt idx="7">
-                  <c:v>971.353060251351</c:v>
-                </c:pt>
-                <c:pt idx="8">
-                  <c:v>971.115668473919</c:v>
-                </c:pt>
-                <c:pt idx="9">
-                  <c:v>909.9557928898409</c:v>
-                </c:pt>
-                <c:pt idx="10">
-                  <c:v>839.138911314178</c:v>
-                </c:pt>
-                <c:pt idx="11">
-                  <c:v>796.3974544487251</c:v>
-                </c:pt>
-                <c:pt idx="12">
-                  <c:v>719.498924086673</c:v>
-                </c:pt>
-                <c:pt idx="13">
-                  <c:v>629.705203633052</c:v>
-                </c:pt>
-                <c:pt idx="14">
-                  <c:v>511.146254960111</c:v>
-                </c:pt>
-                <c:pt idx="15">
-                  <c:v>442.608277699001</c:v>
-                </c:pt>
-                <c:pt idx="16">
-                  <c:v>357.358026434921</c:v>
-                </c:pt>
-                <c:pt idx="17">
-                  <c:v>353.796906251068</c:v>
-                </c:pt>
-                <c:pt idx="18">
-                  <c:v>366.592932447638</c:v>
-                </c:pt>
-                <c:pt idx="19">
-                  <c:v>421.986795367975</c:v>
-                </c:pt>
-                <c:pt idx="20">
-                  <c:v>490.343029728625</c:v>
-                </c:pt>
-                <c:pt idx="21">
-                  <c:v>562.905072241312</c:v>
-                </c:pt>
-                <c:pt idx="22">
-                  <c:v>608.996513811808</c:v>
-                </c:pt>
-                <c:pt idx="23">
-                  <c:v>600.831560240614</c:v>
-                </c:pt>
-                <c:pt idx="24">
-                  <c:v>549.485394203211</c:v>
-                </c:pt>
-                <c:pt idx="25">
-                  <c:v>518.469796541377</c:v>
-                </c:pt>
-                <c:pt idx="26">
-                  <c:v>488.394795968004</c:v>
-                </c:pt>
-                <c:pt idx="27">
-                  <c:v>458.436758186739</c:v>
-                </c:pt>
-                <c:pt idx="28">
-                  <c:v>458.693207593212</c:v>
-                </c:pt>
-                <c:pt idx="29">
-                  <c:v>452.604788068663</c:v>
-                </c:pt>
-                <c:pt idx="30">
-                  <c:v>502.40688283595</c:v>
-                </c:pt>
-                <c:pt idx="31">
-                  <c:v>525.090888698014</c:v>
-                </c:pt>
-                <c:pt idx="32">
-                  <c:v>554.418989025842</c:v>
-                </c:pt>
-                <c:pt idx="33">
-                  <c:v>498.676418846399</c:v>
-                </c:pt>
-                <c:pt idx="34">
-                  <c:v>410.992225862873</c:v>
-                </c:pt>
-                <c:pt idx="35">
-                  <c:v>353.113783593753</c:v>
-                </c:pt>
-                <c:pt idx="36">
-                  <c:v>307.262017228034</c:v>
-                </c:pt>
-                <c:pt idx="37">
-                  <c:v>312.065936706254</c:v>
-                </c:pt>
-                <c:pt idx="38">
-                  <c:v>297.573383306397</c:v>
-                </c:pt>
-                <c:pt idx="39">
-                  <c:v>338.845387882565</c:v>
-                </c:pt>
-                <c:pt idx="40">
-                  <c:v>361.186255739267</c:v>
-                </c:pt>
-                <c:pt idx="41">
-                  <c:v>388.233109597647</c:v>
-                </c:pt>
-                <c:pt idx="42">
-                  <c:v>398.20214621986</c:v>
-                </c:pt>
-                <c:pt idx="43">
-                  <c:v>351.873402384697</c:v>
-                </c:pt>
-                <c:pt idx="44">
-                  <c:v>289.824611854772</c:v>
-                </c:pt>
-                <c:pt idx="45">
-                  <c:v>253.032271768915</c:v>
-                </c:pt>
-                <c:pt idx="46">
-                  <c:v>212.382879980326</c:v>
-                </c:pt>
-                <c:pt idx="47">
-                  <c:v>222.540758510248</c:v>
-                </c:pt>
-                <c:pt idx="48">
-                  <c:v>254.309791468044</c:v>
-                </c:pt>
-                <c:pt idx="49">
-                  <c:v>278.599889155699</c:v>
-                </c:pt>
-                <c:pt idx="50">
-                  <c:v>281.01838799492</c:v>
-                </c:pt>
-                <c:pt idx="51">
-                  <c:v>248.755648991407</c:v>
-                </c:pt>
-                <c:pt idx="52">
-                  <c:v>225.295553709321</c:v>
-                </c:pt>
-                <c:pt idx="53">
-                  <c:v>236.904881680077</c:v>
-                </c:pt>
-                <c:pt idx="54">
-                  <c:v>240.224122703459</c:v>
-                </c:pt>
-                <c:pt idx="55">
-                  <c:v>270.857102941968</c:v>
-                </c:pt>
-                <c:pt idx="56">
-                  <c:v>288.311487839949</c:v>
-                </c:pt>
-                <c:pt idx="57">
-                  <c:v>311.818220329388</c:v>
-                </c:pt>
-                <c:pt idx="58">
-                  <c:v>290.242106388088</c:v>
-                </c:pt>
-                <c:pt idx="59">
-                  <c:v>283.140471049724</c:v>
-                </c:pt>
-                <c:pt idx="60">
-                  <c:v>252.871503393379</c:v>
-                </c:pt>
-                <c:pt idx="61">
-                  <c:v>241.049250138874</c:v>
-                </c:pt>
-                <c:pt idx="62">
-                  <c:v>242.036526571058</c:v>
-                </c:pt>
-              </c:numCache>
-            </c:numRef>
-          </c:val>
-          <c:smooth val="0"/>
-        </c:ser>
-        <c:dLbls>
-          <c:showLegendKey val="0"/>
-          <c:showVal val="0"/>
-          <c:showCatName val="0"/>
-          <c:showSerName val="0"/>
-          <c:showPercent val="0"/>
-          <c:showBubbleSize val="0"/>
-        </c:dLbls>
-        <c:marker val="1"/>
-        <c:smooth val="0"/>
-        <c:axId val="2053565080"/>
-        <c:axId val="-2145173704"/>
-      </c:lineChart>
-      <c:catAx>
-        <c:axId val="2053565080"/>
-        <c:scaling>
-          <c:orientation val="minMax"/>
-        </c:scaling>
-        <c:delete val="0"/>
-        <c:axPos val="b"/>
-        <c:majorTickMark val="out"/>
-        <c:minorTickMark val="none"/>
-        <c:tickLblPos val="nextTo"/>
-        <c:crossAx val="-2145173704"/>
-        <c:crosses val="autoZero"/>
-        <c:auto val="1"/>
-        <c:lblAlgn val="ctr"/>
-        <c:lblOffset val="100"/>
-        <c:noMultiLvlLbl val="0"/>
-      </c:catAx>
-      <c:valAx>
-        <c:axId val="-2145173704"/>
-        <c:scaling>
-          <c:orientation val="minMax"/>
-        </c:scaling>
-        <c:delete val="0"/>
-        <c:axPos val="l"/>
-        <c:majorGridlines/>
-        <c:numFmt formatCode="General" sourceLinked="1"/>
-        <c:majorTickMark val="out"/>
-        <c:minorTickMark val="none"/>
-        <c:tickLblPos val="nextTo"/>
-        <c:crossAx val="2053565080"/>
         <c:crosses val="autoZero"/>
         <c:crossBetween val="between"/>
       </c:valAx>
@@ -11288,7 +13692,666 @@
 </p:sld>
 </file>
 
+<file path=ppt/slides/slide10.xml><?xml version="1.0" encoding="utf-8"?>
+<p:sld xmlns:a="http://schemas.openxmlformats.org/drawingml/2006/main" xmlns:r="http://schemas.openxmlformats.org/officeDocument/2006/relationships" xmlns:p="http://schemas.openxmlformats.org/presentationml/2006/main">
+  <p:cSld>
+    <p:spTree>
+      <p:nvGrpSpPr>
+        <p:cNvPr id="1" name=""/>
+        <p:cNvGrpSpPr/>
+        <p:nvPr/>
+      </p:nvGrpSpPr>
+      <p:grpSpPr>
+        <a:xfrm>
+          <a:off x="0" y="0"/>
+          <a:ext cx="0" cy="0"/>
+          <a:chOff x="0" y="0"/>
+          <a:chExt cx="0" cy="0"/>
+        </a:xfrm>
+      </p:grpSpPr>
+      <p:sp>
+        <p:nvSpPr>
+          <p:cNvPr id="2" name="Title 1"/>
+          <p:cNvSpPr>
+            <a:spLocks noGrp="1"/>
+          </p:cNvSpPr>
+          <p:nvPr>
+            <p:ph type="title"/>
+          </p:nvPr>
+        </p:nvSpPr>
+        <p:spPr/>
+        <p:txBody>
+          <a:bodyPr>
+            <a:normAutofit fontScale="90000"/>
+          </a:bodyPr>
+          <a:lstStyle/>
+          <a:p>
+            <a:r>
+              <a:rPr lang="en-US" dirty="0" smtClean="0"/>
+              <a:t>Var07: </a:t>
+            </a:r>
+            <a:r>
+              <a:rPr lang="en-US" dirty="0"/>
+              <a:t>Unpaid amount in </a:t>
+            </a:r>
+            <a:r>
+              <a:rPr lang="en-US" dirty="0" smtClean="0"/>
+              <a:t>mortgages</a:t>
+            </a:r>
+            <a:endParaRPr lang="en-US" dirty="0"/>
+          </a:p>
+        </p:txBody>
+      </p:sp>
+      <p:sp>
+        <p:nvSpPr>
+          <p:cNvPr id="3" name="Content Placeholder 2"/>
+          <p:cNvSpPr>
+            <a:spLocks noGrp="1"/>
+          </p:cNvSpPr>
+          <p:nvPr>
+            <p:ph idx="1"/>
+          </p:nvPr>
+        </p:nvSpPr>
+        <p:spPr/>
+        <p:txBody>
+          <a:bodyPr/>
+          <a:lstStyle/>
+          <a:p>
+            <a:endParaRPr lang="en-US"/>
+          </a:p>
+        </p:txBody>
+      </p:sp>
+      <p:graphicFrame>
+        <p:nvGraphicFramePr>
+          <p:cNvPr id="4" name="Chart 3"/>
+          <p:cNvGraphicFramePr>
+            <a:graphicFrameLocks/>
+          </p:cNvGraphicFramePr>
+          <p:nvPr>
+            <p:extLst>
+              <p:ext uri="{D42A27DB-BD31-4B8C-83A1-F6EECF244321}">
+                <p14:modId xmlns:p14="http://schemas.microsoft.com/office/powerpoint/2010/main" val="318407672"/>
+              </p:ext>
+            </p:extLst>
+          </p:nvPr>
+        </p:nvGraphicFramePr>
+        <p:xfrm>
+          <a:off x="101600" y="2038350"/>
+          <a:ext cx="4572000" cy="2743200"/>
+        </p:xfrm>
+        <a:graphic>
+          <a:graphicData uri="http://schemas.openxmlformats.org/drawingml/2006/chart">
+            <c:chart xmlns:c="http://schemas.openxmlformats.org/drawingml/2006/chart" xmlns:r="http://schemas.openxmlformats.org/officeDocument/2006/relationships" r:id="rId2"/>
+          </a:graphicData>
+        </a:graphic>
+      </p:graphicFrame>
+      <p:graphicFrame>
+        <p:nvGraphicFramePr>
+          <p:cNvPr id="5" name="Chart 4"/>
+          <p:cNvGraphicFramePr>
+            <a:graphicFrameLocks/>
+          </p:cNvGraphicFramePr>
+          <p:nvPr/>
+        </p:nvGraphicFramePr>
+        <p:xfrm>
+          <a:off x="4673600" y="2076450"/>
+          <a:ext cx="4572000" cy="2743200"/>
+        </p:xfrm>
+        <a:graphic>
+          <a:graphicData uri="http://schemas.openxmlformats.org/drawingml/2006/chart">
+            <c:chart xmlns:c="http://schemas.openxmlformats.org/drawingml/2006/chart" xmlns:r="http://schemas.openxmlformats.org/officeDocument/2006/relationships" r:id="rId3"/>
+          </a:graphicData>
+        </a:graphic>
+      </p:graphicFrame>
+      <p:sp>
+        <p:nvSpPr>
+          <p:cNvPr id="6" name="TextBox 5"/>
+          <p:cNvSpPr txBox="1"/>
+          <p:nvPr/>
+        </p:nvSpPr>
+        <p:spPr>
+          <a:xfrm>
+            <a:off x="696981" y="5405854"/>
+            <a:ext cx="1622409" cy="369332"/>
+          </a:xfrm>
+          <a:prstGeom prst="rect">
+            <a:avLst/>
+          </a:prstGeom>
+          <a:noFill/>
+        </p:spPr>
+        <p:txBody>
+          <a:bodyPr wrap="none" rtlCol="0">
+            <a:spAutoFit/>
+          </a:bodyPr>
+          <a:lstStyle/>
+          <a:p>
+            <a:r>
+              <a:rPr lang="en-US" dirty="0" smtClean="0"/>
+              <a:t>Non-Defaulters</a:t>
+            </a:r>
+          </a:p>
+        </p:txBody>
+      </p:sp>
+      <p:sp>
+        <p:nvSpPr>
+          <p:cNvPr id="7" name="TextBox 6"/>
+          <p:cNvSpPr txBox="1"/>
+          <p:nvPr/>
+        </p:nvSpPr>
+        <p:spPr>
+          <a:xfrm>
+            <a:off x="5945084" y="5373588"/>
+            <a:ext cx="1159730" cy="369332"/>
+          </a:xfrm>
+          <a:prstGeom prst="rect">
+            <a:avLst/>
+          </a:prstGeom>
+          <a:noFill/>
+        </p:spPr>
+        <p:txBody>
+          <a:bodyPr wrap="none" rtlCol="0">
+            <a:spAutoFit/>
+          </a:bodyPr>
+          <a:lstStyle/>
+          <a:p>
+            <a:r>
+              <a:rPr lang="en-US" dirty="0" smtClean="0"/>
+              <a:t>Defaulters</a:t>
+            </a:r>
+          </a:p>
+        </p:txBody>
+      </p:sp>
+    </p:spTree>
+    <p:extLst>
+      <p:ext uri="{BB962C8B-B14F-4D97-AF65-F5344CB8AC3E}">
+        <p14:creationId xmlns:p14="http://schemas.microsoft.com/office/powerpoint/2010/main" val="1149916119"/>
+      </p:ext>
+    </p:extLst>
+  </p:cSld>
+  <p:clrMapOvr>
+    <a:masterClrMapping/>
+  </p:clrMapOvr>
+  <p:timing>
+    <p:tnLst>
+      <p:par>
+        <p:cTn xmlns:p14="http://schemas.microsoft.com/office/powerpoint/2010/main" id="1" dur="indefinite" restart="never" nodeType="tmRoot"/>
+      </p:par>
+    </p:tnLst>
+  </p:timing>
+</p:sld>
+</file>
+
+<file path=ppt/slides/slide11.xml><?xml version="1.0" encoding="utf-8"?>
+<p:sld xmlns:a="http://schemas.openxmlformats.org/drawingml/2006/main" xmlns:r="http://schemas.openxmlformats.org/officeDocument/2006/relationships" xmlns:p="http://schemas.openxmlformats.org/presentationml/2006/main">
+  <p:cSld>
+    <p:spTree>
+      <p:nvGrpSpPr>
+        <p:cNvPr id="1" name=""/>
+        <p:cNvGrpSpPr/>
+        <p:nvPr/>
+      </p:nvGrpSpPr>
+      <p:grpSpPr>
+        <a:xfrm>
+          <a:off x="0" y="0"/>
+          <a:ext cx="0" cy="0"/>
+          <a:chOff x="0" y="0"/>
+          <a:chExt cx="0" cy="0"/>
+        </a:xfrm>
+      </p:grpSpPr>
+      <p:sp>
+        <p:nvSpPr>
+          <p:cNvPr id="2" name="Title 1"/>
+          <p:cNvSpPr>
+            <a:spLocks noGrp="1"/>
+          </p:cNvSpPr>
+          <p:nvPr>
+            <p:ph type="title"/>
+          </p:nvPr>
+        </p:nvSpPr>
+        <p:spPr/>
+        <p:txBody>
+          <a:bodyPr>
+            <a:normAutofit fontScale="90000"/>
+          </a:bodyPr>
+          <a:lstStyle/>
+          <a:p>
+            <a:r>
+              <a:rPr lang="en-US" dirty="0" smtClean="0"/>
+              <a:t>Var08: </a:t>
+            </a:r>
+            <a:r>
+              <a:rPr lang="en-US" dirty="0"/>
+              <a:t>Unpaid amount in personal loans </a:t>
+            </a:r>
+          </a:p>
+        </p:txBody>
+      </p:sp>
+      <p:sp>
+        <p:nvSpPr>
+          <p:cNvPr id="3" name="Content Placeholder 2"/>
+          <p:cNvSpPr>
+            <a:spLocks noGrp="1"/>
+          </p:cNvSpPr>
+          <p:nvPr>
+            <p:ph idx="1"/>
+          </p:nvPr>
+        </p:nvSpPr>
+        <p:spPr/>
+        <p:txBody>
+          <a:bodyPr/>
+          <a:lstStyle/>
+          <a:p>
+            <a:endParaRPr lang="en-US" dirty="0"/>
+          </a:p>
+        </p:txBody>
+      </p:sp>
+      <p:graphicFrame>
+        <p:nvGraphicFramePr>
+          <p:cNvPr id="6" name="Chart 5"/>
+          <p:cNvGraphicFramePr>
+            <a:graphicFrameLocks/>
+          </p:cNvGraphicFramePr>
+          <p:nvPr>
+            <p:extLst>
+              <p:ext uri="{D42A27DB-BD31-4B8C-83A1-F6EECF244321}">
+                <p14:modId xmlns:p14="http://schemas.microsoft.com/office/powerpoint/2010/main" val="2890701773"/>
+              </p:ext>
+            </p:extLst>
+          </p:nvPr>
+        </p:nvGraphicFramePr>
+        <p:xfrm>
+          <a:off x="0" y="2038350"/>
+          <a:ext cx="4572000" cy="2743200"/>
+        </p:xfrm>
+        <a:graphic>
+          <a:graphicData uri="http://schemas.openxmlformats.org/drawingml/2006/chart">
+            <c:chart xmlns:c="http://schemas.openxmlformats.org/drawingml/2006/chart" xmlns:r="http://schemas.openxmlformats.org/officeDocument/2006/relationships" r:id="rId2"/>
+          </a:graphicData>
+        </a:graphic>
+      </p:graphicFrame>
+      <p:graphicFrame>
+        <p:nvGraphicFramePr>
+          <p:cNvPr id="7" name="Chart 6"/>
+          <p:cNvGraphicFramePr>
+            <a:graphicFrameLocks/>
+          </p:cNvGraphicFramePr>
+          <p:nvPr/>
+        </p:nvGraphicFramePr>
+        <p:xfrm>
+          <a:off x="4730750" y="2076450"/>
+          <a:ext cx="4572000" cy="2743200"/>
+        </p:xfrm>
+        <a:graphic>
+          <a:graphicData uri="http://schemas.openxmlformats.org/drawingml/2006/chart">
+            <c:chart xmlns:c="http://schemas.openxmlformats.org/drawingml/2006/chart" xmlns:r="http://schemas.openxmlformats.org/officeDocument/2006/relationships" r:id="rId3"/>
+          </a:graphicData>
+        </a:graphic>
+      </p:graphicFrame>
+      <p:sp>
+        <p:nvSpPr>
+          <p:cNvPr id="8" name="TextBox 7"/>
+          <p:cNvSpPr txBox="1"/>
+          <p:nvPr/>
+        </p:nvSpPr>
+        <p:spPr>
+          <a:xfrm>
+            <a:off x="696981" y="5405854"/>
+            <a:ext cx="1622409" cy="369332"/>
+          </a:xfrm>
+          <a:prstGeom prst="rect">
+            <a:avLst/>
+          </a:prstGeom>
+          <a:noFill/>
+        </p:spPr>
+        <p:txBody>
+          <a:bodyPr wrap="none" rtlCol="0">
+            <a:spAutoFit/>
+          </a:bodyPr>
+          <a:lstStyle/>
+          <a:p>
+            <a:r>
+              <a:rPr lang="en-US" dirty="0" smtClean="0"/>
+              <a:t>Non-Defaulters</a:t>
+            </a:r>
+          </a:p>
+        </p:txBody>
+      </p:sp>
+      <p:sp>
+        <p:nvSpPr>
+          <p:cNvPr id="9" name="TextBox 8"/>
+          <p:cNvSpPr txBox="1"/>
+          <p:nvPr/>
+        </p:nvSpPr>
+        <p:spPr>
+          <a:xfrm>
+            <a:off x="5945084" y="5373588"/>
+            <a:ext cx="1159730" cy="369332"/>
+          </a:xfrm>
+          <a:prstGeom prst="rect">
+            <a:avLst/>
+          </a:prstGeom>
+          <a:noFill/>
+        </p:spPr>
+        <p:txBody>
+          <a:bodyPr wrap="none" rtlCol="0">
+            <a:spAutoFit/>
+          </a:bodyPr>
+          <a:lstStyle/>
+          <a:p>
+            <a:r>
+              <a:rPr lang="en-US" dirty="0" smtClean="0"/>
+              <a:t>Defaulters</a:t>
+            </a:r>
+          </a:p>
+        </p:txBody>
+      </p:sp>
+    </p:spTree>
+    <p:extLst>
+      <p:ext uri="{BB962C8B-B14F-4D97-AF65-F5344CB8AC3E}">
+        <p14:creationId xmlns:p14="http://schemas.microsoft.com/office/powerpoint/2010/main" val="515556087"/>
+      </p:ext>
+    </p:extLst>
+  </p:cSld>
+  <p:clrMapOvr>
+    <a:masterClrMapping/>
+  </p:clrMapOvr>
+  <p:timing>
+    <p:tnLst>
+      <p:par>
+        <p:cTn xmlns:p14="http://schemas.microsoft.com/office/powerpoint/2010/main" id="1" dur="indefinite" restart="never" nodeType="tmRoot"/>
+      </p:par>
+    </p:tnLst>
+  </p:timing>
+</p:sld>
+</file>
+
 <file path=ppt/slides/slide2.xml><?xml version="1.0" encoding="utf-8"?>
+<p:sld xmlns:a="http://schemas.openxmlformats.org/drawingml/2006/main" xmlns:r="http://schemas.openxmlformats.org/officeDocument/2006/relationships" xmlns:p="http://schemas.openxmlformats.org/presentationml/2006/main">
+  <p:cSld>
+    <p:spTree>
+      <p:nvGrpSpPr>
+        <p:cNvPr id="1" name=""/>
+        <p:cNvGrpSpPr/>
+        <p:nvPr/>
+      </p:nvGrpSpPr>
+      <p:grpSpPr>
+        <a:xfrm>
+          <a:off x="0" y="0"/>
+          <a:ext cx="0" cy="0"/>
+          <a:chOff x="0" y="0"/>
+          <a:chExt cx="0" cy="0"/>
+        </a:xfrm>
+      </p:grpSpPr>
+      <p:sp>
+        <p:nvSpPr>
+          <p:cNvPr id="3" name="Content Placeholder 2"/>
+          <p:cNvSpPr>
+            <a:spLocks noGrp="1"/>
+          </p:cNvSpPr>
+          <p:nvPr>
+            <p:ph idx="1"/>
+          </p:nvPr>
+        </p:nvSpPr>
+        <p:spPr/>
+        <p:txBody>
+          <a:bodyPr/>
+          <a:lstStyle/>
+          <a:p>
+            <a:endParaRPr lang="en-US"/>
+          </a:p>
+        </p:txBody>
+      </p:sp>
+      <p:graphicFrame>
+        <p:nvGraphicFramePr>
+          <p:cNvPr id="4" name="Chart 3"/>
+          <p:cNvGraphicFramePr>
+            <a:graphicFrameLocks noGrp="1"/>
+          </p:cNvGraphicFramePr>
+          <p:nvPr>
+            <p:extLst>
+              <p:ext uri="{D42A27DB-BD31-4B8C-83A1-F6EECF244321}">
+                <p14:modId xmlns:p14="http://schemas.microsoft.com/office/powerpoint/2010/main" val="4026853509"/>
+              </p:ext>
+            </p:extLst>
+          </p:nvPr>
+        </p:nvGraphicFramePr>
+        <p:xfrm>
+          <a:off x="-36119" y="1017920"/>
+          <a:ext cx="9216239" cy="5627615"/>
+        </p:xfrm>
+        <a:graphic>
+          <a:graphicData uri="http://schemas.openxmlformats.org/drawingml/2006/chart">
+            <c:chart xmlns:c="http://schemas.openxmlformats.org/drawingml/2006/chart" xmlns:r="http://schemas.openxmlformats.org/officeDocument/2006/relationships" r:id="rId2"/>
+          </a:graphicData>
+        </a:graphic>
+      </p:graphicFrame>
+      <p:sp>
+        <p:nvSpPr>
+          <p:cNvPr id="6" name="Title 1"/>
+          <p:cNvSpPr>
+            <a:spLocks noGrp="1"/>
+          </p:cNvSpPr>
+          <p:nvPr>
+            <p:ph type="title"/>
+          </p:nvPr>
+        </p:nvSpPr>
+        <p:spPr>
+          <a:xfrm>
+            <a:off x="457200" y="274638"/>
+            <a:ext cx="8229600" cy="1143000"/>
+          </a:xfrm>
+        </p:spPr>
+        <p:txBody>
+          <a:bodyPr/>
+          <a:lstStyle/>
+          <a:p>
+            <a:r>
+              <a:rPr lang="en-US" dirty="0" smtClean="0"/>
+              <a:t>Concept Drift Tracking</a:t>
+            </a:r>
+            <a:endParaRPr lang="en-US" dirty="0"/>
+          </a:p>
+        </p:txBody>
+      </p:sp>
+    </p:spTree>
+    <p:extLst>
+      <p:ext uri="{BB962C8B-B14F-4D97-AF65-F5344CB8AC3E}">
+        <p14:creationId xmlns:p14="http://schemas.microsoft.com/office/powerpoint/2010/main" val="530437218"/>
+      </p:ext>
+    </p:extLst>
+  </p:cSld>
+  <p:clrMapOvr>
+    <a:masterClrMapping/>
+  </p:clrMapOvr>
+  <p:timing>
+    <p:tnLst>
+      <p:par>
+        <p:cTn xmlns:p14="http://schemas.microsoft.com/office/powerpoint/2010/main" id="1" dur="indefinite" restart="never" nodeType="tmRoot"/>
+      </p:par>
+    </p:tnLst>
+  </p:timing>
+</p:sld>
+</file>
+
+<file path=ppt/slides/slide3.xml><?xml version="1.0" encoding="utf-8"?>
+<p:sld xmlns:a="http://schemas.openxmlformats.org/drawingml/2006/main" xmlns:r="http://schemas.openxmlformats.org/officeDocument/2006/relationships" xmlns:p="http://schemas.openxmlformats.org/presentationml/2006/main">
+  <p:cSld>
+    <p:spTree>
+      <p:nvGrpSpPr>
+        <p:cNvPr id="1" name=""/>
+        <p:cNvGrpSpPr/>
+        <p:nvPr/>
+      </p:nvGrpSpPr>
+      <p:grpSpPr>
+        <a:xfrm>
+          <a:off x="0" y="0"/>
+          <a:ext cx="0" cy="0"/>
+          <a:chOff x="0" y="0"/>
+          <a:chExt cx="0" cy="0"/>
+        </a:xfrm>
+      </p:grpSpPr>
+      <p:sp>
+        <p:nvSpPr>
+          <p:cNvPr id="4" name="Title 1"/>
+          <p:cNvSpPr>
+            <a:spLocks noGrp="1"/>
+          </p:cNvSpPr>
+          <p:nvPr>
+            <p:ph type="title"/>
+          </p:nvPr>
+        </p:nvSpPr>
+        <p:spPr>
+          <a:xfrm>
+            <a:off x="457200" y="274638"/>
+            <a:ext cx="8229600" cy="1143000"/>
+          </a:xfrm>
+        </p:spPr>
+        <p:txBody>
+          <a:bodyPr/>
+          <a:lstStyle/>
+          <a:p>
+            <a:r>
+              <a:rPr lang="en-US" dirty="0" smtClean="0"/>
+              <a:t>Concept Drift Tracking</a:t>
+            </a:r>
+            <a:endParaRPr lang="en-US" dirty="0"/>
+          </a:p>
+        </p:txBody>
+      </p:sp>
+      <p:graphicFrame>
+        <p:nvGraphicFramePr>
+          <p:cNvPr id="5" name="Chart 4"/>
+          <p:cNvGraphicFramePr>
+            <a:graphicFrameLocks/>
+          </p:cNvGraphicFramePr>
+          <p:nvPr>
+            <p:extLst>
+              <p:ext uri="{D42A27DB-BD31-4B8C-83A1-F6EECF244321}">
+                <p14:modId xmlns:p14="http://schemas.microsoft.com/office/powerpoint/2010/main" val="2928242945"/>
+              </p:ext>
+            </p:extLst>
+          </p:nvPr>
+        </p:nvGraphicFramePr>
+        <p:xfrm>
+          <a:off x="137685" y="1532785"/>
+          <a:ext cx="8775700" cy="4686300"/>
+        </p:xfrm>
+        <a:graphic>
+          <a:graphicData uri="http://schemas.openxmlformats.org/drawingml/2006/chart">
+            <c:chart xmlns:c="http://schemas.openxmlformats.org/drawingml/2006/chart" xmlns:r="http://schemas.openxmlformats.org/officeDocument/2006/relationships" r:id="rId2"/>
+          </a:graphicData>
+        </a:graphic>
+      </p:graphicFrame>
+    </p:spTree>
+    <p:extLst>
+      <p:ext uri="{BB962C8B-B14F-4D97-AF65-F5344CB8AC3E}">
+        <p14:creationId xmlns:p14="http://schemas.microsoft.com/office/powerpoint/2010/main" val="2037508232"/>
+      </p:ext>
+    </p:extLst>
+  </p:cSld>
+  <p:clrMapOvr>
+    <a:masterClrMapping/>
+  </p:clrMapOvr>
+  <p:timing>
+    <p:tnLst>
+      <p:par>
+        <p:cTn xmlns:p14="http://schemas.microsoft.com/office/powerpoint/2010/main" id="1" dur="indefinite" restart="never" nodeType="tmRoot"/>
+      </p:par>
+    </p:tnLst>
+  </p:timing>
+</p:sld>
+</file>
+
+<file path=ppt/slides/slide4.xml><?xml version="1.0" encoding="utf-8"?>
+<p:sld xmlns:a="http://schemas.openxmlformats.org/drawingml/2006/main" xmlns:r="http://schemas.openxmlformats.org/officeDocument/2006/relationships" xmlns:p="http://schemas.openxmlformats.org/presentationml/2006/main">
+  <p:cSld>
+    <p:spTree>
+      <p:nvGrpSpPr>
+        <p:cNvPr id="1" name=""/>
+        <p:cNvGrpSpPr/>
+        <p:nvPr/>
+      </p:nvGrpSpPr>
+      <p:grpSpPr>
+        <a:xfrm>
+          <a:off x="0" y="0"/>
+          <a:ext cx="0" cy="0"/>
+          <a:chOff x="0" y="0"/>
+          <a:chExt cx="0" cy="0"/>
+        </a:xfrm>
+      </p:grpSpPr>
+      <p:sp>
+        <p:nvSpPr>
+          <p:cNvPr id="4" name="Title 1"/>
+          <p:cNvSpPr>
+            <a:spLocks noGrp="1"/>
+          </p:cNvSpPr>
+          <p:nvPr>
+            <p:ph type="title"/>
+          </p:nvPr>
+        </p:nvSpPr>
+        <p:spPr>
+          <a:xfrm>
+            <a:off x="457200" y="274638"/>
+            <a:ext cx="8229600" cy="1143000"/>
+          </a:xfrm>
+        </p:spPr>
+        <p:txBody>
+          <a:bodyPr/>
+          <a:lstStyle/>
+          <a:p>
+            <a:r>
+              <a:rPr lang="en-US" dirty="0" smtClean="0"/>
+              <a:t>Concept Drift Tracking</a:t>
+            </a:r>
+            <a:endParaRPr lang="en-US" dirty="0"/>
+          </a:p>
+        </p:txBody>
+      </p:sp>
+      <p:graphicFrame>
+        <p:nvGraphicFramePr>
+          <p:cNvPr id="5" name="Chart 4"/>
+          <p:cNvGraphicFramePr>
+            <a:graphicFrameLocks/>
+          </p:cNvGraphicFramePr>
+          <p:nvPr>
+            <p:extLst>
+              <p:ext uri="{D42A27DB-BD31-4B8C-83A1-F6EECF244321}">
+                <p14:modId xmlns:p14="http://schemas.microsoft.com/office/powerpoint/2010/main" val="923899825"/>
+              </p:ext>
+            </p:extLst>
+          </p:nvPr>
+        </p:nvGraphicFramePr>
+        <p:xfrm>
+          <a:off x="457200" y="1934203"/>
+          <a:ext cx="8229600" cy="4571410"/>
+        </p:xfrm>
+        <a:graphic>
+          <a:graphicData uri="http://schemas.openxmlformats.org/drawingml/2006/chart">
+            <c:chart xmlns:c="http://schemas.openxmlformats.org/drawingml/2006/chart" xmlns:r="http://schemas.openxmlformats.org/officeDocument/2006/relationships" r:id="rId2"/>
+          </a:graphicData>
+        </a:graphic>
+      </p:graphicFrame>
+    </p:spTree>
+    <p:extLst>
+      <p:ext uri="{BB962C8B-B14F-4D97-AF65-F5344CB8AC3E}">
+        <p14:creationId xmlns:p14="http://schemas.microsoft.com/office/powerpoint/2010/main" val="534047083"/>
+      </p:ext>
+    </p:extLst>
+  </p:cSld>
+  <p:clrMapOvr>
+    <a:masterClrMapping/>
+  </p:clrMapOvr>
+  <p:timing>
+    <p:tnLst>
+      <p:par>
+        <p:cTn xmlns:p14="http://schemas.microsoft.com/office/powerpoint/2010/main" id="1" dur="indefinite" restart="never" nodeType="tmRoot"/>
+      </p:par>
+    </p:tnLst>
+  </p:timing>
+</p:sld>
+</file>
+
+<file path=ppt/slides/slide5.xml><?xml version="1.0" encoding="utf-8"?>
 <p:sld xmlns:a="http://schemas.openxmlformats.org/drawingml/2006/main" xmlns:r="http://schemas.openxmlformats.org/officeDocument/2006/relationships" xmlns:p="http://schemas.openxmlformats.org/presentationml/2006/main">
   <p:cSld>
     <p:spTree>
@@ -11377,7 +14440,7 @@
 </p:sld>
 </file>
 
-<file path=ppt/slides/slide3.xml><?xml version="1.0" encoding="utf-8"?>
+<file path=ppt/slides/slide6.xml><?xml version="1.0" encoding="utf-8"?>
 <p:sld xmlns:a="http://schemas.openxmlformats.org/drawingml/2006/main" xmlns:r="http://schemas.openxmlformats.org/officeDocument/2006/relationships" xmlns:p="http://schemas.openxmlformats.org/presentationml/2006/main">
   <p:cSld>
     <p:spTree>
@@ -11566,7 +14629,7 @@
 </p:sld>
 </file>
 
-<file path=ppt/slides/slide4.xml><?xml version="1.0" encoding="utf-8"?>
+<file path=ppt/slides/slide7.xml><?xml version="1.0" encoding="utf-8"?>
 <p:sld xmlns:a="http://schemas.openxmlformats.org/drawingml/2006/main" xmlns:r="http://schemas.openxmlformats.org/officeDocument/2006/relationships" xmlns:p="http://schemas.openxmlformats.org/presentationml/2006/main">
   <p:cSld>
     <p:spTree>
@@ -11751,7 +14814,7 @@
 </p:sld>
 </file>
 
-<file path=ppt/slides/slide5.xml><?xml version="1.0" encoding="utf-8"?>
+<file path=ppt/slides/slide8.xml><?xml version="1.0" encoding="utf-8"?>
 <p:sld xmlns:a="http://schemas.openxmlformats.org/drawingml/2006/main" xmlns:r="http://schemas.openxmlformats.org/officeDocument/2006/relationships" xmlns:p="http://schemas.openxmlformats.org/presentationml/2006/main">
   <p:cSld>
     <p:spTree>
@@ -11936,7 +14999,7 @@
 </p:sld>
 </file>
 
-<file path=ppt/slides/slide6.xml><?xml version="1.0" encoding="utf-8"?>
+<file path=ppt/slides/slide9.xml><?xml version="1.0" encoding="utf-8"?>
 <p:sld xmlns:a="http://schemas.openxmlformats.org/drawingml/2006/main" xmlns:r="http://schemas.openxmlformats.org/officeDocument/2006/relationships" xmlns:p="http://schemas.openxmlformats.org/presentationml/2006/main">
   <p:cSld>
     <p:spTree>
@@ -12115,379 +15178,6 @@
     <p:extLst>
       <p:ext uri="{BB962C8B-B14F-4D97-AF65-F5344CB8AC3E}">
         <p14:creationId xmlns:p14="http://schemas.microsoft.com/office/powerpoint/2010/main" val="3938990261"/>
-      </p:ext>
-    </p:extLst>
-  </p:cSld>
-  <p:clrMapOvr>
-    <a:masterClrMapping/>
-  </p:clrMapOvr>
-  <p:timing>
-    <p:tnLst>
-      <p:par>
-        <p:cTn xmlns:p14="http://schemas.microsoft.com/office/powerpoint/2010/main" id="1" dur="indefinite" restart="never" nodeType="tmRoot"/>
-      </p:par>
-    </p:tnLst>
-  </p:timing>
-</p:sld>
-</file>
-
-<file path=ppt/slides/slide7.xml><?xml version="1.0" encoding="utf-8"?>
-<p:sld xmlns:a="http://schemas.openxmlformats.org/drawingml/2006/main" xmlns:r="http://schemas.openxmlformats.org/officeDocument/2006/relationships" xmlns:p="http://schemas.openxmlformats.org/presentationml/2006/main">
-  <p:cSld>
-    <p:spTree>
-      <p:nvGrpSpPr>
-        <p:cNvPr id="1" name=""/>
-        <p:cNvGrpSpPr/>
-        <p:nvPr/>
-      </p:nvGrpSpPr>
-      <p:grpSpPr>
-        <a:xfrm>
-          <a:off x="0" y="0"/>
-          <a:ext cx="0" cy="0"/>
-          <a:chOff x="0" y="0"/>
-          <a:chExt cx="0" cy="0"/>
-        </a:xfrm>
-      </p:grpSpPr>
-      <p:sp>
-        <p:nvSpPr>
-          <p:cNvPr id="2" name="Title 1"/>
-          <p:cNvSpPr>
-            <a:spLocks noGrp="1"/>
-          </p:cNvSpPr>
-          <p:nvPr>
-            <p:ph type="title"/>
-          </p:nvPr>
-        </p:nvSpPr>
-        <p:spPr/>
-        <p:txBody>
-          <a:bodyPr>
-            <a:normAutofit fontScale="90000"/>
-          </a:bodyPr>
-          <a:lstStyle/>
-          <a:p>
-            <a:r>
-              <a:rPr lang="en-US" dirty="0" smtClean="0"/>
-              <a:t>Var07: </a:t>
-            </a:r>
-            <a:r>
-              <a:rPr lang="en-US" dirty="0"/>
-              <a:t>Unpaid amount in </a:t>
-            </a:r>
-            <a:r>
-              <a:rPr lang="en-US" dirty="0" smtClean="0"/>
-              <a:t>mortgages</a:t>
-            </a:r>
-            <a:endParaRPr lang="en-US" dirty="0"/>
-          </a:p>
-        </p:txBody>
-      </p:sp>
-      <p:sp>
-        <p:nvSpPr>
-          <p:cNvPr id="3" name="Content Placeholder 2"/>
-          <p:cNvSpPr>
-            <a:spLocks noGrp="1"/>
-          </p:cNvSpPr>
-          <p:nvPr>
-            <p:ph idx="1"/>
-          </p:nvPr>
-        </p:nvSpPr>
-        <p:spPr/>
-        <p:txBody>
-          <a:bodyPr/>
-          <a:lstStyle/>
-          <a:p>
-            <a:endParaRPr lang="en-US"/>
-          </a:p>
-        </p:txBody>
-      </p:sp>
-      <p:graphicFrame>
-        <p:nvGraphicFramePr>
-          <p:cNvPr id="4" name="Chart 3"/>
-          <p:cNvGraphicFramePr>
-            <a:graphicFrameLocks/>
-          </p:cNvGraphicFramePr>
-          <p:nvPr>
-            <p:extLst>
-              <p:ext uri="{D42A27DB-BD31-4B8C-83A1-F6EECF244321}">
-                <p14:modId xmlns:p14="http://schemas.microsoft.com/office/powerpoint/2010/main" val="318407672"/>
-              </p:ext>
-            </p:extLst>
-          </p:nvPr>
-        </p:nvGraphicFramePr>
-        <p:xfrm>
-          <a:off x="101600" y="2038350"/>
-          <a:ext cx="4572000" cy="2743200"/>
-        </p:xfrm>
-        <a:graphic>
-          <a:graphicData uri="http://schemas.openxmlformats.org/drawingml/2006/chart">
-            <c:chart xmlns:c="http://schemas.openxmlformats.org/drawingml/2006/chart" xmlns:r="http://schemas.openxmlformats.org/officeDocument/2006/relationships" r:id="rId2"/>
-          </a:graphicData>
-        </a:graphic>
-      </p:graphicFrame>
-      <p:graphicFrame>
-        <p:nvGraphicFramePr>
-          <p:cNvPr id="5" name="Chart 4"/>
-          <p:cNvGraphicFramePr>
-            <a:graphicFrameLocks/>
-          </p:cNvGraphicFramePr>
-          <p:nvPr/>
-        </p:nvGraphicFramePr>
-        <p:xfrm>
-          <a:off x="4673600" y="2076450"/>
-          <a:ext cx="4572000" cy="2743200"/>
-        </p:xfrm>
-        <a:graphic>
-          <a:graphicData uri="http://schemas.openxmlformats.org/drawingml/2006/chart">
-            <c:chart xmlns:c="http://schemas.openxmlformats.org/drawingml/2006/chart" xmlns:r="http://schemas.openxmlformats.org/officeDocument/2006/relationships" r:id="rId3"/>
-          </a:graphicData>
-        </a:graphic>
-      </p:graphicFrame>
-      <p:sp>
-        <p:nvSpPr>
-          <p:cNvPr id="6" name="TextBox 5"/>
-          <p:cNvSpPr txBox="1"/>
-          <p:nvPr/>
-        </p:nvSpPr>
-        <p:spPr>
-          <a:xfrm>
-            <a:off x="696981" y="5405854"/>
-            <a:ext cx="1622409" cy="369332"/>
-          </a:xfrm>
-          <a:prstGeom prst="rect">
-            <a:avLst/>
-          </a:prstGeom>
-          <a:noFill/>
-        </p:spPr>
-        <p:txBody>
-          <a:bodyPr wrap="none" rtlCol="0">
-            <a:spAutoFit/>
-          </a:bodyPr>
-          <a:lstStyle/>
-          <a:p>
-            <a:r>
-              <a:rPr lang="en-US" dirty="0" smtClean="0"/>
-              <a:t>Non-Defaulters</a:t>
-            </a:r>
-          </a:p>
-        </p:txBody>
-      </p:sp>
-      <p:sp>
-        <p:nvSpPr>
-          <p:cNvPr id="7" name="TextBox 6"/>
-          <p:cNvSpPr txBox="1"/>
-          <p:nvPr/>
-        </p:nvSpPr>
-        <p:spPr>
-          <a:xfrm>
-            <a:off x="5945084" y="5373588"/>
-            <a:ext cx="1159730" cy="369332"/>
-          </a:xfrm>
-          <a:prstGeom prst="rect">
-            <a:avLst/>
-          </a:prstGeom>
-          <a:noFill/>
-        </p:spPr>
-        <p:txBody>
-          <a:bodyPr wrap="none" rtlCol="0">
-            <a:spAutoFit/>
-          </a:bodyPr>
-          <a:lstStyle/>
-          <a:p>
-            <a:r>
-              <a:rPr lang="en-US" dirty="0" smtClean="0"/>
-              <a:t>Defaulters</a:t>
-            </a:r>
-          </a:p>
-        </p:txBody>
-      </p:sp>
-    </p:spTree>
-    <p:extLst>
-      <p:ext uri="{BB962C8B-B14F-4D97-AF65-F5344CB8AC3E}">
-        <p14:creationId xmlns:p14="http://schemas.microsoft.com/office/powerpoint/2010/main" val="1149916119"/>
-      </p:ext>
-    </p:extLst>
-  </p:cSld>
-  <p:clrMapOvr>
-    <a:masterClrMapping/>
-  </p:clrMapOvr>
-  <p:timing>
-    <p:tnLst>
-      <p:par>
-        <p:cTn xmlns:p14="http://schemas.microsoft.com/office/powerpoint/2010/main" id="1" dur="indefinite" restart="never" nodeType="tmRoot"/>
-      </p:par>
-    </p:tnLst>
-  </p:timing>
-</p:sld>
-</file>
-
-<file path=ppt/slides/slide8.xml><?xml version="1.0" encoding="utf-8"?>
-<p:sld xmlns:a="http://schemas.openxmlformats.org/drawingml/2006/main" xmlns:r="http://schemas.openxmlformats.org/officeDocument/2006/relationships" xmlns:p="http://schemas.openxmlformats.org/presentationml/2006/main">
-  <p:cSld>
-    <p:spTree>
-      <p:nvGrpSpPr>
-        <p:cNvPr id="1" name=""/>
-        <p:cNvGrpSpPr/>
-        <p:nvPr/>
-      </p:nvGrpSpPr>
-      <p:grpSpPr>
-        <a:xfrm>
-          <a:off x="0" y="0"/>
-          <a:ext cx="0" cy="0"/>
-          <a:chOff x="0" y="0"/>
-          <a:chExt cx="0" cy="0"/>
-        </a:xfrm>
-      </p:grpSpPr>
-      <p:sp>
-        <p:nvSpPr>
-          <p:cNvPr id="2" name="Title 1"/>
-          <p:cNvSpPr>
-            <a:spLocks noGrp="1"/>
-          </p:cNvSpPr>
-          <p:nvPr>
-            <p:ph type="title"/>
-          </p:nvPr>
-        </p:nvSpPr>
-        <p:spPr/>
-        <p:txBody>
-          <a:bodyPr>
-            <a:normAutofit fontScale="90000"/>
-          </a:bodyPr>
-          <a:lstStyle/>
-          <a:p>
-            <a:r>
-              <a:rPr lang="en-US" dirty="0" smtClean="0"/>
-              <a:t>Var08: </a:t>
-            </a:r>
-            <a:r>
-              <a:rPr lang="en-US" dirty="0"/>
-              <a:t>Unpaid amount in personal loans </a:t>
-            </a:r>
-          </a:p>
-        </p:txBody>
-      </p:sp>
-      <p:sp>
-        <p:nvSpPr>
-          <p:cNvPr id="3" name="Content Placeholder 2"/>
-          <p:cNvSpPr>
-            <a:spLocks noGrp="1"/>
-          </p:cNvSpPr>
-          <p:nvPr>
-            <p:ph idx="1"/>
-          </p:nvPr>
-        </p:nvSpPr>
-        <p:spPr/>
-        <p:txBody>
-          <a:bodyPr/>
-          <a:lstStyle/>
-          <a:p>
-            <a:endParaRPr lang="en-US" dirty="0"/>
-          </a:p>
-        </p:txBody>
-      </p:sp>
-      <p:graphicFrame>
-        <p:nvGraphicFramePr>
-          <p:cNvPr id="6" name="Chart 5"/>
-          <p:cNvGraphicFramePr>
-            <a:graphicFrameLocks/>
-          </p:cNvGraphicFramePr>
-          <p:nvPr>
-            <p:extLst>
-              <p:ext uri="{D42A27DB-BD31-4B8C-83A1-F6EECF244321}">
-                <p14:modId xmlns:p14="http://schemas.microsoft.com/office/powerpoint/2010/main" val="2890701773"/>
-              </p:ext>
-            </p:extLst>
-          </p:nvPr>
-        </p:nvGraphicFramePr>
-        <p:xfrm>
-          <a:off x="0" y="2038350"/>
-          <a:ext cx="4572000" cy="2743200"/>
-        </p:xfrm>
-        <a:graphic>
-          <a:graphicData uri="http://schemas.openxmlformats.org/drawingml/2006/chart">
-            <c:chart xmlns:c="http://schemas.openxmlformats.org/drawingml/2006/chart" xmlns:r="http://schemas.openxmlformats.org/officeDocument/2006/relationships" r:id="rId2"/>
-          </a:graphicData>
-        </a:graphic>
-      </p:graphicFrame>
-      <p:graphicFrame>
-        <p:nvGraphicFramePr>
-          <p:cNvPr id="7" name="Chart 6"/>
-          <p:cNvGraphicFramePr>
-            <a:graphicFrameLocks/>
-          </p:cNvGraphicFramePr>
-          <p:nvPr/>
-        </p:nvGraphicFramePr>
-        <p:xfrm>
-          <a:off x="4730750" y="2076450"/>
-          <a:ext cx="4572000" cy="2743200"/>
-        </p:xfrm>
-        <a:graphic>
-          <a:graphicData uri="http://schemas.openxmlformats.org/drawingml/2006/chart">
-            <c:chart xmlns:c="http://schemas.openxmlformats.org/drawingml/2006/chart" xmlns:r="http://schemas.openxmlformats.org/officeDocument/2006/relationships" r:id="rId3"/>
-          </a:graphicData>
-        </a:graphic>
-      </p:graphicFrame>
-      <p:sp>
-        <p:nvSpPr>
-          <p:cNvPr id="8" name="TextBox 7"/>
-          <p:cNvSpPr txBox="1"/>
-          <p:nvPr/>
-        </p:nvSpPr>
-        <p:spPr>
-          <a:xfrm>
-            <a:off x="696981" y="5405854"/>
-            <a:ext cx="1622409" cy="369332"/>
-          </a:xfrm>
-          <a:prstGeom prst="rect">
-            <a:avLst/>
-          </a:prstGeom>
-          <a:noFill/>
-        </p:spPr>
-        <p:txBody>
-          <a:bodyPr wrap="none" rtlCol="0">
-            <a:spAutoFit/>
-          </a:bodyPr>
-          <a:lstStyle/>
-          <a:p>
-            <a:r>
-              <a:rPr lang="en-US" dirty="0" smtClean="0"/>
-              <a:t>Non-Defaulters</a:t>
-            </a:r>
-          </a:p>
-        </p:txBody>
-      </p:sp>
-      <p:sp>
-        <p:nvSpPr>
-          <p:cNvPr id="9" name="TextBox 8"/>
-          <p:cNvSpPr txBox="1"/>
-          <p:nvPr/>
-        </p:nvSpPr>
-        <p:spPr>
-          <a:xfrm>
-            <a:off x="5945084" y="5373588"/>
-            <a:ext cx="1159730" cy="369332"/>
-          </a:xfrm>
-          <a:prstGeom prst="rect">
-            <a:avLst/>
-          </a:prstGeom>
-          <a:noFill/>
-        </p:spPr>
-        <p:txBody>
-          <a:bodyPr wrap="none" rtlCol="0">
-            <a:spAutoFit/>
-          </a:bodyPr>
-          <a:lstStyle/>
-          <a:p>
-            <a:r>
-              <a:rPr lang="en-US" dirty="0" smtClean="0"/>
-              <a:t>Defaulters</a:t>
-            </a:r>
-          </a:p>
-        </p:txBody>
-      </p:sp>
-    </p:spTree>
-    <p:extLst>
-      <p:ext uri="{BB962C8B-B14F-4D97-AF65-F5344CB8AC3E}">
-        <p14:creationId xmlns:p14="http://schemas.microsoft.com/office/powerpoint/2010/main" val="515556087"/>
       </p:ext>
     </p:extLst>
   </p:cSld>

--- a/extensions/icdm2016/doc-Experiments/ResidualAnalysis.pptx
+++ b/extensions/icdm2016/doc-Experiments/ResidualAnalysis.pptx
@@ -16,6 +16,12 @@
     <p:sldId id="261" r:id="rId10"/>
     <p:sldId id="262" r:id="rId11"/>
     <p:sldId id="263" r:id="rId12"/>
+    <p:sldId id="267" r:id="rId13"/>
+    <p:sldId id="268" r:id="rId14"/>
+    <p:sldId id="269" r:id="rId15"/>
+    <p:sldId id="270" r:id="rId16"/>
+    <p:sldId id="271" r:id="rId17"/>
+    <p:sldId id="272" r:id="rId18"/>
   </p:sldIdLst>
   <p:sldSz cx="9144000" cy="6858000" type="screen4x3"/>
   <p:notesSz cx="6858000" cy="9144000"/>
@@ -4236,6 +4242,3747 @@
 </c:chartSpace>
 </file>
 
+<file path=ppt/charts/chart17.xml><?xml version="1.0" encoding="utf-8"?>
+<c:chartSpace xmlns:c="http://schemas.openxmlformats.org/drawingml/2006/chart" xmlns:a="http://schemas.openxmlformats.org/drawingml/2006/main" xmlns:r="http://schemas.openxmlformats.org/officeDocument/2006/relationships">
+  <c:date1904 val="0"/>
+  <c:lang val="en-US"/>
+  <c:roundedCorners val="0"/>
+  <mc:AlternateContent xmlns:mc="http://schemas.openxmlformats.org/markup-compatibility/2006">
+    <mc:Choice xmlns:c14="http://schemas.microsoft.com/office/drawing/2007/8/2/chart" Requires="c14">
+      <c14:style val="118"/>
+    </mc:Choice>
+    <mc:Fallback>
+      <c:style val="18"/>
+    </mc:Fallback>
+  </mc:AlternateContent>
+  <c:chart>
+    <c:autoTitleDeleted val="0"/>
+    <c:plotArea>
+      <c:layout/>
+      <c:lineChart>
+        <c:grouping val="standard"/>
+        <c:varyColors val="0"/>
+        <c:ser>
+          <c:idx val="0"/>
+          <c:order val="0"/>
+          <c:tx>
+            <c:strRef>
+              <c:f>'VAR01'!$A$1</c:f>
+              <c:strCache>
+                <c:ptCount val="1"/>
+                <c:pt idx="0">
+                  <c:v>VAR01realMean_c0</c:v>
+                </c:pt>
+              </c:strCache>
+            </c:strRef>
+          </c:tx>
+          <c:marker>
+            <c:symbol val="none"/>
+          </c:marker>
+          <c:val>
+            <c:numRef>
+              <c:f>'VAR01'!$A$2:$A$64</c:f>
+              <c:numCache>
+                <c:formatCode>General</c:formatCode>
+                <c:ptCount val="63"/>
+                <c:pt idx="0">
+                  <c:v>58371.9364778383</c:v>
+                </c:pt>
+                <c:pt idx="1">
+                  <c:v>58891.8462388507</c:v>
+                </c:pt>
+                <c:pt idx="2">
+                  <c:v>59324.6576402321</c:v>
+                </c:pt>
+                <c:pt idx="3">
+                  <c:v>60083.1934750215</c:v>
+                </c:pt>
+                <c:pt idx="4">
+                  <c:v>61043.1368912381</c:v>
+                </c:pt>
+                <c:pt idx="5">
+                  <c:v>60696.358897645</c:v>
+                </c:pt>
+                <c:pt idx="6">
+                  <c:v>61615.5286326571</c:v>
+                </c:pt>
+                <c:pt idx="7">
+                  <c:v>61644.7151645229</c:v>
+                </c:pt>
+                <c:pt idx="8">
+                  <c:v>61587.1840577722</c:v>
+                </c:pt>
+                <c:pt idx="9">
+                  <c:v>62330.4058010178</c:v>
+                </c:pt>
+                <c:pt idx="10">
+                  <c:v>62354.1118643558</c:v>
+                </c:pt>
+                <c:pt idx="11">
+                  <c:v>61844.9621766899</c:v>
+                </c:pt>
+                <c:pt idx="12">
+                  <c:v>62726.7114850926</c:v>
+                </c:pt>
+                <c:pt idx="13">
+                  <c:v>63331.1122889376</c:v>
+                </c:pt>
+                <c:pt idx="14">
+                  <c:v>63194.5296409891</c:v>
+                </c:pt>
+                <c:pt idx="15">
+                  <c:v>63208.9634518825</c:v>
+                </c:pt>
+                <c:pt idx="16">
+                  <c:v>63357.2825097383</c:v>
+                </c:pt>
+                <c:pt idx="17">
+                  <c:v>62413.8865567878</c:v>
+                </c:pt>
+                <c:pt idx="18">
+                  <c:v>62241.0297903641</c:v>
+                </c:pt>
+                <c:pt idx="19">
+                  <c:v>63316.2282032389</c:v>
+                </c:pt>
+                <c:pt idx="20">
+                  <c:v>63176.1540598634</c:v>
+                </c:pt>
+                <c:pt idx="21">
+                  <c:v>62472.3763782525</c:v>
+                </c:pt>
+                <c:pt idx="22">
+                  <c:v>64044.1820715014</c:v>
+                </c:pt>
+                <c:pt idx="23">
+                  <c:v>63603.3069923021</c:v>
+                </c:pt>
+                <c:pt idx="24">
+                  <c:v>63535.7330942112</c:v>
+                </c:pt>
+                <c:pt idx="25">
+                  <c:v>63435.5369643652</c:v>
+                </c:pt>
+                <c:pt idx="26">
+                  <c:v>63385.6177119218</c:v>
+                </c:pt>
+                <c:pt idx="27">
+                  <c:v>61959.2577366354</c:v>
+                </c:pt>
+                <c:pt idx="28">
+                  <c:v>62607.4065610762</c:v>
+                </c:pt>
+                <c:pt idx="29">
+                  <c:v>61643.708296919</c:v>
+                </c:pt>
+                <c:pt idx="30">
+                  <c:v>61728.4304678072</c:v>
+                </c:pt>
+                <c:pt idx="31">
+                  <c:v>61140.5527019569</c:v>
+                </c:pt>
+                <c:pt idx="32">
+                  <c:v>59500.6692497358</c:v>
+                </c:pt>
+                <c:pt idx="33">
+                  <c:v>60390.6739096868</c:v>
+                </c:pt>
+                <c:pt idx="34">
+                  <c:v>59499.4282565268</c:v>
+                </c:pt>
+                <c:pt idx="35">
+                  <c:v>59589.5019620529</c:v>
+                </c:pt>
+                <c:pt idx="36">
+                  <c:v>60526.5887010217</c:v>
+                </c:pt>
+                <c:pt idx="37">
+                  <c:v>59408.5400322629</c:v>
+                </c:pt>
+                <c:pt idx="38">
+                  <c:v>59392.700729927</c:v>
+                </c:pt>
+                <c:pt idx="39">
+                  <c:v>58135.240716798</c:v>
+                </c:pt>
+                <c:pt idx="40">
+                  <c:v>57514.3877395061</c:v>
+                </c:pt>
+                <c:pt idx="41">
+                  <c:v>56888.4547118149</c:v>
+                </c:pt>
+                <c:pt idx="42">
+                  <c:v>56865.4403021612</c:v>
+                </c:pt>
+                <c:pt idx="43">
+                  <c:v>56194.3126028477</c:v>
+                </c:pt>
+                <c:pt idx="44">
+                  <c:v>56162.4157218856</c:v>
+                </c:pt>
+                <c:pt idx="45">
+                  <c:v>55348.9161625823</c:v>
+                </c:pt>
+                <c:pt idx="46">
+                  <c:v>54509.857838884</c:v>
+                </c:pt>
+                <c:pt idx="47">
+                  <c:v>53541.5781385715</c:v>
+                </c:pt>
+                <c:pt idx="48">
+                  <c:v>53548.175153239</c:v>
+                </c:pt>
+                <c:pt idx="49">
+                  <c:v>52755.8492114984</c:v>
+                </c:pt>
+                <c:pt idx="50">
+                  <c:v>53514.5665480621</c:v>
+                </c:pt>
+                <c:pt idx="51">
+                  <c:v>52888.176744565</c:v>
+                </c:pt>
+                <c:pt idx="52">
+                  <c:v>52549.2053496872</c:v>
+                </c:pt>
+                <c:pt idx="53">
+                  <c:v>52371.8633971194</c:v>
+                </c:pt>
+                <c:pt idx="54">
+                  <c:v>51624.278014419</c:v>
+                </c:pt>
+                <c:pt idx="55">
+                  <c:v>50212.0766641478</c:v>
+                </c:pt>
+                <c:pt idx="56">
+                  <c:v>50368.3070513085</c:v>
+                </c:pt>
+                <c:pt idx="57">
+                  <c:v>49577.2927209299</c:v>
+                </c:pt>
+                <c:pt idx="58">
+                  <c:v>50413.089961625</c:v>
+                </c:pt>
+                <c:pt idx="59">
+                  <c:v>50757.8478496821</c:v>
+                </c:pt>
+                <c:pt idx="60">
+                  <c:v>50917.3867259062</c:v>
+                </c:pt>
+                <c:pt idx="61">
+                  <c:v>49957.3329578258</c:v>
+                </c:pt>
+                <c:pt idx="62">
+                  <c:v>50586.1577981651</c:v>
+                </c:pt>
+              </c:numCache>
+            </c:numRef>
+          </c:val>
+          <c:smooth val="0"/>
+        </c:ser>
+        <c:ser>
+          <c:idx val="1"/>
+          <c:order val="1"/>
+          <c:tx>
+            <c:strRef>
+              <c:f>'VAR01'!$B$1</c:f>
+              <c:strCache>
+                <c:ptCount val="1"/>
+                <c:pt idx="0">
+                  <c:v>VAR01learntMean_c0</c:v>
+                </c:pt>
+              </c:strCache>
+            </c:strRef>
+          </c:tx>
+          <c:marker>
+            <c:symbol val="none"/>
+          </c:marker>
+          <c:val>
+            <c:numRef>
+              <c:f>'VAR01'!$B$2:$B$64</c:f>
+              <c:numCache>
+                <c:formatCode>General</c:formatCode>
+                <c:ptCount val="63"/>
+                <c:pt idx="0">
+                  <c:v>58373.6158910317</c:v>
+                </c:pt>
+                <c:pt idx="1">
+                  <c:v>58730.9549434752</c:v>
+                </c:pt>
+                <c:pt idx="2">
+                  <c:v>59034.3781630921</c:v>
+                </c:pt>
+                <c:pt idx="3">
+                  <c:v>59456.3549477671</c:v>
+                </c:pt>
+                <c:pt idx="4">
+                  <c:v>59998.0644754531</c:v>
+                </c:pt>
+                <c:pt idx="5">
+                  <c:v>60210.1715416042</c:v>
+                </c:pt>
+                <c:pt idx="6">
+                  <c:v>60586.1550820953</c:v>
+                </c:pt>
+                <c:pt idx="7">
+                  <c:v>60858.2873263592</c:v>
+                </c:pt>
+                <c:pt idx="8">
+                  <c:v>61035.4858537007</c:v>
+                </c:pt>
+                <c:pt idx="9">
+                  <c:v>61316.5900796553</c:v>
+                </c:pt>
+                <c:pt idx="10">
+                  <c:v>61555.5480180617</c:v>
+                </c:pt>
+                <c:pt idx="11">
+                  <c:v>61653.3189272056</c:v>
+                </c:pt>
+                <c:pt idx="12">
+                  <c:v>61868.9364907012</c:v>
+                </c:pt>
+                <c:pt idx="13">
+                  <c:v>62123.3696116464</c:v>
+                </c:pt>
+                <c:pt idx="14">
+                  <c:v>62311.9681385698</c:v>
+                </c:pt>
+                <c:pt idx="15">
+                  <c:v>62460.0321397875</c:v>
+                </c:pt>
+                <c:pt idx="16">
+                  <c:v>62606.6230041439</c:v>
+                </c:pt>
+                <c:pt idx="17">
+                  <c:v>62614.300441827</c:v>
+                </c:pt>
+                <c:pt idx="18">
+                  <c:v>62602.3354133215</c:v>
+                </c:pt>
+                <c:pt idx="19">
+                  <c:v>62720.4492271502</c:v>
+                </c:pt>
+                <c:pt idx="20">
+                  <c:v>62773.203871223</c:v>
+                </c:pt>
+                <c:pt idx="21">
+                  <c:v>62779.9467662145</c:v>
+                </c:pt>
+                <c:pt idx="22">
+                  <c:v>62896.9642722831</c:v>
+                </c:pt>
+                <c:pt idx="23">
+                  <c:v>62972.9669344293</c:v>
+                </c:pt>
+                <c:pt idx="24">
+                  <c:v>63037.6494746303</c:v>
+                </c:pt>
+                <c:pt idx="25">
+                  <c:v>63116.0022964221</c:v>
+                </c:pt>
+                <c:pt idx="26">
+                  <c:v>63178.7687266624</c:v>
+                </c:pt>
+                <c:pt idx="27">
+                  <c:v>63149.3408027963</c:v>
+                </c:pt>
+                <c:pt idx="28">
+                  <c:v>63163.3267723858</c:v>
+                </c:pt>
+                <c:pt idx="29">
+                  <c:v>63114.716809254</c:v>
+                </c:pt>
+                <c:pt idx="30">
+                  <c:v>63070.3663468385</c:v>
+                </c:pt>
+                <c:pt idx="31">
+                  <c:v>63002.463931229</c:v>
+                </c:pt>
+                <c:pt idx="32">
+                  <c:v>62809.1569006121</c:v>
+                </c:pt>
+                <c:pt idx="33">
+                  <c:v>62678.3414583178</c:v>
+                </c:pt>
+                <c:pt idx="34">
+                  <c:v>62539.6697894514</c:v>
+                </c:pt>
+                <c:pt idx="35">
+                  <c:v>62394.4275810111</c:v>
+                </c:pt>
+                <c:pt idx="36">
+                  <c:v>62304.3378839782</c:v>
+                </c:pt>
+                <c:pt idx="37">
+                  <c:v>62149.6882734421</c:v>
+                </c:pt>
+                <c:pt idx="38">
+                  <c:v>62000.9355962358</c:v>
+                </c:pt>
+                <c:pt idx="39">
+                  <c:v>61790.0874354142</c:v>
+                </c:pt>
+                <c:pt idx="40">
+                  <c:v>61576.5109097144</c:v>
+                </c:pt>
+                <c:pt idx="41">
+                  <c:v>61344.8801672193</c:v>
+                </c:pt>
+                <c:pt idx="42">
+                  <c:v>61147.1249660146</c:v>
+                </c:pt>
+                <c:pt idx="43">
+                  <c:v>60935.4536636114</c:v>
+                </c:pt>
+                <c:pt idx="44">
+                  <c:v>60757.9203695064</c:v>
+                </c:pt>
+                <c:pt idx="45">
+                  <c:v>60522.9980116192</c:v>
+                </c:pt>
+                <c:pt idx="46">
+                  <c:v>60279.4712074882</c:v>
+                </c:pt>
+                <c:pt idx="47">
+                  <c:v>59972.8909566957</c:v>
+                </c:pt>
+                <c:pt idx="48">
+                  <c:v>59673.9903268105</c:v>
+                </c:pt>
+                <c:pt idx="49">
+                  <c:v>59345.4991181406</c:v>
+                </c:pt>
+                <c:pt idx="50">
+                  <c:v>59078.9469913964</c:v>
+                </c:pt>
+                <c:pt idx="51">
+                  <c:v>58796.458696876</c:v>
+                </c:pt>
+                <c:pt idx="52">
+                  <c:v>58522.7170528576</c:v>
+                </c:pt>
+                <c:pt idx="53">
+                  <c:v>58260.7909824642</c:v>
+                </c:pt>
+                <c:pt idx="54">
+                  <c:v>57990.6959618162</c:v>
+                </c:pt>
+                <c:pt idx="55">
+                  <c:v>57680.9368360884</c:v>
+                </c:pt>
+                <c:pt idx="56">
+                  <c:v>57398.5972437737</c:v>
+                </c:pt>
+                <c:pt idx="57">
+                  <c:v>57099.630421882</c:v>
+                </c:pt>
+                <c:pt idx="58">
+                  <c:v>56852.6398007462</c:v>
+                </c:pt>
+                <c:pt idx="59">
+                  <c:v>56628.5180716137</c:v>
+                </c:pt>
+                <c:pt idx="60">
+                  <c:v>56422.7082980129</c:v>
+                </c:pt>
+                <c:pt idx="61">
+                  <c:v>56186.0896586837</c:v>
+                </c:pt>
+                <c:pt idx="62">
+                  <c:v>55989.0393658155</c:v>
+                </c:pt>
+              </c:numCache>
+            </c:numRef>
+          </c:val>
+          <c:smooth val="0"/>
+        </c:ser>
+        <c:ser>
+          <c:idx val="2"/>
+          <c:order val="2"/>
+          <c:tx>
+            <c:strRef>
+              <c:f>'VAR01'!$C$1</c:f>
+              <c:strCache>
+                <c:ptCount val="1"/>
+                <c:pt idx="0">
+                  <c:v>VAR01realMean_c1</c:v>
+                </c:pt>
+              </c:strCache>
+            </c:strRef>
+          </c:tx>
+          <c:spPr>
+            <a:ln>
+              <a:solidFill>
+                <a:schemeClr val="accent5"/>
+              </a:solidFill>
+            </a:ln>
+          </c:spPr>
+          <c:marker>
+            <c:symbol val="none"/>
+          </c:marker>
+          <c:val>
+            <c:numRef>
+              <c:f>'VAR01'!$C$2:$C$64</c:f>
+              <c:numCache>
+                <c:formatCode>General</c:formatCode>
+                <c:ptCount val="63"/>
+                <c:pt idx="0">
+                  <c:v>76836.3954505686</c:v>
+                </c:pt>
+                <c:pt idx="1">
+                  <c:v>75775.34246575341</c:v>
+                </c:pt>
+                <c:pt idx="2">
+                  <c:v>92232.5581395348</c:v>
+                </c:pt>
+                <c:pt idx="3">
+                  <c:v>100478.220574606</c:v>
+                </c:pt>
+                <c:pt idx="4">
+                  <c:v>107495.568090249</c:v>
+                </c:pt>
+                <c:pt idx="5">
+                  <c:v>114851.205320033</c:v>
+                </c:pt>
+                <c:pt idx="6">
+                  <c:v>121279.050042408</c:v>
+                </c:pt>
+                <c:pt idx="7">
+                  <c:v>127614.747930775</c:v>
+                </c:pt>
+                <c:pt idx="8">
+                  <c:v>127784.081954294</c:v>
+                </c:pt>
+                <c:pt idx="9">
+                  <c:v>126753.395282344</c:v>
+                </c:pt>
+                <c:pt idx="10">
+                  <c:v>148866.817155756</c:v>
+                </c:pt>
+                <c:pt idx="11">
+                  <c:v>156911.834789515</c:v>
+                </c:pt>
+                <c:pt idx="12">
+                  <c:v>153483.003952569</c:v>
+                </c:pt>
+                <c:pt idx="13">
+                  <c:v>151897.698209718</c:v>
+                </c:pt>
+                <c:pt idx="14">
+                  <c:v>150157.933579335</c:v>
+                </c:pt>
+                <c:pt idx="15">
+                  <c:v>149515.717926932</c:v>
+                </c:pt>
+                <c:pt idx="16">
+                  <c:v>156445.27595884</c:v>
+                </c:pt>
+                <c:pt idx="17">
+                  <c:v>161383.038210624</c:v>
+                </c:pt>
+                <c:pt idx="18">
+                  <c:v>166389.057750759</c:v>
+                </c:pt>
+                <c:pt idx="19">
+                  <c:v>165316.944688323</c:v>
+                </c:pt>
+                <c:pt idx="20">
+                  <c:v>143534.88372093</c:v>
+                </c:pt>
+                <c:pt idx="21">
+                  <c:v>177492.289442467</c:v>
+                </c:pt>
+                <c:pt idx="22">
+                  <c:v>136664.242424242</c:v>
+                </c:pt>
+                <c:pt idx="23">
+                  <c:v>153719.528178243</c:v>
+                </c:pt>
+                <c:pt idx="24">
+                  <c:v>153301.301301301</c:v>
+                </c:pt>
+                <c:pt idx="25">
+                  <c:v>184232.118758434</c:v>
+                </c:pt>
+                <c:pt idx="26">
+                  <c:v>183360.912981455</c:v>
+                </c:pt>
+                <c:pt idx="27">
+                  <c:v>205210.59602649</c:v>
+                </c:pt>
+                <c:pt idx="28">
+                  <c:v>199906.911142454</c:v>
+                </c:pt>
+                <c:pt idx="29">
+                  <c:v>195657.711442786</c:v>
+                </c:pt>
+                <c:pt idx="30">
+                  <c:v>206036.465638148</c:v>
+                </c:pt>
+                <c:pt idx="31">
+                  <c:v>217148.197596795</c:v>
+                </c:pt>
+                <c:pt idx="32">
+                  <c:v>200007.237635705</c:v>
+                </c:pt>
+                <c:pt idx="33">
+                  <c:v>183477.017364657</c:v>
+                </c:pt>
+                <c:pt idx="34">
+                  <c:v>208012.163336229</c:v>
+                </c:pt>
+                <c:pt idx="35">
+                  <c:v>202604.982206405</c:v>
+                </c:pt>
+                <c:pt idx="36">
+                  <c:v>192273.062730627</c:v>
+                </c:pt>
+                <c:pt idx="37">
+                  <c:v>185055.387713998</c:v>
+                </c:pt>
+                <c:pt idx="38">
+                  <c:v>178014.721345951</c:v>
+                </c:pt>
+                <c:pt idx="39">
+                  <c:v>171584.137191854</c:v>
+                </c:pt>
+                <c:pt idx="40">
+                  <c:v>182572.05720572</c:v>
+                </c:pt>
+                <c:pt idx="41">
+                  <c:v>179030.362389813</c:v>
+                </c:pt>
+                <c:pt idx="42">
+                  <c:v>193648.351648351</c:v>
+                </c:pt>
+                <c:pt idx="43">
+                  <c:v>206713.615023474</c:v>
+                </c:pt>
+                <c:pt idx="44">
+                  <c:v>238650.865998176</c:v>
+                </c:pt>
+                <c:pt idx="45">
+                  <c:v>216406.719717064</c:v>
+                </c:pt>
+                <c:pt idx="46">
+                  <c:v>397377.506538796</c:v>
+                </c:pt>
+                <c:pt idx="47">
+                  <c:v>402586.858685868</c:v>
+                </c:pt>
+                <c:pt idx="48">
+                  <c:v>405994.60916442</c:v>
+                </c:pt>
+                <c:pt idx="49">
+                  <c:v>337112.892451569</c:v>
+                </c:pt>
+                <c:pt idx="50">
+                  <c:v>393787.124463519</c:v>
+                </c:pt>
+                <c:pt idx="51">
+                  <c:v>166755.905511811</c:v>
+                </c:pt>
+                <c:pt idx="52">
+                  <c:v>181300.261096605</c:v>
+                </c:pt>
+                <c:pt idx="53">
+                  <c:v>172142.514011208</c:v>
+                </c:pt>
+                <c:pt idx="54">
+                  <c:v>166956.52173913</c:v>
+                </c:pt>
+                <c:pt idx="55">
+                  <c:v>172375.516956162</c:v>
+                </c:pt>
+                <c:pt idx="56">
+                  <c:v>160888.521882741</c:v>
+                </c:pt>
+                <c:pt idx="57">
+                  <c:v>181164.797238999</c:v>
+                </c:pt>
+                <c:pt idx="58">
+                  <c:v>193803.622497616</c:v>
+                </c:pt>
+                <c:pt idx="59">
+                  <c:v>195689.497716894</c:v>
+                </c:pt>
+                <c:pt idx="60">
+                  <c:v>211573.515092502</c:v>
+                </c:pt>
+                <c:pt idx="61">
+                  <c:v>202765.665236051</c:v>
+                </c:pt>
+                <c:pt idx="62">
+                  <c:v>207521.695257315</c:v>
+                </c:pt>
+              </c:numCache>
+            </c:numRef>
+          </c:val>
+          <c:smooth val="0"/>
+        </c:ser>
+        <c:ser>
+          <c:idx val="3"/>
+          <c:order val="3"/>
+          <c:tx>
+            <c:strRef>
+              <c:f>'VAR01'!$D$1</c:f>
+              <c:strCache>
+                <c:ptCount val="1"/>
+                <c:pt idx="0">
+                  <c:v>VAR01learntMean_c1</c:v>
+                </c:pt>
+              </c:strCache>
+            </c:strRef>
+          </c:tx>
+          <c:spPr>
+            <a:ln>
+              <a:solidFill>
+                <a:schemeClr val="accent2">
+                  <a:lumMod val="50000"/>
+                </a:schemeClr>
+              </a:solidFill>
+            </a:ln>
+          </c:spPr>
+          <c:marker>
+            <c:symbol val="none"/>
+          </c:marker>
+          <c:val>
+            <c:numRef>
+              <c:f>'VAR01'!$D$2:$D$64</c:f>
+              <c:numCache>
+                <c:formatCode>General</c:formatCode>
+                <c:ptCount val="63"/>
+                <c:pt idx="0">
+                  <c:v>76904.6143614859</c:v>
+                </c:pt>
+                <c:pt idx="1">
+                  <c:v>76200.2948777647</c:v>
+                </c:pt>
+                <c:pt idx="2">
+                  <c:v>82516.2238924366</c:v>
+                </c:pt>
+                <c:pt idx="3">
+                  <c:v>87437.64359517211</c:v>
+                </c:pt>
+                <c:pt idx="4">
+                  <c:v>92483.0808082795</c:v>
+                </c:pt>
+                <c:pt idx="5">
+                  <c:v>97220.7184101115</c:v>
+                </c:pt>
+                <c:pt idx="6">
+                  <c:v>101566.310439192</c:v>
+                </c:pt>
+                <c:pt idx="7">
+                  <c:v>106199.712432072</c:v>
+                </c:pt>
+                <c:pt idx="8">
+                  <c:v>109612.806508406</c:v>
+                </c:pt>
+                <c:pt idx="9">
+                  <c:v>112447.720556075</c:v>
+                </c:pt>
+                <c:pt idx="10">
+                  <c:v>117274.321637582</c:v>
+                </c:pt>
+                <c:pt idx="11">
+                  <c:v>121633.739926235</c:v>
+                </c:pt>
+                <c:pt idx="12">
+                  <c:v>124903.485099083</c:v>
+                </c:pt>
+                <c:pt idx="13">
+                  <c:v>127372.727507364</c:v>
+                </c:pt>
+                <c:pt idx="14">
+                  <c:v>129610.81273012</c:v>
+                </c:pt>
+                <c:pt idx="15">
+                  <c:v>131254.417734947</c:v>
+                </c:pt>
+                <c:pt idx="16">
+                  <c:v>133089.030443696</c:v>
+                </c:pt>
+                <c:pt idx="17">
+                  <c:v>134934.485807961</c:v>
+                </c:pt>
+                <c:pt idx="18">
+                  <c:v>136759.679322034</c:v>
+                </c:pt>
+                <c:pt idx="19">
+                  <c:v>138787.615523446</c:v>
+                </c:pt>
+                <c:pt idx="20">
+                  <c:v>139099.351215649</c:v>
+                </c:pt>
+                <c:pt idx="21">
+                  <c:v>140999.995123031</c:v>
+                </c:pt>
+                <c:pt idx="22">
+                  <c:v>140954.947485975</c:v>
+                </c:pt>
+                <c:pt idx="23">
+                  <c:v>141657.868246098</c:v>
+                </c:pt>
+                <c:pt idx="24">
+                  <c:v>142460.879939583</c:v>
+                </c:pt>
+                <c:pt idx="25">
+                  <c:v>144528.622994989</c:v>
+                </c:pt>
+                <c:pt idx="26">
+                  <c:v>146381.085653446</c:v>
+                </c:pt>
+                <c:pt idx="27">
+                  <c:v>149198.314074791</c:v>
+                </c:pt>
+                <c:pt idx="28">
+                  <c:v>151597.723914548</c:v>
+                </c:pt>
+                <c:pt idx="29">
+                  <c:v>154432.618645736</c:v>
+                </c:pt>
+                <c:pt idx="30">
+                  <c:v>156849.990810537</c:v>
+                </c:pt>
+                <c:pt idx="31">
+                  <c:v>159821.209008385</c:v>
+                </c:pt>
+                <c:pt idx="32">
+                  <c:v>161711.360071465</c:v>
+                </c:pt>
+                <c:pt idx="33">
+                  <c:v>162880.515861911</c:v>
+                </c:pt>
+                <c:pt idx="34">
+                  <c:v>166137.009952316</c:v>
+                </c:pt>
+                <c:pt idx="35">
+                  <c:v>167971.808595301</c:v>
+                </c:pt>
+                <c:pt idx="36">
+                  <c:v>169154.232793209</c:v>
+                </c:pt>
+                <c:pt idx="37">
+                  <c:v>169909.634010119</c:v>
+                </c:pt>
+                <c:pt idx="38">
+                  <c:v>170116.46229534</c:v>
+                </c:pt>
+                <c:pt idx="39">
+                  <c:v>169766.79284462</c:v>
+                </c:pt>
+                <c:pt idx="40">
+                  <c:v>170117.417818151</c:v>
+                </c:pt>
+                <c:pt idx="41">
+                  <c:v>170272.890499345</c:v>
+                </c:pt>
+                <c:pt idx="42">
+                  <c:v>171475.281308131</c:v>
+                </c:pt>
+                <c:pt idx="43">
+                  <c:v>173648.16851347</c:v>
+                </c:pt>
+                <c:pt idx="44">
+                  <c:v>178264.747180781</c:v>
+                </c:pt>
+                <c:pt idx="45">
+                  <c:v>180941.318874146</c:v>
+                </c:pt>
+                <c:pt idx="46">
+                  <c:v>187161.457760662</c:v>
+                </c:pt>
+                <c:pt idx="47">
+                  <c:v>190935.215708378</c:v>
+                </c:pt>
+                <c:pt idx="48">
+                  <c:v>193800.872150415</c:v>
+                </c:pt>
+                <c:pt idx="49">
+                  <c:v>195900.981467099</c:v>
+                </c:pt>
+                <c:pt idx="50">
+                  <c:v>197933.072396461</c:v>
+                </c:pt>
+                <c:pt idx="51">
+                  <c:v>197516.181924555</c:v>
+                </c:pt>
+                <c:pt idx="52">
+                  <c:v>197329.289398906</c:v>
+                </c:pt>
+                <c:pt idx="53">
+                  <c:v>197072.696363363</c:v>
+                </c:pt>
+                <c:pt idx="54">
+                  <c:v>196848.736532946</c:v>
+                </c:pt>
+                <c:pt idx="55">
+                  <c:v>196812.958781892</c:v>
+                </c:pt>
+                <c:pt idx="56">
+                  <c:v>196685.485726473</c:v>
+                </c:pt>
+                <c:pt idx="57">
+                  <c:v>196975.854010125</c:v>
+                </c:pt>
+                <c:pt idx="58">
+                  <c:v>197428.811939333</c:v>
+                </c:pt>
+                <c:pt idx="59">
+                  <c:v>197920.922791613</c:v>
+                </c:pt>
+                <c:pt idx="60">
+                  <c:v>198627.365091482</c:v>
+                </c:pt>
+                <c:pt idx="61">
+                  <c:v>199376.152197586</c:v>
+                </c:pt>
+                <c:pt idx="62">
+                  <c:v>200107.692011234</c:v>
+                </c:pt>
+              </c:numCache>
+            </c:numRef>
+          </c:val>
+          <c:smooth val="0"/>
+        </c:ser>
+        <c:dLbls>
+          <c:showLegendKey val="0"/>
+          <c:showVal val="0"/>
+          <c:showCatName val="0"/>
+          <c:showSerName val="0"/>
+          <c:showPercent val="0"/>
+          <c:showBubbleSize val="0"/>
+        </c:dLbls>
+        <c:marker val="1"/>
+        <c:smooth val="0"/>
+        <c:axId val="-2139349432"/>
+        <c:axId val="-2147028392"/>
+      </c:lineChart>
+      <c:lineChart>
+        <c:grouping val="standard"/>
+        <c:varyColors val="0"/>
+        <c:ser>
+          <c:idx val="4"/>
+          <c:order val="4"/>
+          <c:tx>
+            <c:strRef>
+              <c:f>'VAR01'!$E$1</c:f>
+              <c:strCache>
+                <c:ptCount val="1"/>
+                <c:pt idx="0">
+                  <c:v>meanH</c:v>
+                </c:pt>
+              </c:strCache>
+            </c:strRef>
+          </c:tx>
+          <c:spPr>
+            <a:ln>
+              <a:solidFill>
+                <a:schemeClr val="accent3">
+                  <a:lumMod val="75000"/>
+                </a:schemeClr>
+              </a:solidFill>
+            </a:ln>
+          </c:spPr>
+          <c:marker>
+            <c:symbol val="none"/>
+          </c:marker>
+          <c:val>
+            <c:numRef>
+              <c:f>'VAR01'!$E$2:$E$64</c:f>
+              <c:numCache>
+                <c:formatCode>General</c:formatCode>
+                <c:ptCount val="63"/>
+                <c:pt idx="0">
+                  <c:v>12.3726630301065</c:v>
+                </c:pt>
+                <c:pt idx="1">
+                  <c:v>12.2483541319368</c:v>
+                </c:pt>
+                <c:pt idx="2">
+                  <c:v>12.2123482340644</c:v>
+                </c:pt>
+                <c:pt idx="3">
+                  <c:v>12.2485069224452</c:v>
+                </c:pt>
+                <c:pt idx="4">
+                  <c:v>12.3840316916315</c:v>
+                </c:pt>
+                <c:pt idx="5">
+                  <c:v>12.5825574915113</c:v>
+                </c:pt>
+                <c:pt idx="6">
+                  <c:v>12.8687797371831</c:v>
+                </c:pt>
+                <c:pt idx="7">
+                  <c:v>13.2494225609526</c:v>
+                </c:pt>
+                <c:pt idx="8">
+                  <c:v>13.574265377079</c:v>
+                </c:pt>
+                <c:pt idx="9">
+                  <c:v>13.9089474978594</c:v>
+                </c:pt>
+                <c:pt idx="10">
+                  <c:v>14.5154898244018</c:v>
+                </c:pt>
+                <c:pt idx="11">
+                  <c:v>15.0754847644058</c:v>
+                </c:pt>
+                <c:pt idx="12">
+                  <c:v>15.5543655213687</c:v>
+                </c:pt>
+                <c:pt idx="13">
+                  <c:v>15.9586398543972</c:v>
+                </c:pt>
+                <c:pt idx="14">
+                  <c:v>16.3240403969058</c:v>
+                </c:pt>
+                <c:pt idx="15">
+                  <c:v>16.6030031532535</c:v>
+                </c:pt>
+                <c:pt idx="16">
+                  <c:v>16.9182581933265</c:v>
+                </c:pt>
+                <c:pt idx="17">
+                  <c:v>17.1859170517195</c:v>
+                </c:pt>
+                <c:pt idx="18">
+                  <c:v>17.4483436732394</c:v>
+                </c:pt>
+                <c:pt idx="19">
+                  <c:v>17.8024921703359</c:v>
+                </c:pt>
+                <c:pt idx="20">
+                  <c:v>17.8693871300035</c:v>
+                </c:pt>
+                <c:pt idx="21">
+                  <c:v>18.1640104494658</c:v>
+                </c:pt>
+                <c:pt idx="22">
+                  <c:v>18.2122902627617</c:v>
+                </c:pt>
+                <c:pt idx="23">
+                  <c:v>18.3603187073711</c:v>
+                </c:pt>
+                <c:pt idx="24">
+                  <c:v>18.5206616175098</c:v>
+                </c:pt>
+                <c:pt idx="25">
+                  <c:v>18.894475954971</c:v>
+                </c:pt>
+                <c:pt idx="26">
+                  <c:v>19.2266221929979</c:v>
+                </c:pt>
+                <c:pt idx="27">
+                  <c:v>19.6653575641621</c:v>
+                </c:pt>
+                <c:pt idx="28">
+                  <c:v>20.0621251110349</c:v>
+                </c:pt>
+                <c:pt idx="29">
+                  <c:v>20.4975882007006</c:v>
+                </c:pt>
+                <c:pt idx="30">
+                  <c:v>20.8691331560689</c:v>
+                </c:pt>
+                <c:pt idx="31">
+                  <c:v>21.3227607743527</c:v>
+                </c:pt>
+                <c:pt idx="32">
+                  <c:v>21.5377786588334</c:v>
+                </c:pt>
+                <c:pt idx="33">
+                  <c:v>21.667550002318</c:v>
+                </c:pt>
+                <c:pt idx="34">
+                  <c:v>22.15376397689</c:v>
+                </c:pt>
+                <c:pt idx="35">
+                  <c:v>22.3992242337705</c:v>
+                </c:pt>
+                <c:pt idx="36">
+                  <c:v>22.5604777694676</c:v>
+                </c:pt>
+                <c:pt idx="37">
+                  <c:v>22.6229091198268</c:v>
+                </c:pt>
+                <c:pt idx="38">
+                  <c:v>22.5946563938404</c:v>
+                </c:pt>
+                <c:pt idx="39">
+                  <c:v>22.4444493188412</c:v>
+                </c:pt>
+                <c:pt idx="40">
+                  <c:v>22.4234365067797</c:v>
+                </c:pt>
+                <c:pt idx="41">
+                  <c:v>22.3654811109451</c:v>
+                </c:pt>
+                <c:pt idx="42">
+                  <c:v>22.5201301195747</c:v>
+                </c:pt>
+                <c:pt idx="43">
+                  <c:v>22.859221544905</c:v>
+                </c:pt>
+                <c:pt idx="44">
+                  <c:v>23.6673913541852</c:v>
+                </c:pt>
+                <c:pt idx="45">
+                  <c:v>24.1038176900145</c:v>
+                </c:pt>
+                <c:pt idx="46">
+                  <c:v>25.1892883923289</c:v>
+                </c:pt>
+                <c:pt idx="47">
+                  <c:v>25.8224583262726</c:v>
+                </c:pt>
+                <c:pt idx="48">
+                  <c:v>26.3030421093838</c:v>
+                </c:pt>
+                <c:pt idx="49">
+                  <c:v>26.654768484801</c:v>
+                </c:pt>
+                <c:pt idx="50">
+                  <c:v>27.0094735994811</c:v>
+                </c:pt>
+                <c:pt idx="51">
+                  <c:v>26.9230537534948</c:v>
+                </c:pt>
+                <c:pt idx="52">
+                  <c:v>26.8880942081383</c:v>
+                </c:pt>
+                <c:pt idx="53">
+                  <c:v>26.8483415439142</c:v>
+                </c:pt>
+                <c:pt idx="54">
+                  <c:v>26.824764052724</c:v>
+                </c:pt>
+                <c:pt idx="55">
+                  <c:v>26.8541921956044</c:v>
+                </c:pt>
+                <c:pt idx="56">
+                  <c:v>26.8744953609814</c:v>
+                </c:pt>
+                <c:pt idx="57">
+                  <c:v>26.9934100518881</c:v>
+                </c:pt>
+                <c:pt idx="58">
+                  <c:v>27.1435393694339</c:v>
+                </c:pt>
+                <c:pt idx="59">
+                  <c:v>27.3042986846877</c:v>
+                </c:pt>
+                <c:pt idx="60">
+                  <c:v>27.5095128219685</c:v>
+                </c:pt>
+                <c:pt idx="61">
+                  <c:v>27.7422710328843</c:v>
+                </c:pt>
+                <c:pt idx="62">
+                  <c:v>27.9638842171054</c:v>
+                </c:pt>
+              </c:numCache>
+            </c:numRef>
+          </c:val>
+          <c:smooth val="0"/>
+        </c:ser>
+        <c:dLbls>
+          <c:showLegendKey val="0"/>
+          <c:showVal val="0"/>
+          <c:showCatName val="0"/>
+          <c:showSerName val="0"/>
+          <c:showPercent val="0"/>
+          <c:showBubbleSize val="0"/>
+        </c:dLbls>
+        <c:marker val="1"/>
+        <c:smooth val="0"/>
+        <c:axId val="-2139755736"/>
+        <c:axId val="-2141717288"/>
+      </c:lineChart>
+      <c:catAx>
+        <c:axId val="-2139349432"/>
+        <c:scaling>
+          <c:orientation val="minMax"/>
+        </c:scaling>
+        <c:delete val="0"/>
+        <c:axPos val="b"/>
+        <c:majorTickMark val="out"/>
+        <c:minorTickMark val="none"/>
+        <c:tickLblPos val="nextTo"/>
+        <c:crossAx val="-2147028392"/>
+        <c:crosses val="autoZero"/>
+        <c:auto val="1"/>
+        <c:lblAlgn val="ctr"/>
+        <c:lblOffset val="100"/>
+        <c:noMultiLvlLbl val="0"/>
+      </c:catAx>
+      <c:valAx>
+        <c:axId val="-2147028392"/>
+        <c:scaling>
+          <c:orientation val="minMax"/>
+        </c:scaling>
+        <c:delete val="0"/>
+        <c:axPos val="l"/>
+        <c:majorGridlines/>
+        <c:numFmt formatCode="General" sourceLinked="1"/>
+        <c:majorTickMark val="out"/>
+        <c:minorTickMark val="none"/>
+        <c:tickLblPos val="nextTo"/>
+        <c:crossAx val="-2139349432"/>
+        <c:crosses val="autoZero"/>
+        <c:crossBetween val="between"/>
+      </c:valAx>
+      <c:valAx>
+        <c:axId val="-2141717288"/>
+        <c:scaling>
+          <c:orientation val="minMax"/>
+        </c:scaling>
+        <c:delete val="0"/>
+        <c:axPos val="r"/>
+        <c:numFmt formatCode="General" sourceLinked="1"/>
+        <c:majorTickMark val="out"/>
+        <c:minorTickMark val="none"/>
+        <c:tickLblPos val="nextTo"/>
+        <c:crossAx val="-2139755736"/>
+        <c:crosses val="max"/>
+        <c:crossBetween val="between"/>
+      </c:valAx>
+      <c:catAx>
+        <c:axId val="-2139755736"/>
+        <c:scaling>
+          <c:orientation val="minMax"/>
+        </c:scaling>
+        <c:delete val="1"/>
+        <c:axPos val="b"/>
+        <c:majorTickMark val="out"/>
+        <c:minorTickMark val="none"/>
+        <c:tickLblPos val="nextTo"/>
+        <c:crossAx val="-2141717288"/>
+        <c:crosses val="autoZero"/>
+        <c:auto val="1"/>
+        <c:lblAlgn val="ctr"/>
+        <c:lblOffset val="100"/>
+        <c:noMultiLvlLbl val="0"/>
+      </c:catAx>
+    </c:plotArea>
+    <c:legend>
+      <c:legendPos val="r"/>
+      <c:layout/>
+      <c:overlay val="0"/>
+      <c:spPr>
+        <a:ln>
+          <a:solidFill>
+            <a:schemeClr val="accent5"/>
+          </a:solidFill>
+        </a:ln>
+      </c:spPr>
+    </c:legend>
+    <c:plotVisOnly val="1"/>
+    <c:dispBlanksAs val="gap"/>
+    <c:showDLblsOverMax val="0"/>
+  </c:chart>
+  <c:externalData r:id="rId1">
+    <c:autoUpdate val="0"/>
+  </c:externalData>
+</c:chartSpace>
+</file>
+
+<file path=ppt/charts/chart18.xml><?xml version="1.0" encoding="utf-8"?>
+<c:chartSpace xmlns:c="http://schemas.openxmlformats.org/drawingml/2006/chart" xmlns:a="http://schemas.openxmlformats.org/drawingml/2006/main" xmlns:r="http://schemas.openxmlformats.org/officeDocument/2006/relationships">
+  <c:date1904 val="0"/>
+  <c:lang val="en-US"/>
+  <c:roundedCorners val="0"/>
+  <mc:AlternateContent xmlns:mc="http://schemas.openxmlformats.org/markup-compatibility/2006">
+    <mc:Choice xmlns:c14="http://schemas.microsoft.com/office/drawing/2007/8/2/chart" Requires="c14">
+      <c14:style val="118"/>
+    </mc:Choice>
+    <mc:Fallback>
+      <c:style val="18"/>
+    </mc:Fallback>
+  </mc:AlternateContent>
+  <c:chart>
+    <c:autoTitleDeleted val="0"/>
+    <c:plotArea>
+      <c:layout/>
+      <c:lineChart>
+        <c:grouping val="standard"/>
+        <c:varyColors val="0"/>
+        <c:ser>
+          <c:idx val="0"/>
+          <c:order val="0"/>
+          <c:tx>
+            <c:strRef>
+              <c:f>'VAR02'!$A$1</c:f>
+              <c:strCache>
+                <c:ptCount val="1"/>
+                <c:pt idx="0">
+                  <c:v>VAR02realMean_c0</c:v>
+                </c:pt>
+              </c:strCache>
+            </c:strRef>
+          </c:tx>
+          <c:marker>
+            <c:symbol val="none"/>
+          </c:marker>
+          <c:val>
+            <c:numRef>
+              <c:f>'VAR02'!$A$2:$A$64</c:f>
+              <c:numCache>
+                <c:formatCode>General</c:formatCode>
+                <c:ptCount val="63"/>
+                <c:pt idx="0">
+                  <c:v>-4580.10883621711</c:v>
+                </c:pt>
+                <c:pt idx="1">
+                  <c:v>-4605.08178135606</c:v>
+                </c:pt>
+                <c:pt idx="2">
+                  <c:v>-5031.77923651837</c:v>
+                </c:pt>
+                <c:pt idx="3">
+                  <c:v>-4176.7619468277</c:v>
+                </c:pt>
+                <c:pt idx="4">
+                  <c:v>-3892.80620577734</c:v>
+                </c:pt>
+                <c:pt idx="5">
+                  <c:v>-4535.38997116111</c:v>
+                </c:pt>
+                <c:pt idx="6">
+                  <c:v>-4559.19524454966</c:v>
+                </c:pt>
+                <c:pt idx="7">
+                  <c:v>-4854.46670334487</c:v>
+                </c:pt>
+                <c:pt idx="8">
+                  <c:v>-4603.22689397748</c:v>
+                </c:pt>
+                <c:pt idx="9">
+                  <c:v>-4477.43632361993</c:v>
+                </c:pt>
+                <c:pt idx="10">
+                  <c:v>-5065.48697040299</c:v>
+                </c:pt>
+                <c:pt idx="11">
+                  <c:v>-4439.57469658306</c:v>
+                </c:pt>
+                <c:pt idx="12">
+                  <c:v>-5389.24811065105</c:v>
+                </c:pt>
+                <c:pt idx="13">
+                  <c:v>-4118.85500658741</c:v>
+                </c:pt>
+                <c:pt idx="14">
+                  <c:v>-4147.87030893007</c:v>
+                </c:pt>
+                <c:pt idx="15">
+                  <c:v>-4996.44241280152</c:v>
+                </c:pt>
+                <c:pt idx="16">
+                  <c:v>-3927.47036401355</c:v>
+                </c:pt>
+                <c:pt idx="17">
+                  <c:v>-3961.02956151591</c:v>
+                </c:pt>
+                <c:pt idx="18">
+                  <c:v>-3866.42004942993</c:v>
+                </c:pt>
+                <c:pt idx="19">
+                  <c:v>-4349.62736676345</c:v>
+                </c:pt>
+                <c:pt idx="20">
+                  <c:v>-4346.66132799134</c:v>
+                </c:pt>
+                <c:pt idx="21">
+                  <c:v>-4180.94268343754</c:v>
+                </c:pt>
+                <c:pt idx="22">
+                  <c:v>-5162.01049712012</c:v>
+                </c:pt>
+                <c:pt idx="23">
+                  <c:v>-3964.85219438804</c:v>
+                </c:pt>
+                <c:pt idx="24">
+                  <c:v>-3900.47802581949</c:v>
+                </c:pt>
+                <c:pt idx="25">
+                  <c:v>-3938.43597366567</c:v>
+                </c:pt>
+                <c:pt idx="26">
+                  <c:v>-3639.52491776813</c:v>
+                </c:pt>
+                <c:pt idx="27">
+                  <c:v>-3472.74381140046</c:v>
+                </c:pt>
+                <c:pt idx="28">
+                  <c:v>-3747.88152130135</c:v>
+                </c:pt>
+                <c:pt idx="29">
+                  <c:v>-4007.69513310305</c:v>
+                </c:pt>
+                <c:pt idx="30">
+                  <c:v>-4122.00474196067</c:v>
+                </c:pt>
+                <c:pt idx="31">
+                  <c:v>-4158.07641012579</c:v>
+                </c:pt>
+                <c:pt idx="32">
+                  <c:v>-4447.76503444875</c:v>
+                </c:pt>
+                <c:pt idx="33">
+                  <c:v>-3751.47940090677</c:v>
+                </c:pt>
+                <c:pt idx="34">
+                  <c:v>-3662.90955211132</c:v>
+                </c:pt>
+                <c:pt idx="35">
+                  <c:v>-3536.09531385814</c:v>
+                </c:pt>
+                <c:pt idx="36">
+                  <c:v>-3400.60000892098</c:v>
+                </c:pt>
+                <c:pt idx="37">
+                  <c:v>-3929.3723977995</c:v>
+                </c:pt>
+                <c:pt idx="38">
+                  <c:v>-3537.93916941258</c:v>
+                </c:pt>
+                <c:pt idx="39">
+                  <c:v>-3996.90960920882</c:v>
+                </c:pt>
+                <c:pt idx="40">
+                  <c:v>-3931.15735282266</c:v>
+                </c:pt>
+                <c:pt idx="41">
+                  <c:v>-4432.1786959094</c:v>
+                </c:pt>
+                <c:pt idx="42">
+                  <c:v>-3935.35884143526</c:v>
+                </c:pt>
+                <c:pt idx="43">
+                  <c:v>-3779.48790850117</c:v>
+                </c:pt>
+                <c:pt idx="44">
+                  <c:v>-3549.10968203388</c:v>
+                </c:pt>
+                <c:pt idx="45">
+                  <c:v>-3680.8871801366</c:v>
+                </c:pt>
+                <c:pt idx="46">
+                  <c:v>-3418.7265717146</c:v>
+                </c:pt>
+                <c:pt idx="47">
+                  <c:v>-3679.05118433887</c:v>
+                </c:pt>
+                <c:pt idx="48">
+                  <c:v>-4103.14052802371</c:v>
+                </c:pt>
+                <c:pt idx="49">
+                  <c:v>-4378.49695907207</c:v>
+                </c:pt>
+                <c:pt idx="50">
+                  <c:v>-3843.81829400297</c:v>
+                </c:pt>
+                <c:pt idx="51">
+                  <c:v>-3765.06280895672</c:v>
+                </c:pt>
+                <c:pt idx="52">
+                  <c:v>-3670.52092072661</c:v>
+                </c:pt>
+                <c:pt idx="53">
+                  <c:v>-3978.7817805704</c:v>
+                </c:pt>
+                <c:pt idx="54">
+                  <c:v>-3588.9477633955</c:v>
+                </c:pt>
+                <c:pt idx="55">
+                  <c:v>-4275.57988871334</c:v>
+                </c:pt>
+                <c:pt idx="56">
+                  <c:v>-4080.02681649489</c:v>
+                </c:pt>
+                <c:pt idx="57">
+                  <c:v>-4764.46491182107</c:v>
+                </c:pt>
+                <c:pt idx="58">
+                  <c:v>-3635.0908812076</c:v>
+                </c:pt>
+                <c:pt idx="59">
+                  <c:v>-4165.33635594773</c:v>
+                </c:pt>
+                <c:pt idx="60">
+                  <c:v>-3623.44917357875</c:v>
+                </c:pt>
+                <c:pt idx="61">
+                  <c:v>-3928.50123495036</c:v>
+                </c:pt>
+                <c:pt idx="62">
+                  <c:v>-3566.91014517431</c:v>
+                </c:pt>
+              </c:numCache>
+            </c:numRef>
+          </c:val>
+          <c:smooth val="0"/>
+        </c:ser>
+        <c:ser>
+          <c:idx val="1"/>
+          <c:order val="1"/>
+          <c:tx>
+            <c:strRef>
+              <c:f>'VAR02'!$B$1</c:f>
+              <c:strCache>
+                <c:ptCount val="1"/>
+                <c:pt idx="0">
+                  <c:v>VAR02learntMean_c0</c:v>
+                </c:pt>
+              </c:strCache>
+            </c:strRef>
+          </c:tx>
+          <c:marker>
+            <c:symbol val="none"/>
+          </c:marker>
+          <c:val>
+            <c:numRef>
+              <c:f>'VAR02'!$B$2:$B$64</c:f>
+              <c:numCache>
+                <c:formatCode>General</c:formatCode>
+                <c:ptCount val="63"/>
+                <c:pt idx="0">
+                  <c:v>-4579.56614571237</c:v>
+                </c:pt>
+                <c:pt idx="1">
+                  <c:v>-4596.08199375558</c:v>
+                </c:pt>
+                <c:pt idx="2">
+                  <c:v>-4820.60851406718</c:v>
+                </c:pt>
+                <c:pt idx="3">
+                  <c:v>-4560.03262515368</c:v>
+                </c:pt>
+                <c:pt idx="4">
+                  <c:v>-4331.23262533881</c:v>
+                </c:pt>
+                <c:pt idx="5">
+                  <c:v>-4391.18415116334</c:v>
+                </c:pt>
+                <c:pt idx="6">
+                  <c:v>-4427.06006681372</c:v>
+                </c:pt>
+                <c:pt idx="7">
+                  <c:v>-4514.97966076239</c:v>
+                </c:pt>
+                <c:pt idx="8">
+                  <c:v>-4531.16053960746</c:v>
+                </c:pt>
+                <c:pt idx="9">
+                  <c:v>-4521.32701261695</c:v>
+                </c:pt>
+                <c:pt idx="10">
+                  <c:v>-4616.21059690932</c:v>
+                </c:pt>
+                <c:pt idx="11">
+                  <c:v>-4586.05234607676</c:v>
+                </c:pt>
+                <c:pt idx="12">
+                  <c:v>-4721.63691427741</c:v>
+                </c:pt>
+                <c:pt idx="13">
+                  <c:v>-4626.10802206082</c:v>
+                </c:pt>
+                <c:pt idx="14">
+                  <c:v>-4557.13415197114</c:v>
+                </c:pt>
+                <c:pt idx="15">
+                  <c:v>-4613.50080582652</c:v>
+                </c:pt>
+                <c:pt idx="16">
+                  <c:v>-4529.94207492767</c:v>
+                </c:pt>
+                <c:pt idx="17">
+                  <c:v>-4465.40954085962</c:v>
+                </c:pt>
+                <c:pt idx="18">
+                  <c:v>-4403.41655917083</c:v>
+                </c:pt>
+                <c:pt idx="19">
+                  <c:v>-4397.70666058892</c:v>
+                </c:pt>
+                <c:pt idx="20">
+                  <c:v>-4392.90152245309</c:v>
+                </c:pt>
+                <c:pt idx="21">
+                  <c:v>-4373.57841914921</c:v>
+                </c:pt>
+                <c:pt idx="22">
+                  <c:v>-4431.59456398103</c:v>
+                </c:pt>
+                <c:pt idx="23">
+                  <c:v>-4398.30327066753</c:v>
+                </c:pt>
+                <c:pt idx="24">
+                  <c:v>-4363.74304443689</c:v>
+                </c:pt>
+                <c:pt idx="25">
+                  <c:v>-4335.38615447779</c:v>
+                </c:pt>
+                <c:pt idx="26">
+                  <c:v>-4291.00406606138</c:v>
+                </c:pt>
+                <c:pt idx="27">
+                  <c:v>-4237.31640668665</c:v>
+                </c:pt>
+                <c:pt idx="28">
+                  <c:v>-4204.75757898567</c:v>
+                </c:pt>
+                <c:pt idx="29">
+                  <c:v>-4190.99024474252</c:v>
+                </c:pt>
+                <c:pt idx="30">
+                  <c:v>-4186.38927920687</c:v>
+                </c:pt>
+                <c:pt idx="31">
+                  <c:v>-4184.59081157671</c:v>
+                </c:pt>
+                <c:pt idx="32">
+                  <c:v>-4201.81813937254</c:v>
+                </c:pt>
+                <c:pt idx="33">
+                  <c:v>-4171.38785766889</c:v>
+                </c:pt>
+                <c:pt idx="34">
+                  <c:v>-4133.40932953984</c:v>
+                </c:pt>
+                <c:pt idx="35">
+                  <c:v>-4085.25233306157</c:v>
+                </c:pt>
+                <c:pt idx="36">
+                  <c:v>-4020.04851660619</c:v>
+                </c:pt>
+                <c:pt idx="37">
+                  <c:v>-4009.97570693961</c:v>
+                </c:pt>
+                <c:pt idx="38">
+                  <c:v>-3959.15632335596</c:v>
+                </c:pt>
+                <c:pt idx="39">
+                  <c:v>-3962.32936459113</c:v>
+                </c:pt>
+                <c:pt idx="40">
+                  <c:v>-3959.13507652954</c:v>
+                </c:pt>
+                <c:pt idx="41">
+                  <c:v>-4004.67392805126</c:v>
+                </c:pt>
+                <c:pt idx="42">
+                  <c:v>-4001.39832571529</c:v>
+                </c:pt>
+                <c:pt idx="43">
+                  <c:v>-3979.99492979473</c:v>
+                </c:pt>
+                <c:pt idx="44">
+                  <c:v>-3935.5678880726</c:v>
+                </c:pt>
+                <c:pt idx="45">
+                  <c:v>-3907.43159220928</c:v>
+                </c:pt>
+                <c:pt idx="46">
+                  <c:v>-3846.72329473076</c:v>
+                </c:pt>
+                <c:pt idx="47">
+                  <c:v>-3825.37411257423</c:v>
+                </c:pt>
+                <c:pt idx="48">
+                  <c:v>-3859.41304391985</c:v>
+                </c:pt>
+                <c:pt idx="49">
+                  <c:v>-3913.31806215105</c:v>
+                </c:pt>
+                <c:pt idx="50">
+                  <c:v>-3907.31982999261</c:v>
+                </c:pt>
+                <c:pt idx="51">
+                  <c:v>-3892.40650858575</c:v>
+                </c:pt>
+                <c:pt idx="52">
+                  <c:v>-3868.29051224957</c:v>
+                </c:pt>
+                <c:pt idx="53">
+                  <c:v>-3880.12907752258</c:v>
+                </c:pt>
+                <c:pt idx="54">
+                  <c:v>-3850.873703981</c:v>
+                </c:pt>
+                <c:pt idx="55">
+                  <c:v>-3895.43634466836</c:v>
+                </c:pt>
+                <c:pt idx="56">
+                  <c:v>-3911.93388522943</c:v>
+                </c:pt>
+                <c:pt idx="57">
+                  <c:v>-3977.81920569111</c:v>
+                </c:pt>
+                <c:pt idx="58">
+                  <c:v>-3953.82354717325</c:v>
+                </c:pt>
+                <c:pt idx="59">
+                  <c:v>-3969.77686518239</c:v>
+                </c:pt>
+                <c:pt idx="60">
+                  <c:v>-3943.95754611542</c:v>
+                </c:pt>
+                <c:pt idx="61">
+                  <c:v>-3942.05790850544</c:v>
+                </c:pt>
+                <c:pt idx="62">
+                  <c:v>-3912.68445330912</c:v>
+                </c:pt>
+              </c:numCache>
+            </c:numRef>
+          </c:val>
+          <c:smooth val="0"/>
+        </c:ser>
+        <c:ser>
+          <c:idx val="2"/>
+          <c:order val="2"/>
+          <c:tx>
+            <c:strRef>
+              <c:f>'VAR02'!$C$1</c:f>
+              <c:strCache>
+                <c:ptCount val="1"/>
+                <c:pt idx="0">
+                  <c:v>VAR02realMean_c1</c:v>
+                </c:pt>
+              </c:strCache>
+            </c:strRef>
+          </c:tx>
+          <c:spPr>
+            <a:ln>
+              <a:solidFill>
+                <a:schemeClr val="accent5"/>
+              </a:solidFill>
+            </a:ln>
+          </c:spPr>
+          <c:marker>
+            <c:symbol val="none"/>
+          </c:marker>
+          <c:val>
+            <c:numRef>
+              <c:f>'VAR02'!$C$2:$C$64</c:f>
+              <c:numCache>
+                <c:formatCode>General</c:formatCode>
+                <c:ptCount val="63"/>
+                <c:pt idx="0">
+                  <c:v>-2523.76376202974</c:v>
+                </c:pt>
+                <c:pt idx="1">
+                  <c:v>-2879.42465753424</c:v>
+                </c:pt>
+                <c:pt idx="2">
+                  <c:v>-3333.60856158484</c:v>
+                </c:pt>
+                <c:pt idx="3">
+                  <c:v>-2616.85966635773</c:v>
+                </c:pt>
+                <c:pt idx="4">
+                  <c:v>-2464.73674456083</c:v>
+                </c:pt>
+                <c:pt idx="5">
+                  <c:v>-3570.6234413965</c:v>
+                </c:pt>
+                <c:pt idx="6">
+                  <c:v>-2592.34953350296</c:v>
+                </c:pt>
+                <c:pt idx="7">
+                  <c:v>-3476.36124905944</c:v>
+                </c:pt>
+                <c:pt idx="8">
+                  <c:v>-2715.57626477541</c:v>
+                </c:pt>
+                <c:pt idx="9">
+                  <c:v>-3018.50969263759</c:v>
+                </c:pt>
+                <c:pt idx="10">
+                  <c:v>-3076.64651617757</c:v>
+                </c:pt>
+                <c:pt idx="11">
+                  <c:v>-2859.53328038125</c:v>
+                </c:pt>
+                <c:pt idx="12">
+                  <c:v>-2747.01732806324</c:v>
+                </c:pt>
+                <c:pt idx="13">
+                  <c:v>-1858.90808184143</c:v>
+                </c:pt>
+                <c:pt idx="14">
+                  <c:v>-1824.74429520295</c:v>
+                </c:pt>
+                <c:pt idx="15">
+                  <c:v>-1963.91588785046</c:v>
+                </c:pt>
+                <c:pt idx="16">
+                  <c:v>-2606.0395696913</c:v>
+                </c:pt>
+                <c:pt idx="17">
+                  <c:v>-1549.71006523765</c:v>
+                </c:pt>
+                <c:pt idx="18">
+                  <c:v>-1895.86682877406</c:v>
+                </c:pt>
+                <c:pt idx="19">
+                  <c:v>-1357.13257243195</c:v>
+                </c:pt>
+                <c:pt idx="20">
+                  <c:v>-2862.50396456257</c:v>
+                </c:pt>
+                <c:pt idx="21">
+                  <c:v>-2436.47959667852</c:v>
+                </c:pt>
+                <c:pt idx="22">
+                  <c:v>-1714.23791515151</c:v>
+                </c:pt>
+                <c:pt idx="23">
+                  <c:v>-1326.23800786369</c:v>
+                </c:pt>
+                <c:pt idx="24">
+                  <c:v>-1328.67997997997</c:v>
+                </c:pt>
+                <c:pt idx="25">
+                  <c:v>-1995.55875843454</c:v>
+                </c:pt>
+                <c:pt idx="26">
+                  <c:v>-1776.83654778887</c:v>
+                </c:pt>
+                <c:pt idx="27">
+                  <c:v>-2068.5458807947</c:v>
+                </c:pt>
+                <c:pt idx="28">
+                  <c:v>-2267.61339915373</c:v>
+                </c:pt>
+                <c:pt idx="29">
+                  <c:v>-1377.3271243781</c:v>
+                </c:pt>
+                <c:pt idx="30">
+                  <c:v>-1761.91309957924</c:v>
+                </c:pt>
+                <c:pt idx="31">
+                  <c:v>-1971.26130841121</c:v>
+                </c:pt>
+                <c:pt idx="32">
+                  <c:v>-2083.75799758745</c:v>
+                </c:pt>
+                <c:pt idx="33">
+                  <c:v>-1194.3180183861</c:v>
+                </c:pt>
+                <c:pt idx="34">
+                  <c:v>-1331.46769765421</c:v>
+                </c:pt>
+                <c:pt idx="35">
+                  <c:v>-1967.43983392645</c:v>
+                </c:pt>
+                <c:pt idx="36">
+                  <c:v>-1764.60634686346</c:v>
+                </c:pt>
+                <c:pt idx="37">
+                  <c:v>-1279.59931520644</c:v>
+                </c:pt>
+                <c:pt idx="38">
+                  <c:v>-1961.51514195583</c:v>
+                </c:pt>
+                <c:pt idx="39">
+                  <c:v>-1310.04257234726</c:v>
+                </c:pt>
+                <c:pt idx="40">
+                  <c:v>-1734.3702750275</c:v>
+                </c:pt>
+                <c:pt idx="41">
+                  <c:v>-1478.1041136141</c:v>
+                </c:pt>
+                <c:pt idx="42">
+                  <c:v>-3690.51586413586</c:v>
+                </c:pt>
+                <c:pt idx="43">
+                  <c:v>-1748.95235680751</c:v>
+                </c:pt>
+                <c:pt idx="44">
+                  <c:v>-1966.66034639927</c:v>
+                </c:pt>
+                <c:pt idx="45">
+                  <c:v>-1884.77204244031</c:v>
+                </c:pt>
+                <c:pt idx="46">
+                  <c:v>-1616.43419354838</c:v>
+                </c:pt>
+                <c:pt idx="47">
+                  <c:v>-1748.19769576957</c:v>
+                </c:pt>
+                <c:pt idx="48">
+                  <c:v>-2025.82925426774</c:v>
+                </c:pt>
+                <c:pt idx="49">
+                  <c:v>-1287.73410821643</c:v>
+                </c:pt>
+                <c:pt idx="50">
+                  <c:v>-2113.05088412017</c:v>
+                </c:pt>
+                <c:pt idx="51">
+                  <c:v>-1550.99594050743</c:v>
+                </c:pt>
+                <c:pt idx="52">
+                  <c:v>-1321.52464751958</c:v>
+                </c:pt>
+                <c:pt idx="53">
+                  <c:v>-1889.0679743795</c:v>
+                </c:pt>
+                <c:pt idx="54">
+                  <c:v>-1956.41306052855</c:v>
+                </c:pt>
+                <c:pt idx="55">
+                  <c:v>-3864.88335814723</c:v>
+                </c:pt>
+                <c:pt idx="56">
+                  <c:v>-1822.07157720892</c:v>
+                </c:pt>
+                <c:pt idx="57">
+                  <c:v>-1662.76205349439</c:v>
+                </c:pt>
+                <c:pt idx="58">
+                  <c:v>-3260.84356530028</c:v>
+                </c:pt>
+                <c:pt idx="59">
+                  <c:v>-2133.14547945205</c:v>
+                </c:pt>
+                <c:pt idx="60">
+                  <c:v>-1889.30796494644</c:v>
+                </c:pt>
+                <c:pt idx="61">
+                  <c:v>-1409.72635193133</c:v>
+                </c:pt>
+                <c:pt idx="62">
+                  <c:v>-1733.83334006054</c:v>
+                </c:pt>
+              </c:numCache>
+            </c:numRef>
+          </c:val>
+          <c:smooth val="0"/>
+        </c:ser>
+        <c:ser>
+          <c:idx val="3"/>
+          <c:order val="3"/>
+          <c:tx>
+            <c:strRef>
+              <c:f>'VAR02'!$D$1</c:f>
+              <c:strCache>
+                <c:ptCount val="1"/>
+                <c:pt idx="0">
+                  <c:v>VAR02learntMean_c1</c:v>
+                </c:pt>
+              </c:strCache>
+            </c:strRef>
+          </c:tx>
+          <c:spPr>
+            <a:ln>
+              <a:solidFill>
+                <a:schemeClr val="accent2">
+                  <a:lumMod val="50000"/>
+                </a:schemeClr>
+              </a:solidFill>
+            </a:ln>
+          </c:spPr>
+          <c:marker>
+            <c:symbol val="none"/>
+          </c:marker>
+          <c:val>
+            <c:numRef>
+              <c:f>'VAR02'!$D$2:$D$64</c:f>
+              <c:numCache>
+                <c:formatCode>General</c:formatCode>
+                <c:ptCount val="63"/>
+                <c:pt idx="0">
+                  <c:v>-2525.21275309791</c:v>
+                </c:pt>
+                <c:pt idx="1">
+                  <c:v>-2748.22697247898</c:v>
+                </c:pt>
+                <c:pt idx="2">
+                  <c:v>-3017.50757415681</c:v>
+                </c:pt>
+                <c:pt idx="3">
+                  <c:v>-2865.4775615059</c:v>
+                </c:pt>
+                <c:pt idx="4">
+                  <c:v>-2726.73077948288</c:v>
+                </c:pt>
+                <c:pt idx="5">
+                  <c:v>-2890.47495710155</c:v>
+                </c:pt>
+                <c:pt idx="6">
+                  <c:v>-2834.55843503557</c:v>
+                </c:pt>
+                <c:pt idx="7">
+                  <c:v>-2958.06032096353</c:v>
+                </c:pt>
+                <c:pt idx="8">
+                  <c:v>-2917.26059119205</c:v>
+                </c:pt>
+                <c:pt idx="9">
+                  <c:v>-2932.56874095796</c:v>
+                </c:pt>
+                <c:pt idx="10">
+                  <c:v>-2965.7475209724</c:v>
+                </c:pt>
+                <c:pt idx="11">
+                  <c:v>-2946.47558102682</c:v>
+                </c:pt>
+                <c:pt idx="12">
+                  <c:v>-2944.66503649961</c:v>
+                </c:pt>
+                <c:pt idx="13">
+                  <c:v>-2794.46653661656</c:v>
+                </c:pt>
+                <c:pt idx="14">
+                  <c:v>-2657.82287450145</c:v>
+                </c:pt>
+                <c:pt idx="15">
+                  <c:v>-2585.68202179253</c:v>
+                </c:pt>
+                <c:pt idx="16">
+                  <c:v>-2578.84011651395</c:v>
+                </c:pt>
+                <c:pt idx="17">
+                  <c:v>-2478.7250014905</c:v>
+                </c:pt>
+                <c:pt idx="18">
+                  <c:v>-2428.61854449272</c:v>
+                </c:pt>
+                <c:pt idx="19">
+                  <c:v>-2331.66953068605</c:v>
+                </c:pt>
+                <c:pt idx="20">
+                  <c:v>-2367.65156684033</c:v>
+                </c:pt>
+                <c:pt idx="21">
+                  <c:v>-2371.2864294855</c:v>
+                </c:pt>
+                <c:pt idx="22">
+                  <c:v>-2333.90739156454</c:v>
+                </c:pt>
+                <c:pt idx="23">
+                  <c:v>-2276.66338415321</c:v>
+                </c:pt>
+                <c:pt idx="24">
+                  <c:v>-2210.12395515716</c:v>
+                </c:pt>
+                <c:pt idx="25">
+                  <c:v>-2199.29666052392</c:v>
+                </c:pt>
+                <c:pt idx="26">
+                  <c:v>-2179.28681996017</c:v>
+                </c:pt>
+                <c:pt idx="27">
+                  <c:v>-2173.47561644668</c:v>
+                </c:pt>
+                <c:pt idx="28">
+                  <c:v>-2177.85338117305</c:v>
+                </c:pt>
+                <c:pt idx="29">
+                  <c:v>-2123.81948790752</c:v>
+                </c:pt>
+                <c:pt idx="30">
+                  <c:v>-2106.51355587611</c:v>
+                </c:pt>
+                <c:pt idx="31">
+                  <c:v>-2099.93001079845</c:v>
+                </c:pt>
+                <c:pt idx="32">
+                  <c:v>-2100.08397605761</c:v>
+                </c:pt>
+                <c:pt idx="33">
+                  <c:v>-2039.95322168734</c:v>
+                </c:pt>
+                <c:pt idx="34">
+                  <c:v>-1980.06171449897</c:v>
+                </c:pt>
+                <c:pt idx="35">
+                  <c:v>-1971.17537227154</c:v>
+                </c:pt>
+                <c:pt idx="36">
+                  <c:v>-1945.45396346475</c:v>
+                </c:pt>
+                <c:pt idx="37">
+                  <c:v>-1890.30344837753</c:v>
+                </c:pt>
+                <c:pt idx="38">
+                  <c:v>-1883.69480580876</c:v>
+                </c:pt>
+                <c:pt idx="39">
+                  <c:v>-1840.4742111186</c:v>
+                </c:pt>
+                <c:pt idx="40">
+                  <c:v>-1832.09604102101</c:v>
+                </c:pt>
+                <c:pt idx="41">
+                  <c:v>-1819.02340981944</c:v>
+                </c:pt>
+                <c:pt idx="42">
+                  <c:v>-1924.37539919484</c:v>
+                </c:pt>
+                <c:pt idx="43">
+                  <c:v>-1908.46870167504</c:v>
+                </c:pt>
+                <c:pt idx="44">
+                  <c:v>-1900.93807176835</c:v>
+                </c:pt>
+                <c:pt idx="45">
+                  <c:v>-1892.90510878113</c:v>
+                </c:pt>
+                <c:pt idx="46">
+                  <c:v>-1856.39331021037</c:v>
+                </c:pt>
+                <c:pt idx="47">
+                  <c:v>-1842.88284005709</c:v>
+                </c:pt>
+                <c:pt idx="48">
+                  <c:v>-1865.18744879978</c:v>
+                </c:pt>
+                <c:pt idx="49">
+                  <c:v>-1832.04454692095</c:v>
+                </c:pt>
+                <c:pt idx="50">
+                  <c:v>-1848.11261583542</c:v>
+                </c:pt>
+                <c:pt idx="51">
+                  <c:v>-1824.95003212415</c:v>
+                </c:pt>
+                <c:pt idx="52">
+                  <c:v>-1784.32649827699</c:v>
+                </c:pt>
+                <c:pt idx="53">
+                  <c:v>-1795.85311021801</c:v>
+                </c:pt>
+                <c:pt idx="54">
+                  <c:v>-1795.99425421277</c:v>
+                </c:pt>
+                <c:pt idx="55">
+                  <c:v>-1922.15205922328</c:v>
+                </c:pt>
+                <c:pt idx="56">
+                  <c:v>-1921.74849451336</c:v>
+                </c:pt>
+                <c:pt idx="57">
+                  <c:v>-1930.31051055961</c:v>
+                </c:pt>
+                <c:pt idx="58">
+                  <c:v>-1972.75597973242</c:v>
+                </c:pt>
+                <c:pt idx="59">
+                  <c:v>-1983.09588450353</c:v>
+                </c:pt>
+                <c:pt idx="60">
+                  <c:v>-1972.93435638386</c:v>
+                </c:pt>
+                <c:pt idx="61">
+                  <c:v>-1949.36678837719</c:v>
+                </c:pt>
+                <c:pt idx="62">
+                  <c:v>-1932.9573737041</c:v>
+                </c:pt>
+              </c:numCache>
+            </c:numRef>
+          </c:val>
+          <c:smooth val="0"/>
+        </c:ser>
+        <c:dLbls>
+          <c:showLegendKey val="0"/>
+          <c:showVal val="0"/>
+          <c:showCatName val="0"/>
+          <c:showSerName val="0"/>
+          <c:showPercent val="0"/>
+          <c:showBubbleSize val="0"/>
+        </c:dLbls>
+        <c:marker val="1"/>
+        <c:smooth val="0"/>
+        <c:axId val="-2104704712"/>
+        <c:axId val="2145540072"/>
+      </c:lineChart>
+      <c:lineChart>
+        <c:grouping val="standard"/>
+        <c:varyColors val="0"/>
+        <c:ser>
+          <c:idx val="4"/>
+          <c:order val="4"/>
+          <c:tx>
+            <c:strRef>
+              <c:f>'VAR02'!$E$1</c:f>
+              <c:strCache>
+                <c:ptCount val="1"/>
+                <c:pt idx="0">
+                  <c:v>meanH</c:v>
+                </c:pt>
+              </c:strCache>
+            </c:strRef>
+          </c:tx>
+          <c:spPr>
+            <a:ln>
+              <a:solidFill>
+                <a:schemeClr val="accent3">
+                  <a:lumMod val="75000"/>
+                </a:schemeClr>
+              </a:solidFill>
+            </a:ln>
+          </c:spPr>
+          <c:marker>
+            <c:symbol val="none"/>
+          </c:marker>
+          <c:val>
+            <c:numRef>
+              <c:f>'VAR02'!$E$2:$E$64</c:f>
+              <c:numCache>
+                <c:formatCode>General</c:formatCode>
+                <c:ptCount val="63"/>
+                <c:pt idx="0">
+                  <c:v>12.3727255631133</c:v>
+                </c:pt>
+                <c:pt idx="1">
+                  <c:v>12.2868537829183</c:v>
+                </c:pt>
+                <c:pt idx="2">
+                  <c:v>12.6052161457714</c:v>
+                </c:pt>
+                <c:pt idx="3">
+                  <c:v>12.2016874619495</c:v>
+                </c:pt>
+                <c:pt idx="4">
+                  <c:v>12.0687211882812</c:v>
+                </c:pt>
+                <c:pt idx="5">
+                  <c:v>12.1783435064442</c:v>
+                </c:pt>
+                <c:pt idx="6">
+                  <c:v>12.1479717304423</c:v>
+                </c:pt>
+                <c:pt idx="7">
+                  <c:v>12.450797984288</c:v>
+                </c:pt>
+                <c:pt idx="8">
+                  <c:v>12.428840187893</c:v>
+                </c:pt>
+                <c:pt idx="9">
+                  <c:v>12.3855999414289</c:v>
+                </c:pt>
+                <c:pt idx="10">
+                  <c:v>12.8958490661619</c:v>
+                </c:pt>
+                <c:pt idx="11">
+                  <c:v>12.6863174538731</c:v>
+                </c:pt>
+                <c:pt idx="12">
+                  <c:v>13.7132323174897</c:v>
+                </c:pt>
+                <c:pt idx="13">
+                  <c:v>12.8267350689796</c:v>
+                </c:pt>
+                <c:pt idx="14">
+                  <c:v>12.1684542560588</c:v>
+                </c:pt>
+                <c:pt idx="15">
+                  <c:v>12.5784301557391</c:v>
+                </c:pt>
+                <c:pt idx="16">
+                  <c:v>11.9080664374556</c:v>
+                </c:pt>
+                <c:pt idx="17">
+                  <c:v>11.349790671777</c:v>
+                </c:pt>
+                <c:pt idx="18">
+                  <c:v>10.9665380093336</c:v>
+                </c:pt>
+                <c:pt idx="19">
+                  <c:v>10.8526791246835</c:v>
+                </c:pt>
+                <c:pt idx="20">
+                  <c:v>10.8396958478869</c:v>
+                </c:pt>
+                <c:pt idx="21">
+                  <c:v>10.7298571660529</c:v>
+                </c:pt>
+                <c:pt idx="22">
+                  <c:v>11.2005598039997</c:v>
+                </c:pt>
+                <c:pt idx="23">
+                  <c:v>10.9143883352792</c:v>
+                </c:pt>
+                <c:pt idx="24">
+                  <c:v>10.7051328396076</c:v>
+                </c:pt>
+                <c:pt idx="25">
+                  <c:v>10.5914334165577</c:v>
+                </c:pt>
+                <c:pt idx="26">
+                  <c:v>10.600963065317</c:v>
+                </c:pt>
+                <c:pt idx="27">
+                  <c:v>10.8971130868639</c:v>
+                </c:pt>
+                <c:pt idx="28">
+                  <c:v>11.1769345056164</c:v>
+                </c:pt>
+                <c:pt idx="29">
+                  <c:v>11.3411145892466</c:v>
+                </c:pt>
+                <c:pt idx="30">
+                  <c:v>11.3931816042031</c:v>
+                </c:pt>
+                <c:pt idx="31">
+                  <c:v>11.4051248010084</c:v>
+                </c:pt>
+                <c:pt idx="32">
+                  <c:v>11.1913631878487</c:v>
+                </c:pt>
+                <c:pt idx="33">
+                  <c:v>11.7210434180165</c:v>
+                </c:pt>
+                <c:pt idx="34">
+                  <c:v>12.5041258432693</c:v>
+                </c:pt>
+                <c:pt idx="35">
+                  <c:v>13.5048368291832</c:v>
+                </c:pt>
+                <c:pt idx="36">
+                  <c:v>15.0158500514701</c:v>
+                </c:pt>
+                <c:pt idx="37">
+                  <c:v>15.333362456955</c:v>
+                </c:pt>
+                <c:pt idx="38">
+                  <c:v>16.520406042958</c:v>
+                </c:pt>
+                <c:pt idx="39">
+                  <c:v>16.5214538744365</c:v>
+                </c:pt>
+                <c:pt idx="40">
+                  <c:v>16.6018178402216</c:v>
+                </c:pt>
+                <c:pt idx="41">
+                  <c:v>15.5589246021006</c:v>
+                </c:pt>
+                <c:pt idx="42">
+                  <c:v>15.4300032044191</c:v>
+                </c:pt>
+                <c:pt idx="43">
+                  <c:v>16.0086019941658</c:v>
+                </c:pt>
+                <c:pt idx="44">
+                  <c:v>17.1833202004687</c:v>
+                </c:pt>
+                <c:pt idx="45">
+                  <c:v>17.9207011035761</c:v>
+                </c:pt>
+                <c:pt idx="46">
+                  <c:v>19.5323639664056</c:v>
+                </c:pt>
+                <c:pt idx="47">
+                  <c:v>20.0807548549193</c:v>
+                </c:pt>
+                <c:pt idx="48">
+                  <c:v>19.1759624000975</c:v>
+                </c:pt>
+                <c:pt idx="49">
+                  <c:v>17.8201995987643</c:v>
+                </c:pt>
+                <c:pt idx="50">
+                  <c:v>17.9473072074481</c:v>
+                </c:pt>
+                <c:pt idx="51">
+                  <c:v>18.3987345794263</c:v>
+                </c:pt>
+                <c:pt idx="52">
+                  <c:v>19.1370434409554</c:v>
+                </c:pt>
+                <c:pt idx="53">
+                  <c:v>18.7832825402883</c:v>
+                </c:pt>
+                <c:pt idx="54">
+                  <c:v>19.5904518666754</c:v>
+                </c:pt>
+                <c:pt idx="55">
+                  <c:v>18.1216242043219</c:v>
+                </c:pt>
+                <c:pt idx="56">
+                  <c:v>17.6264433154989</c:v>
+                </c:pt>
+                <c:pt idx="57">
+                  <c:v>15.5603922680652</c:v>
+                </c:pt>
+                <c:pt idx="58">
+                  <c:v>16.2722753007748</c:v>
+                </c:pt>
+                <c:pt idx="59">
+                  <c:v>15.7255519163415</c:v>
+                </c:pt>
+                <c:pt idx="60">
+                  <c:v>16.602158336</c:v>
+                </c:pt>
+                <c:pt idx="61">
+                  <c:v>16.7042898705155</c:v>
+                </c:pt>
+                <c:pt idx="62">
+                  <c:v>17.6989959473944</c:v>
+                </c:pt>
+              </c:numCache>
+            </c:numRef>
+          </c:val>
+          <c:smooth val="0"/>
+        </c:ser>
+        <c:dLbls>
+          <c:showLegendKey val="0"/>
+          <c:showVal val="0"/>
+          <c:showCatName val="0"/>
+          <c:showSerName val="0"/>
+          <c:showPercent val="0"/>
+          <c:showBubbleSize val="0"/>
+        </c:dLbls>
+        <c:marker val="1"/>
+        <c:smooth val="0"/>
+        <c:axId val="-2147444040"/>
+        <c:axId val="-2146605736"/>
+      </c:lineChart>
+      <c:catAx>
+        <c:axId val="-2104704712"/>
+        <c:scaling>
+          <c:orientation val="minMax"/>
+        </c:scaling>
+        <c:delete val="0"/>
+        <c:axPos val="b"/>
+        <c:majorTickMark val="out"/>
+        <c:minorTickMark val="none"/>
+        <c:tickLblPos val="nextTo"/>
+        <c:crossAx val="2145540072"/>
+        <c:crosses val="autoZero"/>
+        <c:auto val="1"/>
+        <c:lblAlgn val="ctr"/>
+        <c:lblOffset val="100"/>
+        <c:noMultiLvlLbl val="0"/>
+      </c:catAx>
+      <c:valAx>
+        <c:axId val="2145540072"/>
+        <c:scaling>
+          <c:orientation val="minMax"/>
+        </c:scaling>
+        <c:delete val="0"/>
+        <c:axPos val="l"/>
+        <c:majorGridlines/>
+        <c:numFmt formatCode="General" sourceLinked="1"/>
+        <c:majorTickMark val="out"/>
+        <c:minorTickMark val="none"/>
+        <c:tickLblPos val="nextTo"/>
+        <c:crossAx val="-2104704712"/>
+        <c:crosses val="autoZero"/>
+        <c:crossBetween val="between"/>
+      </c:valAx>
+      <c:valAx>
+        <c:axId val="-2146605736"/>
+        <c:scaling>
+          <c:orientation val="minMax"/>
+        </c:scaling>
+        <c:delete val="0"/>
+        <c:axPos val="r"/>
+        <c:numFmt formatCode="General" sourceLinked="1"/>
+        <c:majorTickMark val="out"/>
+        <c:minorTickMark val="none"/>
+        <c:tickLblPos val="nextTo"/>
+        <c:crossAx val="-2147444040"/>
+        <c:crosses val="max"/>
+        <c:crossBetween val="between"/>
+      </c:valAx>
+      <c:catAx>
+        <c:axId val="-2147444040"/>
+        <c:scaling>
+          <c:orientation val="minMax"/>
+        </c:scaling>
+        <c:delete val="1"/>
+        <c:axPos val="b"/>
+        <c:majorTickMark val="out"/>
+        <c:minorTickMark val="none"/>
+        <c:tickLblPos val="nextTo"/>
+        <c:crossAx val="-2146605736"/>
+        <c:crosses val="autoZero"/>
+        <c:auto val="1"/>
+        <c:lblAlgn val="ctr"/>
+        <c:lblOffset val="100"/>
+        <c:noMultiLvlLbl val="0"/>
+      </c:catAx>
+    </c:plotArea>
+    <c:legend>
+      <c:legendPos val="r"/>
+      <c:layout/>
+      <c:overlay val="0"/>
+      <c:spPr>
+        <a:ln>
+          <a:solidFill>
+            <a:schemeClr val="accent5"/>
+          </a:solidFill>
+        </a:ln>
+      </c:spPr>
+    </c:legend>
+    <c:plotVisOnly val="1"/>
+    <c:dispBlanksAs val="gap"/>
+    <c:showDLblsOverMax val="0"/>
+  </c:chart>
+  <c:externalData r:id="rId1">
+    <c:autoUpdate val="0"/>
+  </c:externalData>
+</c:chartSpace>
+</file>
+
+<file path=ppt/charts/chart19.xml><?xml version="1.0" encoding="utf-8"?>
+<c:chartSpace xmlns:c="http://schemas.openxmlformats.org/drawingml/2006/chart" xmlns:a="http://schemas.openxmlformats.org/drawingml/2006/main" xmlns:r="http://schemas.openxmlformats.org/officeDocument/2006/relationships">
+  <c:date1904 val="0"/>
+  <c:lang val="en-US"/>
+  <c:roundedCorners val="0"/>
+  <mc:AlternateContent xmlns:mc="http://schemas.openxmlformats.org/markup-compatibility/2006">
+    <mc:Choice xmlns:c14="http://schemas.microsoft.com/office/drawing/2007/8/2/chart" Requires="c14">
+      <c14:style val="118"/>
+    </mc:Choice>
+    <mc:Fallback>
+      <c:style val="18"/>
+    </mc:Fallback>
+  </mc:AlternateContent>
+  <c:chart>
+    <c:autoTitleDeleted val="0"/>
+    <c:plotArea>
+      <c:layout/>
+      <c:lineChart>
+        <c:grouping val="standard"/>
+        <c:varyColors val="0"/>
+        <c:ser>
+          <c:idx val="0"/>
+          <c:order val="0"/>
+          <c:tx>
+            <c:strRef>
+              <c:f>'VAR03'!$A$1</c:f>
+              <c:strCache>
+                <c:ptCount val="1"/>
+                <c:pt idx="0">
+                  <c:v>VAR03realMean_c0</c:v>
+                </c:pt>
+              </c:strCache>
+            </c:strRef>
+          </c:tx>
+          <c:marker>
+            <c:symbol val="none"/>
+          </c:marker>
+          <c:val>
+            <c:numRef>
+              <c:f>'VAR03'!$A$2:$A$64</c:f>
+              <c:numCache>
+                <c:formatCode>General</c:formatCode>
+                <c:ptCount val="63"/>
+                <c:pt idx="0">
+                  <c:v>4646.97672529035</c:v>
+                </c:pt>
+                <c:pt idx="1">
+                  <c:v>4750.55615912858</c:v>
+                </c:pt>
+                <c:pt idx="2">
+                  <c:v>4696.40060533849</c:v>
+                </c:pt>
+                <c:pt idx="3">
+                  <c:v>3862.05770276841</c:v>
+                </c:pt>
+                <c:pt idx="4">
+                  <c:v>3579.71548384105</c:v>
+                </c:pt>
+                <c:pt idx="5">
+                  <c:v>4148.70384467097</c:v>
+                </c:pt>
+                <c:pt idx="6">
+                  <c:v>4342.38769004626</c:v>
+                </c:pt>
+                <c:pt idx="7">
+                  <c:v>4868.01323226674</c:v>
+                </c:pt>
+                <c:pt idx="8">
+                  <c:v>4696.49396712219</c:v>
+                </c:pt>
+                <c:pt idx="9">
+                  <c:v>4674.92348991877</c:v>
+                </c:pt>
+                <c:pt idx="10">
+                  <c:v>4866.86238760202</c:v>
+                </c:pt>
+                <c:pt idx="11">
+                  <c:v>4467.73211372661</c:v>
+                </c:pt>
+                <c:pt idx="12">
+                  <c:v>5309.34414140065</c:v>
+                </c:pt>
+                <c:pt idx="13">
+                  <c:v>3837.57893813886</c:v>
+                </c:pt>
+                <c:pt idx="14">
+                  <c:v>3765.84638751833</c:v>
+                </c:pt>
+                <c:pt idx="15">
+                  <c:v>4668.52996409255</c:v>
+                </c:pt>
+                <c:pt idx="16">
+                  <c:v>3673.85414026237</c:v>
+                </c:pt>
+                <c:pt idx="17">
+                  <c:v>4014.54680364691</c:v>
+                </c:pt>
+                <c:pt idx="18">
+                  <c:v>4054.61950981978</c:v>
+                </c:pt>
+                <c:pt idx="19">
+                  <c:v>4617.2864054667</c:v>
+                </c:pt>
+                <c:pt idx="20">
+                  <c:v>4608.71467311994</c:v>
+                </c:pt>
+                <c:pt idx="21">
+                  <c:v>4371.45431918352</c:v>
+                </c:pt>
+                <c:pt idx="22">
+                  <c:v>5253.79762025825</c:v>
+                </c:pt>
+                <c:pt idx="23">
+                  <c:v>3783.53364835454</c:v>
+                </c:pt>
+                <c:pt idx="24">
+                  <c:v>3653.93634143216</c:v>
+                </c:pt>
+                <c:pt idx="25">
+                  <c:v>3667.53858036137</c:v>
+                </c:pt>
+                <c:pt idx="26">
+                  <c:v>3480.91805093907</c:v>
+                </c:pt>
+                <c:pt idx="27">
+                  <c:v>3454.18135240498</c:v>
+                </c:pt>
+                <c:pt idx="28">
+                  <c:v>3876.00685071194</c:v>
+                </c:pt>
+                <c:pt idx="29">
+                  <c:v>4445.79292049884</c:v>
+                </c:pt>
+                <c:pt idx="30">
+                  <c:v>4450.21220330801</c:v>
+                </c:pt>
+                <c:pt idx="31">
+                  <c:v>4319.50241881394</c:v>
+                </c:pt>
+                <c:pt idx="32">
+                  <c:v>4420.34141091933</c:v>
+                </c:pt>
+                <c:pt idx="33">
+                  <c:v>3434.78434132031</c:v>
+                </c:pt>
+                <c:pt idx="34">
+                  <c:v>3250.44520630984</c:v>
+                </c:pt>
+                <c:pt idx="35">
+                  <c:v>3239.46888029367</c:v>
+                </c:pt>
+                <c:pt idx="36">
+                  <c:v>3203.01353256854</c:v>
+                </c:pt>
+                <c:pt idx="37">
+                  <c:v>4071.7632285017</c:v>
+                </c:pt>
+                <c:pt idx="38">
+                  <c:v>3561.69143941605</c:v>
+                </c:pt>
+                <c:pt idx="39">
+                  <c:v>4192.63788658575</c:v>
+                </c:pt>
+                <c:pt idx="40">
+                  <c:v>4026.34568451181</c:v>
+                </c:pt>
+                <c:pt idx="41">
+                  <c:v>4377.08356966936</c:v>
+                </c:pt>
+                <c:pt idx="42">
+                  <c:v>3633.20446862978</c:v>
+                </c:pt>
+                <c:pt idx="43">
+                  <c:v>3537.38232582176</c:v>
+                </c:pt>
+                <c:pt idx="44">
+                  <c:v>3335.63306163756</c:v>
+                </c:pt>
+                <c:pt idx="45">
+                  <c:v>3737.89779972247</c:v>
+                </c:pt>
+                <c:pt idx="46">
+                  <c:v>3651.50578789294</c:v>
+                </c:pt>
+                <c:pt idx="47">
+                  <c:v>3924.01466559764</c:v>
+                </c:pt>
+                <c:pt idx="48">
+                  <c:v>4254.61998504333</c:v>
+                </c:pt>
+                <c:pt idx="49">
+                  <c:v>4225.9878392013</c:v>
+                </c:pt>
+                <c:pt idx="50">
+                  <c:v>3673.15454337246</c:v>
+                </c:pt>
+                <c:pt idx="51">
+                  <c:v>3422.70029194899</c:v>
+                </c:pt>
+                <c:pt idx="52">
+                  <c:v>3553.18040683905</c:v>
+                </c:pt>
+                <c:pt idx="53">
+                  <c:v>4091.69795639697</c:v>
+                </c:pt>
+                <c:pt idx="54">
+                  <c:v>3882.41122313662</c:v>
+                </c:pt>
+                <c:pt idx="55">
+                  <c:v>4387.93735439994</c:v>
+                </c:pt>
+                <c:pt idx="56">
+                  <c:v>4439.1459197329</c:v>
+                </c:pt>
+                <c:pt idx="57">
+                  <c:v>4557.339270852</c:v>
+                </c:pt>
+                <c:pt idx="58">
+                  <c:v>3318.27312507965</c:v>
+                </c:pt>
+                <c:pt idx="59">
+                  <c:v>3844.42010092609</c:v>
+                </c:pt>
+                <c:pt idx="60">
+                  <c:v>3412.788203915</c:v>
+                </c:pt>
+                <c:pt idx="61">
+                  <c:v>4000.04681546151</c:v>
+                </c:pt>
+                <c:pt idx="62">
+                  <c:v>3846.84141269724</c:v>
+                </c:pt>
+              </c:numCache>
+            </c:numRef>
+          </c:val>
+          <c:smooth val="0"/>
+        </c:ser>
+        <c:ser>
+          <c:idx val="1"/>
+          <c:order val="1"/>
+          <c:tx>
+            <c:strRef>
+              <c:f>'VAR03'!$B$1</c:f>
+              <c:strCache>
+                <c:ptCount val="1"/>
+                <c:pt idx="0">
+                  <c:v>VAR03learntMean_c0</c:v>
+                </c:pt>
+              </c:strCache>
+            </c:strRef>
+          </c:tx>
+          <c:marker>
+            <c:symbol val="none"/>
+          </c:marker>
+          <c:val>
+            <c:numRef>
+              <c:f>'VAR03'!$B$2:$B$64</c:f>
+              <c:numCache>
+                <c:formatCode>General</c:formatCode>
+                <c:ptCount val="63"/>
+                <c:pt idx="0">
+                  <c:v>4647.68527861616</c:v>
+                </c:pt>
+                <c:pt idx="1">
+                  <c:v>4718.63765191876</c:v>
+                </c:pt>
+                <c:pt idx="2">
+                  <c:v>4707.62861241707</c:v>
+                </c:pt>
+                <c:pt idx="3">
+                  <c:v>4342.73186940404</c:v>
+                </c:pt>
+                <c:pt idx="4">
+                  <c:v>4029.02639453789</c:v>
+                </c:pt>
+                <c:pt idx="5">
+                  <c:v>4073.62769338852</c:v>
+                </c:pt>
+                <c:pt idx="6">
+                  <c:v>4141.9235164692</c:v>
+                </c:pt>
+                <c:pt idx="7">
+                  <c:v>4305.07898260578</c:v>
+                </c:pt>
+                <c:pt idx="8">
+                  <c:v>4383.43810959356</c:v>
+                </c:pt>
+                <c:pt idx="9">
+                  <c:v>4437.58064681924</c:v>
+                </c:pt>
+                <c:pt idx="10">
+                  <c:v>4509.81883886431</c:v>
+                </c:pt>
+                <c:pt idx="11">
+                  <c:v>4503.48532971117</c:v>
+                </c:pt>
+                <c:pt idx="12">
+                  <c:v>4618.01639335697</c:v>
+                </c:pt>
+                <c:pt idx="13">
+                  <c:v>4503.30201154121</c:v>
+                </c:pt>
+                <c:pt idx="14">
+                  <c:v>4378.87656048536</c:v>
+                </c:pt>
+                <c:pt idx="15">
+                  <c:v>4422.26277488063</c:v>
+                </c:pt>
+                <c:pt idx="16">
+                  <c:v>4298.3879189092</c:v>
+                </c:pt>
+                <c:pt idx="17">
+                  <c:v>4245.48762678855</c:v>
+                </c:pt>
+                <c:pt idx="18">
+                  <c:v>4209.98700975035</c:v>
+                </c:pt>
+                <c:pt idx="19">
+                  <c:v>4276.7861142513</c:v>
+                </c:pt>
+                <c:pt idx="20">
+                  <c:v>4330.21797524784</c:v>
+                </c:pt>
+                <c:pt idx="21">
+                  <c:v>4337.66262234929</c:v>
+                </c:pt>
+                <c:pt idx="22">
+                  <c:v>4430.55595922371</c:v>
+                </c:pt>
+                <c:pt idx="23">
+                  <c:v>4358.36018647534</c:v>
+                </c:pt>
+                <c:pt idx="24">
+                  <c:v>4268.92969114231</c:v>
+                </c:pt>
+                <c:pt idx="25">
+                  <c:v>4188.51528392025</c:v>
+                </c:pt>
+                <c:pt idx="26">
+                  <c:v>4085.47635142648</c:v>
+                </c:pt>
+                <c:pt idx="27">
+                  <c:v>3984.92415678953</c:v>
+                </c:pt>
+                <c:pt idx="28">
+                  <c:v>3969.51837271749</c:v>
+                </c:pt>
+                <c:pt idx="29">
+                  <c:v>4039.95600612656</c:v>
+                </c:pt>
+                <c:pt idx="30">
+                  <c:v>4096.86099001089</c:v>
+                </c:pt>
+                <c:pt idx="31">
+                  <c:v>4125.91897611952</c:v>
+                </c:pt>
+                <c:pt idx="32">
+                  <c:v>4165.40096808005</c:v>
+                </c:pt>
+                <c:pt idx="33">
+                  <c:v>4061.51387992623</c:v>
+                </c:pt>
+                <c:pt idx="34">
+                  <c:v>3935.19015114051</c:v>
+                </c:pt>
+                <c:pt idx="35">
+                  <c:v>3824.53001378379</c:v>
+                </c:pt>
+                <c:pt idx="36">
+                  <c:v>3718.9053152065</c:v>
+                </c:pt>
+                <c:pt idx="37">
+                  <c:v>3776.06915063273</c:v>
+                </c:pt>
+                <c:pt idx="38">
+                  <c:v>3743.11457824289</c:v>
+                </c:pt>
+                <c:pt idx="39">
+                  <c:v>3812.25330989864</c:v>
+                </c:pt>
+                <c:pt idx="40">
+                  <c:v>3844.26266304559</c:v>
+                </c:pt>
+                <c:pt idx="41">
+                  <c:v>3917.81123074152</c:v>
+                </c:pt>
+                <c:pt idx="42">
+                  <c:v>3889.17274355278</c:v>
+                </c:pt>
+                <c:pt idx="43">
+                  <c:v>3838.64835000655</c:v>
+                </c:pt>
+                <c:pt idx="44">
+                  <c:v>3764.81592984242</c:v>
+                </c:pt>
+                <c:pt idx="45">
+                  <c:v>3761.77748008132</c:v>
+                </c:pt>
+                <c:pt idx="46">
+                  <c:v>3744.46685860472</c:v>
+                </c:pt>
+                <c:pt idx="47">
+                  <c:v>3771.38824803383</c:v>
+                </c:pt>
+                <c:pt idx="48">
+                  <c:v>3840.95999160605</c:v>
+                </c:pt>
+                <c:pt idx="49">
+                  <c:v>3889.62294462675</c:v>
+                </c:pt>
+                <c:pt idx="50">
+                  <c:v>3862.14558246887</c:v>
+                </c:pt>
+                <c:pt idx="51">
+                  <c:v>3800.84734412496</c:v>
+                </c:pt>
+                <c:pt idx="52">
+                  <c:v>3764.46854237838</c:v>
+                </c:pt>
+                <c:pt idx="53">
+                  <c:v>3809.92357194777</c:v>
+                </c:pt>
+                <c:pt idx="54">
+                  <c:v>3820.9947696026</c:v>
+                </c:pt>
+                <c:pt idx="55">
+                  <c:v>3903.30600133636</c:v>
+                </c:pt>
+                <c:pt idx="56">
+                  <c:v>3966.63503292203</c:v>
+                </c:pt>
+                <c:pt idx="57">
+                  <c:v>4031.74253427257</c:v>
+                </c:pt>
+                <c:pt idx="58">
+                  <c:v>3956.91365370568</c:v>
+                </c:pt>
+                <c:pt idx="59">
+                  <c:v>3945.36023032529</c:v>
+                </c:pt>
+                <c:pt idx="60">
+                  <c:v>3881.57534702829</c:v>
+                </c:pt>
+                <c:pt idx="61">
+                  <c:v>3893.07743193772</c:v>
+                </c:pt>
+                <c:pt idx="62">
+                  <c:v>3887.0669463773</c:v>
+                </c:pt>
+              </c:numCache>
+            </c:numRef>
+          </c:val>
+          <c:smooth val="0"/>
+        </c:ser>
+        <c:ser>
+          <c:idx val="2"/>
+          <c:order val="2"/>
+          <c:tx>
+            <c:strRef>
+              <c:f>'VAR03'!$C$1</c:f>
+              <c:strCache>
+                <c:ptCount val="1"/>
+                <c:pt idx="0">
+                  <c:v>VAR03realMean_c1</c:v>
+                </c:pt>
+              </c:strCache>
+            </c:strRef>
+          </c:tx>
+          <c:spPr>
+            <a:ln>
+              <a:solidFill>
+                <a:schemeClr val="accent5"/>
+              </a:solidFill>
+            </a:ln>
+          </c:spPr>
+          <c:marker>
+            <c:symbol val="none"/>
+          </c:marker>
+          <c:val>
+            <c:numRef>
+              <c:f>'VAR03'!$C$2:$C$64</c:f>
+              <c:numCache>
+                <c:formatCode>General</c:formatCode>
+                <c:ptCount val="63"/>
+                <c:pt idx="0">
+                  <c:v>2687.33116360454</c:v>
+                </c:pt>
+                <c:pt idx="1">
+                  <c:v>2785.78357990867</c:v>
+                </c:pt>
+                <c:pt idx="2">
+                  <c:v>3206.56366925064</c:v>
+                </c:pt>
+                <c:pt idx="3">
+                  <c:v>2586.27983317886</c:v>
+                </c:pt>
+                <c:pt idx="4">
+                  <c:v>3227.90061240934</c:v>
+                </c:pt>
+                <c:pt idx="5">
+                  <c:v>2566.61122194513</c:v>
+                </c:pt>
+                <c:pt idx="6">
+                  <c:v>2284.38045801526</c:v>
+                </c:pt>
+                <c:pt idx="7">
+                  <c:v>3453.16484574868</c:v>
+                </c:pt>
+                <c:pt idx="8">
+                  <c:v>2872.85757289204</c:v>
+                </c:pt>
+                <c:pt idx="9">
+                  <c:v>2840.57854181558</c:v>
+                </c:pt>
+                <c:pt idx="10">
+                  <c:v>2925.74314522197</c:v>
+                </c:pt>
+                <c:pt idx="11">
+                  <c:v>2765.19934868943</c:v>
+                </c:pt>
+                <c:pt idx="12">
+                  <c:v>2667.70926482213</c:v>
+                </c:pt>
+                <c:pt idx="13">
+                  <c:v>1787.88682011935</c:v>
+                </c:pt>
+                <c:pt idx="14">
+                  <c:v>1727.23059778597</c:v>
+                </c:pt>
+                <c:pt idx="15">
+                  <c:v>1897.19126593033</c:v>
+                </c:pt>
+                <c:pt idx="16">
+                  <c:v>2478.52806361085</c:v>
+                </c:pt>
+                <c:pt idx="17">
+                  <c:v>1541.51084808946</c:v>
+                </c:pt>
+                <c:pt idx="18">
+                  <c:v>1853.34745694022</c:v>
+                </c:pt>
+                <c:pt idx="19">
+                  <c:v>1501.12431957857</c:v>
+                </c:pt>
+                <c:pt idx="20">
+                  <c:v>2774.84859357696</c:v>
+                </c:pt>
+                <c:pt idx="21">
+                  <c:v>2562.09928825622</c:v>
+                </c:pt>
+                <c:pt idx="22">
+                  <c:v>1620.27636363636</c:v>
+                </c:pt>
+                <c:pt idx="23">
+                  <c:v>1209.19585845347</c:v>
+                </c:pt>
+                <c:pt idx="24">
+                  <c:v>1389.60142142142</c:v>
+                </c:pt>
+                <c:pt idx="25">
+                  <c:v>1936.91390013495</c:v>
+                </c:pt>
+                <c:pt idx="26">
+                  <c:v>1737.89475035663</c:v>
+                </c:pt>
+                <c:pt idx="27">
+                  <c:v>1900.89849006622</c:v>
+                </c:pt>
+                <c:pt idx="28">
+                  <c:v>2249.72990126939</c:v>
+                </c:pt>
+                <c:pt idx="29">
+                  <c:v>1341.24210945273</c:v>
+                </c:pt>
+                <c:pt idx="30">
+                  <c:v>1855.79208976157</c:v>
+                </c:pt>
+                <c:pt idx="31">
+                  <c:v>1760.40691588785</c:v>
+                </c:pt>
+                <c:pt idx="32">
+                  <c:v>2325.34123039807</c:v>
+                </c:pt>
+                <c:pt idx="33">
+                  <c:v>987.42784473953</c:v>
+                </c:pt>
+                <c:pt idx="34">
+                  <c:v>1277.52688097306</c:v>
+                </c:pt>
+                <c:pt idx="35">
+                  <c:v>1885.22298932384</c:v>
+                </c:pt>
+                <c:pt idx="36">
+                  <c:v>1903.98988929889</c:v>
+                </c:pt>
+                <c:pt idx="37">
+                  <c:v>1265.33484390735</c:v>
+                </c:pt>
+                <c:pt idx="38">
+                  <c:v>1900.52136698212</c:v>
+                </c:pt>
+                <c:pt idx="39">
+                  <c:v>1486.03903536977</c:v>
+                </c:pt>
+                <c:pt idx="40">
+                  <c:v>1654.92246424642</c:v>
+                </c:pt>
+                <c:pt idx="41">
+                  <c:v>1482.26511263467</c:v>
+                </c:pt>
+                <c:pt idx="42">
+                  <c:v>3748.01374625374</c:v>
+                </c:pt>
+                <c:pt idx="43">
+                  <c:v>1735.06969014084</c:v>
+                </c:pt>
+                <c:pt idx="44">
+                  <c:v>1877.6536189608</c:v>
+                </c:pt>
+                <c:pt idx="45">
+                  <c:v>1877.22022988505</c:v>
+                </c:pt>
+                <c:pt idx="46">
+                  <c:v>1605.07801220575</c:v>
+                </c:pt>
+                <c:pt idx="47">
+                  <c:v>1750.06628262826</c:v>
+                </c:pt>
+                <c:pt idx="48">
+                  <c:v>2026.56896675651</c:v>
+                </c:pt>
+                <c:pt idx="49">
+                  <c:v>1336.44062792251</c:v>
+                </c:pt>
+                <c:pt idx="50">
+                  <c:v>1913.31436909871</c:v>
+                </c:pt>
+                <c:pt idx="51">
+                  <c:v>1500.47972003499</c:v>
+                </c:pt>
+                <c:pt idx="52">
+                  <c:v>1331.30127067014</c:v>
+                </c:pt>
+                <c:pt idx="53">
+                  <c:v>1834.46733386709</c:v>
+                </c:pt>
+                <c:pt idx="54">
+                  <c:v>1945.89302642796</c:v>
+                </c:pt>
+                <c:pt idx="55">
+                  <c:v>3820.98679900744</c:v>
+                </c:pt>
+                <c:pt idx="56">
+                  <c:v>1832.5182328654</c:v>
+                </c:pt>
+                <c:pt idx="57">
+                  <c:v>1610.12348576358</c:v>
+                </c:pt>
+                <c:pt idx="58">
+                  <c:v>3357.90997140133</c:v>
+                </c:pt>
+                <c:pt idx="59">
+                  <c:v>2274.66252054794</c:v>
+                </c:pt>
+                <c:pt idx="60">
+                  <c:v>1780.83446932813</c:v>
+                </c:pt>
+                <c:pt idx="61">
+                  <c:v>1362.19191416309</c:v>
+                </c:pt>
+                <c:pt idx="62">
+                  <c:v>1754.29804238143</c:v>
+                </c:pt>
+              </c:numCache>
+            </c:numRef>
+          </c:val>
+          <c:smooth val="0"/>
+        </c:ser>
+        <c:ser>
+          <c:idx val="3"/>
+          <c:order val="3"/>
+          <c:tx>
+            <c:strRef>
+              <c:f>'VAR03'!$D$1</c:f>
+              <c:strCache>
+                <c:ptCount val="1"/>
+                <c:pt idx="0">
+                  <c:v>VAR03learntMean_c1</c:v>
+                </c:pt>
+              </c:strCache>
+            </c:strRef>
+          </c:tx>
+          <c:spPr>
+            <a:ln>
+              <a:solidFill>
+                <a:schemeClr val="accent2">
+                  <a:lumMod val="50000"/>
+                </a:schemeClr>
+              </a:solidFill>
+            </a:ln>
+          </c:spPr>
+          <c:marker>
+            <c:symbol val="none"/>
+          </c:marker>
+          <c:val>
+            <c:numRef>
+              <c:f>'VAR03'!$D$2:$D$64</c:f>
+              <c:numCache>
+                <c:formatCode>General</c:formatCode>
+                <c:ptCount val="63"/>
+                <c:pt idx="0">
+                  <c:v>2690.47011929014</c:v>
+                </c:pt>
+                <c:pt idx="1">
+                  <c:v>2758.32494569951</c:v>
+                </c:pt>
+                <c:pt idx="2">
+                  <c:v>2969.24321698874</c:v>
+                </c:pt>
+                <c:pt idx="3">
+                  <c:v>2814.85665683497</c:v>
+                </c:pt>
+                <c:pt idx="4">
+                  <c:v>2906.47258251416</c:v>
+                </c:pt>
+                <c:pt idx="5">
+                  <c:v>2830.01465481315</c:v>
+                </c:pt>
+                <c:pt idx="6">
+                  <c:v>2713.72420233455</c:v>
+                </c:pt>
+                <c:pt idx="7">
+                  <c:v>2872.18732704418</c:v>
+                </c:pt>
+                <c:pt idx="8">
+                  <c:v>2875.3386988896</c:v>
+                </c:pt>
+                <c:pt idx="9">
+                  <c:v>2871.68782805476</c:v>
+                </c:pt>
+                <c:pt idx="10">
+                  <c:v>2882.78048473749</c:v>
+                </c:pt>
+                <c:pt idx="11">
+                  <c:v>2866.97811440465</c:v>
+                </c:pt>
+                <c:pt idx="12">
+                  <c:v>2847.46303521339</c:v>
+                </c:pt>
+                <c:pt idx="13">
+                  <c:v>2706.87922059961</c:v>
+                </c:pt>
+                <c:pt idx="14">
+                  <c:v>2539.47360483465</c:v>
+                </c:pt>
+                <c:pt idx="15">
+                  <c:v>2463.72530333463</c:v>
+                </c:pt>
+                <c:pt idx="16">
+                  <c:v>2438.11625056488</c:v>
+                </c:pt>
+                <c:pt idx="17">
+                  <c:v>2309.68001058133</c:v>
+                </c:pt>
+                <c:pt idx="18">
+                  <c:v>2245.19641758156</c:v>
+                </c:pt>
+                <c:pt idx="19">
+                  <c:v>2170.76612512862</c:v>
+                </c:pt>
+                <c:pt idx="20">
+                  <c:v>2247.30588342087</c:v>
+                </c:pt>
+                <c:pt idx="21">
+                  <c:v>2276.64106620047</c:v>
+                </c:pt>
+                <c:pt idx="22">
+                  <c:v>2264.73764216606</c:v>
+                </c:pt>
+                <c:pt idx="23">
+                  <c:v>2156.20799395538</c:v>
+                </c:pt>
+                <c:pt idx="24">
+                  <c:v>2037.64700690869</c:v>
+                </c:pt>
+                <c:pt idx="25">
+                  <c:v>1990.47633734917</c:v>
+                </c:pt>
+                <c:pt idx="26">
+                  <c:v>1920.34169557637</c:v>
+                </c:pt>
+                <c:pt idx="27">
+                  <c:v>1871.92119184608</c:v>
+                </c:pt>
+                <c:pt idx="28">
+                  <c:v>1897.41953413044</c:v>
+                </c:pt>
+                <c:pt idx="29">
+                  <c:v>1869.73171599862</c:v>
+                </c:pt>
+                <c:pt idx="30">
+                  <c:v>1898.93526372301</c:v>
+                </c:pt>
+                <c:pt idx="31">
+                  <c:v>1905.2421185882</c:v>
+                </c:pt>
+                <c:pt idx="32">
+                  <c:v>1959.21513739076</c:v>
+                </c:pt>
+                <c:pt idx="33">
+                  <c:v>1811.04930789689</c:v>
+                </c:pt>
+                <c:pt idx="34">
+                  <c:v>1679.44245052863</c:v>
+                </c:pt>
+                <c:pt idx="35">
+                  <c:v>1637.91586103467</c:v>
+                </c:pt>
+                <c:pt idx="36">
+                  <c:v>1607.99334874912</c:v>
+                </c:pt>
+                <c:pt idx="37">
+                  <c:v>1601.37400680283</c:v>
+                </c:pt>
+                <c:pt idx="38">
+                  <c:v>1613.36551209845</c:v>
+                </c:pt>
+                <c:pt idx="39">
+                  <c:v>1639.86896427876</c:v>
+                </c:pt>
+                <c:pt idx="40">
+                  <c:v>1659.67544493285</c:v>
+                </c:pt>
+                <c:pt idx="41">
+                  <c:v>1688.57191109451</c:v>
+                </c:pt>
+                <c:pt idx="42">
+                  <c:v>1806.37183144671</c:v>
+                </c:pt>
+                <c:pt idx="43">
+                  <c:v>1773.15245079212</c:v>
+                </c:pt>
+                <c:pt idx="44">
+                  <c:v>1740.66322403196</c:v>
+                </c:pt>
+                <c:pt idx="45">
+                  <c:v>1749.65086781953</c:v>
+                </c:pt>
+                <c:pt idx="46">
+                  <c:v>1729.40848700074</c:v>
+                </c:pt>
+                <c:pt idx="47">
+                  <c:v>1746.12522280711</c:v>
+                </c:pt>
+                <c:pt idx="48">
+                  <c:v>1805.05860729468</c:v>
+                </c:pt>
+                <c:pt idx="49">
+                  <c:v>1795.59606276744</c:v>
+                </c:pt>
+                <c:pt idx="50">
+                  <c:v>1786.1782803386</c:v>
+                </c:pt>
+                <c:pt idx="51">
+                  <c:v>1730.29494973805</c:v>
+                </c:pt>
+                <c:pt idx="52">
+                  <c:v>1681.68219054548</c:v>
+                </c:pt>
+                <c:pt idx="53">
+                  <c:v>1720.74904656894</c:v>
+                </c:pt>
+                <c:pt idx="54">
+                  <c:v>1741.83470890318</c:v>
+                </c:pt>
+                <c:pt idx="55">
+                  <c:v>1904.35969037652</c:v>
+                </c:pt>
+                <c:pt idx="56">
+                  <c:v>1942.191346459</c:v>
+                </c:pt>
+                <c:pt idx="57">
+                  <c:v>1972.59890658702</c:v>
+                </c:pt>
+                <c:pt idx="58">
+                  <c:v>1975.35549591387</c:v>
+                </c:pt>
+                <c:pt idx="59">
+                  <c:v>1979.9755217911</c:v>
+                </c:pt>
+                <c:pt idx="60">
+                  <c:v>1930.94713791142</c:v>
+                </c:pt>
+                <c:pt idx="61">
+                  <c:v>1913.06254507239</c:v>
+                </c:pt>
+                <c:pt idx="62">
+                  <c:v>1903.13451847445</c:v>
+                </c:pt>
+              </c:numCache>
+            </c:numRef>
+          </c:val>
+          <c:smooth val="0"/>
+        </c:ser>
+        <c:dLbls>
+          <c:showLegendKey val="0"/>
+          <c:showVal val="0"/>
+          <c:showCatName val="0"/>
+          <c:showSerName val="0"/>
+          <c:showPercent val="0"/>
+          <c:showBubbleSize val="0"/>
+        </c:dLbls>
+        <c:marker val="1"/>
+        <c:smooth val="0"/>
+        <c:axId val="-2138825672"/>
+        <c:axId val="-2104817224"/>
+      </c:lineChart>
+      <c:lineChart>
+        <c:grouping val="standard"/>
+        <c:varyColors val="0"/>
+        <c:ser>
+          <c:idx val="4"/>
+          <c:order val="4"/>
+          <c:tx>
+            <c:strRef>
+              <c:f>'VAR03'!$E$1</c:f>
+              <c:strCache>
+                <c:ptCount val="1"/>
+                <c:pt idx="0">
+                  <c:v>meanH</c:v>
+                </c:pt>
+              </c:strCache>
+            </c:strRef>
+          </c:tx>
+          <c:spPr>
+            <a:ln>
+              <a:solidFill>
+                <a:schemeClr val="accent3">
+                  <a:lumMod val="75000"/>
+                </a:schemeClr>
+              </a:solidFill>
+            </a:ln>
+          </c:spPr>
+          <c:marker>
+            <c:symbol val="none"/>
+          </c:marker>
+          <c:val>
+            <c:numRef>
+              <c:f>'VAR03'!$E$2:$E$64</c:f>
+              <c:numCache>
+                <c:formatCode>General</c:formatCode>
+                <c:ptCount val="63"/>
+                <c:pt idx="0">
+                  <c:v>12.3727336669716</c:v>
+                </c:pt>
+                <c:pt idx="1">
+                  <c:v>12.2281485145033</c:v>
+                </c:pt>
+                <c:pt idx="2">
+                  <c:v>12.1457799339327</c:v>
+                </c:pt>
+                <c:pt idx="3">
+                  <c:v>12.961371222256</c:v>
+                </c:pt>
+                <c:pt idx="4">
+                  <c:v>14.2160442943031</c:v>
+                </c:pt>
+                <c:pt idx="5">
+                  <c:v>13.9783735083857</c:v>
+                </c:pt>
+                <c:pt idx="6">
+                  <c:v>13.5994283273256</c:v>
+                </c:pt>
+                <c:pt idx="7">
+                  <c:v>12.6403817317021</c:v>
+                </c:pt>
+                <c:pt idx="8">
+                  <c:v>12.1385828991094</c:v>
+                </c:pt>
+                <c:pt idx="9">
+                  <c:v>11.7603425149119</c:v>
+                </c:pt>
+                <c:pt idx="10">
+                  <c:v>11.2401738519318</c:v>
+                </c:pt>
+                <c:pt idx="11">
+                  <c:v>11.2764073634732</c:v>
+                </c:pt>
+                <c:pt idx="12">
+                  <c:v>10.4148114332358</c:v>
+                </c:pt>
+                <c:pt idx="13">
+                  <c:v>11.5513148566168</c:v>
+                </c:pt>
+                <c:pt idx="14">
+                  <c:v>12.9403112387313</c:v>
+                </c:pt>
+                <c:pt idx="15">
+                  <c:v>12.5380184237994</c:v>
+                </c:pt>
+                <c:pt idx="16">
+                  <c:v>13.9678647919492</c:v>
+                </c:pt>
+                <c:pt idx="17">
+                  <c:v>14.6746081747681</c:v>
+                </c:pt>
+                <c:pt idx="18">
+                  <c:v>15.1388577149469</c:v>
+                </c:pt>
+                <c:pt idx="19">
+                  <c:v>14.4209389856781</c:v>
+                </c:pt>
+                <c:pt idx="20">
+                  <c:v>13.6587170873162</c:v>
+                </c:pt>
+                <c:pt idx="21">
+                  <c:v>13.5197176523737</c:v>
+                </c:pt>
+                <c:pt idx="22">
+                  <c:v>12.2718736830001</c:v>
+                </c:pt>
+                <c:pt idx="23">
+                  <c:v>13.463323283984</c:v>
+                </c:pt>
+                <c:pt idx="24">
+                  <c:v>14.8953103069403</c:v>
+                </c:pt>
+                <c:pt idx="25">
+                  <c:v>16.0745984843544</c:v>
+                </c:pt>
+                <c:pt idx="26">
+                  <c:v>17.5666767546945</c:v>
+                </c:pt>
+                <c:pt idx="27">
+                  <c:v>18.9583000581095</c:v>
+                </c:pt>
+                <c:pt idx="28">
+                  <c:v>19.1324231275947</c:v>
+                </c:pt>
+                <c:pt idx="29">
+                  <c:v>18.2101651324149</c:v>
+                </c:pt>
+                <c:pt idx="30">
+                  <c:v>17.3700680799506</c:v>
+                </c:pt>
+                <c:pt idx="31">
+                  <c:v>16.9348597469834</c:v>
+                </c:pt>
+                <c:pt idx="32">
+                  <c:v>16.2597978746421</c:v>
+                </c:pt>
+                <c:pt idx="33">
+                  <c:v>18.0317056465705</c:v>
+                </c:pt>
+                <c:pt idx="34">
+                  <c:v>20.0178859717901</c:v>
+                </c:pt>
+                <c:pt idx="35">
+                  <c:v>21.5940468491196</c:v>
+                </c:pt>
+                <c:pt idx="36">
+                  <c:v>23.0421890336869</c:v>
+                </c:pt>
+                <c:pt idx="37">
+                  <c:v>22.2811804574306</c:v>
+                </c:pt>
+                <c:pt idx="38">
+                  <c:v>22.7164920384591</c:v>
+                </c:pt>
+                <c:pt idx="39">
+                  <c:v>21.7223587771415</c:v>
+                </c:pt>
+                <c:pt idx="40">
+                  <c:v>21.236554187821</c:v>
+                </c:pt>
+                <c:pt idx="41">
+                  <c:v>20.1036178195958</c:v>
+                </c:pt>
+                <c:pt idx="42">
+                  <c:v>20.3990886041174</c:v>
+                </c:pt>
+                <c:pt idx="43">
+                  <c:v>21.2129200606655</c:v>
+                </c:pt>
+                <c:pt idx="44">
+                  <c:v>22.3660954059309</c:v>
+                </c:pt>
+                <c:pt idx="45">
+                  <c:v>22.4010705129373</c:v>
+                </c:pt>
+                <c:pt idx="46">
+                  <c:v>22.6858134463355</c:v>
+                </c:pt>
+                <c:pt idx="47">
+                  <c:v>22.251873253454</c:v>
+                </c:pt>
+                <c:pt idx="48">
+                  <c:v>21.0750866658884</c:v>
+                </c:pt>
+                <c:pt idx="49">
+                  <c:v>20.2878594840917</c:v>
+                </c:pt>
+                <c:pt idx="50">
+                  <c:v>20.7562300874412</c:v>
+                </c:pt>
+                <c:pt idx="51">
+                  <c:v>21.8358511676564</c:v>
+                </c:pt>
+                <c:pt idx="52">
+                  <c:v>22.4888629660214</c:v>
+                </c:pt>
+                <c:pt idx="53">
+                  <c:v>21.6883555649425</c:v>
+                </c:pt>
+                <c:pt idx="54">
+                  <c:v>21.4737629756918</c:v>
+                </c:pt>
+                <c:pt idx="55">
+                  <c:v>19.8203793672506</c:v>
+                </c:pt>
+                <c:pt idx="56">
+                  <c:v>18.6133551094916</c:v>
+                </c:pt>
+                <c:pt idx="57">
+                  <c:v>17.338679443647</c:v>
+                </c:pt>
+                <c:pt idx="58">
+                  <c:v>18.7558567957802</c:v>
+                </c:pt>
+                <c:pt idx="59">
+                  <c:v>18.9676116087461</c:v>
+                </c:pt>
+                <c:pt idx="60">
+                  <c:v>20.224820391327</c:v>
+                </c:pt>
+                <c:pt idx="61">
+                  <c:v>20.034770903262</c:v>
+                </c:pt>
+                <c:pt idx="62">
+                  <c:v>20.1611579646131</c:v>
+                </c:pt>
+              </c:numCache>
+            </c:numRef>
+          </c:val>
+          <c:smooth val="0"/>
+        </c:ser>
+        <c:dLbls>
+          <c:showLegendKey val="0"/>
+          <c:showVal val="0"/>
+          <c:showCatName val="0"/>
+          <c:showSerName val="0"/>
+          <c:showPercent val="0"/>
+          <c:showBubbleSize val="0"/>
+        </c:dLbls>
+        <c:marker val="1"/>
+        <c:smooth val="0"/>
+        <c:axId val="-2138808712"/>
+        <c:axId val="-2125457112"/>
+      </c:lineChart>
+      <c:catAx>
+        <c:axId val="-2138825672"/>
+        <c:scaling>
+          <c:orientation val="minMax"/>
+        </c:scaling>
+        <c:delete val="0"/>
+        <c:axPos val="b"/>
+        <c:majorTickMark val="out"/>
+        <c:minorTickMark val="none"/>
+        <c:tickLblPos val="nextTo"/>
+        <c:crossAx val="-2104817224"/>
+        <c:crosses val="autoZero"/>
+        <c:auto val="1"/>
+        <c:lblAlgn val="ctr"/>
+        <c:lblOffset val="100"/>
+        <c:noMultiLvlLbl val="0"/>
+      </c:catAx>
+      <c:valAx>
+        <c:axId val="-2104817224"/>
+        <c:scaling>
+          <c:orientation val="minMax"/>
+        </c:scaling>
+        <c:delete val="0"/>
+        <c:axPos val="l"/>
+        <c:majorGridlines/>
+        <c:numFmt formatCode="General" sourceLinked="1"/>
+        <c:majorTickMark val="out"/>
+        <c:minorTickMark val="none"/>
+        <c:tickLblPos val="nextTo"/>
+        <c:crossAx val="-2138825672"/>
+        <c:crosses val="autoZero"/>
+        <c:crossBetween val="between"/>
+      </c:valAx>
+      <c:valAx>
+        <c:axId val="-2125457112"/>
+        <c:scaling>
+          <c:orientation val="minMax"/>
+        </c:scaling>
+        <c:delete val="0"/>
+        <c:axPos val="r"/>
+        <c:numFmt formatCode="General" sourceLinked="1"/>
+        <c:majorTickMark val="out"/>
+        <c:minorTickMark val="none"/>
+        <c:tickLblPos val="nextTo"/>
+        <c:crossAx val="-2138808712"/>
+        <c:crosses val="max"/>
+        <c:crossBetween val="between"/>
+      </c:valAx>
+      <c:catAx>
+        <c:axId val="-2138808712"/>
+        <c:scaling>
+          <c:orientation val="minMax"/>
+        </c:scaling>
+        <c:delete val="1"/>
+        <c:axPos val="b"/>
+        <c:majorTickMark val="out"/>
+        <c:minorTickMark val="none"/>
+        <c:tickLblPos val="nextTo"/>
+        <c:crossAx val="-2125457112"/>
+        <c:crosses val="autoZero"/>
+        <c:auto val="1"/>
+        <c:lblAlgn val="ctr"/>
+        <c:lblOffset val="100"/>
+        <c:noMultiLvlLbl val="0"/>
+      </c:catAx>
+    </c:plotArea>
+    <c:legend>
+      <c:legendPos val="r"/>
+      <c:layout/>
+      <c:overlay val="0"/>
+      <c:spPr>
+        <a:ln>
+          <a:solidFill>
+            <a:schemeClr val="accent5"/>
+          </a:solidFill>
+        </a:ln>
+      </c:spPr>
+    </c:legend>
+    <c:plotVisOnly val="1"/>
+    <c:dispBlanksAs val="gap"/>
+    <c:showDLblsOverMax val="0"/>
+  </c:chart>
+  <c:externalData r:id="rId1">
+    <c:autoUpdate val="0"/>
+  </c:externalData>
+</c:chartSpace>
+</file>
+
 <file path=ppt/charts/chart2.xml><?xml version="1.0" encoding="utf-8"?>
 <c:chartSpace xmlns:c="http://schemas.openxmlformats.org/drawingml/2006/chart" xmlns:a="http://schemas.openxmlformats.org/drawingml/2006/main" xmlns:r="http://schemas.openxmlformats.org/officeDocument/2006/relationships">
   <c:date1904 val="0"/>
@@ -4958,6 +8705,3747 @@
       <c:legendPos val="r"/>
       <c:layout/>
       <c:overlay val="0"/>
+    </c:legend>
+    <c:plotVisOnly val="1"/>
+    <c:dispBlanksAs val="gap"/>
+    <c:showDLblsOverMax val="0"/>
+  </c:chart>
+  <c:externalData r:id="rId1">
+    <c:autoUpdate val="0"/>
+  </c:externalData>
+</c:chartSpace>
+</file>
+
+<file path=ppt/charts/chart20.xml><?xml version="1.0" encoding="utf-8"?>
+<c:chartSpace xmlns:c="http://schemas.openxmlformats.org/drawingml/2006/chart" xmlns:a="http://schemas.openxmlformats.org/drawingml/2006/main" xmlns:r="http://schemas.openxmlformats.org/officeDocument/2006/relationships">
+  <c:date1904 val="0"/>
+  <c:lang val="en-US"/>
+  <c:roundedCorners val="0"/>
+  <mc:AlternateContent xmlns:mc="http://schemas.openxmlformats.org/markup-compatibility/2006">
+    <mc:Choice xmlns:c14="http://schemas.microsoft.com/office/drawing/2007/8/2/chart" Requires="c14">
+      <c14:style val="118"/>
+    </mc:Choice>
+    <mc:Fallback>
+      <c:style val="18"/>
+    </mc:Fallback>
+  </mc:AlternateContent>
+  <c:chart>
+    <c:autoTitleDeleted val="0"/>
+    <c:plotArea>
+      <c:layout/>
+      <c:lineChart>
+        <c:grouping val="standard"/>
+        <c:varyColors val="0"/>
+        <c:ser>
+          <c:idx val="0"/>
+          <c:order val="0"/>
+          <c:tx>
+            <c:strRef>
+              <c:f>'VAR04'!$A$1</c:f>
+              <c:strCache>
+                <c:ptCount val="1"/>
+                <c:pt idx="0">
+                  <c:v>VAR04realMean_c0</c:v>
+                </c:pt>
+              </c:strCache>
+            </c:strRef>
+          </c:tx>
+          <c:marker>
+            <c:symbol val="none"/>
+          </c:marker>
+          <c:val>
+            <c:numRef>
+              <c:f>'VAR04'!$A$2:$A$64</c:f>
+              <c:numCache>
+                <c:formatCode>General</c:formatCode>
+                <c:ptCount val="63"/>
+                <c:pt idx="0">
+                  <c:v>7694.21171272814</c:v>
+                </c:pt>
+                <c:pt idx="1">
+                  <c:v>7828.55519804247</c:v>
+                </c:pt>
+                <c:pt idx="2">
+                  <c:v>7733.67179326886</c:v>
+                </c:pt>
+                <c:pt idx="3">
+                  <c:v>7446.26437989178</c:v>
+                </c:pt>
+                <c:pt idx="4">
+                  <c:v>7098.48968022133</c:v>
+                </c:pt>
+                <c:pt idx="5">
+                  <c:v>6749.95521058557</c:v>
+                </c:pt>
+                <c:pt idx="6">
+                  <c:v>6577.40987760912</c:v>
+                </c:pt>
+                <c:pt idx="7">
+                  <c:v>6808.08823173773</c:v>
+                </c:pt>
+                <c:pt idx="8">
+                  <c:v>6857.93660953426</c:v>
+                </c:pt>
+                <c:pt idx="9">
+                  <c:v>7002.7463913285</c:v>
+                </c:pt>
+                <c:pt idx="10">
+                  <c:v>6839.51986471658</c:v>
+                </c:pt>
+                <c:pt idx="11">
+                  <c:v>6892.05427954521</c:v>
+                </c:pt>
+                <c:pt idx="12">
+                  <c:v>6738.11065461615</c:v>
+                </c:pt>
+                <c:pt idx="13">
+                  <c:v>6527.95270386916</c:v>
+                </c:pt>
+                <c:pt idx="14">
+                  <c:v>6078.32396467676</c:v>
+                </c:pt>
+                <c:pt idx="15">
+                  <c:v>5824.8384385476</c:v>
+                </c:pt>
+                <c:pt idx="16">
+                  <c:v>5560.37533513424</c:v>
+                </c:pt>
+                <c:pt idx="17">
+                  <c:v>5903.9899468281</c:v>
+                </c:pt>
+                <c:pt idx="18">
+                  <c:v>6058.25454505332</c:v>
+                </c:pt>
+                <c:pt idx="19">
+                  <c:v>6261.28805328017</c:v>
+                </c:pt>
+                <c:pt idx="20">
+                  <c:v>6594.86620421412</c:v>
+                </c:pt>
+                <c:pt idx="21">
+                  <c:v>6768.60457411448</c:v>
+                </c:pt>
+                <c:pt idx="22">
+                  <c:v>6954.24134154924</c:v>
+                </c:pt>
+                <c:pt idx="23">
+                  <c:v>6833.91825740203</c:v>
+                </c:pt>
+                <c:pt idx="24">
+                  <c:v>6498.03653842321</c:v>
+                </c:pt>
+                <c:pt idx="25">
+                  <c:v>6225.57711357396</c:v>
+                </c:pt>
+                <c:pt idx="26">
+                  <c:v>6093.47841071248</c:v>
+                </c:pt>
+                <c:pt idx="27">
+                  <c:v>6270.54961710211</c:v>
+                </c:pt>
+                <c:pt idx="28">
+                  <c:v>6423.52863394221</c:v>
+                </c:pt>
+                <c:pt idx="29">
+                  <c:v>6787.17335275431</c:v>
+                </c:pt>
+                <c:pt idx="30">
+                  <c:v>7210.88754596436</c:v>
+                </c:pt>
+                <c:pt idx="31">
+                  <c:v>7312.91385547112</c:v>
+                </c:pt>
+                <c:pt idx="32">
+                  <c:v>7513.98561803452</c:v>
+                </c:pt>
+                <c:pt idx="33">
+                  <c:v>7132.91941213626</c:v>
+                </c:pt>
+                <c:pt idx="34">
+                  <c:v>6663.56093104635</c:v>
+                </c:pt>
+                <c:pt idx="35">
+                  <c:v>6475.39851390315</c:v>
+                </c:pt>
+                <c:pt idx="36">
+                  <c:v>6236.59385651162</c:v>
+                </c:pt>
+                <c:pt idx="37">
+                  <c:v>6694.36739455941</c:v>
+                </c:pt>
+                <c:pt idx="38">
+                  <c:v>6740.92039735835</c:v>
+                </c:pt>
+                <c:pt idx="39">
+                  <c:v>7196.10663719397</c:v>
+                </c:pt>
+                <c:pt idx="40">
+                  <c:v>7301.6630473385</c:v>
+                </c:pt>
+                <c:pt idx="41">
+                  <c:v>7405.44074767126</c:v>
+                </c:pt>
+                <c:pt idx="42">
+                  <c:v>7162.11024270825</c:v>
+                </c:pt>
+                <c:pt idx="43">
+                  <c:v>6464.89779929553</c:v>
+                </c:pt>
+                <c:pt idx="44">
+                  <c:v>6351.9861344894</c:v>
+                </c:pt>
+                <c:pt idx="45">
+                  <c:v>6585.46084308944</c:v>
+                </c:pt>
+                <c:pt idx="46">
+                  <c:v>6706.87790375759</c:v>
+                </c:pt>
+                <c:pt idx="47">
+                  <c:v>7334.54933734216</c:v>
+                </c:pt>
+                <c:pt idx="48">
+                  <c:v>7531.8943808341</c:v>
+                </c:pt>
+                <c:pt idx="49">
+                  <c:v>7476.59209485852</c:v>
+                </c:pt>
+                <c:pt idx="50">
+                  <c:v>7462.57739260835</c:v>
+                </c:pt>
+                <c:pt idx="51">
+                  <c:v>6661.53681191694</c:v>
+                </c:pt>
+                <c:pt idx="52">
+                  <c:v>6586.99486057685</c:v>
+                </c:pt>
+                <c:pt idx="53">
+                  <c:v>6945.7789788785</c:v>
+                </c:pt>
+                <c:pt idx="54">
+                  <c:v>7273.13163668445</c:v>
+                </c:pt>
+                <c:pt idx="55">
+                  <c:v>7881.22797444528</c:v>
+                </c:pt>
+                <c:pt idx="56">
+                  <c:v>8266.1906118676</c:v>
+                </c:pt>
+                <c:pt idx="57">
+                  <c:v>8457.401774609431</c:v>
+                </c:pt>
+                <c:pt idx="58">
+                  <c:v>8181.63592319347</c:v>
+                </c:pt>
+                <c:pt idx="59">
+                  <c:v>7607.60597662911</c:v>
+                </c:pt>
+                <c:pt idx="60">
+                  <c:v>7540.37932172583</c:v>
+                </c:pt>
+                <c:pt idx="61">
+                  <c:v>7843.41774695486</c:v>
+                </c:pt>
+                <c:pt idx="62">
+                  <c:v>8402.556977908251</c:v>
+                </c:pt>
+              </c:numCache>
+            </c:numRef>
+          </c:val>
+          <c:smooth val="0"/>
+        </c:ser>
+        <c:ser>
+          <c:idx val="1"/>
+          <c:order val="1"/>
+          <c:tx>
+            <c:strRef>
+              <c:f>'VAR04'!$B$1</c:f>
+              <c:strCache>
+                <c:ptCount val="1"/>
+                <c:pt idx="0">
+                  <c:v>VAR04learntMean_c0</c:v>
+                </c:pt>
+              </c:strCache>
+            </c:strRef>
+          </c:tx>
+          <c:marker>
+            <c:symbol val="none"/>
+          </c:marker>
+          <c:val>
+            <c:numRef>
+              <c:f>'VAR04'!$B$2:$B$64</c:f>
+              <c:numCache>
+                <c:formatCode>General</c:formatCode>
+                <c:ptCount val="63"/>
+                <c:pt idx="0">
+                  <c:v>7694.90634828109</c:v>
+                </c:pt>
+                <c:pt idx="1">
+                  <c:v>7787.40738896604</c:v>
+                </c:pt>
+                <c:pt idx="2">
+                  <c:v>7760.25534602816</c:v>
+                </c:pt>
+                <c:pt idx="3">
+                  <c:v>7628.11915546329</c:v>
+                </c:pt>
+                <c:pt idx="4">
+                  <c:v>7426.21083221241</c:v>
+                </c:pt>
+                <c:pt idx="5">
+                  <c:v>7169.65075059014</c:v>
+                </c:pt>
+                <c:pt idx="6">
+                  <c:v>6942.54661845858</c:v>
+                </c:pt>
+                <c:pt idx="7">
+                  <c:v>6893.54967716132</c:v>
+                </c:pt>
+                <c:pt idx="8">
+                  <c:v>6882.8958344363</c:v>
+                </c:pt>
+                <c:pt idx="9">
+                  <c:v>6918.70824229235</c:v>
+                </c:pt>
+                <c:pt idx="10">
+                  <c:v>6896.0228468194</c:v>
+                </c:pt>
+                <c:pt idx="11">
+                  <c:v>6894.98695117922</c:v>
+                </c:pt>
+                <c:pt idx="12">
+                  <c:v>6853.53770377931</c:v>
+                </c:pt>
+                <c:pt idx="13">
+                  <c:v>6770.36422840393</c:v>
+                </c:pt>
+                <c:pt idx="14">
+                  <c:v>6583.89537281362</c:v>
+                </c:pt>
+                <c:pt idx="15">
+                  <c:v>6371.46878482943</c:v>
+                </c:pt>
+                <c:pt idx="16">
+                  <c:v>6134.96061260074</c:v>
+                </c:pt>
+                <c:pt idx="17">
+                  <c:v>6069.06229019603</c:v>
+                </c:pt>
+                <c:pt idx="18">
+                  <c:v>6067.10327014495</c:v>
+                </c:pt>
+                <c:pt idx="19">
+                  <c:v>6119.63461525726</c:v>
+                </c:pt>
+                <c:pt idx="20">
+                  <c:v>6234.89118791543</c:v>
+                </c:pt>
+                <c:pt idx="21">
+                  <c:v>6354.43986060298</c:v>
+                </c:pt>
+                <c:pt idx="22">
+                  <c:v>6478.17654080692</c:v>
+                </c:pt>
+                <c:pt idx="23">
+                  <c:v>6546.21340560374</c:v>
+                </c:pt>
+                <c:pt idx="24">
+                  <c:v>6535.96367981823</c:v>
+                </c:pt>
+                <c:pt idx="25">
+                  <c:v>6477.39964051457</c:v>
+                </c:pt>
+                <c:pt idx="26">
+                  <c:v>6404.16174551982</c:v>
+                </c:pt>
+                <c:pt idx="27">
+                  <c:v>6377.99835509251</c:v>
+                </c:pt>
+                <c:pt idx="28">
+                  <c:v>6386.85871198995</c:v>
+                </c:pt>
+                <c:pt idx="29">
+                  <c:v>6459.3953274499</c:v>
+                </c:pt>
+                <c:pt idx="30">
+                  <c:v>6588.11688477718</c:v>
+                </c:pt>
+                <c:pt idx="31">
+                  <c:v>6703.42242328166</c:v>
+                </c:pt>
+                <c:pt idx="32">
+                  <c:v>6824.83982863064</c:v>
+                </c:pt>
+                <c:pt idx="33">
+                  <c:v>6865.57860504521</c:v>
+                </c:pt>
+                <c:pt idx="34">
+                  <c:v>6829.57663978669</c:v>
+                </c:pt>
+                <c:pt idx="35">
+                  <c:v>6773.94767777481</c:v>
+                </c:pt>
+                <c:pt idx="36">
+                  <c:v>6690.08003329323</c:v>
+                </c:pt>
+                <c:pt idx="37">
+                  <c:v>6688.39596305558</c:v>
+                </c:pt>
+                <c:pt idx="38">
+                  <c:v>6693.73948614035</c:v>
+                </c:pt>
+                <c:pt idx="39">
+                  <c:v>6765.95596048807</c:v>
+                </c:pt>
+                <c:pt idx="40">
+                  <c:v>6839.00132219771</c:v>
+                </c:pt>
+                <c:pt idx="41">
+                  <c:v>6912.35131399176</c:v>
+                </c:pt>
+                <c:pt idx="42">
+                  <c:v>6943.58701564727</c:v>
+                </c:pt>
+                <c:pt idx="43">
+                  <c:v>6874.74298424617</c:v>
+                </c:pt>
+                <c:pt idx="44">
+                  <c:v>6798.30978969369</c:v>
+                </c:pt>
+                <c:pt idx="45">
+                  <c:v>6763.19684094442</c:v>
+                </c:pt>
+                <c:pt idx="46">
+                  <c:v>6750.64981484532</c:v>
+                </c:pt>
+                <c:pt idx="47">
+                  <c:v>6829.86941724083</c:v>
+                </c:pt>
+                <c:pt idx="48">
+                  <c:v>6922.01861305176</c:v>
+                </c:pt>
+                <c:pt idx="49">
+                  <c:v>6990.49953656365</c:v>
+                </c:pt>
+                <c:pt idx="50">
+                  <c:v>7046.6392850125</c:v>
+                </c:pt>
+                <c:pt idx="51">
+                  <c:v>6991.99574512385</c:v>
+                </c:pt>
+                <c:pt idx="52">
+                  <c:v>6935.28254185868</c:v>
+                </c:pt>
+                <c:pt idx="53">
+                  <c:v>6933.08965030713</c:v>
+                </c:pt>
+                <c:pt idx="54">
+                  <c:v>6973.80414380622</c:v>
+                </c:pt>
+                <c:pt idx="55">
+                  <c:v>7080.47242796466</c:v>
+                </c:pt>
+                <c:pt idx="56">
+                  <c:v>7214.23422712901</c:v>
+                </c:pt>
+                <c:pt idx="57">
+                  <c:v>7345.84576936255</c:v>
+                </c:pt>
+                <c:pt idx="58">
+                  <c:v>7429.77423656381</c:v>
+                </c:pt>
+                <c:pt idx="59">
+                  <c:v>7437.91157423795</c:v>
+                </c:pt>
+                <c:pt idx="60">
+                  <c:v>7437.03816815131</c:v>
+                </c:pt>
+                <c:pt idx="61">
+                  <c:v>7467.35314576049</c:v>
+                </c:pt>
+                <c:pt idx="62">
+                  <c:v>7555.22969898265</c:v>
+                </c:pt>
+              </c:numCache>
+            </c:numRef>
+          </c:val>
+          <c:smooth val="0"/>
+        </c:ser>
+        <c:ser>
+          <c:idx val="2"/>
+          <c:order val="2"/>
+          <c:tx>
+            <c:strRef>
+              <c:f>'VAR04'!$C$1</c:f>
+              <c:strCache>
+                <c:ptCount val="1"/>
+                <c:pt idx="0">
+                  <c:v>VAR04realMean_c1</c:v>
+                </c:pt>
+              </c:strCache>
+            </c:strRef>
+          </c:tx>
+          <c:spPr>
+            <a:ln>
+              <a:solidFill>
+                <a:schemeClr val="accent5"/>
+              </a:solidFill>
+            </a:ln>
+          </c:spPr>
+          <c:marker>
+            <c:symbol val="none"/>
+          </c:marker>
+          <c:val>
+            <c:numRef>
+              <c:f>'VAR04'!$C$2:$C$64</c:f>
+              <c:numCache>
+                <c:formatCode>General</c:formatCode>
+                <c:ptCount val="63"/>
+                <c:pt idx="0">
+                  <c:v>1353.72213473315</c:v>
+                </c:pt>
+                <c:pt idx="1">
+                  <c:v>1354.60584474885</c:v>
+                </c:pt>
+                <c:pt idx="2">
+                  <c:v>1323.33831180017</c:v>
+                </c:pt>
+                <c:pt idx="3">
+                  <c:v>1228.0978313253</c:v>
+                </c:pt>
+                <c:pt idx="4">
+                  <c:v>1631.71771152296</c:v>
+                </c:pt>
+                <c:pt idx="5">
+                  <c:v>782.937855361595</c:v>
+                </c:pt>
+                <c:pt idx="6">
+                  <c:v>506.002120441051</c:v>
+                </c:pt>
+                <c:pt idx="7">
+                  <c:v>615.524153498871</c:v>
+                </c:pt>
+                <c:pt idx="8">
+                  <c:v>995.817998423954</c:v>
+                </c:pt>
+                <c:pt idx="9">
+                  <c:v>691.1967691208</c:v>
+                </c:pt>
+                <c:pt idx="10">
+                  <c:v>618.622829194883</c:v>
+                </c:pt>
+                <c:pt idx="11">
+                  <c:v>696.548212867354</c:v>
+                </c:pt>
+                <c:pt idx="12">
+                  <c:v>494.211636363636</c:v>
+                </c:pt>
+                <c:pt idx="13">
+                  <c:v>448.412924126172</c:v>
+                </c:pt>
+                <c:pt idx="14">
+                  <c:v>363.648738007379</c:v>
+                </c:pt>
+                <c:pt idx="15">
+                  <c:v>421.723466440102</c:v>
+                </c:pt>
+                <c:pt idx="16">
+                  <c:v>385.747689429373</c:v>
+                </c:pt>
+                <c:pt idx="17">
+                  <c:v>475.87962721342</c:v>
+                </c:pt>
+                <c:pt idx="18">
+                  <c:v>491.143627152988</c:v>
+                </c:pt>
+                <c:pt idx="19">
+                  <c:v>593.270377524144</c:v>
+                </c:pt>
+                <c:pt idx="20">
+                  <c:v>697.577497231451</c:v>
+                </c:pt>
+                <c:pt idx="21">
+                  <c:v>910.727449584816</c:v>
+                </c:pt>
+                <c:pt idx="22">
+                  <c:v>661.0428848484841</c:v>
+                </c:pt>
+                <c:pt idx="23">
+                  <c:v>600.499030144167</c:v>
+                </c:pt>
+                <c:pt idx="24">
+                  <c:v>468.742802802803</c:v>
+                </c:pt>
+                <c:pt idx="25">
+                  <c:v>731.795600539811</c:v>
+                </c:pt>
+                <c:pt idx="26">
+                  <c:v>755.577717546362</c:v>
+                </c:pt>
+                <c:pt idx="27">
+                  <c:v>546.554066225165</c:v>
+                </c:pt>
+                <c:pt idx="28">
+                  <c:v>595.863328631875</c:v>
+                </c:pt>
+                <c:pt idx="29">
+                  <c:v>288.463004975124</c:v>
+                </c:pt>
+                <c:pt idx="30">
+                  <c:v>696.364572230013</c:v>
+                </c:pt>
+                <c:pt idx="31">
+                  <c:v>485.278344459278</c:v>
+                </c:pt>
+                <c:pt idx="32">
+                  <c:v>505.261182147164</c:v>
+                </c:pt>
+                <c:pt idx="33">
+                  <c:v>188.061082737487</c:v>
+                </c:pt>
+                <c:pt idx="34">
+                  <c:v>144.712145960034</c:v>
+                </c:pt>
+                <c:pt idx="35">
+                  <c:v>258.067354685646</c:v>
+                </c:pt>
+                <c:pt idx="36">
+                  <c:v>381.160369003689</c:v>
+                </c:pt>
+                <c:pt idx="37">
+                  <c:v>307.86279959718</c:v>
+                </c:pt>
+                <c:pt idx="38">
+                  <c:v>270.802439537329</c:v>
+                </c:pt>
+                <c:pt idx="39">
+                  <c:v>474.702508038585</c:v>
+                </c:pt>
+                <c:pt idx="40">
+                  <c:v>427.212123212321</c:v>
+                </c:pt>
+                <c:pt idx="41">
+                  <c:v>344.956689520078</c:v>
+                </c:pt>
+                <c:pt idx="42">
+                  <c:v>528.452587412587</c:v>
+                </c:pt>
+                <c:pt idx="43">
+                  <c:v>347.836450704225</c:v>
+                </c:pt>
+                <c:pt idx="44">
+                  <c:v>250.205870556061</c:v>
+                </c:pt>
+                <c:pt idx="45">
+                  <c:v>169.968541114058</c:v>
+                </c:pt>
+                <c:pt idx="46">
+                  <c:v>163.825562336529</c:v>
+                </c:pt>
+                <c:pt idx="47">
+                  <c:v>246.751971197119</c:v>
+                </c:pt>
+                <c:pt idx="48">
+                  <c:v>279.472345013477</c:v>
+                </c:pt>
+                <c:pt idx="49">
+                  <c:v>292.875350701402</c:v>
+                </c:pt>
+                <c:pt idx="50">
+                  <c:v>352.193922746781</c:v>
+                </c:pt>
+                <c:pt idx="51">
+                  <c:v>281.519317585301</c:v>
+                </c:pt>
+                <c:pt idx="52">
+                  <c:v>300.988563968668</c:v>
+                </c:pt>
+                <c:pt idx="53">
+                  <c:v>285.51876701361</c:v>
+                </c:pt>
+                <c:pt idx="54">
+                  <c:v>295.960954816709</c:v>
+                </c:pt>
+                <c:pt idx="55">
+                  <c:v>156.872109181141</c:v>
+                </c:pt>
+                <c:pt idx="56">
+                  <c:v>178.525648224607</c:v>
+                </c:pt>
+                <c:pt idx="57">
+                  <c:v>143.143641069887</c:v>
+                </c:pt>
+                <c:pt idx="58">
+                  <c:v>323.652774070543</c:v>
+                </c:pt>
+                <c:pt idx="59">
+                  <c:v>229.572511415525</c:v>
+                </c:pt>
+                <c:pt idx="60">
+                  <c:v>170.147030185004</c:v>
+                </c:pt>
+                <c:pt idx="61">
+                  <c:v>118.410300429184</c:v>
+                </c:pt>
+                <c:pt idx="62">
+                  <c:v>213.457013118062</c:v>
+                </c:pt>
+              </c:numCache>
+            </c:numRef>
+          </c:val>
+          <c:smooth val="0"/>
+        </c:ser>
+        <c:ser>
+          <c:idx val="3"/>
+          <c:order val="3"/>
+          <c:tx>
+            <c:strRef>
+              <c:f>'VAR04'!$D$1</c:f>
+              <c:strCache>
+                <c:ptCount val="1"/>
+                <c:pt idx="0">
+                  <c:v>VAR04learntMean_c1</c:v>
+                </c:pt>
+              </c:strCache>
+            </c:strRef>
+          </c:tx>
+          <c:spPr>
+            <a:ln>
+              <a:solidFill>
+                <a:schemeClr val="accent2">
+                  <a:lumMod val="50000"/>
+                </a:schemeClr>
+              </a:solidFill>
+            </a:ln>
+          </c:spPr>
+          <c:marker>
+            <c:symbol val="none"/>
+          </c:marker>
+          <c:val>
+            <c:numRef>
+              <c:f>'VAR04'!$D$2:$D$64</c:f>
+              <c:numCache>
+                <c:formatCode>General</c:formatCode>
+                <c:ptCount val="63"/>
+                <c:pt idx="0">
+                  <c:v>1355.61651406982</c:v>
+                </c:pt>
+                <c:pt idx="1">
+                  <c:v>1356.96490390998</c:v>
+                </c:pt>
+                <c:pt idx="2">
+                  <c:v>1342.41875462662</c:v>
+                </c:pt>
+                <c:pt idx="3">
+                  <c:v>1298.78727527915</c:v>
+                </c:pt>
+                <c:pt idx="4">
+                  <c:v>1340.75957283594</c:v>
+                </c:pt>
+                <c:pt idx="5">
+                  <c:v>1225.22135939723</c:v>
+                </c:pt>
+                <c:pt idx="6">
+                  <c:v>1058.94285612715</c:v>
+                </c:pt>
+                <c:pt idx="7">
+                  <c:v>952.676063576829</c:v>
+                </c:pt>
+                <c:pt idx="8">
+                  <c:v>960.525515152302</c:v>
+                </c:pt>
+                <c:pt idx="9">
+                  <c:v>909.35440909353</c:v>
+                </c:pt>
+                <c:pt idx="10">
+                  <c:v>846.980344253127</c:v>
+                </c:pt>
+                <c:pt idx="11">
+                  <c:v>819.342192966032</c:v>
+                </c:pt>
+                <c:pt idx="12">
+                  <c:v>748.895283151395</c:v>
+                </c:pt>
+                <c:pt idx="13">
+                  <c:v>673.123063156857</c:v>
+                </c:pt>
+                <c:pt idx="14">
+                  <c:v>556.390908195259</c:v>
+                </c:pt>
+                <c:pt idx="15">
+                  <c:v>469.932812705456</c:v>
+                </c:pt>
+                <c:pt idx="16">
+                  <c:v>388.399218351377</c:v>
+                </c:pt>
+                <c:pt idx="17">
+                  <c:v>386.55138251024</c:v>
+                </c:pt>
+                <c:pt idx="18">
+                  <c:v>403.023317623039</c:v>
+                </c:pt>
+                <c:pt idx="19">
+                  <c:v>450.328893918874</c:v>
+                </c:pt>
+                <c:pt idx="20">
+                  <c:v>516.952776703568</c:v>
+                </c:pt>
+                <c:pt idx="21">
+                  <c:v>597.871202585858</c:v>
+                </c:pt>
+                <c:pt idx="22">
+                  <c:v>647.303403241437</c:v>
+                </c:pt>
+                <c:pt idx="23">
+                  <c:v>669.184248120771</c:v>
+                </c:pt>
+                <c:pt idx="24">
+                  <c:v>645.094936470848</c:v>
+                </c:pt>
+                <c:pt idx="25">
+                  <c:v>628.607365242569</c:v>
+                </c:pt>
+                <c:pt idx="26">
+                  <c:v>609.276346531997</c:v>
+                </c:pt>
+                <c:pt idx="27">
+                  <c:v>594.144581751984</c:v>
+                </c:pt>
+                <c:pt idx="28">
+                  <c:v>597.928525814831</c:v>
+                </c:pt>
+                <c:pt idx="29">
+                  <c:v>597.847675989714</c:v>
+                </c:pt>
+                <c:pt idx="30">
+                  <c:v>661.71693688096</c:v>
+                </c:pt>
+                <c:pt idx="31">
+                  <c:v>705.956992767459</c:v>
+                </c:pt>
+                <c:pt idx="32">
+                  <c:v>755.232539439586</c:v>
+                </c:pt>
+                <c:pt idx="33">
+                  <c:v>739.036719208804</c:v>
+                </c:pt>
+                <c:pt idx="34">
+                  <c:v>673.184440412735</c:v>
+                </c:pt>
+                <c:pt idx="35">
+                  <c:v>617.237119954997</c:v>
+                </c:pt>
+                <c:pt idx="36">
+                  <c:v>556.13112210105</c:v>
+                </c:pt>
+                <c:pt idx="37">
+                  <c:v>536.882390786123</c:v>
+                </c:pt>
+                <c:pt idx="38">
+                  <c:v>521.340212503638</c:v>
+                </c:pt>
+                <c:pt idx="39">
+                  <c:v>560.913456821201</c:v>
+                </c:pt>
+                <c:pt idx="40">
+                  <c:v>597.868491224696</c:v>
+                </c:pt>
+                <c:pt idx="41">
+                  <c:v>628.914621480502</c:v>
+                </c:pt>
+                <c:pt idx="42">
+                  <c:v>643.643997587799</c:v>
+                </c:pt>
+                <c:pt idx="43">
+                  <c:v>580.165669822994</c:v>
+                </c:pt>
+                <c:pt idx="44">
+                  <c:v>508.368794175052</c:v>
+                </c:pt>
+                <c:pt idx="45">
+                  <c:v>461.297284092778</c:v>
+                </c:pt>
+                <c:pt idx="46">
+                  <c:v>431.246966069515</c:v>
+                </c:pt>
+                <c:pt idx="47">
+                  <c:v>472.358670286407</c:v>
+                </c:pt>
+                <c:pt idx="48">
+                  <c:v>525.542102219328</c:v>
+                </c:pt>
+                <c:pt idx="49">
+                  <c:v>557.30812586148</c:v>
+                </c:pt>
+                <c:pt idx="50">
+                  <c:v>588.440230511084</c:v>
+                </c:pt>
+                <c:pt idx="51">
+                  <c:v>529.853246348359</c:v>
+                </c:pt>
+                <c:pt idx="52">
+                  <c:v>473.696794119204</c:v>
+                </c:pt>
+                <c:pt idx="53">
+                  <c:v>460.241742059302</c:v>
+                </c:pt>
+                <c:pt idx="54">
+                  <c:v>482.424980434348</c:v>
+                </c:pt>
+                <c:pt idx="55">
+                  <c:v>550.776661611552</c:v>
+                </c:pt>
+                <c:pt idx="56">
+                  <c:v>646.213404745773</c:v>
+                </c:pt>
+                <c:pt idx="57">
+                  <c:v>742.332837303359</c:v>
+                </c:pt>
+                <c:pt idx="58">
+                  <c:v>804.7212505444101</c:v>
+                </c:pt>
+                <c:pt idx="59">
+                  <c:v>792.711521552847</c:v>
+                </c:pt>
+                <c:pt idx="60">
+                  <c:v>772.254080494297</c:v>
+                </c:pt>
+                <c:pt idx="61">
+                  <c:v>777.806571112389</c:v>
+                </c:pt>
+                <c:pt idx="62">
+                  <c:v>845.673013170515</c:v>
+                </c:pt>
+              </c:numCache>
+            </c:numRef>
+          </c:val>
+          <c:smooth val="0"/>
+        </c:ser>
+        <c:dLbls>
+          <c:showLegendKey val="0"/>
+          <c:showVal val="0"/>
+          <c:showCatName val="0"/>
+          <c:showSerName val="0"/>
+          <c:showPercent val="0"/>
+          <c:showBubbleSize val="0"/>
+        </c:dLbls>
+        <c:marker val="1"/>
+        <c:smooth val="0"/>
+        <c:axId val="-2131989560"/>
+        <c:axId val="-2130183304"/>
+      </c:lineChart>
+      <c:lineChart>
+        <c:grouping val="standard"/>
+        <c:varyColors val="0"/>
+        <c:ser>
+          <c:idx val="4"/>
+          <c:order val="4"/>
+          <c:tx>
+            <c:strRef>
+              <c:f>'VAR04'!$E$1</c:f>
+              <c:strCache>
+                <c:ptCount val="1"/>
+                <c:pt idx="0">
+                  <c:v>meanH</c:v>
+                </c:pt>
+              </c:strCache>
+            </c:strRef>
+          </c:tx>
+          <c:spPr>
+            <a:ln>
+              <a:solidFill>
+                <a:schemeClr val="accent3">
+                  <a:lumMod val="75000"/>
+                </a:schemeClr>
+              </a:solidFill>
+            </a:ln>
+          </c:spPr>
+          <c:marker>
+            <c:symbol val="none"/>
+          </c:marker>
+          <c:val>
+            <c:numRef>
+              <c:f>'VAR04'!$E$2:$E$64</c:f>
+              <c:numCache>
+                <c:formatCode>General</c:formatCode>
+                <c:ptCount val="63"/>
+                <c:pt idx="0">
+                  <c:v>12.3726989223976</c:v>
+                </c:pt>
+                <c:pt idx="1">
+                  <c:v>12.2156563604192</c:v>
+                </c:pt>
+                <c:pt idx="2">
+                  <c:v>12.1569275595876</c:v>
+                </c:pt>
+                <c:pt idx="3">
+                  <c:v>12.3891213706222</c:v>
+                </c:pt>
+                <c:pt idx="4">
+                  <c:v>13.1934339715022</c:v>
+                </c:pt>
+                <c:pt idx="5">
+                  <c:v>14.8071877737604</c:v>
+                </c:pt>
+                <c:pt idx="6">
+                  <c:v>16.5052375272723</c:v>
+                </c:pt>
+                <c:pt idx="7">
+                  <c:v>16.9091101518198</c:v>
+                </c:pt>
+                <c:pt idx="8">
+                  <c:v>16.980935679152</c:v>
+                </c:pt>
+                <c:pt idx="9">
+                  <c:v>16.6816055077618</c:v>
+                </c:pt>
+                <c:pt idx="10">
+                  <c:v>16.9151363857449</c:v>
+                </c:pt>
+                <c:pt idx="11">
+                  <c:v>16.9335013240898</c:v>
+                </c:pt>
+                <c:pt idx="12">
+                  <c:v>17.3846143855808</c:v>
+                </c:pt>
+                <c:pt idx="13">
+                  <c:v>18.2754246637913</c:v>
+                </c:pt>
+                <c:pt idx="14">
+                  <c:v>20.2324482855908</c:v>
+                </c:pt>
+                <c:pt idx="15">
+                  <c:v>22.3658620745787</c:v>
+                </c:pt>
+                <c:pt idx="16">
+                  <c:v>24.64909182575</c:v>
+                </c:pt>
+                <c:pt idx="17">
+                  <c:v>25.2642454682316</c:v>
+                </c:pt>
+                <c:pt idx="18">
+                  <c:v>25.2731237618614</c:v>
+                </c:pt>
+                <c:pt idx="19">
+                  <c:v>24.7293111996038</c:v>
+                </c:pt>
+                <c:pt idx="20">
+                  <c:v>23.4965902073181</c:v>
+                </c:pt>
+                <c:pt idx="21">
+                  <c:v>22.1314541907318</c:v>
+                </c:pt>
+                <c:pt idx="22">
+                  <c:v>20.6488584769459</c:v>
+                </c:pt>
+                <c:pt idx="23">
+                  <c:v>19.7935037208591</c:v>
+                </c:pt>
+                <c:pt idx="24">
+                  <c:v>19.9396517525813</c:v>
+                </c:pt>
+                <c:pt idx="25">
+                  <c:v>20.701368016668</c:v>
+                </c:pt>
+                <c:pt idx="26">
+                  <c:v>21.6516171582587</c:v>
+                </c:pt>
+                <c:pt idx="27">
+                  <c:v>21.997302657468</c:v>
+                </c:pt>
+                <c:pt idx="28">
+                  <c:v>21.8792648803441</c:v>
+                </c:pt>
+                <c:pt idx="29">
+                  <c:v>20.908292010402</c:v>
+                </c:pt>
+                <c:pt idx="30">
+                  <c:v>19.0606273373913</c:v>
+                </c:pt>
+                <c:pt idx="31">
+                  <c:v>17.33168502209</c:v>
+                </c:pt>
+                <c:pt idx="32">
+                  <c:v>15.4201806360577</c:v>
+                </c:pt>
+                <c:pt idx="33">
+                  <c:v>14.7893620261074</c:v>
+                </c:pt>
+                <c:pt idx="34">
+                  <c:v>15.4280806935145</c:v>
+                </c:pt>
+                <c:pt idx="35">
+                  <c:v>16.3643643639559</c:v>
+                </c:pt>
+                <c:pt idx="36">
+                  <c:v>17.7341753270264</c:v>
+                </c:pt>
+                <c:pt idx="37">
+                  <c:v>17.7795935471145</c:v>
+                </c:pt>
+                <c:pt idx="38">
+                  <c:v>17.7120017354655</c:v>
+                </c:pt>
+                <c:pt idx="39">
+                  <c:v>16.5172731786764</c:v>
+                </c:pt>
+                <c:pt idx="40">
+                  <c:v>15.2795941745668</c:v>
+                </c:pt>
+                <c:pt idx="41">
+                  <c:v>14.0117324229249</c:v>
+                </c:pt>
+                <c:pt idx="42">
+                  <c:v>13.4605369493228</c:v>
+                </c:pt>
+                <c:pt idx="43">
+                  <c:v>14.7107208996299</c:v>
+                </c:pt>
+                <c:pt idx="44">
+                  <c:v>16.0780074437327</c:v>
+                </c:pt>
+                <c:pt idx="45">
+                  <c:v>16.7177423758951</c:v>
+                </c:pt>
+                <c:pt idx="46">
+                  <c:v>16.9632764243311</c:v>
+                </c:pt>
+                <c:pt idx="47">
+                  <c:v>15.5893456548728</c:v>
+                </c:pt>
+                <c:pt idx="48">
+                  <c:v>13.9424507511255</c:v>
+                </c:pt>
+                <c:pt idx="49">
+                  <c:v>12.7040252478966</c:v>
+                </c:pt>
+                <c:pt idx="50">
+                  <c:v>11.6650592911892</c:v>
+                </c:pt>
+                <c:pt idx="51">
+                  <c:v>12.7228354104843</c:v>
+                </c:pt>
+                <c:pt idx="52">
+                  <c:v>13.800845331764</c:v>
+                </c:pt>
+                <c:pt idx="53">
+                  <c:v>13.8616284462869</c:v>
+                </c:pt>
+                <c:pt idx="54">
+                  <c:v>13.11550835432</c:v>
+                </c:pt>
+                <c:pt idx="55">
+                  <c:v>11.1010639023004</c:v>
+                </c:pt>
+                <c:pt idx="56">
+                  <c:v>8.48703687785423</c:v>
+                </c:pt>
+                <c:pt idx="57">
+                  <c:v>5.84977118518818</c:v>
+                </c:pt>
+                <c:pt idx="58">
+                  <c:v>4.14158755277318</c:v>
+                </c:pt>
+                <c:pt idx="59">
+                  <c:v>4.01625280440002</c:v>
+                </c:pt>
+                <c:pt idx="60">
+                  <c:v>4.08021537823991</c:v>
+                </c:pt>
+                <c:pt idx="61">
+                  <c:v>3.49675755020335</c:v>
+                </c:pt>
+                <c:pt idx="62">
+                  <c:v>1.67262101801802</c:v>
+                </c:pt>
+              </c:numCache>
+            </c:numRef>
+          </c:val>
+          <c:smooth val="0"/>
+        </c:ser>
+        <c:dLbls>
+          <c:showLegendKey val="0"/>
+          <c:showVal val="0"/>
+          <c:showCatName val="0"/>
+          <c:showSerName val="0"/>
+          <c:showPercent val="0"/>
+          <c:showBubbleSize val="0"/>
+        </c:dLbls>
+        <c:marker val="1"/>
+        <c:smooth val="0"/>
+        <c:axId val="-2127853160"/>
+        <c:axId val="-2129684984"/>
+      </c:lineChart>
+      <c:catAx>
+        <c:axId val="-2131989560"/>
+        <c:scaling>
+          <c:orientation val="minMax"/>
+        </c:scaling>
+        <c:delete val="0"/>
+        <c:axPos val="b"/>
+        <c:majorTickMark val="out"/>
+        <c:minorTickMark val="none"/>
+        <c:tickLblPos val="nextTo"/>
+        <c:crossAx val="-2130183304"/>
+        <c:crosses val="autoZero"/>
+        <c:auto val="1"/>
+        <c:lblAlgn val="ctr"/>
+        <c:lblOffset val="100"/>
+        <c:noMultiLvlLbl val="0"/>
+      </c:catAx>
+      <c:valAx>
+        <c:axId val="-2130183304"/>
+        <c:scaling>
+          <c:orientation val="minMax"/>
+        </c:scaling>
+        <c:delete val="0"/>
+        <c:axPos val="l"/>
+        <c:majorGridlines/>
+        <c:numFmt formatCode="General" sourceLinked="1"/>
+        <c:majorTickMark val="out"/>
+        <c:minorTickMark val="none"/>
+        <c:tickLblPos val="nextTo"/>
+        <c:crossAx val="-2131989560"/>
+        <c:crosses val="autoZero"/>
+        <c:crossBetween val="between"/>
+      </c:valAx>
+      <c:valAx>
+        <c:axId val="-2129684984"/>
+        <c:scaling>
+          <c:orientation val="minMax"/>
+        </c:scaling>
+        <c:delete val="0"/>
+        <c:axPos val="r"/>
+        <c:numFmt formatCode="General" sourceLinked="1"/>
+        <c:majorTickMark val="out"/>
+        <c:minorTickMark val="none"/>
+        <c:tickLblPos val="nextTo"/>
+        <c:crossAx val="-2127853160"/>
+        <c:crosses val="max"/>
+        <c:crossBetween val="between"/>
+      </c:valAx>
+      <c:catAx>
+        <c:axId val="-2127853160"/>
+        <c:scaling>
+          <c:orientation val="minMax"/>
+        </c:scaling>
+        <c:delete val="1"/>
+        <c:axPos val="b"/>
+        <c:majorTickMark val="out"/>
+        <c:minorTickMark val="none"/>
+        <c:tickLblPos val="nextTo"/>
+        <c:crossAx val="-2129684984"/>
+        <c:crosses val="autoZero"/>
+        <c:auto val="1"/>
+        <c:lblAlgn val="ctr"/>
+        <c:lblOffset val="100"/>
+        <c:noMultiLvlLbl val="0"/>
+      </c:catAx>
+    </c:plotArea>
+    <c:legend>
+      <c:legendPos val="r"/>
+      <c:layout/>
+      <c:overlay val="0"/>
+      <c:spPr>
+        <a:ln>
+          <a:solidFill>
+            <a:schemeClr val="accent5"/>
+          </a:solidFill>
+        </a:ln>
+      </c:spPr>
+    </c:legend>
+    <c:plotVisOnly val="1"/>
+    <c:dispBlanksAs val="gap"/>
+    <c:showDLblsOverMax val="0"/>
+  </c:chart>
+  <c:externalData r:id="rId1">
+    <c:autoUpdate val="0"/>
+  </c:externalData>
+</c:chartSpace>
+</file>
+
+<file path=ppt/charts/chart21.xml><?xml version="1.0" encoding="utf-8"?>
+<c:chartSpace xmlns:c="http://schemas.openxmlformats.org/drawingml/2006/chart" xmlns:a="http://schemas.openxmlformats.org/drawingml/2006/main" xmlns:r="http://schemas.openxmlformats.org/officeDocument/2006/relationships">
+  <c:date1904 val="0"/>
+  <c:lang val="en-US"/>
+  <c:roundedCorners val="0"/>
+  <mc:AlternateContent xmlns:mc="http://schemas.openxmlformats.org/markup-compatibility/2006">
+    <mc:Choice xmlns:c14="http://schemas.microsoft.com/office/drawing/2007/8/2/chart" Requires="c14">
+      <c14:style val="118"/>
+    </mc:Choice>
+    <mc:Fallback>
+      <c:style val="18"/>
+    </mc:Fallback>
+  </mc:AlternateContent>
+  <c:chart>
+    <c:autoTitleDeleted val="0"/>
+    <c:plotArea>
+      <c:layout/>
+      <c:lineChart>
+        <c:grouping val="standard"/>
+        <c:varyColors val="0"/>
+        <c:ser>
+          <c:idx val="0"/>
+          <c:order val="0"/>
+          <c:tx>
+            <c:strRef>
+              <c:f>'VAR07'!$A$1</c:f>
+              <c:strCache>
+                <c:ptCount val="1"/>
+                <c:pt idx="0">
+                  <c:v>VAR07realMean_c0</c:v>
+                </c:pt>
+              </c:strCache>
+            </c:strRef>
+          </c:tx>
+          <c:marker>
+            <c:symbol val="none"/>
+          </c:marker>
+          <c:val>
+            <c:numRef>
+              <c:f>'VAR07'!$A$2:$A$64</c:f>
+              <c:numCache>
+                <c:formatCode>General</c:formatCode>
+                <c:ptCount val="63"/>
+                <c:pt idx="0">
+                  <c:v>18393.3734110768</c:v>
+                </c:pt>
+                <c:pt idx="1">
+                  <c:v>18576.6235895492</c:v>
+                </c:pt>
+                <c:pt idx="2">
+                  <c:v>18821.7554070406</c:v>
+                </c:pt>
+                <c:pt idx="3">
+                  <c:v>19197.1048084072</c:v>
+                </c:pt>
+                <c:pt idx="4">
+                  <c:v>19218.748264169</c:v>
+                </c:pt>
+                <c:pt idx="5">
+                  <c:v>19324.4943747204</c:v>
+                </c:pt>
+                <c:pt idx="6">
+                  <c:v>19544.6461585356</c:v>
+                </c:pt>
+                <c:pt idx="7">
+                  <c:v>19514.0650999833</c:v>
+                </c:pt>
+                <c:pt idx="8">
+                  <c:v>19781.368561025</c:v>
+                </c:pt>
+                <c:pt idx="9">
+                  <c:v>19596.6500055548</c:v>
+                </c:pt>
+                <c:pt idx="10">
+                  <c:v>19825.3632672448</c:v>
+                </c:pt>
+                <c:pt idx="11">
+                  <c:v>19948.6428171949</c:v>
+                </c:pt>
+                <c:pt idx="12">
+                  <c:v>20056.6569974622</c:v>
+                </c:pt>
+                <c:pt idx="13">
+                  <c:v>20400.9879942454</c:v>
+                </c:pt>
+                <c:pt idx="14">
+                  <c:v>20265.6622453364</c:v>
+                </c:pt>
+                <c:pt idx="15">
+                  <c:v>20544.0746249087</c:v>
+                </c:pt>
+                <c:pt idx="16">
+                  <c:v>20642.1196352402</c:v>
+                </c:pt>
+                <c:pt idx="17">
+                  <c:v>20425.4771513999</c:v>
+                </c:pt>
+                <c:pt idx="18">
+                  <c:v>20538.5503502758</c:v>
+                </c:pt>
+                <c:pt idx="19">
+                  <c:v>20401.4804605671</c:v>
+                </c:pt>
+                <c:pt idx="20">
+                  <c:v>20638.7780531956</c:v>
+                </c:pt>
+                <c:pt idx="21">
+                  <c:v>20695.65291084</c:v>
+                </c:pt>
+                <c:pt idx="22">
+                  <c:v>21150.3467223969</c:v>
+                </c:pt>
+                <c:pt idx="23">
+                  <c:v>21626.3545983844</c:v>
+                </c:pt>
+                <c:pt idx="24">
+                  <c:v>21405.1017899995</c:v>
+                </c:pt>
+                <c:pt idx="25">
+                  <c:v>21502.5289562579</c:v>
+                </c:pt>
+                <c:pt idx="26">
+                  <c:v>21623.9291393401</c:v>
+                </c:pt>
+                <c:pt idx="27">
+                  <c:v>21322.5195710296</c:v>
+                </c:pt>
+                <c:pt idx="28">
+                  <c:v>21523.22596838</c:v>
+                </c:pt>
+                <c:pt idx="29">
+                  <c:v>21236.2289061828</c:v>
+                </c:pt>
+                <c:pt idx="30">
+                  <c:v>21582.0540807837</c:v>
+                </c:pt>
+                <c:pt idx="31">
+                  <c:v>21402.5695920533</c:v>
+                </c:pt>
+                <c:pt idx="32">
+                  <c:v>21473.1751816836</c:v>
+                </c:pt>
+                <c:pt idx="33">
+                  <c:v>21340.9067809266</c:v>
+                </c:pt>
+                <c:pt idx="34">
+                  <c:v>21138.5736394572</c:v>
+                </c:pt>
+                <c:pt idx="35">
+                  <c:v>21296.7620692274</c:v>
+                </c:pt>
+                <c:pt idx="36">
+                  <c:v>21499.5323527689</c:v>
+                </c:pt>
+                <c:pt idx="37">
+                  <c:v>21212.3685714679</c:v>
+                </c:pt>
+                <c:pt idx="38">
+                  <c:v>21137.6200859228</c:v>
+                </c:pt>
+                <c:pt idx="39">
+                  <c:v>21007.1088551528</c:v>
+                </c:pt>
+                <c:pt idx="40">
+                  <c:v>20973.8923574773</c:v>
+                </c:pt>
+                <c:pt idx="41">
+                  <c:v>20639.2765139861</c:v>
+                </c:pt>
+                <c:pt idx="42">
+                  <c:v>20636.7155526334</c:v>
+                </c:pt>
+                <c:pt idx="43">
+                  <c:v>20411.751434905</c:v>
+                </c:pt>
+                <c:pt idx="44">
+                  <c:v>20458.3231337099</c:v>
+                </c:pt>
+                <c:pt idx="45">
+                  <c:v>20137.4970215689</c:v>
+                </c:pt>
+                <c:pt idx="46">
+                  <c:v>20076.9999660949</c:v>
+                </c:pt>
+                <c:pt idx="47">
+                  <c:v>19998.5813664729</c:v>
+                </c:pt>
+                <c:pt idx="48">
+                  <c:v>19922.9344919407</c:v>
+                </c:pt>
+                <c:pt idx="49">
+                  <c:v>19586.3907042887</c:v>
+                </c:pt>
+                <c:pt idx="50">
+                  <c:v>19889.9270797376</c:v>
+                </c:pt>
+                <c:pt idx="51">
+                  <c:v>19692.7320380755</c:v>
+                </c:pt>
+                <c:pt idx="52">
+                  <c:v>19622.8493085652</c:v>
+                </c:pt>
+                <c:pt idx="53">
+                  <c:v>19269.5023020114</c:v>
+                </c:pt>
+                <c:pt idx="54">
+                  <c:v>19372.5464618226</c:v>
+                </c:pt>
+                <c:pt idx="55">
+                  <c:v>19123.2637540701</c:v>
+                </c:pt>
+                <c:pt idx="56">
+                  <c:v>19029.8581940592</c:v>
+                </c:pt>
+                <c:pt idx="57">
+                  <c:v>18803.6452885291</c:v>
+                </c:pt>
+                <c:pt idx="58">
+                  <c:v>19177.9600954417</c:v>
+                </c:pt>
+                <c:pt idx="59">
+                  <c:v>18938.7571608192</c:v>
+                </c:pt>
+                <c:pt idx="60">
+                  <c:v>19284.6160994186</c:v>
+                </c:pt>
+                <c:pt idx="61">
+                  <c:v>18742.6648919242</c:v>
+                </c:pt>
+                <c:pt idx="62">
+                  <c:v>19351.2824443302</c:v>
+                </c:pt>
+              </c:numCache>
+            </c:numRef>
+          </c:val>
+          <c:smooth val="0"/>
+        </c:ser>
+        <c:ser>
+          <c:idx val="1"/>
+          <c:order val="1"/>
+          <c:tx>
+            <c:strRef>
+              <c:f>'VAR07'!$B$1</c:f>
+              <c:strCache>
+                <c:ptCount val="1"/>
+                <c:pt idx="0">
+                  <c:v>VAR07learntMean_c0</c:v>
+                </c:pt>
+              </c:strCache>
+            </c:strRef>
+          </c:tx>
+          <c:marker>
+            <c:symbol val="none"/>
+          </c:marker>
+          <c:val>
+            <c:numRef>
+              <c:f>'VAR07'!$B$2:$B$64</c:f>
+              <c:numCache>
+                <c:formatCode>General</c:formatCode>
+                <c:ptCount val="63"/>
+                <c:pt idx="0">
+                  <c:v>18394.4022123645</c:v>
+                </c:pt>
+                <c:pt idx="1">
+                  <c:v>18520.3653355121</c:v>
+                </c:pt>
+                <c:pt idx="2">
+                  <c:v>18673.6322525654</c:v>
+                </c:pt>
+                <c:pt idx="3">
+                  <c:v>18882.1942201986</c:v>
+                </c:pt>
+                <c:pt idx="4">
+                  <c:v>18995.3676969257</c:v>
+                </c:pt>
+                <c:pt idx="5">
+                  <c:v>19091.0373604534</c:v>
+                </c:pt>
+                <c:pt idx="6">
+                  <c:v>19206.5124603016</c:v>
+                </c:pt>
+                <c:pt idx="7">
+                  <c:v>19282.2566087819</c:v>
+                </c:pt>
+                <c:pt idx="8">
+                  <c:v>19393.9714513239</c:v>
+                </c:pt>
+                <c:pt idx="9">
+                  <c:v>19440.1841864868</c:v>
+                </c:pt>
+                <c:pt idx="10">
+                  <c:v>19517.8396404124</c:v>
+                </c:pt>
+                <c:pt idx="11">
+                  <c:v>19604.9152288947</c:v>
+                </c:pt>
+                <c:pt idx="12">
+                  <c:v>19689.5503554054</c:v>
+                </c:pt>
+                <c:pt idx="13">
+                  <c:v>19822.4757368235</c:v>
+                </c:pt>
+                <c:pt idx="14">
+                  <c:v>19901.5857502413</c:v>
+                </c:pt>
+                <c:pt idx="15">
+                  <c:v>20008.1849315248</c:v>
+                </c:pt>
+                <c:pt idx="16">
+                  <c:v>20115.7107776843</c:v>
+                </c:pt>
+                <c:pt idx="17">
+                  <c:v>20173.8760163274</c:v>
+                </c:pt>
+                <c:pt idx="18">
+                  <c:v>20238.4878633082</c:v>
+                </c:pt>
+                <c:pt idx="19">
+                  <c:v>20272.3940950766</c:v>
+                </c:pt>
+                <c:pt idx="20">
+                  <c:v>20334.6004139133</c:v>
+                </c:pt>
+                <c:pt idx="21">
+                  <c:v>20396.5043445654</c:v>
+                </c:pt>
+                <c:pt idx="22">
+                  <c:v>20511.3039830167</c:v>
+                </c:pt>
+                <c:pt idx="23">
+                  <c:v>20674.2740994097</c:v>
+                </c:pt>
+                <c:pt idx="24">
+                  <c:v>20827.232659873</c:v>
+                </c:pt>
+                <c:pt idx="25">
+                  <c:v>20972.736149021</c:v>
+                </c:pt>
+                <c:pt idx="26">
+                  <c:v>21112.5158685965</c:v>
+                </c:pt>
+                <c:pt idx="27">
+                  <c:v>21184.7718032492</c:v>
+                </c:pt>
+                <c:pt idx="28">
+                  <c:v>21271.0398963298</c:v>
+                </c:pt>
+                <c:pt idx="29">
+                  <c:v>21303.621644197</c:v>
+                </c:pt>
+                <c:pt idx="30">
+                  <c:v>21375.0153083869</c:v>
+                </c:pt>
+                <c:pt idx="31">
+                  <c:v>21406.171518871</c:v>
+                </c:pt>
+                <c:pt idx="32">
+                  <c:v>21420.7576763029</c:v>
+                </c:pt>
+                <c:pt idx="33">
+                  <c:v>21406.1070534956</c:v>
+                </c:pt>
+                <c:pt idx="34">
+                  <c:v>21388.1637385227</c:v>
+                </c:pt>
+                <c:pt idx="35">
+                  <c:v>21386.3112313278</c:v>
+                </c:pt>
+                <c:pt idx="36">
+                  <c:v>21398.9992183625</c:v>
+                </c:pt>
+                <c:pt idx="37">
+                  <c:v>21377.1516391975</c:v>
+                </c:pt>
+                <c:pt idx="38">
+                  <c:v>21351.4600359995</c:v>
+                </c:pt>
+                <c:pt idx="39">
+                  <c:v>21323.1589115956</c:v>
+                </c:pt>
+                <c:pt idx="40">
+                  <c:v>21301.2458469304</c:v>
+                </c:pt>
+                <c:pt idx="41">
+                  <c:v>21256.4564496807</c:v>
+                </c:pt>
+                <c:pt idx="42">
+                  <c:v>21224.3142804774</c:v>
+                </c:pt>
+                <c:pt idx="43">
+                  <c:v>21175.846795561</c:v>
+                </c:pt>
+                <c:pt idx="44">
+                  <c:v>21157.4811343073</c:v>
+                </c:pt>
+                <c:pt idx="45">
+                  <c:v>21113.3942047923</c:v>
+                </c:pt>
+                <c:pt idx="46">
+                  <c:v>21068.5534879547</c:v>
+                </c:pt>
+                <c:pt idx="47">
+                  <c:v>21021.832682499</c:v>
+                </c:pt>
+                <c:pt idx="48">
+                  <c:v>20976.4598673756</c:v>
+                </c:pt>
+                <c:pt idx="49">
+                  <c:v>20906.0055440505</c:v>
+                </c:pt>
+                <c:pt idx="50">
+                  <c:v>20871.0843559588</c:v>
+                </c:pt>
+                <c:pt idx="51">
+                  <c:v>20816.2442500023</c:v>
+                </c:pt>
+                <c:pt idx="52">
+                  <c:v>20766.1273864053</c:v>
+                </c:pt>
+                <c:pt idx="53">
+                  <c:v>20701.7758989599</c:v>
+                </c:pt>
+                <c:pt idx="54">
+                  <c:v>20651.4210701068</c:v>
+                </c:pt>
+                <c:pt idx="55">
+                  <c:v>20589.9929147895</c:v>
+                </c:pt>
+                <c:pt idx="56">
+                  <c:v>20533.6610959313</c:v>
+                </c:pt>
+                <c:pt idx="57">
+                  <c:v>20483.1398003533</c:v>
+                </c:pt>
+                <c:pt idx="58">
+                  <c:v>20467.4984626726</c:v>
+                </c:pt>
+                <c:pt idx="59">
+                  <c:v>20438.1433018026</c:v>
+                </c:pt>
+                <c:pt idx="60">
+                  <c:v>20423.385169517</c:v>
+                </c:pt>
+                <c:pt idx="61">
+                  <c:v>20380.5231014923</c:v>
+                </c:pt>
+                <c:pt idx="62">
+                  <c:v>20360.0786071455</c:v>
+                </c:pt>
+              </c:numCache>
+            </c:numRef>
+          </c:val>
+          <c:smooth val="0"/>
+        </c:ser>
+        <c:ser>
+          <c:idx val="2"/>
+          <c:order val="2"/>
+          <c:tx>
+            <c:strRef>
+              <c:f>'VAR07'!$C$1</c:f>
+              <c:strCache>
+                <c:ptCount val="1"/>
+                <c:pt idx="0">
+                  <c:v>VAR07realMean_c1</c:v>
+                </c:pt>
+              </c:strCache>
+            </c:strRef>
+          </c:tx>
+          <c:spPr>
+            <a:ln>
+              <a:solidFill>
+                <a:schemeClr val="accent5"/>
+              </a:solidFill>
+            </a:ln>
+          </c:spPr>
+          <c:marker>
+            <c:symbol val="none"/>
+          </c:marker>
+          <c:val>
+            <c:numRef>
+              <c:f>'VAR07'!$C$2:$C$64</c:f>
+              <c:numCache>
+                <c:formatCode>General</c:formatCode>
+                <c:ptCount val="63"/>
+                <c:pt idx="0">
+                  <c:v>21723.5806124234</c:v>
+                </c:pt>
+                <c:pt idx="1">
+                  <c:v>21292.2667214611</c:v>
+                </c:pt>
+                <c:pt idx="2">
+                  <c:v>23907.2126270456</c:v>
+                </c:pt>
+                <c:pt idx="3">
+                  <c:v>25551.9326969416</c:v>
+                </c:pt>
+                <c:pt idx="4">
+                  <c:v>27171.0731023368</c:v>
+                </c:pt>
+                <c:pt idx="5">
+                  <c:v>27640.989127182</c:v>
+                </c:pt>
+                <c:pt idx="6">
+                  <c:v>26473.1823748939</c:v>
+                </c:pt>
+                <c:pt idx="7">
+                  <c:v>30661.4992626034</c:v>
+                </c:pt>
+                <c:pt idx="8">
+                  <c:v>30789.8107801418</c:v>
+                </c:pt>
+                <c:pt idx="9">
+                  <c:v>31557.542287348</c:v>
+                </c:pt>
+                <c:pt idx="10">
+                  <c:v>31154.1777577125</c:v>
+                </c:pt>
+                <c:pt idx="11">
+                  <c:v>33659.4696902303</c:v>
+                </c:pt>
+                <c:pt idx="12">
+                  <c:v>32063.7319525691</c:v>
+                </c:pt>
+                <c:pt idx="13">
+                  <c:v>35125.3676896845</c:v>
+                </c:pt>
+                <c:pt idx="14">
+                  <c:v>32596.4047232472</c:v>
+                </c:pt>
+                <c:pt idx="15">
+                  <c:v>31927.2398810535</c:v>
+                </c:pt>
+                <c:pt idx="16">
+                  <c:v>33854.900767072</c:v>
+                </c:pt>
+                <c:pt idx="17">
+                  <c:v>35697.5509226467</c:v>
+                </c:pt>
+                <c:pt idx="18">
+                  <c:v>36137.1363525835</c:v>
+                </c:pt>
+                <c:pt idx="19">
+                  <c:v>36542.5653028972</c:v>
+                </c:pt>
+                <c:pt idx="20">
+                  <c:v>37439.334440753</c:v>
+                </c:pt>
+                <c:pt idx="21">
+                  <c:v>38920.5084697509</c:v>
+                </c:pt>
+                <c:pt idx="22">
+                  <c:v>38729.3840969697</c:v>
+                </c:pt>
+                <c:pt idx="23">
+                  <c:v>40502.86</c:v>
+                </c:pt>
+                <c:pt idx="24">
+                  <c:v>60627.6625625625</c:v>
+                </c:pt>
+                <c:pt idx="25">
+                  <c:v>75342.397462888</c:v>
+                </c:pt>
+                <c:pt idx="26">
+                  <c:v>80962.085021398</c:v>
+                </c:pt>
+                <c:pt idx="27">
+                  <c:v>76857.4971125828</c:v>
+                </c:pt>
+                <c:pt idx="28">
+                  <c:v>80905.7119040902</c:v>
+                </c:pt>
+                <c:pt idx="29">
+                  <c:v>69438.3339303482</c:v>
+                </c:pt>
+                <c:pt idx="30">
+                  <c:v>82063.7315007012</c:v>
+                </c:pt>
+                <c:pt idx="31">
+                  <c:v>73573.8896395193</c:v>
+                </c:pt>
+                <c:pt idx="32">
+                  <c:v>52955.1902291917</c:v>
+                </c:pt>
+                <c:pt idx="33">
+                  <c:v>43042.1107456588</c:v>
+                </c:pt>
+                <c:pt idx="34">
+                  <c:v>53982.8934317984</c:v>
+                </c:pt>
+                <c:pt idx="35">
+                  <c:v>53626.6042467378</c:v>
+                </c:pt>
+                <c:pt idx="36">
+                  <c:v>48507.9968265682</c:v>
+                </c:pt>
+                <c:pt idx="37">
+                  <c:v>45088.7330513595</c:v>
+                </c:pt>
+                <c:pt idx="38">
+                  <c:v>45125.9273817034</c:v>
+                </c:pt>
+                <c:pt idx="39">
+                  <c:v>49425.0135476955</c:v>
+                </c:pt>
+                <c:pt idx="40">
+                  <c:v>53754.0565456545</c:v>
+                </c:pt>
+                <c:pt idx="41">
+                  <c:v>55367.9720078354</c:v>
+                </c:pt>
+                <c:pt idx="42">
+                  <c:v>59830.2027372627</c:v>
+                </c:pt>
+                <c:pt idx="43">
+                  <c:v>58882.6521502347</c:v>
+                </c:pt>
+                <c:pt idx="44">
+                  <c:v>70416.47731996349</c:v>
+                </c:pt>
+                <c:pt idx="45">
+                  <c:v>68854.6239610963</c:v>
+                </c:pt>
+                <c:pt idx="46">
+                  <c:v>68391.8359197908</c:v>
+                </c:pt>
+                <c:pt idx="47">
+                  <c:v>68442.2235283528</c:v>
+                </c:pt>
+                <c:pt idx="48">
+                  <c:v>69489.9300089847</c:v>
+                </c:pt>
+                <c:pt idx="49">
+                  <c:v>62424.9717434869</c:v>
+                </c:pt>
+                <c:pt idx="50">
+                  <c:v>68584.551776824</c:v>
+                </c:pt>
+                <c:pt idx="51">
+                  <c:v>63507.9401224847</c:v>
+                </c:pt>
+                <c:pt idx="52">
+                  <c:v>65158.2229416884</c:v>
+                </c:pt>
+                <c:pt idx="53">
+                  <c:v>65651.0020176141</c:v>
+                </c:pt>
+                <c:pt idx="54">
+                  <c:v>67011.9759079284</c:v>
+                </c:pt>
+                <c:pt idx="55">
+                  <c:v>66098.0879239041</c:v>
+                </c:pt>
+                <c:pt idx="56">
+                  <c:v>68639.6241948802</c:v>
+                </c:pt>
+                <c:pt idx="57">
+                  <c:v>77052.4442968076</c:v>
+                </c:pt>
+                <c:pt idx="58">
+                  <c:v>86551.0006863679</c:v>
+                </c:pt>
+                <c:pt idx="59">
+                  <c:v>85763.5054429223</c:v>
+                </c:pt>
+                <c:pt idx="60">
+                  <c:v>85127.069406037</c:v>
+                </c:pt>
+                <c:pt idx="61">
+                  <c:v>83199.1801201716</c:v>
+                </c:pt>
+                <c:pt idx="62">
+                  <c:v>79189.3917053481</c:v>
+                </c:pt>
+              </c:numCache>
+            </c:numRef>
+          </c:val>
+          <c:smooth val="0"/>
+        </c:ser>
+        <c:ser>
+          <c:idx val="3"/>
+          <c:order val="3"/>
+          <c:tx>
+            <c:strRef>
+              <c:f>'VAR07'!$D$1</c:f>
+              <c:strCache>
+                <c:ptCount val="1"/>
+                <c:pt idx="0">
+                  <c:v>VAR07learntMean_c1</c:v>
+                </c:pt>
+              </c:strCache>
+            </c:strRef>
+          </c:tx>
+          <c:spPr>
+            <a:ln>
+              <a:solidFill>
+                <a:schemeClr val="accent2">
+                  <a:lumMod val="50000"/>
+                </a:schemeClr>
+              </a:solidFill>
+            </a:ln>
+          </c:spPr>
+          <c:marker>
+            <c:symbol val="none"/>
+          </c:marker>
+          <c:val>
+            <c:numRef>
+              <c:f>'VAR07'!$D$2:$D$64</c:f>
+              <c:numCache>
+                <c:formatCode>General</c:formatCode>
+                <c:ptCount val="63"/>
+                <c:pt idx="0">
+                  <c:v>21743.5162578326</c:v>
+                </c:pt>
+                <c:pt idx="1">
+                  <c:v>21452.515860096</c:v>
+                </c:pt>
+                <c:pt idx="2">
+                  <c:v>22709.818242559</c:v>
+                </c:pt>
+                <c:pt idx="3">
+                  <c:v>23758.2564354022</c:v>
+                </c:pt>
+                <c:pt idx="4">
+                  <c:v>24883.0451881123</c:v>
+                </c:pt>
+                <c:pt idx="5">
+                  <c:v>25633.0577924713</c:v>
+                </c:pt>
+                <c:pt idx="6">
+                  <c:v>25833.5383526176</c:v>
+                </c:pt>
+                <c:pt idx="7">
+                  <c:v>26895.0171423648</c:v>
+                </c:pt>
+                <c:pt idx="8">
+                  <c:v>27659.4063106733</c:v>
+                </c:pt>
+                <c:pt idx="9">
+                  <c:v>28403.5371807729</c:v>
+                </c:pt>
+                <c:pt idx="10">
+                  <c:v>28897.5559854852</c:v>
+                </c:pt>
+                <c:pt idx="11">
+                  <c:v>29670.3648674074</c:v>
+                </c:pt>
+                <c:pt idx="12">
+                  <c:v>30080.3693185378</c:v>
+                </c:pt>
+                <c:pt idx="13">
+                  <c:v>30871.3346301785</c:v>
+                </c:pt>
+                <c:pt idx="14">
+                  <c:v>31200.7192556892</c:v>
+                </c:pt>
+                <c:pt idx="15">
+                  <c:v>31411.7526257751</c:v>
+                </c:pt>
+                <c:pt idx="16">
+                  <c:v>31815.1423289761</c:v>
+                </c:pt>
+                <c:pt idx="17">
+                  <c:v>32286.1424532228</c:v>
+                </c:pt>
+                <c:pt idx="18">
+                  <c:v>32716.5120843209</c:v>
+                </c:pt>
+                <c:pt idx="19">
+                  <c:v>33124.2570552323</c:v>
+                </c:pt>
+                <c:pt idx="20">
+                  <c:v>33535.1428757106</c:v>
+                </c:pt>
+                <c:pt idx="21">
+                  <c:v>33988.1554008589</c:v>
+                </c:pt>
+                <c:pt idx="22">
+                  <c:v>34492.2609278894</c:v>
+                </c:pt>
+                <c:pt idx="23">
+                  <c:v>35148.0230667573</c:v>
+                </c:pt>
+                <c:pt idx="24">
+                  <c:v>36979.1908407331</c:v>
+                </c:pt>
+                <c:pt idx="25">
+                  <c:v>38826.85294141</c:v>
+                </c:pt>
+                <c:pt idx="26">
+                  <c:v>40617.700226425</c:v>
+                </c:pt>
+                <c:pt idx="27">
+                  <c:v>42047.0310149036</c:v>
+                </c:pt>
+                <c:pt idx="28">
+                  <c:v>43460.7450215898</c:v>
+                </c:pt>
+                <c:pt idx="29">
+                  <c:v>44595.5586115695</c:v>
+                </c:pt>
+                <c:pt idx="30">
+                  <c:v>45836.6453879202</c:v>
+                </c:pt>
+                <c:pt idx="31">
+                  <c:v>46705.0426799775</c:v>
+                </c:pt>
+                <c:pt idx="32">
+                  <c:v>46946.6001342621</c:v>
+                </c:pt>
+                <c:pt idx="33">
+                  <c:v>46755.4962033467</c:v>
+                </c:pt>
+                <c:pt idx="34">
+                  <c:v>46994.1533137031</c:v>
+                </c:pt>
+                <c:pt idx="35">
+                  <c:v>47189.1393933497</c:v>
+                </c:pt>
+                <c:pt idx="36">
+                  <c:v>47275.4016962779</c:v>
+                </c:pt>
+                <c:pt idx="37">
+                  <c:v>47115.2770256553</c:v>
+                </c:pt>
+                <c:pt idx="38">
+                  <c:v>46948.9754953989</c:v>
+                </c:pt>
+                <c:pt idx="39">
+                  <c:v>46918.2123117591</c:v>
+                </c:pt>
+                <c:pt idx="40">
+                  <c:v>47046.8064731827</c:v>
+                </c:pt>
+                <c:pt idx="41">
+                  <c:v>47155.3912275171</c:v>
+                </c:pt>
+                <c:pt idx="42">
+                  <c:v>47457.7110653419</c:v>
+                </c:pt>
+                <c:pt idx="43">
+                  <c:v>47664.6835224301</c:v>
+                </c:pt>
+                <c:pt idx="44">
+                  <c:v>48452.937775164</c:v>
+                </c:pt>
+                <c:pt idx="45">
+                  <c:v>49061.3454428749</c:v>
+                </c:pt>
+                <c:pt idx="46">
+                  <c:v>49634.4571474774</c:v>
+                </c:pt>
+                <c:pt idx="47">
+                  <c:v>50153.0077552694</c:v>
+                </c:pt>
+                <c:pt idx="48">
+                  <c:v>50701.3395834689</c:v>
+                </c:pt>
+                <c:pt idx="49">
+                  <c:v>50967.6353005415</c:v>
+                </c:pt>
+                <c:pt idx="50">
+                  <c:v>51531.6198885141</c:v>
+                </c:pt>
+                <c:pt idx="51">
+                  <c:v>51734.9770965995</c:v>
+                </c:pt>
+                <c:pt idx="52">
+                  <c:v>52024.6697369271</c:v>
+                </c:pt>
+                <c:pt idx="53">
+                  <c:v>52286.9180136359</c:v>
+                </c:pt>
+                <c:pt idx="54">
+                  <c:v>52637.938689689</c:v>
+                </c:pt>
+                <c:pt idx="55">
+                  <c:v>52882.4475358695</c:v>
+                </c:pt>
+                <c:pt idx="56">
+                  <c:v>53255.2744317088</c:v>
+                </c:pt>
+                <c:pt idx="57">
+                  <c:v>53988.6391073534</c:v>
+                </c:pt>
+                <c:pt idx="58">
+                  <c:v>55203.221962334</c:v>
+                </c:pt>
+                <c:pt idx="59">
+                  <c:v>56314.3213650612</c:v>
+                </c:pt>
+                <c:pt idx="60">
+                  <c:v>57381.3029522873</c:v>
+                </c:pt>
+                <c:pt idx="61">
+                  <c:v>58286.5468808835</c:v>
+                </c:pt>
+                <c:pt idx="62">
+                  <c:v>58984.96864757</c:v>
+                </c:pt>
+              </c:numCache>
+            </c:numRef>
+          </c:val>
+          <c:smooth val="0"/>
+        </c:ser>
+        <c:dLbls>
+          <c:showLegendKey val="0"/>
+          <c:showVal val="0"/>
+          <c:showCatName val="0"/>
+          <c:showSerName val="0"/>
+          <c:showPercent val="0"/>
+          <c:showBubbleSize val="0"/>
+        </c:dLbls>
+        <c:marker val="1"/>
+        <c:smooth val="0"/>
+        <c:axId val="-2131846152"/>
+        <c:axId val="-2138981352"/>
+      </c:lineChart>
+      <c:lineChart>
+        <c:grouping val="standard"/>
+        <c:varyColors val="0"/>
+        <c:ser>
+          <c:idx val="4"/>
+          <c:order val="4"/>
+          <c:tx>
+            <c:strRef>
+              <c:f>'VAR07'!$E$1</c:f>
+              <c:strCache>
+                <c:ptCount val="1"/>
+                <c:pt idx="0">
+                  <c:v>meanH</c:v>
+                </c:pt>
+              </c:strCache>
+            </c:strRef>
+          </c:tx>
+          <c:spPr>
+            <a:ln>
+              <a:solidFill>
+                <a:schemeClr val="accent3">
+                  <a:lumMod val="75000"/>
+                </a:schemeClr>
+              </a:solidFill>
+            </a:ln>
+          </c:spPr>
+          <c:marker>
+            <c:symbol val="none"/>
+          </c:marker>
+          <c:val>
+            <c:numRef>
+              <c:f>'VAR07'!$E$2:$E$64</c:f>
+              <c:numCache>
+                <c:formatCode>General</c:formatCode>
+                <c:ptCount val="63"/>
+                <c:pt idx="0">
+                  <c:v>12.3726889735693</c:v>
+                </c:pt>
+                <c:pt idx="1">
+                  <c:v>12.243448125455</c:v>
+                </c:pt>
+                <c:pt idx="2">
+                  <c:v>12.1634112679384</c:v>
+                </c:pt>
+                <c:pt idx="3">
+                  <c:v>12.1689175308378</c:v>
+                </c:pt>
+                <c:pt idx="4">
+                  <c:v>12.2374622031786</c:v>
+                </c:pt>
+                <c:pt idx="5">
+                  <c:v>12.3389596794703</c:v>
+                </c:pt>
+                <c:pt idx="6">
+                  <c:v>12.4406321704211</c:v>
+                </c:pt>
+                <c:pt idx="7">
+                  <c:v>12.7297666040527</c:v>
+                </c:pt>
+                <c:pt idx="8">
+                  <c:v>13.0895114097654</c:v>
+                </c:pt>
+                <c:pt idx="9">
+                  <c:v>13.3900600733012</c:v>
+                </c:pt>
+                <c:pt idx="10">
+                  <c:v>13.7162732585663</c:v>
+                </c:pt>
+                <c:pt idx="11">
+                  <c:v>14.2240425798031</c:v>
+                </c:pt>
+                <c:pt idx="12">
+                  <c:v>14.6122262290547</c:v>
+                </c:pt>
+                <c:pt idx="13">
+                  <c:v>15.3500964309195</c:v>
+                </c:pt>
+                <c:pt idx="14">
+                  <c:v>15.7386825290363</c:v>
+                </c:pt>
+                <c:pt idx="15">
+                  <c:v>16.1911120963936</c:v>
+                </c:pt>
+                <c:pt idx="16">
+                  <c:v>16.7562094579904</c:v>
+                </c:pt>
+                <c:pt idx="17">
+                  <c:v>17.181407909429</c:v>
+                </c:pt>
+                <c:pt idx="18">
+                  <c:v>17.6219284150336</c:v>
+                </c:pt>
+                <c:pt idx="19">
+                  <c:v>17.9385144835872</c:v>
+                </c:pt>
+                <c:pt idx="20">
+                  <c:v>18.3763423972529</c:v>
+                </c:pt>
+                <c:pt idx="21">
+                  <c:v>18.8377900685998</c:v>
+                </c:pt>
+                <c:pt idx="22">
+                  <c:v>19.5509549000234</c:v>
+                </c:pt>
+                <c:pt idx="23">
+                  <c:v>20.5413305997144</c:v>
+                </c:pt>
+                <c:pt idx="24">
+                  <c:v>21.9713597933506</c:v>
+                </c:pt>
+                <c:pt idx="25">
+                  <c:v>23.3466128327869</c:v>
+                </c:pt>
+                <c:pt idx="26">
+                  <c:v>24.6459439208148</c:v>
+                </c:pt>
+                <c:pt idx="27">
+                  <c:v>25.5127644101604</c:v>
+                </c:pt>
+                <c:pt idx="28">
+                  <c:v>26.4199692066695</c:v>
+                </c:pt>
+                <c:pt idx="29">
+                  <c:v>27.0004920393239</c:v>
+                </c:pt>
+                <c:pt idx="30">
+                  <c:v>27.7725135851817</c:v>
+                </c:pt>
+                <c:pt idx="31">
+                  <c:v>28.2362653682698</c:v>
+                </c:pt>
+                <c:pt idx="32">
+                  <c:v>28.3884301857702</c:v>
+                </c:pt>
+                <c:pt idx="33">
+                  <c:v>28.2521825908979</c:v>
+                </c:pt>
+                <c:pt idx="34">
+                  <c:v>28.2680959599202</c:v>
+                </c:pt>
+                <c:pt idx="35">
+                  <c:v>28.3359389337037</c:v>
+                </c:pt>
+                <c:pt idx="36">
+                  <c:v>28.4254706983615</c:v>
+                </c:pt>
+                <c:pt idx="37">
+                  <c:v>28.2626428655064</c:v>
+                </c:pt>
+                <c:pt idx="38">
+                  <c:v>28.0768439266006</c:v>
+                </c:pt>
+                <c:pt idx="39">
+                  <c:v>27.9299885248941</c:v>
+                </c:pt>
+                <c:pt idx="40">
+                  <c:v>27.8763257365691</c:v>
+                </c:pt>
+                <c:pt idx="41">
+                  <c:v>27.7032185407169</c:v>
+                </c:pt>
+                <c:pt idx="42">
+                  <c:v>27.6725848763032</c:v>
+                </c:pt>
+                <c:pt idx="43">
+                  <c:v>27.5230124319328</c:v>
+                </c:pt>
+                <c:pt idx="44">
+                  <c:v>27.7767971619817</c:v>
+                </c:pt>
+                <c:pt idx="45">
+                  <c:v>27.8340472701726</c:v>
+                </c:pt>
+                <c:pt idx="46">
+                  <c:v>27.8790779009139</c:v>
+                </c:pt>
+                <c:pt idx="47">
+                  <c:v>27.8969408282564</c:v>
+                </c:pt>
+                <c:pt idx="48">
+                  <c:v>27.9418834734443</c:v>
+                </c:pt>
+                <c:pt idx="49">
+                  <c:v>27.7412916178308</c:v>
+                </c:pt>
+                <c:pt idx="50">
+                  <c:v>27.8572200897566</c:v>
+                </c:pt>
+                <c:pt idx="51">
+                  <c:v>27.7076435859656</c:v>
+                </c:pt>
+                <c:pt idx="52">
+                  <c:v>27.6271029521342</c:v>
+                </c:pt>
+                <c:pt idx="53">
+                  <c:v>27.4737888679494</c:v>
+                </c:pt>
+                <c:pt idx="54">
+                  <c:v>27.435591299428</c:v>
+                </c:pt>
+                <c:pt idx="55">
+                  <c:v>27.2976084212744</c:v>
+                </c:pt>
+                <c:pt idx="56">
+                  <c:v>27.2587281073455</c:v>
+                </c:pt>
+                <c:pt idx="57">
+                  <c:v>27.4547742616867</c:v>
+                </c:pt>
+                <c:pt idx="58">
+                  <c:v>28.0728046454174</c:v>
+                </c:pt>
+                <c:pt idx="59">
+                  <c:v>28.5832115649787</c:v>
+                </c:pt>
+                <c:pt idx="60">
+                  <c:v>29.1297694652103</c:v>
+                </c:pt>
+                <c:pt idx="61">
+                  <c:v>29.4838942188311</c:v>
+                </c:pt>
+                <c:pt idx="62">
+                  <c:v>29.8075963190401</c:v>
+                </c:pt>
+              </c:numCache>
+            </c:numRef>
+          </c:val>
+          <c:smooth val="0"/>
+        </c:ser>
+        <c:dLbls>
+          <c:showLegendKey val="0"/>
+          <c:showVal val="0"/>
+          <c:showCatName val="0"/>
+          <c:showSerName val="0"/>
+          <c:showPercent val="0"/>
+          <c:showBubbleSize val="0"/>
+        </c:dLbls>
+        <c:marker val="1"/>
+        <c:smooth val="0"/>
+        <c:axId val="-2124747960"/>
+        <c:axId val="-2141782008"/>
+      </c:lineChart>
+      <c:catAx>
+        <c:axId val="-2131846152"/>
+        <c:scaling>
+          <c:orientation val="minMax"/>
+        </c:scaling>
+        <c:delete val="0"/>
+        <c:axPos val="b"/>
+        <c:majorTickMark val="out"/>
+        <c:minorTickMark val="none"/>
+        <c:tickLblPos val="nextTo"/>
+        <c:crossAx val="-2138981352"/>
+        <c:crosses val="autoZero"/>
+        <c:auto val="1"/>
+        <c:lblAlgn val="ctr"/>
+        <c:lblOffset val="100"/>
+        <c:noMultiLvlLbl val="0"/>
+      </c:catAx>
+      <c:valAx>
+        <c:axId val="-2138981352"/>
+        <c:scaling>
+          <c:orientation val="minMax"/>
+        </c:scaling>
+        <c:delete val="0"/>
+        <c:axPos val="l"/>
+        <c:majorGridlines/>
+        <c:numFmt formatCode="General" sourceLinked="1"/>
+        <c:majorTickMark val="out"/>
+        <c:minorTickMark val="none"/>
+        <c:tickLblPos val="nextTo"/>
+        <c:crossAx val="-2131846152"/>
+        <c:crosses val="autoZero"/>
+        <c:crossBetween val="between"/>
+      </c:valAx>
+      <c:valAx>
+        <c:axId val="-2141782008"/>
+        <c:scaling>
+          <c:orientation val="minMax"/>
+        </c:scaling>
+        <c:delete val="0"/>
+        <c:axPos val="r"/>
+        <c:numFmt formatCode="General" sourceLinked="1"/>
+        <c:majorTickMark val="out"/>
+        <c:minorTickMark val="none"/>
+        <c:tickLblPos val="nextTo"/>
+        <c:crossAx val="-2124747960"/>
+        <c:crosses val="max"/>
+        <c:crossBetween val="between"/>
+      </c:valAx>
+      <c:catAx>
+        <c:axId val="-2124747960"/>
+        <c:scaling>
+          <c:orientation val="minMax"/>
+        </c:scaling>
+        <c:delete val="1"/>
+        <c:axPos val="b"/>
+        <c:majorTickMark val="out"/>
+        <c:minorTickMark val="none"/>
+        <c:tickLblPos val="nextTo"/>
+        <c:crossAx val="-2141782008"/>
+        <c:crosses val="autoZero"/>
+        <c:auto val="1"/>
+        <c:lblAlgn val="ctr"/>
+        <c:lblOffset val="100"/>
+        <c:noMultiLvlLbl val="0"/>
+      </c:catAx>
+    </c:plotArea>
+    <c:legend>
+      <c:legendPos val="r"/>
+      <c:layout/>
+      <c:overlay val="0"/>
+      <c:spPr>
+        <a:ln>
+          <a:solidFill>
+            <a:schemeClr val="accent5"/>
+          </a:solidFill>
+        </a:ln>
+      </c:spPr>
+    </c:legend>
+    <c:plotVisOnly val="1"/>
+    <c:dispBlanksAs val="gap"/>
+    <c:showDLblsOverMax val="0"/>
+  </c:chart>
+  <c:externalData r:id="rId1">
+    <c:autoUpdate val="0"/>
+  </c:externalData>
+</c:chartSpace>
+</file>
+
+<file path=ppt/charts/chart22.xml><?xml version="1.0" encoding="utf-8"?>
+<c:chartSpace xmlns:c="http://schemas.openxmlformats.org/drawingml/2006/chart" xmlns:a="http://schemas.openxmlformats.org/drawingml/2006/main" xmlns:r="http://schemas.openxmlformats.org/officeDocument/2006/relationships">
+  <c:date1904 val="0"/>
+  <c:lang val="en-US"/>
+  <c:roundedCorners val="0"/>
+  <mc:AlternateContent xmlns:mc="http://schemas.openxmlformats.org/markup-compatibility/2006">
+    <mc:Choice xmlns:c14="http://schemas.microsoft.com/office/drawing/2007/8/2/chart" Requires="c14">
+      <c14:style val="118"/>
+    </mc:Choice>
+    <mc:Fallback>
+      <c:style val="18"/>
+    </mc:Fallback>
+  </mc:AlternateContent>
+  <c:chart>
+    <c:autoTitleDeleted val="0"/>
+    <c:plotArea>
+      <c:layout/>
+      <c:lineChart>
+        <c:grouping val="standard"/>
+        <c:varyColors val="0"/>
+        <c:ser>
+          <c:idx val="0"/>
+          <c:order val="0"/>
+          <c:tx>
+            <c:strRef>
+              <c:f>'VAR08'!$A$1</c:f>
+              <c:strCache>
+                <c:ptCount val="1"/>
+                <c:pt idx="0">
+                  <c:v>VAR08realMean_c0</c:v>
+                </c:pt>
+              </c:strCache>
+            </c:strRef>
+          </c:tx>
+          <c:marker>
+            <c:symbol val="none"/>
+          </c:marker>
+          <c:val>
+            <c:numRef>
+              <c:f>'VAR08'!$A$2:$A$64</c:f>
+              <c:numCache>
+                <c:formatCode>General</c:formatCode>
+                <c:ptCount val="63"/>
+                <c:pt idx="0">
+                  <c:v>3728.49966532353</c:v>
+                </c:pt>
+                <c:pt idx="1">
+                  <c:v>3683.31417538874</c:v>
+                </c:pt>
+                <c:pt idx="2">
+                  <c:v>3616.52747326885</c:v>
+                </c:pt>
+                <c:pt idx="3">
+                  <c:v>3624.58027009646</c:v>
+                </c:pt>
+                <c:pt idx="4">
+                  <c:v>3658.14690468462</c:v>
+                </c:pt>
+                <c:pt idx="5">
+                  <c:v>3653.15922397175</c:v>
+                </c:pt>
+                <c:pt idx="6">
+                  <c:v>3688.48576707051</c:v>
+                </c:pt>
+                <c:pt idx="7">
+                  <c:v>3568.46521304091</c:v>
+                </c:pt>
+                <c:pt idx="8">
+                  <c:v>3513.49953379953</c:v>
+                </c:pt>
+                <c:pt idx="9">
+                  <c:v>3443.41289315257</c:v>
+                </c:pt>
+                <c:pt idx="10">
+                  <c:v>3337.53601304733</c:v>
+                </c:pt>
+                <c:pt idx="11">
+                  <c:v>3291.63092029171</c:v>
+                </c:pt>
+                <c:pt idx="12">
+                  <c:v>3363.88914681744</c:v>
+                </c:pt>
+                <c:pt idx="13">
+                  <c:v>3377.78689755432</c:v>
+                </c:pt>
+                <c:pt idx="14">
+                  <c:v>3444.05282511742</c:v>
+                </c:pt>
+                <c:pt idx="15">
+                  <c:v>3429.46360981569</c:v>
+                </c:pt>
+                <c:pt idx="16">
+                  <c:v>3413.22589973583</c:v>
+                </c:pt>
+                <c:pt idx="17">
+                  <c:v>3249.34416361038</c:v>
+                </c:pt>
+                <c:pt idx="18">
+                  <c:v>3182.57223655756</c:v>
+                </c:pt>
+                <c:pt idx="19">
+                  <c:v>3121.14326673312</c:v>
+                </c:pt>
+                <c:pt idx="20">
+                  <c:v>2974.56678734884</c:v>
+                </c:pt>
+                <c:pt idx="21">
+                  <c:v>2945.19688313589</c:v>
+                </c:pt>
+                <c:pt idx="22">
+                  <c:v>2819.31609600551</c:v>
+                </c:pt>
+                <c:pt idx="23">
+                  <c:v>2785.13391332291</c:v>
+                </c:pt>
+                <c:pt idx="24">
+                  <c:v>2793.51512561025</c:v>
+                </c:pt>
+                <c:pt idx="25">
+                  <c:v>2738.42084177842</c:v>
+                </c:pt>
+                <c:pt idx="26">
+                  <c:v>2783.61923259869</c:v>
+                </c:pt>
+                <c:pt idx="27">
+                  <c:v>2648.96402064048</c:v>
+                </c:pt>
+                <c:pt idx="28">
+                  <c:v>2615.37798311886</c:v>
+                </c:pt>
+                <c:pt idx="29">
+                  <c:v>2520.44372327881</c:v>
+                </c:pt>
+                <c:pt idx="30">
+                  <c:v>2437.39278057784</c:v>
+                </c:pt>
+                <c:pt idx="31">
+                  <c:v>2390.83256979525</c:v>
+                </c:pt>
+                <c:pt idx="32">
+                  <c:v>2248.93568524128</c:v>
+                </c:pt>
+                <c:pt idx="33">
+                  <c:v>2249.36675902921</c:v>
+                </c:pt>
+                <c:pt idx="34">
+                  <c:v>2259.76804821933</c:v>
+                </c:pt>
+                <c:pt idx="35">
+                  <c:v>2304.29502749687</c:v>
+                </c:pt>
+                <c:pt idx="36">
+                  <c:v>2354.41452196094</c:v>
+                </c:pt>
+                <c:pt idx="37">
+                  <c:v>2243.6446251844</c:v>
+                </c:pt>
+                <c:pt idx="38">
+                  <c:v>2201.36033896419</c:v>
+                </c:pt>
+                <c:pt idx="39">
+                  <c:v>2097.65576649845</c:v>
+                </c:pt>
+                <c:pt idx="40">
+                  <c:v>2049.38815773019</c:v>
+                </c:pt>
+                <c:pt idx="41">
+                  <c:v>2000.21471016387</c:v>
+                </c:pt>
+                <c:pt idx="42">
+                  <c:v>2048.25273665803</c:v>
+                </c:pt>
+                <c:pt idx="43">
+                  <c:v>1999.59343433381</c:v>
+                </c:pt>
+                <c:pt idx="44">
+                  <c:v>2004.28475349078</c:v>
+                </c:pt>
+                <c:pt idx="45">
+                  <c:v>1906.4847834346</c:v>
+                </c:pt>
+                <c:pt idx="46">
+                  <c:v>1864.42124888206</c:v>
+                </c:pt>
+                <c:pt idx="47">
+                  <c:v>1783.10522990579</c:v>
+                </c:pt>
+                <c:pt idx="48">
+                  <c:v>1743.68509488134</c:v>
+                </c:pt>
+                <c:pt idx="49">
+                  <c:v>1701.35498934099</c:v>
+                </c:pt>
+                <c:pt idx="50">
+                  <c:v>1754.33088026393</c:v>
+                </c:pt>
+                <c:pt idx="51">
+                  <c:v>1756.10784460165</c:v>
+                </c:pt>
+                <c:pt idx="52">
+                  <c:v>1760.97726656719</c:v>
+                </c:pt>
+                <c:pt idx="53">
+                  <c:v>1713.76844886912</c:v>
+                </c:pt>
+                <c:pt idx="54">
+                  <c:v>1682.12779758212</c:v>
+                </c:pt>
+                <c:pt idx="55">
+                  <c:v>1541.11909431888</c:v>
+                </c:pt>
+                <c:pt idx="56">
+                  <c:v>1513.78174027013</c:v>
+                </c:pt>
+                <c:pt idx="57">
+                  <c:v>1497.12891854997</c:v>
+                </c:pt>
+                <c:pt idx="58">
+                  <c:v>1556.77674336934</c:v>
+                </c:pt>
+                <c:pt idx="59">
+                  <c:v>1688.08491775087</c:v>
+                </c:pt>
+                <c:pt idx="60">
+                  <c:v>1709.36590482235</c:v>
+                </c:pt>
+                <c:pt idx="61">
+                  <c:v>1615.75040174611</c:v>
+                </c:pt>
+                <c:pt idx="62">
+                  <c:v>1654.65091757798</c:v>
+                </c:pt>
+              </c:numCache>
+            </c:numRef>
+          </c:val>
+          <c:smooth val="0"/>
+        </c:ser>
+        <c:ser>
+          <c:idx val="1"/>
+          <c:order val="1"/>
+          <c:tx>
+            <c:strRef>
+              <c:f>'VAR08'!$B$1</c:f>
+              <c:strCache>
+                <c:ptCount val="1"/>
+                <c:pt idx="0">
+                  <c:v>VAR08learntMean_c0</c:v>
+                </c:pt>
+              </c:strCache>
+            </c:strRef>
+          </c:tx>
+          <c:marker>
+            <c:symbol val="none"/>
+          </c:marker>
+          <c:val>
+            <c:numRef>
+              <c:f>'VAR08'!$B$2:$B$64</c:f>
+              <c:numCache>
+                <c:formatCode>General</c:formatCode>
+                <c:ptCount val="63"/>
+                <c:pt idx="0">
+                  <c:v>3729.1952899427</c:v>
+                </c:pt>
+                <c:pt idx="1">
+                  <c:v>3698.41524240391</c:v>
+                </c:pt>
+                <c:pt idx="2">
+                  <c:v>3656.89279521919</c:v>
+                </c:pt>
+                <c:pt idx="3">
+                  <c:v>3644.22227877387</c:v>
+                </c:pt>
+                <c:pt idx="4">
+                  <c:v>3650.14575150755</c:v>
+                </c:pt>
+                <c:pt idx="5">
+                  <c:v>3651.88800626557</c:v>
+                </c:pt>
+                <c:pt idx="6">
+                  <c:v>3662.13877322809</c:v>
+                </c:pt>
+                <c:pt idx="7">
+                  <c:v>3640.50204187963</c:v>
+                </c:pt>
+                <c:pt idx="8">
+                  <c:v>3613.26035602897</c:v>
+                </c:pt>
+                <c:pt idx="9">
+                  <c:v>3578.34706902083</c:v>
+                </c:pt>
+                <c:pt idx="10">
+                  <c:v>3529.65528815108</c:v>
+                </c:pt>
+                <c:pt idx="11">
+                  <c:v>3481.99126732141</c:v>
+                </c:pt>
+                <c:pt idx="12">
+                  <c:v>3458.98716186624</c:v>
+                </c:pt>
+                <c:pt idx="13">
+                  <c:v>3444.00021072844</c:v>
+                </c:pt>
+                <c:pt idx="14">
+                  <c:v>3444.72817785712</c:v>
+                </c:pt>
+                <c:pt idx="15">
+                  <c:v>3442.54825774467</c:v>
+                </c:pt>
+                <c:pt idx="16">
+                  <c:v>3438.0007459968</c:v>
+                </c:pt>
+                <c:pt idx="17">
+                  <c:v>3405.44770536253</c:v>
+                </c:pt>
+                <c:pt idx="18">
+                  <c:v>3366.68702922063</c:v>
+                </c:pt>
+                <c:pt idx="19">
+                  <c:v>3322.50140925073</c:v>
+                </c:pt>
+                <c:pt idx="20">
+                  <c:v>3257.35563191807</c:v>
+                </c:pt>
+                <c:pt idx="21">
+                  <c:v>3196.73845598991</c:v>
+                </c:pt>
+                <c:pt idx="22">
+                  <c:v>3119.23782169473</c:v>
+                </c:pt>
+                <c:pt idx="23">
+                  <c:v>3048.84692521089</c:v>
+                </c:pt>
+                <c:pt idx="24">
+                  <c:v>2994.2430371489</c:v>
+                </c:pt>
+                <c:pt idx="25">
+                  <c:v>2938.65324290397</c:v>
+                </c:pt>
+                <c:pt idx="26">
+                  <c:v>2905.73129814505</c:v>
+                </c:pt>
+                <c:pt idx="27">
+                  <c:v>2850.90434512763</c:v>
+                </c:pt>
+                <c:pt idx="28">
+                  <c:v>2800.44077568083</c:v>
+                </c:pt>
+                <c:pt idx="29">
+                  <c:v>2739.38146305416</c:v>
+                </c:pt>
+                <c:pt idx="30">
+                  <c:v>2673.38750797882</c:v>
+                </c:pt>
+                <c:pt idx="31">
+                  <c:v>2611.75349715998</c:v>
+                </c:pt>
+                <c:pt idx="32">
+                  <c:v>2530.94343474236</c:v>
+                </c:pt>
+                <c:pt idx="33">
+                  <c:v>2467.3995347711</c:v>
+                </c:pt>
+                <c:pt idx="34">
+                  <c:v>2421.3676955436</c:v>
+                </c:pt>
+                <c:pt idx="35">
+                  <c:v>2395.54418919672</c:v>
+                </c:pt>
+                <c:pt idx="36">
+                  <c:v>2386.05298434023</c:v>
+                </c:pt>
+                <c:pt idx="37">
+                  <c:v>2354.55069630067</c:v>
+                </c:pt>
+                <c:pt idx="38">
+                  <c:v>2321.32153782469</c:v>
+                </c:pt>
+                <c:pt idx="39">
+                  <c:v>2272.77894574279</c:v>
+                </c:pt>
+                <c:pt idx="40">
+                  <c:v>2223.69001323058</c:v>
+                </c:pt>
+                <c:pt idx="41">
+                  <c:v>2174.53825407986</c:v>
+                </c:pt>
+                <c:pt idx="42">
+                  <c:v>2146.69729218868</c:v>
+                </c:pt>
+                <c:pt idx="43">
+                  <c:v>2114.78894817387</c:v>
+                </c:pt>
+                <c:pt idx="44">
+                  <c:v>2090.86320224999</c:v>
+                </c:pt>
+                <c:pt idx="45">
+                  <c:v>2050.67216633663</c:v>
+                </c:pt>
+                <c:pt idx="46">
+                  <c:v>2009.53744034539</c:v>
+                </c:pt>
+                <c:pt idx="47">
+                  <c:v>1960.37464720949</c:v>
+                </c:pt>
+                <c:pt idx="48">
+                  <c:v>1913.86879628906</c:v>
+                </c:pt>
+                <c:pt idx="49">
+                  <c:v>1867.78155081276</c:v>
+                </c:pt>
+                <c:pt idx="50">
+                  <c:v>1843.45599517565</c:v>
+                </c:pt>
+                <c:pt idx="51">
+                  <c:v>1824.29623715844</c:v>
+                </c:pt>
+                <c:pt idx="52">
+                  <c:v>1810.84603683937</c:v>
+                </c:pt>
+                <c:pt idx="53">
+                  <c:v>1789.79754256849</c:v>
+                </c:pt>
+                <c:pt idx="54">
+                  <c:v>1765.95668571873</c:v>
+                </c:pt>
+                <c:pt idx="55">
+                  <c:v>1719.540699703</c:v>
+                </c:pt>
+                <c:pt idx="56">
+                  <c:v>1676.1323431115</c:v>
+                </c:pt>
+                <c:pt idx="57">
+                  <c:v>1639.0135680049</c:v>
+                </c:pt>
+                <c:pt idx="58">
+                  <c:v>1622.36953112073</c:v>
+                </c:pt>
+                <c:pt idx="59">
+                  <c:v>1636.92037602353</c:v>
+                </c:pt>
+                <c:pt idx="60">
+                  <c:v>1655.62479532549</c:v>
+                </c:pt>
+                <c:pt idx="61">
+                  <c:v>1650.47488242969</c:v>
+                </c:pt>
+                <c:pt idx="62">
+                  <c:v>1653.54607468147</c:v>
+                </c:pt>
+              </c:numCache>
+            </c:numRef>
+          </c:val>
+          <c:smooth val="0"/>
+        </c:ser>
+        <c:ser>
+          <c:idx val="2"/>
+          <c:order val="2"/>
+          <c:tx>
+            <c:strRef>
+              <c:f>'VAR08'!$C$1</c:f>
+              <c:strCache>
+                <c:ptCount val="1"/>
+                <c:pt idx="0">
+                  <c:v>VAR08realMean_c1</c:v>
+                </c:pt>
+              </c:strCache>
+            </c:strRef>
+          </c:tx>
+          <c:spPr>
+            <a:ln>
+              <a:solidFill>
+                <a:schemeClr val="accent5"/>
+              </a:solidFill>
+            </a:ln>
+          </c:spPr>
+          <c:marker>
+            <c:symbol val="none"/>
+          </c:marker>
+          <c:val>
+            <c:numRef>
+              <c:f>'VAR08'!$C$2:$C$64</c:f>
+              <c:numCache>
+                <c:formatCode>General</c:formatCode>
+                <c:ptCount val="63"/>
+                <c:pt idx="0">
+                  <c:v>6246.49196850393</c:v>
+                </c:pt>
+                <c:pt idx="1">
+                  <c:v>6236.9181369863</c:v>
+                </c:pt>
+                <c:pt idx="2">
+                  <c:v>6041.69829457364</c:v>
+                </c:pt>
+                <c:pt idx="3">
+                  <c:v>6129.27101019462</c:v>
+                </c:pt>
+                <c:pt idx="4">
+                  <c:v>6733.5404995971</c:v>
+                </c:pt>
+                <c:pt idx="5">
+                  <c:v>6623.78974231088</c:v>
+                </c:pt>
+                <c:pt idx="6">
+                  <c:v>6664.76751484308</c:v>
+                </c:pt>
+                <c:pt idx="7">
+                  <c:v>6669.97861550037</c:v>
+                </c:pt>
+                <c:pt idx="8">
+                  <c:v>7069.3517572892</c:v>
+                </c:pt>
+                <c:pt idx="9">
+                  <c:v>6982.28604717655</c:v>
+                </c:pt>
+                <c:pt idx="10">
+                  <c:v>6567.95953348382</c:v>
+                </c:pt>
+                <c:pt idx="11">
+                  <c:v>6594.8221604448</c:v>
+                </c:pt>
+                <c:pt idx="12">
+                  <c:v>6553.60339920948</c:v>
+                </c:pt>
+                <c:pt idx="13">
+                  <c:v>6295.83873827791</c:v>
+                </c:pt>
+                <c:pt idx="14">
+                  <c:v>6507.15679704797</c:v>
+                </c:pt>
+                <c:pt idx="15">
+                  <c:v>6133.73665250637</c:v>
+                </c:pt>
+                <c:pt idx="16">
+                  <c:v>6320.41526660429</c:v>
+                </c:pt>
+                <c:pt idx="17">
+                  <c:v>5972.58490214352</c:v>
+                </c:pt>
+                <c:pt idx="18">
+                  <c:v>6389.73296859169</c:v>
+                </c:pt>
+                <c:pt idx="19">
+                  <c:v>6283.92330114135</c:v>
+                </c:pt>
+                <c:pt idx="20">
+                  <c:v>6324.80095238095</c:v>
+                </c:pt>
+                <c:pt idx="21">
+                  <c:v>5831.47428232503</c:v>
+                </c:pt>
+                <c:pt idx="22">
+                  <c:v>5866.57328484848</c:v>
+                </c:pt>
+                <c:pt idx="23">
+                  <c:v>5650.93022280471</c:v>
+                </c:pt>
+                <c:pt idx="24">
+                  <c:v>6492.3253053053</c:v>
+                </c:pt>
+                <c:pt idx="25">
+                  <c:v>5776.89516869095</c:v>
+                </c:pt>
+                <c:pt idx="26">
+                  <c:v>6046.51908701854</c:v>
+                </c:pt>
+                <c:pt idx="27">
+                  <c:v>6589.46190728477</c:v>
+                </c:pt>
+                <c:pt idx="28">
+                  <c:v>5783.22448519041</c:v>
+                </c:pt>
+                <c:pt idx="29">
+                  <c:v>6220.48654726368</c:v>
+                </c:pt>
+                <c:pt idx="30">
+                  <c:v>5442.77596072931</c:v>
+                </c:pt>
+                <c:pt idx="31">
+                  <c:v>6171.83110814419</c:v>
+                </c:pt>
+                <c:pt idx="32">
+                  <c:v>5841.32581423401</c:v>
+                </c:pt>
+                <c:pt idx="33">
+                  <c:v>5549.43027579162</c:v>
+                </c:pt>
+                <c:pt idx="34">
+                  <c:v>6589.60158123371</c:v>
+                </c:pt>
+                <c:pt idx="35">
+                  <c:v>5639.60887307236</c:v>
+                </c:pt>
+                <c:pt idx="36">
+                  <c:v>5198.23793357933</c:v>
+                </c:pt>
+                <c:pt idx="37">
+                  <c:v>5185.6504531722</c:v>
+                </c:pt>
+                <c:pt idx="38">
+                  <c:v>5230.58778128285</c:v>
+                </c:pt>
+                <c:pt idx="39">
+                  <c:v>4943.60124330117</c:v>
+                </c:pt>
+                <c:pt idx="40">
+                  <c:v>4571.27117711771</c:v>
+                </c:pt>
+                <c:pt idx="41">
+                  <c:v>4872.23322233104</c:v>
+                </c:pt>
+                <c:pt idx="42">
+                  <c:v>4802.21762237762</c:v>
+                </c:pt>
+                <c:pt idx="43">
+                  <c:v>5227.73434741784</c:v>
+                </c:pt>
+                <c:pt idx="44">
+                  <c:v>5142.94794895168</c:v>
+                </c:pt>
+                <c:pt idx="45">
+                  <c:v>5025.49172413792</c:v>
+                </c:pt>
+                <c:pt idx="46">
+                  <c:v>4874.65919790758</c:v>
+                </c:pt>
+                <c:pt idx="47">
+                  <c:v>5110.11848784878</c:v>
+                </c:pt>
+                <c:pt idx="48">
+                  <c:v>5386.61347708895</c:v>
+                </c:pt>
+                <c:pt idx="49">
+                  <c:v>5316.96014696058</c:v>
+                </c:pt>
+                <c:pt idx="50">
+                  <c:v>5109.14291845493</c:v>
+                </c:pt>
+                <c:pt idx="51">
+                  <c:v>4920.80173228346</c:v>
+                </c:pt>
+                <c:pt idx="52">
+                  <c:v>5106.47697127937</c:v>
+                </c:pt>
+                <c:pt idx="53">
+                  <c:v>4923.91718174539</c:v>
+                </c:pt>
+                <c:pt idx="54">
+                  <c:v>4538.33565217391</c:v>
+                </c:pt>
+                <c:pt idx="55">
+                  <c:v>5490.47457402812</c:v>
+                </c:pt>
+                <c:pt idx="56">
+                  <c:v>5101.08315441783</c:v>
+                </c:pt>
+                <c:pt idx="57">
+                  <c:v>5496.45610008627</c:v>
+                </c:pt>
+                <c:pt idx="58">
+                  <c:v>5314.83591992373</c:v>
+                </c:pt>
+                <c:pt idx="59">
+                  <c:v>5656.09782648401</c:v>
+                </c:pt>
+                <c:pt idx="60">
+                  <c:v>8569.90260954236</c:v>
+                </c:pt>
+                <c:pt idx="61">
+                  <c:v>7979.11999999999</c:v>
+                </c:pt>
+                <c:pt idx="62">
+                  <c:v>8256.22859737639</c:v>
+                </c:pt>
+              </c:numCache>
+            </c:numRef>
+          </c:val>
+          <c:smooth val="0"/>
+        </c:ser>
+        <c:ser>
+          <c:idx val="3"/>
+          <c:order val="3"/>
+          <c:tx>
+            <c:strRef>
+              <c:f>'VAR08'!$D$1</c:f>
+              <c:strCache>
+                <c:ptCount val="1"/>
+                <c:pt idx="0">
+                  <c:v>VAR08learntMean_c1</c:v>
+                </c:pt>
+              </c:strCache>
+            </c:strRef>
+          </c:tx>
+          <c:spPr>
+            <a:ln>
+              <a:solidFill>
+                <a:schemeClr val="accent2">
+                  <a:lumMod val="50000"/>
+                </a:schemeClr>
+              </a:solidFill>
+            </a:ln>
+          </c:spPr>
+          <c:marker>
+            <c:symbol val="none"/>
+          </c:marker>
+          <c:val>
+            <c:numRef>
+              <c:f>'VAR08'!$D$2:$D$64</c:f>
+              <c:numCache>
+                <c:formatCode>General</c:formatCode>
+                <c:ptCount val="63"/>
+                <c:pt idx="0">
+                  <c:v>6252.74948815035</c:v>
+                </c:pt>
+                <c:pt idx="1">
+                  <c:v>6246.93052055434</c:v>
+                </c:pt>
+                <c:pt idx="2">
+                  <c:v>6143.42208645699</c:v>
+                </c:pt>
+                <c:pt idx="3">
+                  <c:v>6140.92390206098</c:v>
+                </c:pt>
+                <c:pt idx="4">
+                  <c:v>6361.07813205634</c:v>
+                </c:pt>
+                <c:pt idx="5">
+                  <c:v>6442.82943012244</c:v>
+                </c:pt>
+                <c:pt idx="6">
+                  <c:v>6502.22944535365</c:v>
+                </c:pt>
+                <c:pt idx="7">
+                  <c:v>6545.52535638447</c:v>
+                </c:pt>
+                <c:pt idx="8">
+                  <c:v>6658.5462572587</c:v>
+                </c:pt>
+                <c:pt idx="9">
+                  <c:v>6728.21294326222</c:v>
+                </c:pt>
+                <c:pt idx="10">
+                  <c:v>6700.94116877608</c:v>
+                </c:pt>
+                <c:pt idx="11">
+                  <c:v>6685.75403778921</c:v>
+                </c:pt>
+                <c:pt idx="12">
+                  <c:v>6666.40762431562</c:v>
+                </c:pt>
+                <c:pt idx="13">
+                  <c:v>6615.5193344861</c:v>
+                </c:pt>
+                <c:pt idx="14">
+                  <c:v>6600.06017945809</c:v>
+                </c:pt>
+                <c:pt idx="15">
+                  <c:v>6543.24606774246</c:v>
+                </c:pt>
+                <c:pt idx="16">
+                  <c:v>6520.01999642446</c:v>
+                </c:pt>
+                <c:pt idx="17">
+                  <c:v>6462.22448432362</c:v>
+                </c:pt>
+                <c:pt idx="18">
+                  <c:v>6453.81998069535</c:v>
+                </c:pt>
+                <c:pt idx="19">
+                  <c:v>6433.43815484321</c:v>
+                </c:pt>
+                <c:pt idx="20">
+                  <c:v>6419.9597996007</c:v>
+                </c:pt>
+                <c:pt idx="21">
+                  <c:v>6366.19873609097</c:v>
+                </c:pt>
+                <c:pt idx="22">
+                  <c:v>6316.38792713322</c:v>
+                </c:pt>
+                <c:pt idx="23">
+                  <c:v>6254.34865126456</c:v>
+                </c:pt>
+                <c:pt idx="24">
+                  <c:v>6272.84044139434</c:v>
+                </c:pt>
+                <c:pt idx="25">
+                  <c:v>6226.96352791638</c:v>
+                </c:pt>
+                <c:pt idx="26">
+                  <c:v>6209.48446152308</c:v>
+                </c:pt>
+                <c:pt idx="27">
+                  <c:v>6232.35585464405</c:v>
+                </c:pt>
+                <c:pt idx="28">
+                  <c:v>6192.8757949922</c:v>
+                </c:pt>
+                <c:pt idx="29">
+                  <c:v>6187.70849879124</c:v>
+                </c:pt>
+                <c:pt idx="30">
+                  <c:v>6123.79715811503</c:v>
+                </c:pt>
+                <c:pt idx="31">
+                  <c:v>6118.1369942746</c:v>
+                </c:pt>
+                <c:pt idx="32">
+                  <c:v>6082.79629414085</c:v>
+                </c:pt>
+                <c:pt idx="33">
+                  <c:v>6021.9051262845</c:v>
+                </c:pt>
+                <c:pt idx="34">
+                  <c:v>6075.13228101022</c:v>
+                </c:pt>
+                <c:pt idx="35">
+                  <c:v>6038.17345739616</c:v>
+                </c:pt>
+                <c:pt idx="36">
+                  <c:v>5977.08165248759</c:v>
+                </c:pt>
+                <c:pt idx="37">
+                  <c:v>5904.81637588829</c:v>
+                </c:pt>
+                <c:pt idx="38">
+                  <c:v>5844.6462768325</c:v>
+                </c:pt>
+                <c:pt idx="39">
+                  <c:v>5764.0898403013</c:v>
+                </c:pt>
+                <c:pt idx="40">
+                  <c:v>5662.38702648137</c:v>
+                </c:pt>
+                <c:pt idx="41">
+                  <c:v>5583.29306004227</c:v>
+                </c:pt>
+                <c:pt idx="42">
+                  <c:v>5513.00892217103</c:v>
+                </c:pt>
+                <c:pt idx="43">
+                  <c:v>5479.59128194535</c:v>
+                </c:pt>
+                <c:pt idx="44">
+                  <c:v>5444.32773758244</c:v>
+                </c:pt>
+                <c:pt idx="45">
+                  <c:v>5396.32081953594</c:v>
+                </c:pt>
+                <c:pt idx="46">
+                  <c:v>5339.41717814542</c:v>
+                </c:pt>
+                <c:pt idx="47">
+                  <c:v>5303.8644701584</c:v>
+                </c:pt>
+                <c:pt idx="48">
+                  <c:v>5293.18074949936</c:v>
+                </c:pt>
+                <c:pt idx="49">
+                  <c:v>5279.13247936816</c:v>
+                </c:pt>
+                <c:pt idx="50">
+                  <c:v>5257.76958290239</c:v>
+                </c:pt>
+                <c:pt idx="51">
+                  <c:v>5227.02066595155</c:v>
+                </c:pt>
+                <c:pt idx="52">
+                  <c:v>5213.81345938492</c:v>
+                </c:pt>
+                <c:pt idx="53">
+                  <c:v>5184.90588625804</c:v>
+                </c:pt>
+                <c:pt idx="54">
+                  <c:v>5132.54899294065</c:v>
+                </c:pt>
+                <c:pt idx="55">
+                  <c:v>5136.65037725262</c:v>
+                </c:pt>
+                <c:pt idx="56">
+                  <c:v>5116.64337438009</c:v>
+                </c:pt>
+                <c:pt idx="57">
+                  <c:v>5122.97897802431</c:v>
+                </c:pt>
+                <c:pt idx="58">
+                  <c:v>5125.68940273764</c:v>
+                </c:pt>
+                <c:pt idx="59">
+                  <c:v>5157.6018900525</c:v>
+                </c:pt>
+                <c:pt idx="60">
+                  <c:v>5284.18241347674</c:v>
+                </c:pt>
+                <c:pt idx="61">
+                  <c:v>5369.10264133651</c:v>
+                </c:pt>
+                <c:pt idx="62">
+                  <c:v>5437.62253200512</c:v>
+                </c:pt>
+              </c:numCache>
+            </c:numRef>
+          </c:val>
+          <c:smooth val="0"/>
+        </c:ser>
+        <c:dLbls>
+          <c:showLegendKey val="0"/>
+          <c:showVal val="0"/>
+          <c:showCatName val="0"/>
+          <c:showSerName val="0"/>
+          <c:showPercent val="0"/>
+          <c:showBubbleSize val="0"/>
+        </c:dLbls>
+        <c:marker val="1"/>
+        <c:smooth val="0"/>
+        <c:axId val="-2138522616"/>
+        <c:axId val="-2104525064"/>
+      </c:lineChart>
+      <c:lineChart>
+        <c:grouping val="standard"/>
+        <c:varyColors val="0"/>
+        <c:ser>
+          <c:idx val="4"/>
+          <c:order val="4"/>
+          <c:tx>
+            <c:strRef>
+              <c:f>'VAR08'!$E$1</c:f>
+              <c:strCache>
+                <c:ptCount val="1"/>
+                <c:pt idx="0">
+                  <c:v>meanH</c:v>
+                </c:pt>
+              </c:strCache>
+            </c:strRef>
+          </c:tx>
+          <c:spPr>
+            <a:ln>
+              <a:solidFill>
+                <a:schemeClr val="accent3">
+                  <a:lumMod val="75000"/>
+                </a:schemeClr>
+              </a:solidFill>
+            </a:ln>
+          </c:spPr>
+          <c:marker>
+            <c:symbol val="none"/>
+          </c:marker>
+          <c:val>
+            <c:numRef>
+              <c:f>'VAR08'!$E$2:$E$64</c:f>
+              <c:numCache>
+                <c:formatCode>General</c:formatCode>
+                <c:ptCount val="63"/>
+                <c:pt idx="0">
+                  <c:v>12.3727342367393</c:v>
+                </c:pt>
+                <c:pt idx="1">
+                  <c:v>12.2606455576299</c:v>
+                </c:pt>
+                <c:pt idx="2">
+                  <c:v>12.2198419659493</c:v>
+                </c:pt>
+                <c:pt idx="3">
+                  <c:v>12.1723228435375</c:v>
+                </c:pt>
+                <c:pt idx="4">
+                  <c:v>12.0813346827614</c:v>
+                </c:pt>
+                <c:pt idx="5">
+                  <c:v>12.0218454138144</c:v>
+                </c:pt>
+                <c:pt idx="6">
+                  <c:v>11.9415374728709</c:v>
+                </c:pt>
+                <c:pt idx="7">
+                  <c:v>11.9960204421273</c:v>
+                </c:pt>
+                <c:pt idx="8">
+                  <c:v>12.1191802361103</c:v>
+                </c:pt>
+                <c:pt idx="9">
+                  <c:v>12.3270018336938</c:v>
+                </c:pt>
+                <c:pt idx="10">
+                  <c:v>12.6722391008093</c:v>
+                </c:pt>
+                <c:pt idx="11">
+                  <c:v>13.0681647922396</c:v>
+                </c:pt>
+                <c:pt idx="12">
+                  <c:v>13.2675069453733</c:v>
+                </c:pt>
+                <c:pt idx="13">
+                  <c:v>13.4038122238806</c:v>
+                </c:pt>
+                <c:pt idx="14">
+                  <c:v>13.377741409372</c:v>
+                </c:pt>
+                <c:pt idx="15">
+                  <c:v>13.3921299715846</c:v>
+                </c:pt>
+                <c:pt idx="16">
+                  <c:v>13.4391482758109</c:v>
+                </c:pt>
+                <c:pt idx="17">
+                  <c:v>13.8701460024924</c:v>
+                </c:pt>
+                <c:pt idx="18">
+                  <c:v>14.3953014729039</c:v>
+                </c:pt>
+                <c:pt idx="19">
+                  <c:v>15.0130960089827</c:v>
+                </c:pt>
+                <c:pt idx="20">
+                  <c:v>15.9399328677834</c:v>
+                </c:pt>
+                <c:pt idx="21">
+                  <c:v>16.8124673946458</c:v>
+                </c:pt>
+                <c:pt idx="22">
+                  <c:v>17.9199347700452</c:v>
+                </c:pt>
+                <c:pt idx="23">
+                  <c:v>18.9181816984489</c:v>
+                </c:pt>
+                <c:pt idx="24">
+                  <c:v>19.6669239762854</c:v>
+                </c:pt>
+                <c:pt idx="25">
+                  <c:v>20.4419576684724</c:v>
+                </c:pt>
+                <c:pt idx="26">
+                  <c:v>20.8966828494961</c:v>
+                </c:pt>
+                <c:pt idx="27">
+                  <c:v>21.644273922623</c:v>
+                </c:pt>
+                <c:pt idx="28">
+                  <c:v>22.3422329289853</c:v>
+                </c:pt>
+                <c:pt idx="29">
+                  <c:v>23.1732059492631</c:v>
+                </c:pt>
+                <c:pt idx="30">
+                  <c:v>24.0771566408905</c:v>
+                </c:pt>
+                <c:pt idx="31">
+                  <c:v>24.9037385707467</c:v>
+                </c:pt>
+                <c:pt idx="32">
+                  <c:v>25.9837102999633</c:v>
+                </c:pt>
+                <c:pt idx="33">
+                  <c:v>26.8321319069113</c:v>
+                </c:pt>
+                <c:pt idx="34">
+                  <c:v>27.4275210210666</c:v>
+                </c:pt>
+                <c:pt idx="35">
+                  <c:v>27.7753432767013</c:v>
+                </c:pt>
+                <c:pt idx="36">
+                  <c:v>27.9141578135594</c:v>
+                </c:pt>
+                <c:pt idx="37">
+                  <c:v>28.355460098743</c:v>
+                </c:pt>
+                <c:pt idx="38">
+                  <c:v>28.8211992040822</c:v>
+                </c:pt>
+                <c:pt idx="39">
+                  <c:v>29.503798499091</c:v>
+                </c:pt>
+                <c:pt idx="40">
+                  <c:v>30.2017531854665</c:v>
+                </c:pt>
+                <c:pt idx="41">
+                  <c:v>30.8963019194428</c:v>
+                </c:pt>
+                <c:pt idx="42">
+                  <c:v>31.2992459252422</c:v>
+                </c:pt>
+                <c:pt idx="43">
+                  <c:v>31.7510344655646</c:v>
+                </c:pt>
+                <c:pt idx="44">
+                  <c:v>32.0953396260856</c:v>
+                </c:pt>
+                <c:pt idx="45">
+                  <c:v>32.6741838008869</c:v>
+                </c:pt>
+                <c:pt idx="46">
+                  <c:v>33.2712035978429</c:v>
+                </c:pt>
+                <c:pt idx="47">
+                  <c:v>33.9762960516845</c:v>
+                </c:pt>
+                <c:pt idx="48">
+                  <c:v>34.6376872582364</c:v>
+                </c:pt>
+                <c:pt idx="49">
+                  <c:v>35.2957682469698</c:v>
+                </c:pt>
+                <c:pt idx="50">
+                  <c:v>35.6491209700487</c:v>
+                </c:pt>
+                <c:pt idx="51">
+                  <c:v>35.9341763959961</c:v>
+                </c:pt>
+                <c:pt idx="52">
+                  <c:v>36.1336295656333</c:v>
+                </c:pt>
+                <c:pt idx="53">
+                  <c:v>36.4510754844354</c:v>
+                </c:pt>
+                <c:pt idx="54">
+                  <c:v>36.8194787041289</c:v>
+                </c:pt>
+                <c:pt idx="55">
+                  <c:v>37.5060910854099</c:v>
+                </c:pt>
+                <c:pt idx="56">
+                  <c:v>38.1568945314901</c:v>
+                </c:pt>
+                <c:pt idx="57">
+                  <c:v>38.7081063117491</c:v>
+                </c:pt>
+                <c:pt idx="58">
+                  <c:v>38.9568583390156</c:v>
+                </c:pt>
+                <c:pt idx="59">
+                  <c:v>38.7270375920165</c:v>
+                </c:pt>
+                <c:pt idx="60">
+                  <c:v>38.4051426161241</c:v>
+                </c:pt>
+                <c:pt idx="61">
+                  <c:v>38.4641390243947</c:v>
+                </c:pt>
+                <c:pt idx="62">
+                  <c:v>38.3997009776881</c:v>
+                </c:pt>
+              </c:numCache>
+            </c:numRef>
+          </c:val>
+          <c:smooth val="0"/>
+        </c:ser>
+        <c:dLbls>
+          <c:showLegendKey val="0"/>
+          <c:showVal val="0"/>
+          <c:showCatName val="0"/>
+          <c:showSerName val="0"/>
+          <c:showPercent val="0"/>
+          <c:showBubbleSize val="0"/>
+        </c:dLbls>
+        <c:marker val="1"/>
+        <c:smooth val="0"/>
+        <c:axId val="-2124978840"/>
+        <c:axId val="-2104897432"/>
+      </c:lineChart>
+      <c:catAx>
+        <c:axId val="-2138522616"/>
+        <c:scaling>
+          <c:orientation val="minMax"/>
+        </c:scaling>
+        <c:delete val="0"/>
+        <c:axPos val="b"/>
+        <c:majorTickMark val="out"/>
+        <c:minorTickMark val="none"/>
+        <c:tickLblPos val="nextTo"/>
+        <c:crossAx val="-2104525064"/>
+        <c:crosses val="autoZero"/>
+        <c:auto val="1"/>
+        <c:lblAlgn val="ctr"/>
+        <c:lblOffset val="100"/>
+        <c:noMultiLvlLbl val="0"/>
+      </c:catAx>
+      <c:valAx>
+        <c:axId val="-2104525064"/>
+        <c:scaling>
+          <c:orientation val="minMax"/>
+        </c:scaling>
+        <c:delete val="0"/>
+        <c:axPos val="l"/>
+        <c:majorGridlines/>
+        <c:numFmt formatCode="General" sourceLinked="1"/>
+        <c:majorTickMark val="out"/>
+        <c:minorTickMark val="none"/>
+        <c:tickLblPos val="nextTo"/>
+        <c:crossAx val="-2138522616"/>
+        <c:crosses val="autoZero"/>
+        <c:crossBetween val="between"/>
+      </c:valAx>
+      <c:valAx>
+        <c:axId val="-2104897432"/>
+        <c:scaling>
+          <c:orientation val="minMax"/>
+        </c:scaling>
+        <c:delete val="0"/>
+        <c:axPos val="r"/>
+        <c:numFmt formatCode="General" sourceLinked="1"/>
+        <c:majorTickMark val="out"/>
+        <c:minorTickMark val="none"/>
+        <c:tickLblPos val="nextTo"/>
+        <c:crossAx val="-2124978840"/>
+        <c:crosses val="max"/>
+        <c:crossBetween val="between"/>
+      </c:valAx>
+      <c:catAx>
+        <c:axId val="-2124978840"/>
+        <c:scaling>
+          <c:orientation val="minMax"/>
+        </c:scaling>
+        <c:delete val="1"/>
+        <c:axPos val="b"/>
+        <c:majorTickMark val="out"/>
+        <c:minorTickMark val="none"/>
+        <c:tickLblPos val="nextTo"/>
+        <c:crossAx val="-2104897432"/>
+        <c:crosses val="autoZero"/>
+        <c:auto val="1"/>
+        <c:lblAlgn val="ctr"/>
+        <c:lblOffset val="100"/>
+        <c:noMultiLvlLbl val="0"/>
+      </c:catAx>
+    </c:plotArea>
+    <c:legend>
+      <c:legendPos val="r"/>
+      <c:layout/>
+      <c:overlay val="0"/>
+      <c:spPr>
+        <a:ln>
+          <a:solidFill>
+            <a:schemeClr val="accent5"/>
+          </a:solidFill>
+        </a:ln>
+      </c:spPr>
     </c:legend>
     <c:plotVisOnly val="1"/>
     <c:dispBlanksAs val="gap"/>
@@ -14065,6 +21553,1019 @@
 </p:sld>
 </file>
 
+<file path=ppt/slides/slide12.xml><?xml version="1.0" encoding="utf-8"?>
+<p:sld xmlns:a="http://schemas.openxmlformats.org/drawingml/2006/main" xmlns:r="http://schemas.openxmlformats.org/officeDocument/2006/relationships" xmlns:p="http://schemas.openxmlformats.org/presentationml/2006/main">
+  <p:cSld>
+    <p:spTree>
+      <p:nvGrpSpPr>
+        <p:cNvPr id="1" name=""/>
+        <p:cNvGrpSpPr/>
+        <p:nvPr/>
+      </p:nvGrpSpPr>
+      <p:grpSpPr>
+        <a:xfrm>
+          <a:off x="0" y="0"/>
+          <a:ext cx="0" cy="0"/>
+          <a:chOff x="0" y="0"/>
+          <a:chExt cx="0" cy="0"/>
+        </a:xfrm>
+      </p:grpSpPr>
+      <p:sp>
+        <p:nvSpPr>
+          <p:cNvPr id="2" name="Title 1"/>
+          <p:cNvSpPr>
+            <a:spLocks noGrp="1"/>
+          </p:cNvSpPr>
+          <p:nvPr>
+            <p:ph type="title"/>
+          </p:nvPr>
+        </p:nvSpPr>
+        <p:spPr/>
+        <p:txBody>
+          <a:bodyPr>
+            <a:normAutofit/>
+          </a:bodyPr>
+          <a:lstStyle/>
+          <a:p>
+            <a:r>
+              <a:rPr lang="en-US" dirty="0" smtClean="0"/>
+              <a:t>Var01: </a:t>
+            </a:r>
+            <a:r>
+              <a:rPr lang="en-US" dirty="0"/>
+              <a:t>Total credit </a:t>
+            </a:r>
+            <a:r>
+              <a:rPr lang="en-US" dirty="0" smtClean="0"/>
+              <a:t>amount</a:t>
+            </a:r>
+            <a:endParaRPr lang="en-US" dirty="0"/>
+          </a:p>
+        </p:txBody>
+      </p:sp>
+      <p:sp>
+        <p:nvSpPr>
+          <p:cNvPr id="3" name="Content Placeholder 2"/>
+          <p:cNvSpPr>
+            <a:spLocks noGrp="1"/>
+          </p:cNvSpPr>
+          <p:nvPr>
+            <p:ph idx="1"/>
+          </p:nvPr>
+        </p:nvSpPr>
+        <p:spPr/>
+        <p:txBody>
+          <a:bodyPr/>
+          <a:lstStyle/>
+          <a:p>
+            <a:endParaRPr lang="en-US" dirty="0"/>
+          </a:p>
+        </p:txBody>
+      </p:sp>
+      <p:sp>
+        <p:nvSpPr>
+          <p:cNvPr id="7" name="TextBox 6"/>
+          <p:cNvSpPr txBox="1"/>
+          <p:nvPr/>
+        </p:nvSpPr>
+        <p:spPr>
+          <a:xfrm>
+            <a:off x="696981" y="5405854"/>
+            <a:ext cx="1622409" cy="369332"/>
+          </a:xfrm>
+          <a:prstGeom prst="rect">
+            <a:avLst/>
+          </a:prstGeom>
+          <a:noFill/>
+        </p:spPr>
+        <p:txBody>
+          <a:bodyPr wrap="none" rtlCol="0">
+            <a:spAutoFit/>
+          </a:bodyPr>
+          <a:lstStyle/>
+          <a:p>
+            <a:r>
+              <a:rPr lang="en-US" dirty="0" smtClean="0"/>
+              <a:t>Non-Defaulters</a:t>
+            </a:r>
+          </a:p>
+        </p:txBody>
+      </p:sp>
+      <p:sp>
+        <p:nvSpPr>
+          <p:cNvPr id="8" name="TextBox 7"/>
+          <p:cNvSpPr txBox="1"/>
+          <p:nvPr/>
+        </p:nvSpPr>
+        <p:spPr>
+          <a:xfrm>
+            <a:off x="5945084" y="5373588"/>
+            <a:ext cx="1159730" cy="369332"/>
+          </a:xfrm>
+          <a:prstGeom prst="rect">
+            <a:avLst/>
+          </a:prstGeom>
+          <a:noFill/>
+        </p:spPr>
+        <p:txBody>
+          <a:bodyPr wrap="none" rtlCol="0">
+            <a:spAutoFit/>
+          </a:bodyPr>
+          <a:lstStyle/>
+          <a:p>
+            <a:r>
+              <a:rPr lang="en-US" dirty="0" smtClean="0"/>
+              <a:t>Defaulters</a:t>
+            </a:r>
+          </a:p>
+        </p:txBody>
+      </p:sp>
+      <p:graphicFrame>
+        <p:nvGraphicFramePr>
+          <p:cNvPr id="9" name="Chart 8"/>
+          <p:cNvGraphicFramePr>
+            <a:graphicFrameLocks/>
+          </p:cNvGraphicFramePr>
+          <p:nvPr>
+            <p:extLst>
+              <p:ext uri="{D42A27DB-BD31-4B8C-83A1-F6EECF244321}">
+                <p14:modId xmlns:p14="http://schemas.microsoft.com/office/powerpoint/2010/main" val="52779452"/>
+              </p:ext>
+            </p:extLst>
+          </p:nvPr>
+        </p:nvGraphicFramePr>
+        <p:xfrm>
+          <a:off x="971550" y="1192696"/>
+          <a:ext cx="6788169" cy="4935054"/>
+        </p:xfrm>
+        <a:graphic>
+          <a:graphicData uri="http://schemas.openxmlformats.org/drawingml/2006/chart">
+            <c:chart xmlns:c="http://schemas.openxmlformats.org/drawingml/2006/chart" xmlns:r="http://schemas.openxmlformats.org/officeDocument/2006/relationships" r:id="rId2"/>
+          </a:graphicData>
+        </a:graphic>
+      </p:graphicFrame>
+    </p:spTree>
+    <p:extLst>
+      <p:ext uri="{BB962C8B-B14F-4D97-AF65-F5344CB8AC3E}">
+        <p14:creationId xmlns:p14="http://schemas.microsoft.com/office/powerpoint/2010/main" val="3536089392"/>
+      </p:ext>
+    </p:extLst>
+  </p:cSld>
+  <p:clrMapOvr>
+    <a:masterClrMapping/>
+  </p:clrMapOvr>
+  <p:timing>
+    <p:tnLst>
+      <p:par>
+        <p:cTn xmlns:p14="http://schemas.microsoft.com/office/powerpoint/2010/main" id="1" dur="indefinite" restart="never" nodeType="tmRoot"/>
+      </p:par>
+    </p:tnLst>
+  </p:timing>
+</p:sld>
+</file>
+
+<file path=ppt/slides/slide13.xml><?xml version="1.0" encoding="utf-8"?>
+<p:sld xmlns:a="http://schemas.openxmlformats.org/drawingml/2006/main" xmlns:r="http://schemas.openxmlformats.org/officeDocument/2006/relationships" xmlns:p="http://schemas.openxmlformats.org/presentationml/2006/main">
+  <p:cSld>
+    <p:spTree>
+      <p:nvGrpSpPr>
+        <p:cNvPr id="1" name=""/>
+        <p:cNvGrpSpPr/>
+        <p:nvPr/>
+      </p:nvGrpSpPr>
+      <p:grpSpPr>
+        <a:xfrm>
+          <a:off x="0" y="0"/>
+          <a:ext cx="0" cy="0"/>
+          <a:chOff x="0" y="0"/>
+          <a:chExt cx="0" cy="0"/>
+        </a:xfrm>
+      </p:grpSpPr>
+      <p:sp>
+        <p:nvSpPr>
+          <p:cNvPr id="2" name="Title 1"/>
+          <p:cNvSpPr>
+            <a:spLocks noGrp="1"/>
+          </p:cNvSpPr>
+          <p:nvPr>
+            <p:ph type="title"/>
+          </p:nvPr>
+        </p:nvSpPr>
+        <p:spPr/>
+        <p:txBody>
+          <a:bodyPr>
+            <a:normAutofit/>
+          </a:bodyPr>
+          <a:lstStyle/>
+          <a:p>
+            <a:r>
+              <a:rPr lang="en-US" dirty="0" smtClean="0"/>
+              <a:t>Var02: </a:t>
+            </a:r>
+            <a:r>
+              <a:rPr lang="en-US" dirty="0" smtClean="0"/>
+              <a:t>Income</a:t>
+            </a:r>
+            <a:endParaRPr lang="en-US" dirty="0"/>
+          </a:p>
+        </p:txBody>
+      </p:sp>
+      <p:sp>
+        <p:nvSpPr>
+          <p:cNvPr id="3" name="Content Placeholder 2"/>
+          <p:cNvSpPr>
+            <a:spLocks noGrp="1"/>
+          </p:cNvSpPr>
+          <p:nvPr>
+            <p:ph idx="1"/>
+          </p:nvPr>
+        </p:nvSpPr>
+        <p:spPr/>
+        <p:txBody>
+          <a:bodyPr/>
+          <a:lstStyle/>
+          <a:p>
+            <a:endParaRPr lang="en-US"/>
+          </a:p>
+        </p:txBody>
+      </p:sp>
+      <p:sp>
+        <p:nvSpPr>
+          <p:cNvPr id="6" name="TextBox 5"/>
+          <p:cNvSpPr txBox="1"/>
+          <p:nvPr/>
+        </p:nvSpPr>
+        <p:spPr>
+          <a:xfrm>
+            <a:off x="696981" y="5405854"/>
+            <a:ext cx="1622409" cy="369332"/>
+          </a:xfrm>
+          <a:prstGeom prst="rect">
+            <a:avLst/>
+          </a:prstGeom>
+          <a:noFill/>
+        </p:spPr>
+        <p:txBody>
+          <a:bodyPr wrap="none" rtlCol="0">
+            <a:spAutoFit/>
+          </a:bodyPr>
+          <a:lstStyle/>
+          <a:p>
+            <a:r>
+              <a:rPr lang="en-US" dirty="0" smtClean="0"/>
+              <a:t>Non-Defaulters</a:t>
+            </a:r>
+          </a:p>
+        </p:txBody>
+      </p:sp>
+      <p:sp>
+        <p:nvSpPr>
+          <p:cNvPr id="7" name="TextBox 6"/>
+          <p:cNvSpPr txBox="1"/>
+          <p:nvPr/>
+        </p:nvSpPr>
+        <p:spPr>
+          <a:xfrm>
+            <a:off x="5945084" y="5373588"/>
+            <a:ext cx="1159730" cy="369332"/>
+          </a:xfrm>
+          <a:prstGeom prst="rect">
+            <a:avLst/>
+          </a:prstGeom>
+          <a:noFill/>
+        </p:spPr>
+        <p:txBody>
+          <a:bodyPr wrap="none" rtlCol="0">
+            <a:spAutoFit/>
+          </a:bodyPr>
+          <a:lstStyle/>
+          <a:p>
+            <a:r>
+              <a:rPr lang="en-US" dirty="0" smtClean="0"/>
+              <a:t>Defaulters</a:t>
+            </a:r>
+          </a:p>
+        </p:txBody>
+      </p:sp>
+      <p:graphicFrame>
+        <p:nvGraphicFramePr>
+          <p:cNvPr id="8" name="Chart 7"/>
+          <p:cNvGraphicFramePr>
+            <a:graphicFrameLocks/>
+          </p:cNvGraphicFramePr>
+          <p:nvPr>
+            <p:extLst>
+              <p:ext uri="{D42A27DB-BD31-4B8C-83A1-F6EECF244321}">
+                <p14:modId xmlns:p14="http://schemas.microsoft.com/office/powerpoint/2010/main" val="471735802"/>
+              </p:ext>
+            </p:extLst>
+          </p:nvPr>
+        </p:nvGraphicFramePr>
+        <p:xfrm>
+          <a:off x="971550" y="1417638"/>
+          <a:ext cx="6524865" cy="4710112"/>
+        </p:xfrm>
+        <a:graphic>
+          <a:graphicData uri="http://schemas.openxmlformats.org/drawingml/2006/chart">
+            <c:chart xmlns:c="http://schemas.openxmlformats.org/drawingml/2006/chart" xmlns:r="http://schemas.openxmlformats.org/officeDocument/2006/relationships" r:id="rId2"/>
+          </a:graphicData>
+        </a:graphic>
+      </p:graphicFrame>
+    </p:spTree>
+    <p:extLst>
+      <p:ext uri="{BB962C8B-B14F-4D97-AF65-F5344CB8AC3E}">
+        <p14:creationId xmlns:p14="http://schemas.microsoft.com/office/powerpoint/2010/main" val="3716986282"/>
+      </p:ext>
+    </p:extLst>
+  </p:cSld>
+  <p:clrMapOvr>
+    <a:masterClrMapping/>
+  </p:clrMapOvr>
+  <p:timing>
+    <p:tnLst>
+      <p:par>
+        <p:cTn xmlns:p14="http://schemas.microsoft.com/office/powerpoint/2010/main" id="1" dur="indefinite" restart="never" nodeType="tmRoot"/>
+      </p:par>
+    </p:tnLst>
+  </p:timing>
+</p:sld>
+</file>
+
+<file path=ppt/slides/slide14.xml><?xml version="1.0" encoding="utf-8"?>
+<p:sld xmlns:a="http://schemas.openxmlformats.org/drawingml/2006/main" xmlns:r="http://schemas.openxmlformats.org/officeDocument/2006/relationships" xmlns:p="http://schemas.openxmlformats.org/presentationml/2006/main">
+  <p:cSld>
+    <p:spTree>
+      <p:nvGrpSpPr>
+        <p:cNvPr id="1" name=""/>
+        <p:cNvGrpSpPr/>
+        <p:nvPr/>
+      </p:nvGrpSpPr>
+      <p:grpSpPr>
+        <a:xfrm>
+          <a:off x="0" y="0"/>
+          <a:ext cx="0" cy="0"/>
+          <a:chOff x="0" y="0"/>
+          <a:chExt cx="0" cy="0"/>
+        </a:xfrm>
+      </p:grpSpPr>
+      <p:sp>
+        <p:nvSpPr>
+          <p:cNvPr id="2" name="Title 1"/>
+          <p:cNvSpPr>
+            <a:spLocks noGrp="1"/>
+          </p:cNvSpPr>
+          <p:nvPr>
+            <p:ph type="title"/>
+          </p:nvPr>
+        </p:nvSpPr>
+        <p:spPr/>
+        <p:txBody>
+          <a:bodyPr>
+            <a:normAutofit/>
+          </a:bodyPr>
+          <a:lstStyle/>
+          <a:p>
+            <a:r>
+              <a:rPr lang="en-US" dirty="0" smtClean="0"/>
+              <a:t>Var03: </a:t>
+            </a:r>
+            <a:r>
+              <a:rPr lang="en-US" dirty="0" smtClean="0"/>
+              <a:t>Expenses</a:t>
+            </a:r>
+            <a:endParaRPr lang="en-US" dirty="0"/>
+          </a:p>
+        </p:txBody>
+      </p:sp>
+      <p:sp>
+        <p:nvSpPr>
+          <p:cNvPr id="3" name="Content Placeholder 2"/>
+          <p:cNvSpPr>
+            <a:spLocks noGrp="1"/>
+          </p:cNvSpPr>
+          <p:nvPr>
+            <p:ph idx="1"/>
+          </p:nvPr>
+        </p:nvSpPr>
+        <p:spPr/>
+        <p:txBody>
+          <a:bodyPr/>
+          <a:lstStyle/>
+          <a:p>
+            <a:endParaRPr lang="en-US" dirty="0"/>
+          </a:p>
+        </p:txBody>
+      </p:sp>
+      <p:sp>
+        <p:nvSpPr>
+          <p:cNvPr id="6" name="TextBox 5"/>
+          <p:cNvSpPr txBox="1"/>
+          <p:nvPr/>
+        </p:nvSpPr>
+        <p:spPr>
+          <a:xfrm>
+            <a:off x="696981" y="5405854"/>
+            <a:ext cx="1622409" cy="369332"/>
+          </a:xfrm>
+          <a:prstGeom prst="rect">
+            <a:avLst/>
+          </a:prstGeom>
+          <a:noFill/>
+        </p:spPr>
+        <p:txBody>
+          <a:bodyPr wrap="none" rtlCol="0">
+            <a:spAutoFit/>
+          </a:bodyPr>
+          <a:lstStyle/>
+          <a:p>
+            <a:r>
+              <a:rPr lang="en-US" dirty="0" smtClean="0"/>
+              <a:t>Non-Defaulters</a:t>
+            </a:r>
+          </a:p>
+        </p:txBody>
+      </p:sp>
+      <p:sp>
+        <p:nvSpPr>
+          <p:cNvPr id="7" name="TextBox 6"/>
+          <p:cNvSpPr txBox="1"/>
+          <p:nvPr/>
+        </p:nvSpPr>
+        <p:spPr>
+          <a:xfrm>
+            <a:off x="5945084" y="5373588"/>
+            <a:ext cx="1159730" cy="369332"/>
+          </a:xfrm>
+          <a:prstGeom prst="rect">
+            <a:avLst/>
+          </a:prstGeom>
+          <a:noFill/>
+        </p:spPr>
+        <p:txBody>
+          <a:bodyPr wrap="none" rtlCol="0">
+            <a:spAutoFit/>
+          </a:bodyPr>
+          <a:lstStyle/>
+          <a:p>
+            <a:r>
+              <a:rPr lang="en-US" dirty="0" smtClean="0"/>
+              <a:t>Defaulters</a:t>
+            </a:r>
+          </a:p>
+        </p:txBody>
+      </p:sp>
+      <p:graphicFrame>
+        <p:nvGraphicFramePr>
+          <p:cNvPr id="8" name="Chart 7"/>
+          <p:cNvGraphicFramePr>
+            <a:graphicFrameLocks/>
+          </p:cNvGraphicFramePr>
+          <p:nvPr>
+            <p:extLst>
+              <p:ext uri="{D42A27DB-BD31-4B8C-83A1-F6EECF244321}">
+                <p14:modId xmlns:p14="http://schemas.microsoft.com/office/powerpoint/2010/main" val="2342750487"/>
+              </p:ext>
+            </p:extLst>
+          </p:nvPr>
+        </p:nvGraphicFramePr>
+        <p:xfrm>
+          <a:off x="971550" y="1417638"/>
+          <a:ext cx="6617796" cy="4710112"/>
+        </p:xfrm>
+        <a:graphic>
+          <a:graphicData uri="http://schemas.openxmlformats.org/drawingml/2006/chart">
+            <c:chart xmlns:c="http://schemas.openxmlformats.org/drawingml/2006/chart" xmlns:r="http://schemas.openxmlformats.org/officeDocument/2006/relationships" r:id="rId2"/>
+          </a:graphicData>
+        </a:graphic>
+      </p:graphicFrame>
+    </p:spTree>
+    <p:extLst>
+      <p:ext uri="{BB962C8B-B14F-4D97-AF65-F5344CB8AC3E}">
+        <p14:creationId xmlns:p14="http://schemas.microsoft.com/office/powerpoint/2010/main" val="2007636028"/>
+      </p:ext>
+    </p:extLst>
+  </p:cSld>
+  <p:clrMapOvr>
+    <a:masterClrMapping/>
+  </p:clrMapOvr>
+  <p:timing>
+    <p:tnLst>
+      <p:par>
+        <p:cTn xmlns:p14="http://schemas.microsoft.com/office/powerpoint/2010/main" id="1" dur="indefinite" restart="never" nodeType="tmRoot"/>
+      </p:par>
+    </p:tnLst>
+  </p:timing>
+</p:sld>
+</file>
+
+<file path=ppt/slides/slide15.xml><?xml version="1.0" encoding="utf-8"?>
+<p:sld xmlns:a="http://schemas.openxmlformats.org/drawingml/2006/main" xmlns:r="http://schemas.openxmlformats.org/officeDocument/2006/relationships" xmlns:p="http://schemas.openxmlformats.org/presentationml/2006/main">
+  <p:cSld>
+    <p:spTree>
+      <p:nvGrpSpPr>
+        <p:cNvPr id="1" name=""/>
+        <p:cNvGrpSpPr/>
+        <p:nvPr/>
+      </p:nvGrpSpPr>
+      <p:grpSpPr>
+        <a:xfrm>
+          <a:off x="0" y="0"/>
+          <a:ext cx="0" cy="0"/>
+          <a:chOff x="0" y="0"/>
+          <a:chExt cx="0" cy="0"/>
+        </a:xfrm>
+      </p:grpSpPr>
+      <p:sp>
+        <p:nvSpPr>
+          <p:cNvPr id="2" name="Title 1"/>
+          <p:cNvSpPr>
+            <a:spLocks noGrp="1"/>
+          </p:cNvSpPr>
+          <p:nvPr>
+            <p:ph type="title"/>
+          </p:nvPr>
+        </p:nvSpPr>
+        <p:spPr/>
+        <p:txBody>
+          <a:bodyPr>
+            <a:normAutofit/>
+          </a:bodyPr>
+          <a:lstStyle/>
+          <a:p>
+            <a:r>
+              <a:rPr lang="en-US" dirty="0" smtClean="0"/>
+              <a:t>Var04: </a:t>
+            </a:r>
+            <a:r>
+              <a:rPr lang="en-US" dirty="0"/>
+              <a:t>Account </a:t>
+            </a:r>
+            <a:r>
+              <a:rPr lang="en-US" dirty="0" smtClean="0"/>
+              <a:t>balance</a:t>
+            </a:r>
+            <a:endParaRPr lang="en-US" dirty="0"/>
+          </a:p>
+        </p:txBody>
+      </p:sp>
+      <p:sp>
+        <p:nvSpPr>
+          <p:cNvPr id="3" name="Content Placeholder 2"/>
+          <p:cNvSpPr>
+            <a:spLocks noGrp="1"/>
+          </p:cNvSpPr>
+          <p:nvPr>
+            <p:ph idx="1"/>
+          </p:nvPr>
+        </p:nvSpPr>
+        <p:spPr/>
+        <p:txBody>
+          <a:bodyPr/>
+          <a:lstStyle/>
+          <a:p>
+            <a:endParaRPr lang="en-US"/>
+          </a:p>
+        </p:txBody>
+      </p:sp>
+      <p:sp>
+        <p:nvSpPr>
+          <p:cNvPr id="6" name="TextBox 5"/>
+          <p:cNvSpPr txBox="1"/>
+          <p:nvPr/>
+        </p:nvSpPr>
+        <p:spPr>
+          <a:xfrm>
+            <a:off x="696981" y="5405854"/>
+            <a:ext cx="1622409" cy="369332"/>
+          </a:xfrm>
+          <a:prstGeom prst="rect">
+            <a:avLst/>
+          </a:prstGeom>
+          <a:noFill/>
+        </p:spPr>
+        <p:txBody>
+          <a:bodyPr wrap="none" rtlCol="0">
+            <a:spAutoFit/>
+          </a:bodyPr>
+          <a:lstStyle/>
+          <a:p>
+            <a:r>
+              <a:rPr lang="en-US" dirty="0" smtClean="0"/>
+              <a:t>Non-Defaulters</a:t>
+            </a:r>
+          </a:p>
+        </p:txBody>
+      </p:sp>
+      <p:sp>
+        <p:nvSpPr>
+          <p:cNvPr id="7" name="TextBox 6"/>
+          <p:cNvSpPr txBox="1"/>
+          <p:nvPr/>
+        </p:nvSpPr>
+        <p:spPr>
+          <a:xfrm>
+            <a:off x="5945084" y="5373588"/>
+            <a:ext cx="1159730" cy="369332"/>
+          </a:xfrm>
+          <a:prstGeom prst="rect">
+            <a:avLst/>
+          </a:prstGeom>
+          <a:noFill/>
+        </p:spPr>
+        <p:txBody>
+          <a:bodyPr wrap="none" rtlCol="0">
+            <a:spAutoFit/>
+          </a:bodyPr>
+          <a:lstStyle/>
+          <a:p>
+            <a:r>
+              <a:rPr lang="en-US" dirty="0" smtClean="0"/>
+              <a:t>Defaulters</a:t>
+            </a:r>
+          </a:p>
+        </p:txBody>
+      </p:sp>
+      <p:graphicFrame>
+        <p:nvGraphicFramePr>
+          <p:cNvPr id="8" name="Chart 7"/>
+          <p:cNvGraphicFramePr>
+            <a:graphicFrameLocks/>
+          </p:cNvGraphicFramePr>
+          <p:nvPr>
+            <p:extLst>
+              <p:ext uri="{D42A27DB-BD31-4B8C-83A1-F6EECF244321}">
+                <p14:modId xmlns:p14="http://schemas.microsoft.com/office/powerpoint/2010/main" val="960413859"/>
+              </p:ext>
+            </p:extLst>
+          </p:nvPr>
+        </p:nvGraphicFramePr>
+        <p:xfrm>
+          <a:off x="971550" y="1301122"/>
+          <a:ext cx="6524865" cy="4826627"/>
+        </p:xfrm>
+        <a:graphic>
+          <a:graphicData uri="http://schemas.openxmlformats.org/drawingml/2006/chart">
+            <c:chart xmlns:c="http://schemas.openxmlformats.org/drawingml/2006/chart" xmlns:r="http://schemas.openxmlformats.org/officeDocument/2006/relationships" r:id="rId2"/>
+          </a:graphicData>
+        </a:graphic>
+      </p:graphicFrame>
+    </p:spTree>
+    <p:extLst>
+      <p:ext uri="{BB962C8B-B14F-4D97-AF65-F5344CB8AC3E}">
+        <p14:creationId xmlns:p14="http://schemas.microsoft.com/office/powerpoint/2010/main" val="2221936612"/>
+      </p:ext>
+    </p:extLst>
+  </p:cSld>
+  <p:clrMapOvr>
+    <a:masterClrMapping/>
+  </p:clrMapOvr>
+  <p:timing>
+    <p:tnLst>
+      <p:par>
+        <p:cTn xmlns:p14="http://schemas.microsoft.com/office/powerpoint/2010/main" id="1" dur="indefinite" restart="never" nodeType="tmRoot"/>
+      </p:par>
+    </p:tnLst>
+  </p:timing>
+</p:sld>
+</file>
+
+<file path=ppt/slides/slide16.xml><?xml version="1.0" encoding="utf-8"?>
+<p:sld xmlns:a="http://schemas.openxmlformats.org/drawingml/2006/main" xmlns:r="http://schemas.openxmlformats.org/officeDocument/2006/relationships" xmlns:p="http://schemas.openxmlformats.org/presentationml/2006/main">
+  <p:cSld>
+    <p:spTree>
+      <p:nvGrpSpPr>
+        <p:cNvPr id="1" name=""/>
+        <p:cNvGrpSpPr/>
+        <p:nvPr/>
+      </p:nvGrpSpPr>
+      <p:grpSpPr>
+        <a:xfrm>
+          <a:off x="0" y="0"/>
+          <a:ext cx="0" cy="0"/>
+          <a:chOff x="0" y="0"/>
+          <a:chExt cx="0" cy="0"/>
+        </a:xfrm>
+      </p:grpSpPr>
+      <p:sp>
+        <p:nvSpPr>
+          <p:cNvPr id="2" name="Title 1"/>
+          <p:cNvSpPr>
+            <a:spLocks noGrp="1"/>
+          </p:cNvSpPr>
+          <p:nvPr>
+            <p:ph type="title"/>
+          </p:nvPr>
+        </p:nvSpPr>
+        <p:spPr/>
+        <p:txBody>
+          <a:bodyPr>
+            <a:normAutofit fontScale="90000"/>
+          </a:bodyPr>
+          <a:lstStyle/>
+          <a:p>
+            <a:r>
+              <a:rPr lang="en-US" dirty="0" smtClean="0"/>
+              <a:t>Var07: </a:t>
+            </a:r>
+            <a:r>
+              <a:rPr lang="en-US" dirty="0"/>
+              <a:t>Unpaid amount in </a:t>
+            </a:r>
+            <a:r>
+              <a:rPr lang="en-US" dirty="0" smtClean="0"/>
+              <a:t>mortgages</a:t>
+            </a:r>
+            <a:endParaRPr lang="en-US" dirty="0"/>
+          </a:p>
+        </p:txBody>
+      </p:sp>
+      <p:sp>
+        <p:nvSpPr>
+          <p:cNvPr id="3" name="Content Placeholder 2"/>
+          <p:cNvSpPr>
+            <a:spLocks noGrp="1"/>
+          </p:cNvSpPr>
+          <p:nvPr>
+            <p:ph idx="1"/>
+          </p:nvPr>
+        </p:nvSpPr>
+        <p:spPr/>
+        <p:txBody>
+          <a:bodyPr/>
+          <a:lstStyle/>
+          <a:p>
+            <a:endParaRPr lang="en-US"/>
+          </a:p>
+        </p:txBody>
+      </p:sp>
+      <p:sp>
+        <p:nvSpPr>
+          <p:cNvPr id="6" name="TextBox 5"/>
+          <p:cNvSpPr txBox="1"/>
+          <p:nvPr/>
+        </p:nvSpPr>
+        <p:spPr>
+          <a:xfrm>
+            <a:off x="696981" y="5405854"/>
+            <a:ext cx="1622409" cy="369332"/>
+          </a:xfrm>
+          <a:prstGeom prst="rect">
+            <a:avLst/>
+          </a:prstGeom>
+          <a:noFill/>
+        </p:spPr>
+        <p:txBody>
+          <a:bodyPr wrap="none" rtlCol="0">
+            <a:spAutoFit/>
+          </a:bodyPr>
+          <a:lstStyle/>
+          <a:p>
+            <a:r>
+              <a:rPr lang="en-US" dirty="0" smtClean="0"/>
+              <a:t>Non-Defaulters</a:t>
+            </a:r>
+          </a:p>
+        </p:txBody>
+      </p:sp>
+      <p:sp>
+        <p:nvSpPr>
+          <p:cNvPr id="7" name="TextBox 6"/>
+          <p:cNvSpPr txBox="1"/>
+          <p:nvPr/>
+        </p:nvSpPr>
+        <p:spPr>
+          <a:xfrm>
+            <a:off x="5945084" y="5373588"/>
+            <a:ext cx="1159730" cy="369332"/>
+          </a:xfrm>
+          <a:prstGeom prst="rect">
+            <a:avLst/>
+          </a:prstGeom>
+          <a:noFill/>
+        </p:spPr>
+        <p:txBody>
+          <a:bodyPr wrap="none" rtlCol="0">
+            <a:spAutoFit/>
+          </a:bodyPr>
+          <a:lstStyle/>
+          <a:p>
+            <a:r>
+              <a:rPr lang="en-US" dirty="0" smtClean="0"/>
+              <a:t>Defaulters</a:t>
+            </a:r>
+          </a:p>
+        </p:txBody>
+      </p:sp>
+      <p:graphicFrame>
+        <p:nvGraphicFramePr>
+          <p:cNvPr id="8" name="Chart 7"/>
+          <p:cNvGraphicFramePr>
+            <a:graphicFrameLocks/>
+          </p:cNvGraphicFramePr>
+          <p:nvPr>
+            <p:extLst>
+              <p:ext uri="{D42A27DB-BD31-4B8C-83A1-F6EECF244321}">
+                <p14:modId xmlns:p14="http://schemas.microsoft.com/office/powerpoint/2010/main" val="3443076586"/>
+              </p:ext>
+            </p:extLst>
+          </p:nvPr>
+        </p:nvGraphicFramePr>
+        <p:xfrm>
+          <a:off x="971550" y="1256895"/>
+          <a:ext cx="7200900" cy="5397500"/>
+        </p:xfrm>
+        <a:graphic>
+          <a:graphicData uri="http://schemas.openxmlformats.org/drawingml/2006/chart">
+            <c:chart xmlns:c="http://schemas.openxmlformats.org/drawingml/2006/chart" xmlns:r="http://schemas.openxmlformats.org/officeDocument/2006/relationships" r:id="rId2"/>
+          </a:graphicData>
+        </a:graphic>
+      </p:graphicFrame>
+    </p:spTree>
+    <p:extLst>
+      <p:ext uri="{BB962C8B-B14F-4D97-AF65-F5344CB8AC3E}">
+        <p14:creationId xmlns:p14="http://schemas.microsoft.com/office/powerpoint/2010/main" val="1614544408"/>
+      </p:ext>
+    </p:extLst>
+  </p:cSld>
+  <p:clrMapOvr>
+    <a:masterClrMapping/>
+  </p:clrMapOvr>
+  <p:timing>
+    <p:tnLst>
+      <p:par>
+        <p:cTn xmlns:p14="http://schemas.microsoft.com/office/powerpoint/2010/main" id="1" dur="indefinite" restart="never" nodeType="tmRoot"/>
+      </p:par>
+    </p:tnLst>
+  </p:timing>
+</p:sld>
+</file>
+
+<file path=ppt/slides/slide17.xml><?xml version="1.0" encoding="utf-8"?>
+<p:sld xmlns:a="http://schemas.openxmlformats.org/drawingml/2006/main" xmlns:r="http://schemas.openxmlformats.org/officeDocument/2006/relationships" xmlns:p="http://schemas.openxmlformats.org/presentationml/2006/main">
+  <p:cSld>
+    <p:spTree>
+      <p:nvGrpSpPr>
+        <p:cNvPr id="1" name=""/>
+        <p:cNvGrpSpPr/>
+        <p:nvPr/>
+      </p:nvGrpSpPr>
+      <p:grpSpPr>
+        <a:xfrm>
+          <a:off x="0" y="0"/>
+          <a:ext cx="0" cy="0"/>
+          <a:chOff x="0" y="0"/>
+          <a:chExt cx="0" cy="0"/>
+        </a:xfrm>
+      </p:grpSpPr>
+      <p:sp>
+        <p:nvSpPr>
+          <p:cNvPr id="2" name="Title 1"/>
+          <p:cNvSpPr>
+            <a:spLocks noGrp="1"/>
+          </p:cNvSpPr>
+          <p:nvPr>
+            <p:ph type="title"/>
+          </p:nvPr>
+        </p:nvSpPr>
+        <p:spPr/>
+        <p:txBody>
+          <a:bodyPr>
+            <a:normAutofit fontScale="90000"/>
+          </a:bodyPr>
+          <a:lstStyle/>
+          <a:p>
+            <a:r>
+              <a:rPr lang="en-US" dirty="0" smtClean="0"/>
+              <a:t>Var08: </a:t>
+            </a:r>
+            <a:r>
+              <a:rPr lang="en-US" dirty="0"/>
+              <a:t>Unpaid amount in personal loans </a:t>
+            </a:r>
+          </a:p>
+        </p:txBody>
+      </p:sp>
+      <p:sp>
+        <p:nvSpPr>
+          <p:cNvPr id="3" name="Content Placeholder 2"/>
+          <p:cNvSpPr>
+            <a:spLocks noGrp="1"/>
+          </p:cNvSpPr>
+          <p:nvPr>
+            <p:ph idx="1"/>
+          </p:nvPr>
+        </p:nvSpPr>
+        <p:spPr/>
+        <p:txBody>
+          <a:bodyPr/>
+          <a:lstStyle/>
+          <a:p>
+            <a:endParaRPr lang="en-US" dirty="0"/>
+          </a:p>
+        </p:txBody>
+      </p:sp>
+      <p:sp>
+        <p:nvSpPr>
+          <p:cNvPr id="8" name="TextBox 7"/>
+          <p:cNvSpPr txBox="1"/>
+          <p:nvPr/>
+        </p:nvSpPr>
+        <p:spPr>
+          <a:xfrm>
+            <a:off x="696981" y="5405854"/>
+            <a:ext cx="1622409" cy="369332"/>
+          </a:xfrm>
+          <a:prstGeom prst="rect">
+            <a:avLst/>
+          </a:prstGeom>
+          <a:noFill/>
+        </p:spPr>
+        <p:txBody>
+          <a:bodyPr wrap="none" rtlCol="0">
+            <a:spAutoFit/>
+          </a:bodyPr>
+          <a:lstStyle/>
+          <a:p>
+            <a:r>
+              <a:rPr lang="en-US" dirty="0" smtClean="0"/>
+              <a:t>Non-Defaulters</a:t>
+            </a:r>
+          </a:p>
+        </p:txBody>
+      </p:sp>
+      <p:sp>
+        <p:nvSpPr>
+          <p:cNvPr id="9" name="TextBox 8"/>
+          <p:cNvSpPr txBox="1"/>
+          <p:nvPr/>
+        </p:nvSpPr>
+        <p:spPr>
+          <a:xfrm>
+            <a:off x="5945084" y="5373588"/>
+            <a:ext cx="1159730" cy="369332"/>
+          </a:xfrm>
+          <a:prstGeom prst="rect">
+            <a:avLst/>
+          </a:prstGeom>
+          <a:noFill/>
+        </p:spPr>
+        <p:txBody>
+          <a:bodyPr wrap="none" rtlCol="0">
+            <a:spAutoFit/>
+          </a:bodyPr>
+          <a:lstStyle/>
+          <a:p>
+            <a:r>
+              <a:rPr lang="en-US" dirty="0" smtClean="0"/>
+              <a:t>Defaulters</a:t>
+            </a:r>
+          </a:p>
+        </p:txBody>
+      </p:sp>
+      <p:graphicFrame>
+        <p:nvGraphicFramePr>
+          <p:cNvPr id="10" name="Chart 9"/>
+          <p:cNvGraphicFramePr>
+            <a:graphicFrameLocks/>
+          </p:cNvGraphicFramePr>
+          <p:nvPr>
+            <p:extLst>
+              <p:ext uri="{D42A27DB-BD31-4B8C-83A1-F6EECF244321}">
+                <p14:modId xmlns:p14="http://schemas.microsoft.com/office/powerpoint/2010/main" val="2387991712"/>
+              </p:ext>
+            </p:extLst>
+          </p:nvPr>
+        </p:nvGraphicFramePr>
+        <p:xfrm>
+          <a:off x="971550" y="1773898"/>
+          <a:ext cx="6633284" cy="4710112"/>
+        </p:xfrm>
+        <a:graphic>
+          <a:graphicData uri="http://schemas.openxmlformats.org/drawingml/2006/chart">
+            <c:chart xmlns:c="http://schemas.openxmlformats.org/drawingml/2006/chart" xmlns:r="http://schemas.openxmlformats.org/officeDocument/2006/relationships" r:id="rId2"/>
+          </a:graphicData>
+        </a:graphic>
+      </p:graphicFrame>
+    </p:spTree>
+    <p:extLst>
+      <p:ext uri="{BB962C8B-B14F-4D97-AF65-F5344CB8AC3E}">
+        <p14:creationId xmlns:p14="http://schemas.microsoft.com/office/powerpoint/2010/main" val="3126050969"/>
+      </p:ext>
+    </p:extLst>
+  </p:cSld>
+  <p:clrMapOvr>
+    <a:masterClrMapping/>
+  </p:clrMapOvr>
+  <p:timing>
+    <p:tnLst>
+      <p:par>
+        <p:cTn xmlns:p14="http://schemas.microsoft.com/office/powerpoint/2010/main" id="1" dur="indefinite" restart="never" nodeType="tmRoot"/>
+      </p:par>
+    </p:tnLst>
+  </p:timing>
+</p:sld>
+</file>
+
 <file path=ppt/slides/slide2.xml><?xml version="1.0" encoding="utf-8"?>
 <p:sld xmlns:a="http://schemas.openxmlformats.org/drawingml/2006/main" xmlns:r="http://schemas.openxmlformats.org/officeDocument/2006/relationships" xmlns:p="http://schemas.openxmlformats.org/presentationml/2006/main">
   <p:cSld>
